--- a/diapos/CPP_matin.pptx
+++ b/diapos/CPP_matin.pptx
@@ -5,10 +5,10 @@
     <p:sldMasterId id="2147483684" r:id="rId4"/>
   </p:sldMasterIdLst>
   <p:notesMasterIdLst>
-    <p:notesMasterId r:id="rId33"/>
+    <p:notesMasterId r:id="rId39"/>
   </p:notesMasterIdLst>
   <p:handoutMasterIdLst>
-    <p:handoutMasterId r:id="rId34"/>
+    <p:handoutMasterId r:id="rId40"/>
   </p:handoutMasterIdLst>
   <p:sldIdLst>
     <p:sldId id="256" r:id="rId5"/>
@@ -25,20 +25,26 @@
     <p:sldId id="291" r:id="rId16"/>
     <p:sldId id="294" r:id="rId17"/>
     <p:sldId id="289" r:id="rId18"/>
-    <p:sldId id="293" r:id="rId19"/>
-    <p:sldId id="292" r:id="rId20"/>
-    <p:sldId id="280" r:id="rId21"/>
-    <p:sldId id="295" r:id="rId22"/>
-    <p:sldId id="296" r:id="rId23"/>
-    <p:sldId id="297" r:id="rId24"/>
-    <p:sldId id="298" r:id="rId25"/>
-    <p:sldId id="299" r:id="rId26"/>
-    <p:sldId id="282" r:id="rId27"/>
-    <p:sldId id="281" r:id="rId28"/>
-    <p:sldId id="283" r:id="rId29"/>
-    <p:sldId id="285" r:id="rId30"/>
-    <p:sldId id="277" r:id="rId31"/>
-    <p:sldId id="270" r:id="rId32"/>
+    <p:sldId id="300" r:id="rId19"/>
+    <p:sldId id="293" r:id="rId20"/>
+    <p:sldId id="292" r:id="rId21"/>
+    <p:sldId id="280" r:id="rId22"/>
+    <p:sldId id="295" r:id="rId23"/>
+    <p:sldId id="296" r:id="rId24"/>
+    <p:sldId id="297" r:id="rId25"/>
+    <p:sldId id="298" r:id="rId26"/>
+    <p:sldId id="299" r:id="rId27"/>
+    <p:sldId id="301" r:id="rId28"/>
+    <p:sldId id="302" r:id="rId29"/>
+    <p:sldId id="303" r:id="rId30"/>
+    <p:sldId id="304" r:id="rId31"/>
+    <p:sldId id="305" r:id="rId32"/>
+    <p:sldId id="282" r:id="rId33"/>
+    <p:sldId id="281" r:id="rId34"/>
+    <p:sldId id="283" r:id="rId35"/>
+    <p:sldId id="285" r:id="rId36"/>
+    <p:sldId id="277" r:id="rId37"/>
+    <p:sldId id="270" r:id="rId38"/>
   </p:sldIdLst>
   <p:sldSz cx="9144000" cy="5715000" type="screen16x10"/>
   <p:notesSz cx="6858000" cy="9144000"/>
@@ -252,7 +258,7 @@
             <a:pPr rtl="0"/>
             <a:fld id="{44067F72-4B43-4EB2-81AF-1356A084F97D}" type="datetime1">
               <a:rPr lang="fr-FR" smtClean="0"/>
-              <a:t>02/06/2021</a:t>
+              <a:t>09/06/2021</a:t>
             </a:fld>
             <a:endParaRPr lang="fr-FR" dirty="0"/>
           </a:p>
@@ -434,7 +440,7 @@
             <a:pPr rtl="0"/>
             <a:fld id="{18E2C9A5-1936-47C6-ADD2-56E91A3B7AD6}" type="datetime1">
               <a:rPr lang="fr-FR" noProof="0" smtClean="0"/>
-              <a:t>02/06/2021</a:t>
+              <a:t>09/06/2021</a:t>
             </a:fld>
             <a:endParaRPr lang="fr-FR" noProof="0" dirty="0"/>
           </a:p>
@@ -898,7 +904,7 @@
             <a:pPr rtl="0"/>
             <a:fld id="{C6B3AB32-59DF-41F1-9618-EDFBF5049629}" type="slidenum">
               <a:rPr lang="fr-FR" smtClean="0"/>
-              <a:t>17</a:t>
+              <a:t>18</a:t>
             </a:fld>
             <a:endParaRPr lang="fr-FR"/>
           </a:p>
@@ -936,7 +942,7 @@
       </p:grpSpPr>
       <p:sp>
         <p:nvSpPr>
-          <p:cNvPr id="2" name="Espace réservé de l’image des diapositives 1"/>
+          <p:cNvPr id="2" name="Espace réservé de l'image des diapositives 1"/>
           <p:cNvSpPr>
             <a:spLocks noGrp="1" noRot="1" noChangeAspect="1"/>
           </p:cNvSpPr>
@@ -944,16 +950,11 @@
             <p:ph type="sldImg"/>
           </p:nvPr>
         </p:nvSpPr>
-        <p:spPr>
-          <a:xfrm>
-            <a:off x="960438" y="1143000"/>
-            <a:ext cx="4937125" cy="3086100"/>
-          </a:xfrm>
-        </p:spPr>
-      </p:sp>
-      <p:sp>
-        <p:nvSpPr>
-          <p:cNvPr id="3" name="Espace réservé des commentaires 2"/>
+        <p:spPr/>
+      </p:sp>
+      <p:sp>
+        <p:nvSpPr>
+          <p:cNvPr id="3" name="Espace réservé des notes 2"/>
           <p:cNvSpPr>
             <a:spLocks noGrp="1"/>
           </p:cNvSpPr>
@@ -963,11 +964,18 @@
         </p:nvSpPr>
         <p:spPr/>
         <p:txBody>
-          <a:bodyPr rtlCol="0"/>
+          <a:bodyPr/>
           <a:lstStyle/>
           <a:p>
-            <a:pPr rtl="0"/>
-            <a:endParaRPr lang="fr-FR"/>
+            <a:r>
+              <a:rPr lang="fr-FR" dirty="0" smtClean="0"/>
+              <a:t>Les Variables d’environnement</a:t>
+            </a:r>
+            <a:r>
+              <a:rPr lang="fr-FR" baseline="0" dirty="0" smtClean="0"/>
+              <a:t> peuvent évoluer ou être modifiées d’une version à l’autre, bref, c’est ingérable…</a:t>
+            </a:r>
+            <a:endParaRPr lang="fr-FR" dirty="0"/>
           </a:p>
         </p:txBody>
       </p:sp>
@@ -978,27 +986,27 @@
             <a:spLocks noGrp="1"/>
           </p:cNvSpPr>
           <p:nvPr>
-            <p:ph type="sldNum" sz="quarter" idx="5"/>
+            <p:ph type="sldNum" sz="quarter" idx="10"/>
           </p:nvPr>
         </p:nvSpPr>
         <p:spPr/>
         <p:txBody>
-          <a:bodyPr rtlCol="0"/>
+          <a:bodyPr/>
           <a:lstStyle/>
           <a:p>
             <a:pPr rtl="0"/>
             <a:fld id="{C6B3AB32-59DF-41F1-9618-EDFBF5049629}" type="slidenum">
-              <a:rPr lang="fr-FR" smtClean="0"/>
-              <a:t>23</a:t>
+              <a:rPr lang="fr-FR" noProof="0" smtClean="0"/>
+              <a:t>27</a:t>
             </a:fld>
-            <a:endParaRPr lang="fr-FR"/>
+            <a:endParaRPr lang="fr-FR" noProof="0" dirty="0"/>
           </a:p>
         </p:txBody>
       </p:sp>
     </p:spTree>
     <p:extLst>
       <p:ext uri="{BB962C8B-B14F-4D97-AF65-F5344CB8AC3E}">
-        <p14:creationId xmlns:p14="http://schemas.microsoft.com/office/powerpoint/2010/main" val="822967891"/>
+        <p14:creationId xmlns:p14="http://schemas.microsoft.com/office/powerpoint/2010/main" val="1158843994"/>
       </p:ext>
     </p:extLst>
   </p:cSld>
@@ -1027,7 +1035,7 @@
       </p:grpSpPr>
       <p:sp>
         <p:nvSpPr>
-          <p:cNvPr id="2" name="Espace réservé de l’image des diapositives 1"/>
+          <p:cNvPr id="2" name="Espace réservé de l'image des diapositives 1"/>
           <p:cNvSpPr>
             <a:spLocks noGrp="1" noRot="1" noChangeAspect="1"/>
           </p:cNvSpPr>
@@ -1035,16 +1043,11 @@
             <p:ph type="sldImg"/>
           </p:nvPr>
         </p:nvSpPr>
-        <p:spPr>
-          <a:xfrm>
-            <a:off x="960438" y="1143000"/>
-            <a:ext cx="4937125" cy="3086100"/>
-          </a:xfrm>
-        </p:spPr>
-      </p:sp>
-      <p:sp>
-        <p:nvSpPr>
-          <p:cNvPr id="3" name="Espace réservé des commentaires 2"/>
+        <p:spPr/>
+      </p:sp>
+      <p:sp>
+        <p:nvSpPr>
+          <p:cNvPr id="3" name="Espace réservé des notes 2"/>
           <p:cNvSpPr>
             <a:spLocks noGrp="1"/>
           </p:cNvSpPr>
@@ -1054,10 +1057,17 @@
         </p:nvSpPr>
         <p:spPr/>
         <p:txBody>
-          <a:bodyPr rtlCol="0"/>
+          <a:bodyPr/>
           <a:lstStyle/>
           <a:p>
-            <a:pPr rtl="0"/>
+            <a:r>
+              <a:rPr lang="fr-FR" dirty="0" smtClean="0"/>
+              <a:t>Les Variables d’environnement</a:t>
+            </a:r>
+            <a:r>
+              <a:rPr lang="fr-FR" baseline="0" dirty="0" smtClean="0"/>
+              <a:t> peuvent évoluer ou être modifiées d’une version à l’autre, bref, c’est ingérable…</a:t>
+            </a:r>
             <a:endParaRPr lang="fr-FR" dirty="0"/>
           </a:p>
         </p:txBody>
@@ -1069,27 +1079,27 @@
             <a:spLocks noGrp="1"/>
           </p:cNvSpPr>
           <p:nvPr>
-            <p:ph type="sldNum" sz="quarter" idx="5"/>
+            <p:ph type="sldNum" sz="quarter" idx="10"/>
           </p:nvPr>
         </p:nvSpPr>
         <p:spPr/>
         <p:txBody>
-          <a:bodyPr rtlCol="0"/>
+          <a:bodyPr/>
           <a:lstStyle/>
           <a:p>
             <a:pPr rtl="0"/>
             <a:fld id="{C6B3AB32-59DF-41F1-9618-EDFBF5049629}" type="slidenum">
-              <a:rPr lang="fr-FR" smtClean="0"/>
-              <a:t>24</a:t>
+              <a:rPr lang="fr-FR" noProof="0" smtClean="0"/>
+              <a:t>28</a:t>
             </a:fld>
-            <a:endParaRPr lang="fr-FR"/>
+            <a:endParaRPr lang="fr-FR" noProof="0" dirty="0"/>
           </a:p>
         </p:txBody>
       </p:sp>
     </p:spTree>
     <p:extLst>
       <p:ext uri="{BB962C8B-B14F-4D97-AF65-F5344CB8AC3E}">
-        <p14:creationId xmlns:p14="http://schemas.microsoft.com/office/powerpoint/2010/main" val="3130159449"/>
+        <p14:creationId xmlns:p14="http://schemas.microsoft.com/office/powerpoint/2010/main" val="2837494235"/>
       </p:ext>
     </p:extLst>
   </p:cSld>
@@ -1171,7 +1181,7 @@
             <a:pPr rtl="0"/>
             <a:fld id="{C6B3AB32-59DF-41F1-9618-EDFBF5049629}" type="slidenum">
               <a:rPr lang="fr-FR" smtClean="0"/>
-              <a:t>25</a:t>
+              <a:t>29</a:t>
             </a:fld>
             <a:endParaRPr lang="fr-FR"/>
           </a:p>
@@ -1180,7 +1190,7 @@
     </p:spTree>
     <p:extLst>
       <p:ext uri="{BB962C8B-B14F-4D97-AF65-F5344CB8AC3E}">
-        <p14:creationId xmlns:p14="http://schemas.microsoft.com/office/powerpoint/2010/main" val="2932722485"/>
+        <p14:creationId xmlns:p14="http://schemas.microsoft.com/office/powerpoint/2010/main" val="822967891"/>
       </p:ext>
     </p:extLst>
   </p:cSld>
@@ -1240,7 +1250,7 @@
           <a:lstStyle/>
           <a:p>
             <a:pPr rtl="0"/>
-            <a:endParaRPr lang="fr-FR"/>
+            <a:endParaRPr lang="fr-FR" dirty="0"/>
           </a:p>
         </p:txBody>
       </p:sp>
@@ -1262,7 +1272,7 @@
             <a:pPr rtl="0"/>
             <a:fld id="{C6B3AB32-59DF-41F1-9618-EDFBF5049629}" type="slidenum">
               <a:rPr lang="fr-FR" smtClean="0"/>
-              <a:t>26</a:t>
+              <a:t>30</a:t>
             </a:fld>
             <a:endParaRPr lang="fr-FR"/>
           </a:p>
@@ -1271,7 +1281,7 @@
     </p:spTree>
     <p:extLst>
       <p:ext uri="{BB962C8B-B14F-4D97-AF65-F5344CB8AC3E}">
-        <p14:creationId xmlns:p14="http://schemas.microsoft.com/office/powerpoint/2010/main" val="1335678831"/>
+        <p14:creationId xmlns:p14="http://schemas.microsoft.com/office/powerpoint/2010/main" val="3130159449"/>
       </p:ext>
     </p:extLst>
   </p:cSld>
@@ -1300,7 +1310,7 @@
       </p:grpSpPr>
       <p:sp>
         <p:nvSpPr>
-          <p:cNvPr id="2" name="Espace réservé de l'image des diapositives 1"/>
+          <p:cNvPr id="2" name="Espace réservé de l’image des diapositives 1"/>
           <p:cNvSpPr>
             <a:spLocks noGrp="1" noRot="1" noChangeAspect="1"/>
           </p:cNvSpPr>
@@ -1308,55 +1318,61 @@
             <p:ph type="sldImg"/>
           </p:nvPr>
         </p:nvSpPr>
+        <p:spPr>
+          <a:xfrm>
+            <a:off x="960438" y="1143000"/>
+            <a:ext cx="4937125" cy="3086100"/>
+          </a:xfrm>
+        </p:spPr>
+      </p:sp>
+      <p:sp>
+        <p:nvSpPr>
+          <p:cNvPr id="3" name="Espace réservé des commentaires 2"/>
+          <p:cNvSpPr>
+            <a:spLocks noGrp="1"/>
+          </p:cNvSpPr>
+          <p:nvPr>
+            <p:ph type="body" idx="1"/>
+          </p:nvPr>
+        </p:nvSpPr>
         <p:spPr/>
-      </p:sp>
-      <p:sp>
-        <p:nvSpPr>
-          <p:cNvPr id="3" name="Espace réservé des notes 2"/>
+        <p:txBody>
+          <a:bodyPr rtlCol="0"/>
+          <a:lstStyle/>
+          <a:p>
+            <a:pPr rtl="0"/>
+            <a:endParaRPr lang="fr-FR"/>
+          </a:p>
+        </p:txBody>
+      </p:sp>
+      <p:sp>
+        <p:nvSpPr>
+          <p:cNvPr id="4" name="Espace réservé du numéro de diapositive 3"/>
           <p:cNvSpPr>
             <a:spLocks noGrp="1"/>
           </p:cNvSpPr>
           <p:nvPr>
-            <p:ph type="body" idx="1"/>
+            <p:ph type="sldNum" sz="quarter" idx="5"/>
           </p:nvPr>
         </p:nvSpPr>
         <p:spPr/>
         <p:txBody>
-          <a:bodyPr/>
-          <a:lstStyle/>
-          <a:p>
-            <a:endParaRPr lang="fr-FR" dirty="0"/>
-          </a:p>
-        </p:txBody>
-      </p:sp>
-      <p:sp>
-        <p:nvSpPr>
-          <p:cNvPr id="4" name="Espace réservé du numéro de diapositive 3"/>
-          <p:cNvSpPr>
-            <a:spLocks noGrp="1"/>
-          </p:cNvSpPr>
-          <p:nvPr>
-            <p:ph type="sldNum" sz="quarter" idx="10"/>
-          </p:nvPr>
-        </p:nvSpPr>
-        <p:spPr/>
-        <p:txBody>
-          <a:bodyPr/>
+          <a:bodyPr rtlCol="0"/>
           <a:lstStyle/>
           <a:p>
             <a:pPr rtl="0"/>
             <a:fld id="{C6B3AB32-59DF-41F1-9618-EDFBF5049629}" type="slidenum">
-              <a:rPr lang="fr-FR" noProof="0" smtClean="0"/>
-              <a:t>27</a:t>
+              <a:rPr lang="fr-FR" smtClean="0"/>
+              <a:t>31</a:t>
             </a:fld>
-            <a:endParaRPr lang="fr-FR" noProof="0" dirty="0"/>
+            <a:endParaRPr lang="fr-FR"/>
           </a:p>
         </p:txBody>
       </p:sp>
     </p:spTree>
     <p:extLst>
       <p:ext uri="{BB962C8B-B14F-4D97-AF65-F5344CB8AC3E}">
-        <p14:creationId xmlns:p14="http://schemas.microsoft.com/office/powerpoint/2010/main" val="941446977"/>
+        <p14:creationId xmlns:p14="http://schemas.microsoft.com/office/powerpoint/2010/main" val="2932722485"/>
       </p:ext>
     </p:extLst>
   </p:cSld>
@@ -1416,7 +1432,7 @@
           <a:lstStyle/>
           <a:p>
             <a:pPr rtl="0"/>
-            <a:endParaRPr lang="fr-FR" dirty="0"/>
+            <a:endParaRPr lang="fr-FR"/>
           </a:p>
         </p:txBody>
       </p:sp>
@@ -1438,7 +1454,183 @@
             <a:pPr rtl="0"/>
             <a:fld id="{C6B3AB32-59DF-41F1-9618-EDFBF5049629}" type="slidenum">
               <a:rPr lang="fr-FR" smtClean="0"/>
-              <a:t>28</a:t>
+              <a:t>32</a:t>
+            </a:fld>
+            <a:endParaRPr lang="fr-FR"/>
+          </a:p>
+        </p:txBody>
+      </p:sp>
+    </p:spTree>
+    <p:extLst>
+      <p:ext uri="{BB962C8B-B14F-4D97-AF65-F5344CB8AC3E}">
+        <p14:creationId xmlns:p14="http://schemas.microsoft.com/office/powerpoint/2010/main" val="1335678831"/>
+      </p:ext>
+    </p:extLst>
+  </p:cSld>
+  <p:clrMapOvr>
+    <a:masterClrMapping/>
+  </p:clrMapOvr>
+</p:notes>
+</file>
+
+<file path=ppt/notesSlides/notesSlide17.xml><?xml version="1.0" encoding="utf-8"?>
+<p:notes xmlns:a="http://schemas.openxmlformats.org/drawingml/2006/main" xmlns:r="http://schemas.openxmlformats.org/officeDocument/2006/relationships" xmlns:p="http://schemas.openxmlformats.org/presentationml/2006/main">
+  <p:cSld>
+    <p:spTree>
+      <p:nvGrpSpPr>
+        <p:cNvPr id="1" name=""/>
+        <p:cNvGrpSpPr/>
+        <p:nvPr/>
+      </p:nvGrpSpPr>
+      <p:grpSpPr>
+        <a:xfrm>
+          <a:off x="0" y="0"/>
+          <a:ext cx="0" cy="0"/>
+          <a:chOff x="0" y="0"/>
+          <a:chExt cx="0" cy="0"/>
+        </a:xfrm>
+      </p:grpSpPr>
+      <p:sp>
+        <p:nvSpPr>
+          <p:cNvPr id="2" name="Espace réservé de l'image des diapositives 1"/>
+          <p:cNvSpPr>
+            <a:spLocks noGrp="1" noRot="1" noChangeAspect="1"/>
+          </p:cNvSpPr>
+          <p:nvPr>
+            <p:ph type="sldImg"/>
+          </p:nvPr>
+        </p:nvSpPr>
+        <p:spPr/>
+      </p:sp>
+      <p:sp>
+        <p:nvSpPr>
+          <p:cNvPr id="3" name="Espace réservé des notes 2"/>
+          <p:cNvSpPr>
+            <a:spLocks noGrp="1"/>
+          </p:cNvSpPr>
+          <p:nvPr>
+            <p:ph type="body" idx="1"/>
+          </p:nvPr>
+        </p:nvSpPr>
+        <p:spPr/>
+        <p:txBody>
+          <a:bodyPr/>
+          <a:lstStyle/>
+          <a:p>
+            <a:endParaRPr lang="fr-FR" dirty="0"/>
+          </a:p>
+        </p:txBody>
+      </p:sp>
+      <p:sp>
+        <p:nvSpPr>
+          <p:cNvPr id="4" name="Espace réservé du numéro de diapositive 3"/>
+          <p:cNvSpPr>
+            <a:spLocks noGrp="1"/>
+          </p:cNvSpPr>
+          <p:nvPr>
+            <p:ph type="sldNum" sz="quarter" idx="10"/>
+          </p:nvPr>
+        </p:nvSpPr>
+        <p:spPr/>
+        <p:txBody>
+          <a:bodyPr/>
+          <a:lstStyle/>
+          <a:p>
+            <a:pPr rtl="0"/>
+            <a:fld id="{C6B3AB32-59DF-41F1-9618-EDFBF5049629}" type="slidenum">
+              <a:rPr lang="fr-FR" noProof="0" smtClean="0"/>
+              <a:t>33</a:t>
+            </a:fld>
+            <a:endParaRPr lang="fr-FR" noProof="0" dirty="0"/>
+          </a:p>
+        </p:txBody>
+      </p:sp>
+    </p:spTree>
+    <p:extLst>
+      <p:ext uri="{BB962C8B-B14F-4D97-AF65-F5344CB8AC3E}">
+        <p14:creationId xmlns:p14="http://schemas.microsoft.com/office/powerpoint/2010/main" val="941446977"/>
+      </p:ext>
+    </p:extLst>
+  </p:cSld>
+  <p:clrMapOvr>
+    <a:masterClrMapping/>
+  </p:clrMapOvr>
+</p:notes>
+</file>
+
+<file path=ppt/notesSlides/notesSlide18.xml><?xml version="1.0" encoding="utf-8"?>
+<p:notes xmlns:a="http://schemas.openxmlformats.org/drawingml/2006/main" xmlns:r="http://schemas.openxmlformats.org/officeDocument/2006/relationships" xmlns:p="http://schemas.openxmlformats.org/presentationml/2006/main">
+  <p:cSld>
+    <p:spTree>
+      <p:nvGrpSpPr>
+        <p:cNvPr id="1" name=""/>
+        <p:cNvGrpSpPr/>
+        <p:nvPr/>
+      </p:nvGrpSpPr>
+      <p:grpSpPr>
+        <a:xfrm>
+          <a:off x="0" y="0"/>
+          <a:ext cx="0" cy="0"/>
+          <a:chOff x="0" y="0"/>
+          <a:chExt cx="0" cy="0"/>
+        </a:xfrm>
+      </p:grpSpPr>
+      <p:sp>
+        <p:nvSpPr>
+          <p:cNvPr id="2" name="Espace réservé de l’image des diapositives 1"/>
+          <p:cNvSpPr>
+            <a:spLocks noGrp="1" noRot="1" noChangeAspect="1"/>
+          </p:cNvSpPr>
+          <p:nvPr>
+            <p:ph type="sldImg"/>
+          </p:nvPr>
+        </p:nvSpPr>
+        <p:spPr>
+          <a:xfrm>
+            <a:off x="960438" y="1143000"/>
+            <a:ext cx="4937125" cy="3086100"/>
+          </a:xfrm>
+        </p:spPr>
+      </p:sp>
+      <p:sp>
+        <p:nvSpPr>
+          <p:cNvPr id="3" name="Espace réservé des commentaires 2"/>
+          <p:cNvSpPr>
+            <a:spLocks noGrp="1"/>
+          </p:cNvSpPr>
+          <p:nvPr>
+            <p:ph type="body" idx="1"/>
+          </p:nvPr>
+        </p:nvSpPr>
+        <p:spPr/>
+        <p:txBody>
+          <a:bodyPr rtlCol="0"/>
+          <a:lstStyle/>
+          <a:p>
+            <a:pPr rtl="0"/>
+            <a:endParaRPr lang="fr-FR" dirty="0"/>
+          </a:p>
+        </p:txBody>
+      </p:sp>
+      <p:sp>
+        <p:nvSpPr>
+          <p:cNvPr id="4" name="Espace réservé du numéro de diapositive 3"/>
+          <p:cNvSpPr>
+            <a:spLocks noGrp="1"/>
+          </p:cNvSpPr>
+          <p:nvPr>
+            <p:ph type="sldNum" sz="quarter" idx="5"/>
+          </p:nvPr>
+        </p:nvSpPr>
+        <p:spPr/>
+        <p:txBody>
+          <a:bodyPr rtlCol="0"/>
+          <a:lstStyle/>
+          <a:p>
+            <a:pPr rtl="0"/>
+            <a:fld id="{C6B3AB32-59DF-41F1-9618-EDFBF5049629}" type="slidenum">
+              <a:rPr lang="fr-FR" smtClean="0"/>
+              <a:t>34</a:t>
             </a:fld>
             <a:endParaRPr lang="fr-FR" dirty="0"/>
           </a:p>
@@ -2399,7 +2591,7 @@
             <a:pPr rtl="0"/>
             <a:fld id="{95F14979-C768-4E40-879A-113D767D7598}" type="datetime1">
               <a:rPr lang="fr-FR" noProof="0" smtClean="0"/>
-              <a:t>02/06/2021</a:t>
+              <a:t>09/06/2021</a:t>
             </a:fld>
             <a:endParaRPr lang="fr-FR" noProof="0" dirty="0"/>
           </a:p>
@@ -2665,7 +2857,7 @@
             <a:pPr rtl="0"/>
             <a:fld id="{46AEB7E8-48A7-4B84-88AE-D5102810498A}" type="datetime1">
               <a:rPr lang="fr-FR" noProof="0" smtClean="0"/>
-              <a:t>02/06/2021</a:t>
+              <a:t>09/06/2021</a:t>
             </a:fld>
             <a:endParaRPr lang="fr-FR" noProof="0" dirty="0"/>
           </a:p>
@@ -2904,7 +3096,7 @@
             <a:pPr rtl="0"/>
             <a:fld id="{2FE4E01A-DB78-4E32-A009-59CFADEF770C}" type="datetime1">
               <a:rPr lang="fr-FR" noProof="0" smtClean="0"/>
-              <a:t>02/06/2021</a:t>
+              <a:t>09/06/2021</a:t>
             </a:fld>
             <a:endParaRPr lang="fr-FR" noProof="0" dirty="0"/>
           </a:p>
@@ -3231,7 +3423,7 @@
             <a:pPr rtl="0"/>
             <a:fld id="{666FD31E-62FB-4209-A7A6-BACD423FD1B9}" type="datetime1">
               <a:rPr lang="fr-FR" noProof="0" smtClean="0"/>
-              <a:t>02/06/2021</a:t>
+              <a:t>09/06/2021</a:t>
             </a:fld>
             <a:endParaRPr lang="fr-FR" noProof="0" dirty="0"/>
           </a:p>
@@ -3481,7 +3673,7 @@
             <a:pPr rtl="0"/>
             <a:fld id="{3921C42B-897E-4F7D-9F30-7A616D683282}" type="datetime1">
               <a:rPr lang="fr-FR" noProof="0" smtClean="0"/>
-              <a:t>02/06/2021</a:t>
+              <a:t>09/06/2021</a:t>
             </a:fld>
             <a:endParaRPr lang="fr-FR" noProof="0" dirty="0"/>
           </a:p>
@@ -3665,7 +3857,7 @@
             <a:pPr rtl="0"/>
             <a:fld id="{3921C42B-897E-4F7D-9F30-7A616D683282}" type="datetime1">
               <a:rPr lang="fr-FR" noProof="0" smtClean="0"/>
-              <a:t>02/06/2021</a:t>
+              <a:t>09/06/2021</a:t>
             </a:fld>
             <a:endParaRPr lang="fr-FR" noProof="0" dirty="0"/>
           </a:p>
@@ -3967,7 +4159,7 @@
             <a:pPr rtl="0"/>
             <a:fld id="{3921C42B-897E-4F7D-9F30-7A616D683282}" type="datetime1">
               <a:rPr lang="fr-FR" noProof="0" smtClean="0"/>
-              <a:t>02/06/2021</a:t>
+              <a:t>09/06/2021</a:t>
             </a:fld>
             <a:endParaRPr lang="fr-FR" noProof="0" dirty="0"/>
           </a:p>
@@ -4411,7 +4603,7 @@
             <a:pPr rtl="0"/>
             <a:fld id="{3921C42B-897E-4F7D-9F30-7A616D683282}" type="datetime1">
               <a:rPr lang="fr-FR" noProof="0" smtClean="0"/>
-              <a:t>02/06/2021</a:t>
+              <a:t>09/06/2021</a:t>
             </a:fld>
             <a:endParaRPr lang="fr-FR" noProof="0" dirty="0"/>
           </a:p>
@@ -4913,7 +5105,7 @@
             <a:pPr rtl="0"/>
             <a:fld id="{9D7570F7-C3C9-44B3-A009-658E4E9B6AED}" type="datetime1">
               <a:rPr lang="fr-FR" noProof="0" smtClean="0"/>
-              <a:t>02/06/2021</a:t>
+              <a:t>09/06/2021</a:t>
             </a:fld>
             <a:endParaRPr lang="fr-FR" noProof="0" dirty="0"/>
           </a:p>
@@ -5295,7 +5487,7 @@
             <a:pPr rtl="0"/>
             <a:fld id="{F981DFD8-7CC7-492D-8F3E-634F16593128}" type="datetime1">
               <a:rPr lang="fr-FR" noProof="0" smtClean="0"/>
-              <a:t>02/06/2021</a:t>
+              <a:t>09/06/2021</a:t>
             </a:fld>
             <a:endParaRPr lang="fr-FR" noProof="0" dirty="0"/>
           </a:p>
@@ -5588,7 +5780,7 @@
             <a:pPr rtl="0"/>
             <a:fld id="{097575A0-E176-45FF-AB41-901BA96C2E0F}" type="datetime1">
               <a:rPr lang="fr-FR" noProof="0" smtClean="0"/>
-              <a:t>02/06/2021</a:t>
+              <a:t>09/06/2021</a:t>
             </a:fld>
             <a:endParaRPr lang="fr-FR" noProof="0" dirty="0"/>
           </a:p>
@@ -5803,7 +5995,7 @@
             <a:pPr rtl="0"/>
             <a:fld id="{10358767-58E0-4259-BE08-C44246876B43}" type="datetime1">
               <a:rPr lang="fr-FR" noProof="0" smtClean="0"/>
-              <a:t>02/06/2021</a:t>
+              <a:t>09/06/2021</a:t>
             </a:fld>
             <a:endParaRPr lang="fr-FR" noProof="0" dirty="0"/>
           </a:p>
@@ -10734,9 +10926,37 @@
           <a:p>
             <a:r>
               <a:rPr lang="fr-FR" dirty="0" smtClean="0"/>
-              <a:t>Bilan</a:t>
+              <a:t>Mise en pratique</a:t>
             </a:r>
             <a:endParaRPr lang="fr-FR" dirty="0"/>
+          </a:p>
+        </p:txBody>
+      </p:sp>
+      <p:sp>
+        <p:nvSpPr>
+          <p:cNvPr id="11" name="Espace réservé du contenu 10"/>
+          <p:cNvSpPr>
+            <a:spLocks noGrp="1"/>
+          </p:cNvSpPr>
+          <p:nvPr>
+            <p:ph idx="1"/>
+          </p:nvPr>
+        </p:nvSpPr>
+        <p:spPr/>
+        <p:txBody>
+          <a:bodyPr/>
+          <a:lstStyle/>
+          <a:p>
+            <a:r>
+              <a:rPr lang="fr-FR" dirty="0" smtClean="0"/>
+              <a:t>Comprendre le code d’exemple suivant</a:t>
+            </a:r>
+          </a:p>
+          <a:p>
+            <a:r>
+              <a:rPr lang="fr-FR" dirty="0"/>
+              <a:t>https://en.cppreference.com/w/cpp/algorithm/reduce</a:t>
+            </a:r>
           </a:p>
         </p:txBody>
       </p:sp>
@@ -10764,183 +10984,10 @@
           </a:p>
         </p:txBody>
       </p:sp>
-      <p:sp>
-        <p:nvSpPr>
-          <p:cNvPr id="11" name="Espace réservé du texte 10"/>
-          <p:cNvSpPr>
-            <a:spLocks noGrp="1"/>
-          </p:cNvSpPr>
-          <p:nvPr>
-            <p:ph type="body" idx="1"/>
-          </p:nvPr>
-        </p:nvSpPr>
-        <p:spPr/>
-        <p:txBody>
-          <a:bodyPr/>
-          <a:lstStyle/>
-          <a:p>
-            <a:r>
-              <a:rPr lang="fr-FR" dirty="0" smtClean="0"/>
-              <a:t>Pour</a:t>
-            </a:r>
-            <a:endParaRPr lang="fr-FR" dirty="0"/>
-          </a:p>
-        </p:txBody>
-      </p:sp>
-      <p:sp>
-        <p:nvSpPr>
-          <p:cNvPr id="12" name="Espace réservé du contenu 11"/>
-          <p:cNvSpPr>
-            <a:spLocks noGrp="1"/>
-          </p:cNvSpPr>
-          <p:nvPr>
-            <p:ph sz="half" idx="2"/>
-          </p:nvPr>
-        </p:nvSpPr>
-        <p:spPr/>
-        <p:txBody>
-          <a:bodyPr/>
-          <a:lstStyle/>
-          <a:p>
-            <a:r>
-              <a:rPr lang="fr-FR" dirty="0" smtClean="0"/>
-              <a:t>Facilité de lecture et d’écriture</a:t>
-            </a:r>
-          </a:p>
-          <a:p>
-            <a:r>
-              <a:rPr lang="fr-FR" dirty="0" smtClean="0"/>
-              <a:t>Ne « pollue » pas l’architecture</a:t>
-            </a:r>
-          </a:p>
-          <a:p>
-            <a:r>
-              <a:rPr lang="fr-FR" dirty="0" smtClean="0"/>
-              <a:t>Application d’une opération simple dans un contexte particulier</a:t>
-            </a:r>
-          </a:p>
-          <a:p>
-            <a:r>
-              <a:rPr lang="fr-FR" dirty="0" smtClean="0"/>
-              <a:t>Utilisation conjointe avec </a:t>
-            </a:r>
-            <a:r>
-              <a:rPr lang="fr-FR" smtClean="0"/>
-              <a:t>les algorithmes</a:t>
-            </a:r>
-            <a:endParaRPr lang="fr-FR" dirty="0"/>
-          </a:p>
-        </p:txBody>
-      </p:sp>
-      <p:sp>
-        <p:nvSpPr>
-          <p:cNvPr id="13" name="Espace réservé du texte 12"/>
-          <p:cNvSpPr>
-            <a:spLocks noGrp="1"/>
-          </p:cNvSpPr>
-          <p:nvPr>
-            <p:ph type="body" sz="quarter" idx="3"/>
-          </p:nvPr>
-        </p:nvSpPr>
-        <p:spPr/>
-        <p:txBody>
-          <a:bodyPr/>
-          <a:lstStyle/>
-          <a:p>
-            <a:r>
-              <a:rPr lang="fr-FR" dirty="0" smtClean="0"/>
-              <a:t>Contre</a:t>
-            </a:r>
-            <a:endParaRPr lang="fr-FR" dirty="0"/>
-          </a:p>
-        </p:txBody>
-      </p:sp>
-      <p:sp>
-        <p:nvSpPr>
-          <p:cNvPr id="14" name="Espace réservé du contenu 13"/>
-          <p:cNvSpPr>
-            <a:spLocks noGrp="1"/>
-          </p:cNvSpPr>
-          <p:nvPr>
-            <p:ph sz="quarter" idx="4"/>
-          </p:nvPr>
-        </p:nvSpPr>
-        <p:spPr/>
-        <p:txBody>
-          <a:bodyPr>
-            <a:normAutofit fontScale="92500"/>
-          </a:bodyPr>
-          <a:lstStyle/>
-          <a:p>
-            <a:r>
-              <a:rPr lang="fr-FR" dirty="0" smtClean="0"/>
-              <a:t>Pas de mutualisation du travail</a:t>
-            </a:r>
-          </a:p>
-          <a:p>
-            <a:pPr lvl="1"/>
-            <a:r>
-              <a:rPr lang="fr-FR" dirty="0" smtClean="0"/>
-              <a:t>Un autre développeur n’aura aucun moyen de savoir que vous avez fait une fonction qui fait telle chose.</a:t>
-            </a:r>
-          </a:p>
-          <a:p>
-            <a:r>
-              <a:rPr lang="fr-FR" dirty="0" smtClean="0"/>
-              <a:t>Les règles de capture peuvent engendrer des erreurs</a:t>
-            </a:r>
-          </a:p>
-          <a:p>
-            <a:r>
-              <a:rPr lang="fr-FR" dirty="0" err="1" smtClean="0"/>
-              <a:t>Debug</a:t>
-            </a:r>
-            <a:r>
-              <a:rPr lang="fr-FR" dirty="0" smtClean="0"/>
-              <a:t> plus délicat (remontées dans le code)</a:t>
-            </a:r>
-          </a:p>
-          <a:p>
-            <a:r>
-              <a:rPr lang="fr-FR" dirty="0" smtClean="0"/>
-              <a:t>La documentation doit être dans le </a:t>
-            </a:r>
-            <a:r>
-              <a:rPr lang="fr-FR" dirty="0" err="1" smtClean="0"/>
-              <a:t>cpp</a:t>
-            </a:r>
-            <a:r>
-              <a:rPr lang="fr-FR" dirty="0" smtClean="0"/>
-              <a:t> (ce qui ne pousse pas le </a:t>
-            </a:r>
-            <a:r>
-              <a:rPr lang="fr-FR" dirty="0" err="1" smtClean="0"/>
-              <a:t>dev</a:t>
-            </a:r>
-            <a:r>
-              <a:rPr lang="fr-FR" dirty="0" smtClean="0"/>
-              <a:t> à en faire…)</a:t>
-            </a:r>
-          </a:p>
-          <a:p>
-            <a:r>
-              <a:rPr lang="fr-FR" dirty="0" smtClean="0"/>
-              <a:t>Attention au temps de compilation !</a:t>
-            </a:r>
-          </a:p>
-          <a:p>
-            <a:r>
-              <a:rPr lang="fr-FR" dirty="0" smtClean="0"/>
-              <a:t>Attention à la complexité de vos fonctions</a:t>
-            </a:r>
-            <a:endParaRPr lang="fr-FR" dirty="0"/>
-          </a:p>
-        </p:txBody>
-      </p:sp>
     </p:spTree>
     <p:extLst>
       <p:ext uri="{BB962C8B-B14F-4D97-AF65-F5344CB8AC3E}">
-        <p14:creationId xmlns:p14="http://schemas.microsoft.com/office/powerpoint/2010/main" val="3001044906"/>
+        <p14:creationId xmlns:p14="http://schemas.microsoft.com/office/powerpoint/2010/main" val="2708099121"/>
       </p:ext>
     </p:extLst>
   </p:cSld>
@@ -10991,45 +11038,7 @@
           <a:p>
             <a:r>
               <a:rPr lang="fr-FR" dirty="0" smtClean="0"/>
-              <a:t>Plus de sujets</a:t>
-            </a:r>
-            <a:endParaRPr lang="fr-FR" dirty="0"/>
-          </a:p>
-        </p:txBody>
-      </p:sp>
-      <p:sp>
-        <p:nvSpPr>
-          <p:cNvPr id="11" name="Espace réservé du contenu 10"/>
-          <p:cNvSpPr>
-            <a:spLocks noGrp="1"/>
-          </p:cNvSpPr>
-          <p:nvPr>
-            <p:ph idx="1"/>
-          </p:nvPr>
-        </p:nvSpPr>
-        <p:spPr/>
-        <p:txBody>
-          <a:bodyPr/>
-          <a:lstStyle/>
-          <a:p>
-            <a:r>
-              <a:rPr lang="fr-FR" dirty="0" err="1" smtClean="0"/>
-              <a:t>Std</a:t>
-            </a:r>
-            <a:r>
-              <a:rPr lang="fr-FR" dirty="0" smtClean="0"/>
-              <a:t>::</a:t>
-            </a:r>
-            <a:r>
-              <a:rPr lang="fr-FR" dirty="0" err="1" smtClean="0"/>
-              <a:t>function</a:t>
-            </a:r>
-            <a:endParaRPr lang="fr-FR" dirty="0" smtClean="0"/>
-          </a:p>
-          <a:p>
-            <a:r>
-              <a:rPr lang="fr-FR" dirty="0" smtClean="0"/>
-              <a:t>Lambda polymorphique</a:t>
+              <a:t>Bilan</a:t>
             </a:r>
             <a:endParaRPr lang="fr-FR" dirty="0"/>
           </a:p>
@@ -11059,10 +11068,179 @@
           </a:p>
         </p:txBody>
       </p:sp>
+      <p:sp>
+        <p:nvSpPr>
+          <p:cNvPr id="11" name="Espace réservé du texte 10"/>
+          <p:cNvSpPr>
+            <a:spLocks noGrp="1"/>
+          </p:cNvSpPr>
+          <p:nvPr>
+            <p:ph type="body" idx="1"/>
+          </p:nvPr>
+        </p:nvSpPr>
+        <p:spPr/>
+        <p:txBody>
+          <a:bodyPr/>
+          <a:lstStyle/>
+          <a:p>
+            <a:r>
+              <a:rPr lang="fr-FR" dirty="0" smtClean="0"/>
+              <a:t>Pour</a:t>
+            </a:r>
+            <a:endParaRPr lang="fr-FR" dirty="0"/>
+          </a:p>
+        </p:txBody>
+      </p:sp>
+      <p:sp>
+        <p:nvSpPr>
+          <p:cNvPr id="12" name="Espace réservé du contenu 11"/>
+          <p:cNvSpPr>
+            <a:spLocks noGrp="1"/>
+          </p:cNvSpPr>
+          <p:nvPr>
+            <p:ph sz="half" idx="2"/>
+          </p:nvPr>
+        </p:nvSpPr>
+        <p:spPr/>
+        <p:txBody>
+          <a:bodyPr/>
+          <a:lstStyle/>
+          <a:p>
+            <a:r>
+              <a:rPr lang="fr-FR" dirty="0" smtClean="0"/>
+              <a:t>Facilité de lecture et d’écriture</a:t>
+            </a:r>
+          </a:p>
+          <a:p>
+            <a:r>
+              <a:rPr lang="fr-FR" dirty="0" smtClean="0"/>
+              <a:t>Ne « pollue » pas l’architecture</a:t>
+            </a:r>
+          </a:p>
+          <a:p>
+            <a:r>
+              <a:rPr lang="fr-FR" dirty="0" smtClean="0"/>
+              <a:t>Application d’une opération simple dans un contexte particulier</a:t>
+            </a:r>
+          </a:p>
+          <a:p>
+            <a:r>
+              <a:rPr lang="fr-FR" dirty="0" smtClean="0"/>
+              <a:t>Utilisation conjointe avec les algorithmes</a:t>
+            </a:r>
+            <a:endParaRPr lang="fr-FR" dirty="0"/>
+          </a:p>
+        </p:txBody>
+      </p:sp>
+      <p:sp>
+        <p:nvSpPr>
+          <p:cNvPr id="13" name="Espace réservé du texte 12"/>
+          <p:cNvSpPr>
+            <a:spLocks noGrp="1"/>
+          </p:cNvSpPr>
+          <p:nvPr>
+            <p:ph type="body" sz="quarter" idx="3"/>
+          </p:nvPr>
+        </p:nvSpPr>
+        <p:spPr/>
+        <p:txBody>
+          <a:bodyPr/>
+          <a:lstStyle/>
+          <a:p>
+            <a:r>
+              <a:rPr lang="fr-FR" dirty="0" smtClean="0"/>
+              <a:t>Contre</a:t>
+            </a:r>
+            <a:endParaRPr lang="fr-FR" dirty="0"/>
+          </a:p>
+        </p:txBody>
+      </p:sp>
+      <p:sp>
+        <p:nvSpPr>
+          <p:cNvPr id="14" name="Espace réservé du contenu 13"/>
+          <p:cNvSpPr>
+            <a:spLocks noGrp="1"/>
+          </p:cNvSpPr>
+          <p:nvPr>
+            <p:ph sz="quarter" idx="4"/>
+          </p:nvPr>
+        </p:nvSpPr>
+        <p:spPr/>
+        <p:txBody>
+          <a:bodyPr>
+            <a:normAutofit fontScale="92500"/>
+          </a:bodyPr>
+          <a:lstStyle/>
+          <a:p>
+            <a:r>
+              <a:rPr lang="fr-FR" dirty="0" smtClean="0"/>
+              <a:t>Pas de mutualisation du travail</a:t>
+            </a:r>
+          </a:p>
+          <a:p>
+            <a:pPr lvl="1"/>
+            <a:r>
+              <a:rPr lang="fr-FR" dirty="0" smtClean="0"/>
+              <a:t>Un autre développeur n’aura aucun moyen de savoir que vous avez fait une fonction qui fait telle chose.</a:t>
+            </a:r>
+          </a:p>
+          <a:p>
+            <a:r>
+              <a:rPr lang="fr-FR" dirty="0" smtClean="0"/>
+              <a:t>Les règles de capture peuvent engendrer des erreurs</a:t>
+            </a:r>
+          </a:p>
+          <a:p>
+            <a:r>
+              <a:rPr lang="fr-FR" dirty="0" err="1" smtClean="0"/>
+              <a:t>Debug</a:t>
+            </a:r>
+            <a:r>
+              <a:rPr lang="fr-FR" dirty="0" smtClean="0"/>
+              <a:t> plus délicat (remontées dans le code)</a:t>
+            </a:r>
+          </a:p>
+          <a:p>
+            <a:r>
+              <a:rPr lang="fr-FR" dirty="0" smtClean="0"/>
+              <a:t>La documentation doit être dans le </a:t>
+            </a:r>
+            <a:r>
+              <a:rPr lang="fr-FR" dirty="0" err="1" smtClean="0"/>
+              <a:t>cpp</a:t>
+            </a:r>
+            <a:r>
+              <a:rPr lang="fr-FR" dirty="0" smtClean="0"/>
+              <a:t> (ce qui ne pousse pas le </a:t>
+            </a:r>
+            <a:r>
+              <a:rPr lang="fr-FR" dirty="0" err="1" smtClean="0"/>
+              <a:t>dev</a:t>
+            </a:r>
+            <a:r>
+              <a:rPr lang="fr-FR" dirty="0" smtClean="0"/>
+              <a:t> à en faire…)</a:t>
+            </a:r>
+          </a:p>
+          <a:p>
+            <a:r>
+              <a:rPr lang="fr-FR" dirty="0" smtClean="0"/>
+              <a:t>Attention au temps de compilation !</a:t>
+            </a:r>
+          </a:p>
+          <a:p>
+            <a:r>
+              <a:rPr lang="fr-FR" dirty="0" smtClean="0"/>
+              <a:t>Attention à la complexité de vos fonctions</a:t>
+            </a:r>
+            <a:endParaRPr lang="fr-FR" dirty="0"/>
+          </a:p>
+        </p:txBody>
+      </p:sp>
     </p:spTree>
     <p:extLst>
       <p:ext uri="{BB962C8B-B14F-4D97-AF65-F5344CB8AC3E}">
-        <p14:creationId xmlns:p14="http://schemas.microsoft.com/office/powerpoint/2010/main" val="2454702868"/>
+        <p14:creationId xmlns:p14="http://schemas.microsoft.com/office/powerpoint/2010/main" val="3001044906"/>
       </p:ext>
     </p:extLst>
   </p:cSld>
@@ -11098,120 +11276,12 @@
       </p:grpSpPr>
       <p:sp>
         <p:nvSpPr>
-          <p:cNvPr id="2" name="Titre 1">
-            <a:extLst>
-              <a:ext uri="{FF2B5EF4-FFF2-40B4-BE49-F238E27FC236}">
-                <a16:creationId xmlns:a16="http://schemas.microsoft.com/office/drawing/2014/main" id="{C02C5318-1A1E-49D0-B2E2-A4B0FA9E8A40}"/>
-              </a:ext>
-            </a:extLst>
-          </p:cNvPr>
+          <p:cNvPr id="10" name="Titre 9"/>
           <p:cNvSpPr>
             <a:spLocks noGrp="1"/>
           </p:cNvSpPr>
           <p:nvPr>
-            <p:ph type="ctrTitle"/>
-          </p:nvPr>
-        </p:nvSpPr>
-        <p:spPr>
-          <a:xfrm>
-            <a:off x="330791" y="4545068"/>
-            <a:ext cx="8245162" cy="671433"/>
-          </a:xfrm>
-        </p:spPr>
-        <p:txBody>
-          <a:bodyPr rtlCol="0">
-            <a:noAutofit/>
-          </a:bodyPr>
-          <a:lstStyle/>
-          <a:p>
-            <a:pPr algn="r" rtl="0"/>
-            <a:r>
-              <a:rPr lang="fr-FR" sz="3150" dirty="0" smtClean="0">
-                <a:solidFill>
-                  <a:schemeClr val="bg1"/>
-                </a:solidFill>
-              </a:rPr>
-              <a:t>Chaine de compilation</a:t>
-            </a:r>
-            <a:endParaRPr lang="fr-FR" sz="3150" dirty="0">
-              <a:solidFill>
-                <a:schemeClr val="bg1"/>
-              </a:solidFill>
-            </a:endParaRPr>
-          </a:p>
-        </p:txBody>
-      </p:sp>
-      <p:sp>
-        <p:nvSpPr>
-          <p:cNvPr id="6" name="ZoneTexte 5"/>
-          <p:cNvSpPr txBox="1"/>
-          <p:nvPr/>
-        </p:nvSpPr>
-        <p:spPr>
-          <a:xfrm>
-            <a:off x="330791" y="588580"/>
-            <a:ext cx="3757733" cy="3631763"/>
-          </a:xfrm>
-          <a:prstGeom prst="rect">
-            <a:avLst/>
-          </a:prstGeom>
-          <a:noFill/>
-        </p:spPr>
-        <p:txBody>
-          <a:bodyPr wrap="square" rtlCol="0">
-            <a:spAutoFit/>
-          </a:bodyPr>
-          <a:lstStyle/>
-          <a:p>
-            <a:r>
-              <a:rPr lang="fr-FR" sz="11500" b="1" spc="50" dirty="0" smtClean="0">
-                <a:ln w="9525" cmpd="sng">
-                  <a:solidFill>
-                    <a:schemeClr val="accent1"/>
-                  </a:solidFill>
-                  <a:prstDash val="solid"/>
-                </a:ln>
-                <a:solidFill>
-                  <a:srgbClr val="70AD47">
-                    <a:tint val="1000"/>
-                  </a:srgbClr>
-                </a:solidFill>
-                <a:effectLst>
-                  <a:glow rad="38100">
-                    <a:schemeClr val="accent1">
-                      <a:alpha val="40000"/>
-                    </a:schemeClr>
-                  </a:glow>
-                </a:effectLst>
-              </a:rPr>
-              <a:t>02</a:t>
-            </a:r>
-          </a:p>
-          <a:p>
-            <a:endParaRPr lang="fr-FR" sz="11500" dirty="0">
-              <a:ln w="0"/>
-              <a:solidFill>
-                <a:schemeClr val="accent1"/>
-              </a:solidFill>
-              <a:effectLst>
-                <a:outerShdw blurRad="38100" dist="25400" dir="5400000" algn="ctr" rotWithShape="0">
-                  <a:srgbClr val="6E747A">
-                    <a:alpha val="43000"/>
-                  </a:srgbClr>
-                </a:outerShdw>
-              </a:effectLst>
-            </a:endParaRPr>
-          </a:p>
-        </p:txBody>
-      </p:sp>
-      <p:sp>
-        <p:nvSpPr>
-          <p:cNvPr id="3" name="Espace réservé du numéro de diapositive 2"/>
-          <p:cNvSpPr>
-            <a:spLocks noGrp="1"/>
-          </p:cNvSpPr>
-          <p:nvPr>
-            <p:ph type="sldNum" sz="quarter" idx="12"/>
+            <p:ph type="title"/>
           </p:nvPr>
         </p:nvSpPr>
         <p:spPr/>
@@ -11219,20 +11289,80 @@
           <a:bodyPr/>
           <a:lstStyle/>
           <a:p>
-            <a:pPr rtl="0"/>
+            <a:r>
+              <a:rPr lang="fr-FR" dirty="0" smtClean="0"/>
+              <a:t>Plus de sujets</a:t>
+            </a:r>
+            <a:endParaRPr lang="fr-FR" dirty="0"/>
+          </a:p>
+        </p:txBody>
+      </p:sp>
+      <p:sp>
+        <p:nvSpPr>
+          <p:cNvPr id="11" name="Espace réservé du contenu 10"/>
+          <p:cNvSpPr>
+            <a:spLocks noGrp="1"/>
+          </p:cNvSpPr>
+          <p:nvPr>
+            <p:ph idx="1"/>
+          </p:nvPr>
+        </p:nvSpPr>
+        <p:spPr/>
+        <p:txBody>
+          <a:bodyPr/>
+          <a:lstStyle/>
+          <a:p>
+            <a:r>
+              <a:rPr lang="fr-FR" dirty="0" err="1" smtClean="0"/>
+              <a:t>Std</a:t>
+            </a:r>
+            <a:r>
+              <a:rPr lang="fr-FR" dirty="0" smtClean="0"/>
+              <a:t>::</a:t>
+            </a:r>
+            <a:r>
+              <a:rPr lang="fr-FR" dirty="0" err="1" smtClean="0"/>
+              <a:t>function</a:t>
+            </a:r>
+            <a:endParaRPr lang="fr-FR" dirty="0" smtClean="0"/>
+          </a:p>
+          <a:p>
+            <a:r>
+              <a:rPr lang="fr-FR" dirty="0" smtClean="0"/>
+              <a:t>Lambda polymorphique</a:t>
+            </a:r>
+            <a:endParaRPr lang="fr-FR" dirty="0"/>
+          </a:p>
+        </p:txBody>
+      </p:sp>
+      <p:sp>
+        <p:nvSpPr>
+          <p:cNvPr id="3" name="Espace réservé du numéro de diapositive 2"/>
+          <p:cNvSpPr>
+            <a:spLocks noGrp="1"/>
+          </p:cNvSpPr>
+          <p:nvPr>
+            <p:ph type="sldNum" sz="quarter" idx="12"/>
+          </p:nvPr>
+        </p:nvSpPr>
+        <p:spPr/>
+        <p:txBody>
+          <a:bodyPr/>
+          <a:lstStyle/>
+          <a:p>
             <a:fld id="{D57F1E4F-1CFF-5643-939E-217C01CDF565}" type="slidenum">
-              <a:rPr lang="fr-FR" noProof="0" smtClean="0"/>
-              <a:pPr rtl="0"/>
+              <a:rPr lang="fr-FR" smtClean="0"/>
+              <a:pPr/>
               <a:t>17</a:t>
             </a:fld>
-            <a:endParaRPr lang="fr-FR" noProof="0"/>
+            <a:endParaRPr lang="fr-FR" dirty="0"/>
           </a:p>
         </p:txBody>
       </p:sp>
     </p:spTree>
     <p:extLst>
       <p:ext uri="{BB962C8B-B14F-4D97-AF65-F5344CB8AC3E}">
-        <p14:creationId xmlns:p14="http://schemas.microsoft.com/office/powerpoint/2010/main" val="3773882806"/>
+        <p14:creationId xmlns:p14="http://schemas.microsoft.com/office/powerpoint/2010/main" val="2454702868"/>
       </p:ext>
     </p:extLst>
   </p:cSld>
@@ -11268,81 +11398,115 @@
       </p:grpSpPr>
       <p:sp>
         <p:nvSpPr>
-          <p:cNvPr id="5" name="Titre 4"/>
+          <p:cNvPr id="2" name="Titre 1">
+            <a:extLst>
+              <a:ext uri="{FF2B5EF4-FFF2-40B4-BE49-F238E27FC236}">
+                <a16:creationId xmlns:a16="http://schemas.microsoft.com/office/drawing/2014/main" id="{C02C5318-1A1E-49D0-B2E2-A4B0FA9E8A40}"/>
+              </a:ext>
+            </a:extLst>
+          </p:cNvPr>
           <p:cNvSpPr>
             <a:spLocks noGrp="1"/>
           </p:cNvSpPr>
           <p:nvPr>
-            <p:ph type="title"/>
-          </p:nvPr>
-        </p:nvSpPr>
-        <p:spPr/>
-        <p:txBody>
-          <a:bodyPr/>
-          <a:lstStyle/>
-          <a:p>
-            <a:r>
-              <a:rPr lang="fr-FR" dirty="0" smtClean="0"/>
-              <a:t>Les 4 étapes</a:t>
-            </a:r>
-            <a:endParaRPr lang="fr-FR" dirty="0"/>
-          </a:p>
-        </p:txBody>
-      </p:sp>
-      <p:sp>
-        <p:nvSpPr>
-          <p:cNvPr id="6" name="Espace réservé du contenu 5"/>
-          <p:cNvSpPr>
-            <a:spLocks noGrp="1"/>
-          </p:cNvSpPr>
-          <p:nvPr>
-            <p:ph idx="1"/>
+            <p:ph type="ctrTitle"/>
           </p:nvPr>
         </p:nvSpPr>
         <p:spPr>
           <a:xfrm>
-            <a:off x="435895" y="1364896"/>
-            <a:ext cx="8272211" cy="1335575"/>
+            <a:off x="330791" y="4545068"/>
+            <a:ext cx="8245162" cy="671433"/>
           </a:xfrm>
         </p:spPr>
         <p:txBody>
-          <a:bodyPr/>
+          <a:bodyPr rtlCol="0">
+            <a:noAutofit/>
+          </a:bodyPr>
           <a:lstStyle/>
           <a:p>
-            <a:r>
-              <a:rPr lang="fr-FR" dirty="0" smtClean="0"/>
-              <a:t>Le </a:t>
-            </a:r>
-            <a:r>
-              <a:rPr lang="fr-FR" dirty="0" err="1" smtClean="0"/>
-              <a:t>pré-processeur</a:t>
-            </a:r>
-            <a:endParaRPr lang="fr-FR" dirty="0" smtClean="0"/>
-          </a:p>
-          <a:p>
-            <a:r>
-              <a:rPr lang="fr-FR" dirty="0" smtClean="0"/>
-              <a:t>La compilation</a:t>
-            </a:r>
-          </a:p>
-          <a:p>
-            <a:r>
-              <a:rPr lang="fr-FR" dirty="0" smtClean="0"/>
-              <a:t>L’assembleur</a:t>
-            </a:r>
-          </a:p>
-          <a:p>
-            <a:r>
-              <a:rPr lang="fr-FR" dirty="0" smtClean="0"/>
-              <a:t>L’édition de lien</a:t>
-            </a:r>
-            <a:endParaRPr lang="fr-FR" dirty="0"/>
-          </a:p>
-        </p:txBody>
-      </p:sp>
-      <p:sp>
-        <p:nvSpPr>
-          <p:cNvPr id="4" name="Espace réservé du numéro de diapositive 3"/>
+            <a:pPr algn="r" rtl="0"/>
+            <a:r>
+              <a:rPr lang="fr-FR" sz="3150" dirty="0" smtClean="0">
+                <a:solidFill>
+                  <a:schemeClr val="bg1"/>
+                </a:solidFill>
+              </a:rPr>
+              <a:t>Chaine de compilation</a:t>
+            </a:r>
+            <a:endParaRPr lang="fr-FR" sz="3150" dirty="0">
+              <a:solidFill>
+                <a:schemeClr val="bg1"/>
+              </a:solidFill>
+            </a:endParaRPr>
+          </a:p>
+        </p:txBody>
+      </p:sp>
+      <p:sp>
+        <p:nvSpPr>
+          <p:cNvPr id="6" name="ZoneTexte 5"/>
+          <p:cNvSpPr txBox="1"/>
+          <p:nvPr/>
+        </p:nvSpPr>
+        <p:spPr>
+          <a:xfrm>
+            <a:off x="330791" y="588580"/>
+            <a:ext cx="3757733" cy="3631763"/>
+          </a:xfrm>
+          <a:prstGeom prst="rect">
+            <a:avLst/>
+          </a:prstGeom>
+          <a:noFill/>
+        </p:spPr>
+        <p:txBody>
+          <a:bodyPr wrap="square" rtlCol="0">
+            <a:spAutoFit/>
+          </a:bodyPr>
+          <a:lstStyle/>
+          <a:p>
+            <a:r>
+              <a:rPr lang="fr-FR" sz="11500" b="1" spc="50" dirty="0" smtClean="0">
+                <a:ln w="9525" cmpd="sng">
+                  <a:solidFill>
+                    <a:schemeClr val="accent1"/>
+                  </a:solidFill>
+                  <a:prstDash val="solid"/>
+                </a:ln>
+                <a:solidFill>
+                  <a:srgbClr val="70AD47">
+                    <a:tint val="1000"/>
+                  </a:srgbClr>
+                </a:solidFill>
+                <a:effectLst>
+                  <a:glow rad="38100">
+                    <a:schemeClr val="accent1">
+                      <a:alpha val="40000"/>
+                    </a:schemeClr>
+                  </a:glow>
+                </a:effectLst>
+              </a:rPr>
+              <a:t>02</a:t>
+            </a:r>
+          </a:p>
+          <a:p>
+            <a:endParaRPr lang="fr-FR" sz="11500" dirty="0">
+              <a:ln w="0"/>
+              <a:solidFill>
+                <a:schemeClr val="accent1"/>
+              </a:solidFill>
+              <a:effectLst>
+                <a:outerShdw blurRad="38100" dist="25400" dir="5400000" algn="ctr" rotWithShape="0">
+                  <a:srgbClr val="6E747A">
+                    <a:alpha val="43000"/>
+                  </a:srgbClr>
+                </a:outerShdw>
+              </a:effectLst>
+            </a:endParaRPr>
+          </a:p>
+        </p:txBody>
+      </p:sp>
+      <p:sp>
+        <p:nvSpPr>
+          <p:cNvPr id="3" name="Espace réservé du numéro de diapositive 2"/>
           <p:cNvSpPr>
             <a:spLocks noGrp="1"/>
           </p:cNvSpPr>
@@ -11361,347 +11525,14 @@
               <a:pPr rtl="0"/>
               <a:t>18</a:t>
             </a:fld>
-            <a:endParaRPr lang="fr-FR" noProof="0" dirty="0"/>
-          </a:p>
-        </p:txBody>
-      </p:sp>
-      <p:sp>
-        <p:nvSpPr>
-          <p:cNvPr id="7" name="Espace réservé du contenu 5"/>
-          <p:cNvSpPr txBox="1">
-            <a:spLocks/>
-          </p:cNvSpPr>
-          <p:nvPr/>
-        </p:nvSpPr>
-        <p:spPr>
-          <a:xfrm>
-            <a:off x="1563939" y="2918738"/>
-            <a:ext cx="8272211" cy="1335575"/>
-          </a:xfrm>
-          <a:prstGeom prst="rect">
-            <a:avLst/>
-          </a:prstGeom>
-        </p:spPr>
-        <p:txBody>
-          <a:bodyPr vert="horz" lIns="91440" tIns="45720" rIns="91440" bIns="45720" rtlCol="0" anchor="ctr">
-            <a:normAutofit/>
-          </a:bodyPr>
-          <a:lstStyle>
-            <a:lvl1pPr marL="229500" indent="-229500" algn="l" defTabSz="342900" rtl="0" eaLnBrk="1" latinLnBrk="0" hangingPunct="1">
-              <a:spcBef>
-                <a:spcPct val="20000"/>
-              </a:spcBef>
-              <a:spcAft>
-                <a:spcPts val="450"/>
-              </a:spcAft>
-              <a:buClr>
-                <a:schemeClr val="accent2"/>
-              </a:buClr>
-              <a:buSzPct val="92000"/>
-              <a:buFont typeface="Wingdings 2" panose="05020102010507070707" pitchFamily="18" charset="2"/>
-              <a:buChar char=""/>
-              <a:defRPr sz="1350" kern="1200">
-                <a:solidFill>
-                  <a:schemeClr val="tx2"/>
-                </a:solidFill>
-                <a:latin typeface="+mn-lt"/>
-                <a:ea typeface="+mn-ea"/>
-                <a:cs typeface="+mn-cs"/>
-              </a:defRPr>
-            </a:lvl1pPr>
-            <a:lvl2pPr marL="472500" indent="-229500" algn="l" defTabSz="342900" rtl="0" eaLnBrk="1" latinLnBrk="0" hangingPunct="1">
-              <a:spcBef>
-                <a:spcPct val="20000"/>
-              </a:spcBef>
-              <a:spcAft>
-                <a:spcPts val="450"/>
-              </a:spcAft>
-              <a:buClr>
-                <a:schemeClr val="accent2"/>
-              </a:buClr>
-              <a:buSzPct val="92000"/>
-              <a:buFont typeface="Wingdings 2" panose="05020102010507070707" pitchFamily="18" charset="2"/>
-              <a:buChar char=""/>
-              <a:defRPr sz="1200" kern="1200">
-                <a:solidFill>
-                  <a:schemeClr val="tx2"/>
-                </a:solidFill>
-                <a:latin typeface="+mn-lt"/>
-                <a:ea typeface="+mn-ea"/>
-                <a:cs typeface="+mn-cs"/>
-              </a:defRPr>
-            </a:lvl2pPr>
-            <a:lvl3pPr marL="675000" indent="-202500" algn="l" defTabSz="342900" rtl="0" eaLnBrk="1" latinLnBrk="0" hangingPunct="1">
-              <a:spcBef>
-                <a:spcPct val="20000"/>
-              </a:spcBef>
-              <a:spcAft>
-                <a:spcPts val="450"/>
-              </a:spcAft>
-              <a:buClr>
-                <a:schemeClr val="accent2"/>
-              </a:buClr>
-              <a:buSzPct val="92000"/>
-              <a:buFont typeface="Wingdings 2" panose="05020102010507070707" pitchFamily="18" charset="2"/>
-              <a:buChar char=""/>
-              <a:defRPr sz="1050" kern="1200">
-                <a:solidFill>
-                  <a:schemeClr val="tx2"/>
-                </a:solidFill>
-                <a:latin typeface="+mn-lt"/>
-                <a:ea typeface="+mn-ea"/>
-                <a:cs typeface="+mn-cs"/>
-              </a:defRPr>
-            </a:lvl3pPr>
-            <a:lvl4pPr marL="931500" indent="-175500" algn="l" defTabSz="342900" rtl="0" eaLnBrk="1" latinLnBrk="0" hangingPunct="1">
-              <a:spcBef>
-                <a:spcPct val="20000"/>
-              </a:spcBef>
-              <a:spcAft>
-                <a:spcPts val="450"/>
-              </a:spcAft>
-              <a:buClr>
-                <a:schemeClr val="accent2"/>
-              </a:buClr>
-              <a:buSzPct val="92000"/>
-              <a:buFont typeface="Wingdings 2" panose="05020102010507070707" pitchFamily="18" charset="2"/>
-              <a:buChar char=""/>
-              <a:defRPr sz="900" kern="1200">
-                <a:solidFill>
-                  <a:schemeClr val="tx2"/>
-                </a:solidFill>
-                <a:latin typeface="+mn-lt"/>
-                <a:ea typeface="+mn-ea"/>
-                <a:cs typeface="+mn-cs"/>
-              </a:defRPr>
-            </a:lvl4pPr>
-            <a:lvl5pPr marL="1201500" indent="-175500" algn="l" defTabSz="342900" rtl="0" eaLnBrk="1" latinLnBrk="0" hangingPunct="1">
-              <a:spcBef>
-                <a:spcPct val="20000"/>
-              </a:spcBef>
-              <a:spcAft>
-                <a:spcPts val="450"/>
-              </a:spcAft>
-              <a:buClr>
-                <a:schemeClr val="accent2"/>
-              </a:buClr>
-              <a:buSzPct val="92000"/>
-              <a:buFont typeface="Wingdings 2" panose="05020102010507070707" pitchFamily="18" charset="2"/>
-              <a:buChar char=""/>
-              <a:defRPr sz="900" kern="1200">
-                <a:solidFill>
-                  <a:schemeClr val="tx2"/>
-                </a:solidFill>
-                <a:latin typeface="+mn-lt"/>
-                <a:ea typeface="+mn-ea"/>
-                <a:cs typeface="+mn-cs"/>
-              </a:defRPr>
-            </a:lvl5pPr>
-            <a:lvl6pPr marL="1425000" indent="-171450" algn="l" defTabSz="342900" rtl="0" eaLnBrk="1" latinLnBrk="0" hangingPunct="1">
-              <a:spcBef>
-                <a:spcPct val="20000"/>
-              </a:spcBef>
-              <a:spcAft>
-                <a:spcPts val="450"/>
-              </a:spcAft>
-              <a:buClr>
-                <a:schemeClr val="accent2"/>
-              </a:buClr>
-              <a:buSzPct val="92000"/>
-              <a:buFont typeface="Wingdings 2" panose="05020102010507070707" pitchFamily="18" charset="2"/>
-              <a:buChar char=""/>
-              <a:defRPr sz="900" kern="1200">
-                <a:solidFill>
-                  <a:schemeClr val="tx2"/>
-                </a:solidFill>
-                <a:latin typeface="+mn-lt"/>
-                <a:ea typeface="+mn-ea"/>
-                <a:cs typeface="+mn-cs"/>
-              </a:defRPr>
-            </a:lvl6pPr>
-            <a:lvl7pPr marL="1650000" indent="-171450" algn="l" defTabSz="342900" rtl="0" eaLnBrk="1" latinLnBrk="0" hangingPunct="1">
-              <a:spcBef>
-                <a:spcPct val="20000"/>
-              </a:spcBef>
-              <a:spcAft>
-                <a:spcPts val="450"/>
-              </a:spcAft>
-              <a:buClr>
-                <a:schemeClr val="accent2"/>
-              </a:buClr>
-              <a:buSzPct val="92000"/>
-              <a:buFont typeface="Wingdings 2" panose="05020102010507070707" pitchFamily="18" charset="2"/>
-              <a:buChar char=""/>
-              <a:defRPr sz="900" kern="1200">
-                <a:solidFill>
-                  <a:schemeClr val="tx2"/>
-                </a:solidFill>
-                <a:latin typeface="+mn-lt"/>
-                <a:ea typeface="+mn-ea"/>
-                <a:cs typeface="+mn-cs"/>
-              </a:defRPr>
-            </a:lvl7pPr>
-            <a:lvl8pPr marL="1875000" indent="-171450" algn="l" defTabSz="342900" rtl="0" eaLnBrk="1" latinLnBrk="0" hangingPunct="1">
-              <a:spcBef>
-                <a:spcPct val="20000"/>
-              </a:spcBef>
-              <a:spcAft>
-                <a:spcPts val="450"/>
-              </a:spcAft>
-              <a:buClr>
-                <a:schemeClr val="accent2"/>
-              </a:buClr>
-              <a:buSzPct val="92000"/>
-              <a:buFont typeface="Wingdings 2" panose="05020102010507070707" pitchFamily="18" charset="2"/>
-              <a:buChar char=""/>
-              <a:defRPr sz="900" kern="1200">
-                <a:solidFill>
-                  <a:schemeClr val="tx2"/>
-                </a:solidFill>
-                <a:latin typeface="+mn-lt"/>
-                <a:ea typeface="+mn-ea"/>
-                <a:cs typeface="+mn-cs"/>
-              </a:defRPr>
-            </a:lvl8pPr>
-            <a:lvl9pPr marL="2100000" indent="-171450" algn="l" defTabSz="342900" rtl="0" eaLnBrk="1" latinLnBrk="0" hangingPunct="1">
-              <a:spcBef>
-                <a:spcPct val="20000"/>
-              </a:spcBef>
-              <a:spcAft>
-                <a:spcPts val="450"/>
-              </a:spcAft>
-              <a:buClr>
-                <a:schemeClr val="accent2"/>
-              </a:buClr>
-              <a:buSzPct val="92000"/>
-              <a:buFont typeface="Wingdings 2" panose="05020102010507070707" pitchFamily="18" charset="2"/>
-              <a:buChar char=""/>
-              <a:defRPr sz="900" kern="1200">
-                <a:solidFill>
-                  <a:schemeClr val="tx2"/>
-                </a:solidFill>
-                <a:latin typeface="+mn-lt"/>
-                <a:ea typeface="+mn-ea"/>
-                <a:cs typeface="+mn-cs"/>
-              </a:defRPr>
-            </a:lvl9pPr>
-          </a:lstStyle>
-          <a:p>
-            <a:r>
-              <a:rPr lang="fr-FR" dirty="0" smtClean="0"/>
-              <a:t>Par abus de langage, on appelle « </a:t>
-            </a:r>
-            <a:r>
-              <a:rPr lang="fr-FR" dirty="0" err="1" smtClean="0"/>
-              <a:t>gcc</a:t>
-            </a:r>
-            <a:r>
-              <a:rPr lang="fr-FR" dirty="0" smtClean="0"/>
-              <a:t> » ou « </a:t>
-            </a:r>
-            <a:r>
-              <a:rPr lang="fr-FR" dirty="0" err="1" smtClean="0"/>
-              <a:t>msvc</a:t>
-            </a:r>
-            <a:r>
-              <a:rPr lang="fr-FR" dirty="0" smtClean="0"/>
-              <a:t> » des compilateurs</a:t>
-            </a:r>
-          </a:p>
-          <a:p>
-            <a:r>
-              <a:rPr lang="fr-FR" dirty="0" smtClean="0"/>
-              <a:t>Ils fournissent en fait des outils pour chacune de ces étapes</a:t>
-            </a:r>
-          </a:p>
-          <a:p>
-            <a:r>
-              <a:rPr lang="fr-FR" dirty="0" smtClean="0"/>
-              <a:t>On devrait les appeler « suite de compilation » ou « front-end » en anglais</a:t>
-            </a:r>
-          </a:p>
-        </p:txBody>
-      </p:sp>
-      <p:sp>
-        <p:nvSpPr>
-          <p:cNvPr id="9" name="ZoneTexte 8"/>
-          <p:cNvSpPr txBox="1"/>
-          <p:nvPr/>
-        </p:nvSpPr>
-        <p:spPr>
-          <a:xfrm>
-            <a:off x="897308" y="4392538"/>
-            <a:ext cx="6519285" cy="369332"/>
-          </a:xfrm>
-          <a:prstGeom prst="rect">
-            <a:avLst/>
-          </a:prstGeom>
-          <a:noFill/>
-        </p:spPr>
-        <p:txBody>
-          <a:bodyPr wrap="none" rtlCol="0">
-            <a:spAutoFit/>
-          </a:bodyPr>
-          <a:lstStyle/>
-          <a:p>
-            <a:r>
-              <a:rPr lang="fr-FR" dirty="0" err="1" smtClean="0"/>
-              <a:t>Program.c</a:t>
-            </a:r>
-            <a:r>
-              <a:rPr lang="fr-FR" dirty="0" smtClean="0"/>
-              <a:t> </a:t>
-            </a:r>
-            <a:r>
-              <a:rPr lang="fr-FR" dirty="0" smtClean="0">
-                <a:sym typeface="Wingdings" panose="05000000000000000000" pitchFamily="2" charset="2"/>
-              </a:rPr>
-              <a:t> </a:t>
-            </a:r>
-            <a:r>
-              <a:rPr lang="fr-FR" dirty="0" err="1" smtClean="0">
-                <a:sym typeface="Wingdings" panose="05000000000000000000" pitchFamily="2" charset="2"/>
-              </a:rPr>
-              <a:t>program.i</a:t>
-            </a:r>
-            <a:r>
-              <a:rPr lang="fr-FR" dirty="0" smtClean="0">
-                <a:sym typeface="Wingdings" panose="05000000000000000000" pitchFamily="2" charset="2"/>
-              </a:rPr>
-              <a:t>  </a:t>
-            </a:r>
-            <a:r>
-              <a:rPr lang="fr-FR" dirty="0" err="1" smtClean="0">
-                <a:sym typeface="Wingdings" panose="05000000000000000000" pitchFamily="2" charset="2"/>
-              </a:rPr>
-              <a:t>program.s</a:t>
-            </a:r>
-            <a:r>
-              <a:rPr lang="fr-FR" dirty="0" smtClean="0">
-                <a:sym typeface="Wingdings" panose="05000000000000000000" pitchFamily="2" charset="2"/>
-              </a:rPr>
-              <a:t>  </a:t>
-            </a:r>
-            <a:r>
-              <a:rPr lang="fr-FR" dirty="0" err="1" smtClean="0">
-                <a:sym typeface="Wingdings" panose="05000000000000000000" pitchFamily="2" charset="2"/>
-              </a:rPr>
-              <a:t>program.o</a:t>
-            </a:r>
-            <a:r>
-              <a:rPr lang="fr-FR" dirty="0" smtClean="0">
-                <a:sym typeface="Wingdings" panose="05000000000000000000" pitchFamily="2" charset="2"/>
-              </a:rPr>
-              <a:t>  program.exe</a:t>
-            </a:r>
-            <a:endParaRPr lang="fr-FR" dirty="0"/>
+            <a:endParaRPr lang="fr-FR" noProof="0"/>
           </a:p>
         </p:txBody>
       </p:sp>
     </p:spTree>
     <p:extLst>
       <p:ext uri="{BB962C8B-B14F-4D97-AF65-F5344CB8AC3E}">
-        <p14:creationId xmlns:p14="http://schemas.microsoft.com/office/powerpoint/2010/main" val="3717682648"/>
+        <p14:creationId xmlns:p14="http://schemas.microsoft.com/office/powerpoint/2010/main" val="3773882806"/>
       </p:ext>
     </p:extLst>
   </p:cSld>
@@ -11752,7 +11583,7 @@
           <a:p>
             <a:r>
               <a:rPr lang="fr-FR" dirty="0" smtClean="0"/>
-              <a:t>Le préprocesseur</a:t>
+              <a:t>Les 4 étapes</a:t>
             </a:r>
             <a:endParaRPr lang="fr-FR" dirty="0"/>
           </a:p>
@@ -11771,164 +11602,40 @@
         <p:spPr>
           <a:xfrm>
             <a:off x="435895" y="1364896"/>
-            <a:ext cx="8272211" cy="3463478"/>
+            <a:ext cx="8272211" cy="1335575"/>
           </a:xfrm>
         </p:spPr>
         <p:txBody>
-          <a:bodyPr>
-            <a:normAutofit/>
-          </a:bodyPr>
+          <a:bodyPr/>
           <a:lstStyle/>
           <a:p>
-            <a:pPr marL="0" indent="0">
-              <a:buNone/>
-            </a:pPr>
             <a:r>
               <a:rPr lang="fr-FR" dirty="0" smtClean="0"/>
-              <a:t>Les directive commencent toutes par ‘#’</a:t>
-            </a:r>
-            <a:br>
+              <a:t>Le </a:t>
+            </a:r>
+            <a:r>
+              <a:rPr lang="fr-FR" dirty="0" err="1" smtClean="0"/>
+              <a:t>pré-processeur</a:t>
+            </a:r>
+            <a:endParaRPr lang="fr-FR" dirty="0" smtClean="0"/>
+          </a:p>
+          <a:p>
+            <a:r>
               <a:rPr lang="fr-FR" dirty="0" smtClean="0"/>
-            </a:br>
+              <a:t>La compilation</a:t>
+            </a:r>
+          </a:p>
+          <a:p>
             <a:r>
               <a:rPr lang="fr-FR" dirty="0" smtClean="0"/>
-              <a:t>= remplacement récursif de code</a:t>
-            </a:r>
-          </a:p>
-          <a:p>
-            <a:pPr marL="0" indent="0">
-              <a:buNone/>
-            </a:pPr>
-            <a:endParaRPr lang="fr-FR" dirty="0"/>
-          </a:p>
-          <a:p>
-            <a:pPr marL="0" indent="0">
-              <a:buNone/>
-            </a:pPr>
+              <a:t>L’assembleur</a:t>
+            </a:r>
+          </a:p>
+          <a:p>
             <a:r>
               <a:rPr lang="fr-FR" dirty="0" smtClean="0"/>
-              <a:t>Ex : #</a:t>
-            </a:r>
-            <a:r>
-              <a:rPr lang="fr-FR" dirty="0" err="1" smtClean="0"/>
-              <a:t>include</a:t>
-            </a:r>
-            <a:r>
-              <a:rPr lang="fr-FR" dirty="0" smtClean="0"/>
-              <a:t> &lt;</a:t>
-            </a:r>
-            <a:r>
-              <a:rPr lang="fr-FR" dirty="0" err="1" smtClean="0"/>
-              <a:t>vector</a:t>
-            </a:r>
-            <a:r>
-              <a:rPr lang="fr-FR" dirty="0" smtClean="0"/>
-              <a:t>&gt; </a:t>
-            </a:r>
-          </a:p>
-          <a:p>
-            <a:pPr marL="0" indent="0">
-              <a:buNone/>
-            </a:pPr>
-            <a:r>
-              <a:rPr lang="fr-FR" dirty="0" smtClean="0"/>
-              <a:t>Import du fichier « </a:t>
-            </a:r>
-            <a:r>
-              <a:rPr lang="fr-FR" dirty="0" err="1" smtClean="0"/>
-              <a:t>vector</a:t>
-            </a:r>
-            <a:r>
-              <a:rPr lang="fr-FR" dirty="0" smtClean="0"/>
-              <a:t> » du compilateur C++</a:t>
-            </a:r>
-          </a:p>
-          <a:p>
-            <a:pPr marL="0" indent="0">
-              <a:buNone/>
-            </a:pPr>
-            <a:r>
-              <a:rPr lang="fr-FR" dirty="0" smtClean="0"/>
-              <a:t>Ex : #</a:t>
-            </a:r>
-            <a:r>
-              <a:rPr lang="fr-FR" dirty="0" err="1" smtClean="0"/>
-              <a:t>define</a:t>
-            </a:r>
-            <a:r>
-              <a:rPr lang="fr-FR" dirty="0" smtClean="0"/>
-              <a:t> </a:t>
-            </a:r>
-            <a:r>
-              <a:rPr lang="fr-FR" dirty="0" err="1" smtClean="0"/>
-              <a:t>symbol</a:t>
-            </a:r>
-            <a:r>
-              <a:rPr lang="fr-FR" dirty="0" smtClean="0"/>
-              <a:t> 1</a:t>
-            </a:r>
-          </a:p>
-          <a:p>
-            <a:pPr marL="0" indent="0">
-              <a:buNone/>
-            </a:pPr>
-            <a:endParaRPr lang="fr-FR" dirty="0"/>
-          </a:p>
-          <a:p>
-            <a:pPr marL="0" indent="0">
-              <a:buNone/>
-            </a:pPr>
-            <a:r>
-              <a:rPr lang="fr-FR" dirty="0" smtClean="0"/>
-              <a:t>D’où l’intérêt du #</a:t>
-            </a:r>
-            <a:r>
-              <a:rPr lang="fr-FR" dirty="0" err="1" smtClean="0"/>
-              <a:t>pragma</a:t>
-            </a:r>
-            <a:r>
-              <a:rPr lang="fr-FR" dirty="0" smtClean="0"/>
-              <a:t> once (ou du #</a:t>
-            </a:r>
-            <a:r>
-              <a:rPr lang="fr-FR" dirty="0" err="1" smtClean="0"/>
-              <a:t>ifndef</a:t>
-            </a:r>
-            <a:r>
-              <a:rPr lang="fr-FR" dirty="0" smtClean="0"/>
-              <a:t>… #</a:t>
-            </a:r>
-            <a:r>
-              <a:rPr lang="fr-FR" dirty="0" err="1" smtClean="0"/>
-              <a:t>endif</a:t>
-            </a:r>
-            <a:r>
-              <a:rPr lang="fr-FR" dirty="0" smtClean="0"/>
-              <a:t>) pour éviter de copier le même code plusieurs fois et de limiter la taille de l’exécutable au final.</a:t>
-            </a:r>
-          </a:p>
-          <a:p>
-            <a:pPr marL="0" indent="0">
-              <a:buNone/>
-            </a:pPr>
-            <a:endParaRPr lang="fr-FR" dirty="0"/>
-          </a:p>
-          <a:p>
-            <a:pPr marL="0" indent="0">
-              <a:buNone/>
-            </a:pPr>
-            <a:endParaRPr lang="fr-FR" dirty="0" smtClean="0"/>
-          </a:p>
-          <a:p>
-            <a:pPr marL="0" indent="0">
-              <a:buNone/>
-            </a:pPr>
-            <a:endParaRPr lang="fr-FR" dirty="0"/>
-          </a:p>
-          <a:p>
-            <a:pPr marL="0" indent="0">
-              <a:buNone/>
-            </a:pPr>
+              <a:t>L’édition de lien</a:t>
+            </a:r>
             <a:endParaRPr lang="fr-FR" dirty="0"/>
           </a:p>
         </p:txBody>
@@ -11960,50 +11667,578 @@
       </p:sp>
       <p:sp>
         <p:nvSpPr>
-          <p:cNvPr id="2" name="Rectangle 1"/>
-          <p:cNvSpPr/>
+          <p:cNvPr id="7" name="Espace réservé du contenu 5"/>
+          <p:cNvSpPr txBox="1">
+            <a:spLocks/>
+          </p:cNvSpPr>
           <p:nvPr/>
         </p:nvSpPr>
         <p:spPr>
           <a:xfrm>
-            <a:off x="3349710" y="4487041"/>
-            <a:ext cx="2444580" cy="369332"/>
+            <a:off x="3016724" y="1394838"/>
+            <a:ext cx="8272211" cy="1335575"/>
           </a:xfrm>
           <a:prstGeom prst="rect">
             <a:avLst/>
           </a:prstGeom>
         </p:spPr>
         <p:txBody>
-          <a:bodyPr wrap="none">
+          <a:bodyPr vert="horz" lIns="91440" tIns="45720" rIns="91440" bIns="45720" rtlCol="0" anchor="ctr">
+            <a:normAutofit/>
+          </a:bodyPr>
+          <a:lstStyle>
+            <a:lvl1pPr marL="229500" indent="-229500" algn="l" defTabSz="342900" rtl="0" eaLnBrk="1" latinLnBrk="0" hangingPunct="1">
+              <a:spcBef>
+                <a:spcPct val="20000"/>
+              </a:spcBef>
+              <a:spcAft>
+                <a:spcPts val="450"/>
+              </a:spcAft>
+              <a:buClr>
+                <a:schemeClr val="accent2"/>
+              </a:buClr>
+              <a:buSzPct val="92000"/>
+              <a:buFont typeface="Wingdings 2" panose="05020102010507070707" pitchFamily="18" charset="2"/>
+              <a:buChar char=""/>
+              <a:defRPr sz="1350" kern="1200">
+                <a:solidFill>
+                  <a:schemeClr val="tx2"/>
+                </a:solidFill>
+                <a:latin typeface="+mn-lt"/>
+                <a:ea typeface="+mn-ea"/>
+                <a:cs typeface="+mn-cs"/>
+              </a:defRPr>
+            </a:lvl1pPr>
+            <a:lvl2pPr marL="472500" indent="-229500" algn="l" defTabSz="342900" rtl="0" eaLnBrk="1" latinLnBrk="0" hangingPunct="1">
+              <a:spcBef>
+                <a:spcPct val="20000"/>
+              </a:spcBef>
+              <a:spcAft>
+                <a:spcPts val="450"/>
+              </a:spcAft>
+              <a:buClr>
+                <a:schemeClr val="accent2"/>
+              </a:buClr>
+              <a:buSzPct val="92000"/>
+              <a:buFont typeface="Wingdings 2" panose="05020102010507070707" pitchFamily="18" charset="2"/>
+              <a:buChar char=""/>
+              <a:defRPr sz="1200" kern="1200">
+                <a:solidFill>
+                  <a:schemeClr val="tx2"/>
+                </a:solidFill>
+                <a:latin typeface="+mn-lt"/>
+                <a:ea typeface="+mn-ea"/>
+                <a:cs typeface="+mn-cs"/>
+              </a:defRPr>
+            </a:lvl2pPr>
+            <a:lvl3pPr marL="675000" indent="-202500" algn="l" defTabSz="342900" rtl="0" eaLnBrk="1" latinLnBrk="0" hangingPunct="1">
+              <a:spcBef>
+                <a:spcPct val="20000"/>
+              </a:spcBef>
+              <a:spcAft>
+                <a:spcPts val="450"/>
+              </a:spcAft>
+              <a:buClr>
+                <a:schemeClr val="accent2"/>
+              </a:buClr>
+              <a:buSzPct val="92000"/>
+              <a:buFont typeface="Wingdings 2" panose="05020102010507070707" pitchFamily="18" charset="2"/>
+              <a:buChar char=""/>
+              <a:defRPr sz="1050" kern="1200">
+                <a:solidFill>
+                  <a:schemeClr val="tx2"/>
+                </a:solidFill>
+                <a:latin typeface="+mn-lt"/>
+                <a:ea typeface="+mn-ea"/>
+                <a:cs typeface="+mn-cs"/>
+              </a:defRPr>
+            </a:lvl3pPr>
+            <a:lvl4pPr marL="931500" indent="-175500" algn="l" defTabSz="342900" rtl="0" eaLnBrk="1" latinLnBrk="0" hangingPunct="1">
+              <a:spcBef>
+                <a:spcPct val="20000"/>
+              </a:spcBef>
+              <a:spcAft>
+                <a:spcPts val="450"/>
+              </a:spcAft>
+              <a:buClr>
+                <a:schemeClr val="accent2"/>
+              </a:buClr>
+              <a:buSzPct val="92000"/>
+              <a:buFont typeface="Wingdings 2" panose="05020102010507070707" pitchFamily="18" charset="2"/>
+              <a:buChar char=""/>
+              <a:defRPr sz="900" kern="1200">
+                <a:solidFill>
+                  <a:schemeClr val="tx2"/>
+                </a:solidFill>
+                <a:latin typeface="+mn-lt"/>
+                <a:ea typeface="+mn-ea"/>
+                <a:cs typeface="+mn-cs"/>
+              </a:defRPr>
+            </a:lvl4pPr>
+            <a:lvl5pPr marL="1201500" indent="-175500" algn="l" defTabSz="342900" rtl="0" eaLnBrk="1" latinLnBrk="0" hangingPunct="1">
+              <a:spcBef>
+                <a:spcPct val="20000"/>
+              </a:spcBef>
+              <a:spcAft>
+                <a:spcPts val="450"/>
+              </a:spcAft>
+              <a:buClr>
+                <a:schemeClr val="accent2"/>
+              </a:buClr>
+              <a:buSzPct val="92000"/>
+              <a:buFont typeface="Wingdings 2" panose="05020102010507070707" pitchFamily="18" charset="2"/>
+              <a:buChar char=""/>
+              <a:defRPr sz="900" kern="1200">
+                <a:solidFill>
+                  <a:schemeClr val="tx2"/>
+                </a:solidFill>
+                <a:latin typeface="+mn-lt"/>
+                <a:ea typeface="+mn-ea"/>
+                <a:cs typeface="+mn-cs"/>
+              </a:defRPr>
+            </a:lvl5pPr>
+            <a:lvl6pPr marL="1425000" indent="-171450" algn="l" defTabSz="342900" rtl="0" eaLnBrk="1" latinLnBrk="0" hangingPunct="1">
+              <a:spcBef>
+                <a:spcPct val="20000"/>
+              </a:spcBef>
+              <a:spcAft>
+                <a:spcPts val="450"/>
+              </a:spcAft>
+              <a:buClr>
+                <a:schemeClr val="accent2"/>
+              </a:buClr>
+              <a:buSzPct val="92000"/>
+              <a:buFont typeface="Wingdings 2" panose="05020102010507070707" pitchFamily="18" charset="2"/>
+              <a:buChar char=""/>
+              <a:defRPr sz="900" kern="1200">
+                <a:solidFill>
+                  <a:schemeClr val="tx2"/>
+                </a:solidFill>
+                <a:latin typeface="+mn-lt"/>
+                <a:ea typeface="+mn-ea"/>
+                <a:cs typeface="+mn-cs"/>
+              </a:defRPr>
+            </a:lvl6pPr>
+            <a:lvl7pPr marL="1650000" indent="-171450" algn="l" defTabSz="342900" rtl="0" eaLnBrk="1" latinLnBrk="0" hangingPunct="1">
+              <a:spcBef>
+                <a:spcPct val="20000"/>
+              </a:spcBef>
+              <a:spcAft>
+                <a:spcPts val="450"/>
+              </a:spcAft>
+              <a:buClr>
+                <a:schemeClr val="accent2"/>
+              </a:buClr>
+              <a:buSzPct val="92000"/>
+              <a:buFont typeface="Wingdings 2" panose="05020102010507070707" pitchFamily="18" charset="2"/>
+              <a:buChar char=""/>
+              <a:defRPr sz="900" kern="1200">
+                <a:solidFill>
+                  <a:schemeClr val="tx2"/>
+                </a:solidFill>
+                <a:latin typeface="+mn-lt"/>
+                <a:ea typeface="+mn-ea"/>
+                <a:cs typeface="+mn-cs"/>
+              </a:defRPr>
+            </a:lvl7pPr>
+            <a:lvl8pPr marL="1875000" indent="-171450" algn="l" defTabSz="342900" rtl="0" eaLnBrk="1" latinLnBrk="0" hangingPunct="1">
+              <a:spcBef>
+                <a:spcPct val="20000"/>
+              </a:spcBef>
+              <a:spcAft>
+                <a:spcPts val="450"/>
+              </a:spcAft>
+              <a:buClr>
+                <a:schemeClr val="accent2"/>
+              </a:buClr>
+              <a:buSzPct val="92000"/>
+              <a:buFont typeface="Wingdings 2" panose="05020102010507070707" pitchFamily="18" charset="2"/>
+              <a:buChar char=""/>
+              <a:defRPr sz="900" kern="1200">
+                <a:solidFill>
+                  <a:schemeClr val="tx2"/>
+                </a:solidFill>
+                <a:latin typeface="+mn-lt"/>
+                <a:ea typeface="+mn-ea"/>
+                <a:cs typeface="+mn-cs"/>
+              </a:defRPr>
+            </a:lvl8pPr>
+            <a:lvl9pPr marL="2100000" indent="-171450" algn="l" defTabSz="342900" rtl="0" eaLnBrk="1" latinLnBrk="0" hangingPunct="1">
+              <a:spcBef>
+                <a:spcPct val="20000"/>
+              </a:spcBef>
+              <a:spcAft>
+                <a:spcPts val="450"/>
+              </a:spcAft>
+              <a:buClr>
+                <a:schemeClr val="accent2"/>
+              </a:buClr>
+              <a:buSzPct val="92000"/>
+              <a:buFont typeface="Wingdings 2" panose="05020102010507070707" pitchFamily="18" charset="2"/>
+              <a:buChar char=""/>
+              <a:defRPr sz="900" kern="1200">
+                <a:solidFill>
+                  <a:schemeClr val="tx2"/>
+                </a:solidFill>
+                <a:latin typeface="+mn-lt"/>
+                <a:ea typeface="+mn-ea"/>
+                <a:cs typeface="+mn-cs"/>
+              </a:defRPr>
+            </a:lvl9pPr>
+          </a:lstStyle>
+          <a:p>
+            <a:r>
+              <a:rPr lang="fr-FR" dirty="0" smtClean="0"/>
+              <a:t>Par abus de langage, on appelle « </a:t>
+            </a:r>
+            <a:r>
+              <a:rPr lang="fr-FR" dirty="0" err="1" smtClean="0"/>
+              <a:t>gcc</a:t>
+            </a:r>
+            <a:r>
+              <a:rPr lang="fr-FR" dirty="0" smtClean="0"/>
+              <a:t> » ou « </a:t>
+            </a:r>
+            <a:r>
+              <a:rPr lang="fr-FR" dirty="0" err="1" smtClean="0"/>
+              <a:t>msvc</a:t>
+            </a:r>
+            <a:r>
+              <a:rPr lang="fr-FR" dirty="0" smtClean="0"/>
+              <a:t> » des compilateurs</a:t>
+            </a:r>
+          </a:p>
+          <a:p>
+            <a:r>
+              <a:rPr lang="fr-FR" dirty="0" smtClean="0"/>
+              <a:t>Ils fournissent en fait des outils pour chacune de ces étapes</a:t>
+            </a:r>
+          </a:p>
+          <a:p>
+            <a:r>
+              <a:rPr lang="fr-FR" dirty="0" smtClean="0"/>
+              <a:t>On devrait les appeler « suite de compilation » ou « front-end » en anglais</a:t>
+            </a:r>
+          </a:p>
+        </p:txBody>
+      </p:sp>
+      <p:sp>
+        <p:nvSpPr>
+          <p:cNvPr id="9" name="ZoneTexte 8"/>
+          <p:cNvSpPr txBox="1"/>
+          <p:nvPr/>
+        </p:nvSpPr>
+        <p:spPr>
+          <a:xfrm>
+            <a:off x="1110953" y="2978622"/>
+            <a:ext cx="6547626" cy="923330"/>
+          </a:xfrm>
+          <a:prstGeom prst="rect">
+            <a:avLst/>
+          </a:prstGeom>
+          <a:noFill/>
+        </p:spPr>
+        <p:txBody>
+          <a:bodyPr wrap="none" rtlCol="0">
             <a:spAutoFit/>
           </a:bodyPr>
           <a:lstStyle/>
           <a:p>
             <a:r>
-              <a:rPr lang="fr-FR" dirty="0" err="1"/>
+              <a:rPr lang="fr-FR" dirty="0" smtClean="0"/>
+              <a:t>											</a:t>
+            </a:r>
+            <a:r>
+              <a:rPr lang="fr-FR" dirty="0" smtClean="0">
+                <a:sym typeface="Wingdings" panose="05000000000000000000" pitchFamily="2" charset="2"/>
+              </a:rPr>
+              <a:t> </a:t>
+            </a:r>
+            <a:r>
+              <a:rPr lang="fr-FR" dirty="0" err="1" smtClean="0">
+                <a:sym typeface="Wingdings" panose="05000000000000000000" pitchFamily="2" charset="2"/>
+              </a:rPr>
+              <a:t>program.a</a:t>
+            </a:r>
+            <a:endParaRPr lang="fr-FR" dirty="0" smtClean="0"/>
+          </a:p>
+          <a:p>
+            <a:r>
+              <a:rPr lang="fr-FR" dirty="0" err="1" smtClean="0"/>
               <a:t>Program.c</a:t>
             </a:r>
             <a:r>
-              <a:rPr lang="fr-FR" dirty="0"/>
+              <a:rPr lang="fr-FR" dirty="0" smtClean="0"/>
               <a:t> </a:t>
             </a:r>
+            <a:r>
+              <a:rPr lang="fr-FR" dirty="0" smtClean="0">
+                <a:sym typeface="Wingdings" panose="05000000000000000000" pitchFamily="2" charset="2"/>
+              </a:rPr>
+              <a:t> </a:t>
+            </a:r>
+            <a:r>
+              <a:rPr lang="fr-FR" dirty="0" err="1" smtClean="0">
+                <a:sym typeface="Wingdings" panose="05000000000000000000" pitchFamily="2" charset="2"/>
+              </a:rPr>
+              <a:t>program.i</a:t>
+            </a:r>
+            <a:r>
+              <a:rPr lang="fr-FR" dirty="0" smtClean="0">
+                <a:sym typeface="Wingdings" panose="05000000000000000000" pitchFamily="2" charset="2"/>
+              </a:rPr>
+              <a:t>  </a:t>
+            </a:r>
+            <a:r>
+              <a:rPr lang="fr-FR" dirty="0" err="1" smtClean="0">
+                <a:sym typeface="Wingdings" panose="05000000000000000000" pitchFamily="2" charset="2"/>
+              </a:rPr>
+              <a:t>program.s</a:t>
+            </a:r>
+            <a:r>
+              <a:rPr lang="fr-FR" dirty="0" smtClean="0">
+                <a:sym typeface="Wingdings" panose="05000000000000000000" pitchFamily="2" charset="2"/>
+              </a:rPr>
+              <a:t>  </a:t>
+            </a:r>
+            <a:r>
+              <a:rPr lang="fr-FR" dirty="0" err="1" smtClean="0">
+                <a:sym typeface="Wingdings" panose="05000000000000000000" pitchFamily="2" charset="2"/>
+              </a:rPr>
+              <a:t>program.o</a:t>
+            </a:r>
+            <a:r>
+              <a:rPr lang="fr-FR" dirty="0" smtClean="0">
+                <a:sym typeface="Wingdings" panose="05000000000000000000" pitchFamily="2" charset="2"/>
+              </a:rPr>
+              <a:t> 	 program*</a:t>
+            </a:r>
+          </a:p>
+          <a:p>
             <a:r>
               <a:rPr lang="fr-FR" dirty="0">
                 <a:sym typeface="Wingdings" panose="05000000000000000000" pitchFamily="2" charset="2"/>
               </a:rPr>
-              <a:t> </a:t>
-            </a:r>
-            <a:r>
-              <a:rPr lang="fr-FR" dirty="0" err="1">
+              <a:t>	</a:t>
+            </a:r>
+            <a:r>
+              <a:rPr lang="fr-FR" dirty="0" smtClean="0">
                 <a:sym typeface="Wingdings" panose="05000000000000000000" pitchFamily="2" charset="2"/>
               </a:rPr>
-              <a:t>program.i</a:t>
-            </a:r>
+              <a:t>										program.so</a:t>
+            </a:r>
+            <a:endParaRPr lang="fr-FR" dirty="0"/>
+          </a:p>
+        </p:txBody>
+      </p:sp>
+      <p:sp>
+        <p:nvSpPr>
+          <p:cNvPr id="10" name="ZoneTexte 9"/>
+          <p:cNvSpPr txBox="1"/>
+          <p:nvPr/>
+        </p:nvSpPr>
+        <p:spPr>
+          <a:xfrm>
+            <a:off x="1110953" y="4257668"/>
+            <a:ext cx="6726713" cy="923330"/>
+          </a:xfrm>
+          <a:prstGeom prst="rect">
+            <a:avLst/>
+          </a:prstGeom>
+          <a:noFill/>
+        </p:spPr>
+        <p:txBody>
+          <a:bodyPr wrap="none" rtlCol="0">
+            <a:spAutoFit/>
+          </a:bodyPr>
+          <a:lstStyle/>
+          <a:p>
             <a:r>
               <a:rPr lang="fr-FR" dirty="0">
                 <a:sym typeface="Wingdings" panose="05000000000000000000" pitchFamily="2" charset="2"/>
               </a:rPr>
+              <a:t>											 </a:t>
+            </a:r>
+            <a:r>
+              <a:rPr lang="fr-FR" dirty="0" smtClean="0">
+                <a:sym typeface="Wingdings" panose="05000000000000000000" pitchFamily="2" charset="2"/>
+              </a:rPr>
+              <a:t>program.lib</a:t>
+            </a:r>
+            <a:endParaRPr lang="fr-FR" dirty="0" smtClean="0"/>
+          </a:p>
+          <a:p>
+            <a:r>
+              <a:rPr lang="fr-FR" dirty="0" err="1" smtClean="0"/>
+              <a:t>Program.c</a:t>
+            </a:r>
+            <a:r>
+              <a:rPr lang="fr-FR" dirty="0" smtClean="0"/>
               <a:t> </a:t>
+            </a:r>
+            <a:r>
+              <a:rPr lang="fr-FR" dirty="0" smtClean="0">
+                <a:sym typeface="Wingdings" panose="05000000000000000000" pitchFamily="2" charset="2"/>
+              </a:rPr>
+              <a:t> </a:t>
+            </a:r>
+            <a:r>
+              <a:rPr lang="fr-FR" dirty="0" err="1" smtClean="0">
+                <a:sym typeface="Wingdings" panose="05000000000000000000" pitchFamily="2" charset="2"/>
+              </a:rPr>
+              <a:t>program.i</a:t>
+            </a:r>
+            <a:r>
+              <a:rPr lang="fr-FR" dirty="0" smtClean="0">
+                <a:sym typeface="Wingdings" panose="05000000000000000000" pitchFamily="2" charset="2"/>
+              </a:rPr>
+              <a:t>  </a:t>
+            </a:r>
+            <a:r>
+              <a:rPr lang="fr-FR" dirty="0" err="1" smtClean="0">
+                <a:sym typeface="Wingdings" panose="05000000000000000000" pitchFamily="2" charset="2"/>
+              </a:rPr>
+              <a:t>program.s</a:t>
+            </a:r>
+            <a:r>
+              <a:rPr lang="fr-FR" dirty="0" smtClean="0">
+                <a:sym typeface="Wingdings" panose="05000000000000000000" pitchFamily="2" charset="2"/>
+              </a:rPr>
+              <a:t>  program.obj 	 program.exe</a:t>
+            </a:r>
+          </a:p>
+          <a:p>
+            <a:r>
+              <a:rPr lang="fr-FR" dirty="0">
+                <a:sym typeface="Wingdings" panose="05000000000000000000" pitchFamily="2" charset="2"/>
+              </a:rPr>
+              <a:t>	</a:t>
+            </a:r>
+            <a:r>
+              <a:rPr lang="fr-FR" dirty="0" smtClean="0">
+                <a:sym typeface="Wingdings" panose="05000000000000000000" pitchFamily="2" charset="2"/>
+              </a:rPr>
+              <a:t>										 program.dll</a:t>
+            </a:r>
+            <a:endParaRPr lang="fr-FR" dirty="0"/>
+          </a:p>
+        </p:txBody>
+      </p:sp>
+      <p:sp>
+        <p:nvSpPr>
+          <p:cNvPr id="2" name="ZoneTexte 1"/>
+          <p:cNvSpPr txBox="1"/>
+          <p:nvPr/>
+        </p:nvSpPr>
+        <p:spPr>
+          <a:xfrm>
+            <a:off x="1794616" y="3858394"/>
+            <a:ext cx="930704" cy="369332"/>
+          </a:xfrm>
+          <a:prstGeom prst="rect">
+            <a:avLst/>
+          </a:prstGeom>
+          <a:noFill/>
+        </p:spPr>
+        <p:txBody>
+          <a:bodyPr wrap="none" rtlCol="0">
+            <a:spAutoFit/>
+          </a:bodyPr>
+          <a:lstStyle/>
+          <a:p>
+            <a:r>
+              <a:rPr lang="fr-FR" dirty="0" err="1" smtClean="0"/>
+              <a:t>préproc</a:t>
+            </a:r>
+            <a:endParaRPr lang="fr-FR" dirty="0"/>
+          </a:p>
+        </p:txBody>
+      </p:sp>
+      <p:sp>
+        <p:nvSpPr>
+          <p:cNvPr id="11" name="ZoneTexte 10"/>
+          <p:cNvSpPr txBox="1"/>
+          <p:nvPr/>
+        </p:nvSpPr>
+        <p:spPr>
+          <a:xfrm>
+            <a:off x="3126336" y="3858394"/>
+            <a:ext cx="808235" cy="369332"/>
+          </a:xfrm>
+          <a:prstGeom prst="rect">
+            <a:avLst/>
+          </a:prstGeom>
+          <a:noFill/>
+        </p:spPr>
+        <p:txBody>
+          <a:bodyPr wrap="none" rtlCol="0">
+            <a:spAutoFit/>
+          </a:bodyPr>
+          <a:lstStyle/>
+          <a:p>
+            <a:r>
+              <a:rPr lang="fr-FR" dirty="0" smtClean="0"/>
+              <a:t>compil</a:t>
+            </a:r>
+            <a:endParaRPr lang="fr-FR" dirty="0"/>
+          </a:p>
+        </p:txBody>
+      </p:sp>
+      <p:sp>
+        <p:nvSpPr>
+          <p:cNvPr id="12" name="ZoneTexte 11"/>
+          <p:cNvSpPr txBox="1"/>
+          <p:nvPr/>
+        </p:nvSpPr>
+        <p:spPr>
+          <a:xfrm>
+            <a:off x="4335587" y="3858394"/>
+            <a:ext cx="1231427" cy="369332"/>
+          </a:xfrm>
+          <a:prstGeom prst="rect">
+            <a:avLst/>
+          </a:prstGeom>
+          <a:noFill/>
+        </p:spPr>
+        <p:txBody>
+          <a:bodyPr wrap="none" rtlCol="0">
+            <a:spAutoFit/>
+          </a:bodyPr>
+          <a:lstStyle/>
+          <a:p>
+            <a:r>
+              <a:rPr lang="fr-FR" dirty="0" smtClean="0"/>
+              <a:t>assembleur</a:t>
+            </a:r>
+            <a:endParaRPr lang="fr-FR" dirty="0"/>
+          </a:p>
+        </p:txBody>
+      </p:sp>
+      <p:sp>
+        <p:nvSpPr>
+          <p:cNvPr id="13" name="ZoneTexte 12"/>
+          <p:cNvSpPr txBox="1"/>
+          <p:nvPr/>
+        </p:nvSpPr>
+        <p:spPr>
+          <a:xfrm>
+            <a:off x="5968030" y="3906193"/>
+            <a:ext cx="513282" cy="369332"/>
+          </a:xfrm>
+          <a:prstGeom prst="rect">
+            <a:avLst/>
+          </a:prstGeom>
+          <a:noFill/>
+        </p:spPr>
+        <p:txBody>
+          <a:bodyPr wrap="none" rtlCol="0">
+            <a:spAutoFit/>
+          </a:bodyPr>
+          <a:lstStyle/>
+          <a:p>
+            <a:r>
+              <a:rPr lang="fr-FR" dirty="0" err="1" smtClean="0"/>
+              <a:t>link</a:t>
             </a:r>
             <a:endParaRPr lang="fr-FR" dirty="0"/>
           </a:p>
@@ -12012,7 +12247,7 @@
     </p:spTree>
     <p:extLst>
       <p:ext uri="{BB962C8B-B14F-4D97-AF65-F5344CB8AC3E}">
-        <p14:creationId xmlns:p14="http://schemas.microsoft.com/office/powerpoint/2010/main" val="2054127805"/>
+        <p14:creationId xmlns:p14="http://schemas.microsoft.com/office/powerpoint/2010/main" val="3717682648"/>
       </p:ext>
     </p:extLst>
   </p:cSld>
@@ -12231,8 +12466,222 @@
           <a:p>
             <a:r>
               <a:rPr lang="fr-FR" dirty="0" smtClean="0"/>
-              <a:t>Le compilateur</a:t>
-            </a:r>
+              <a:t>Le préprocesseur</a:t>
+            </a:r>
+            <a:endParaRPr lang="fr-FR" dirty="0"/>
+          </a:p>
+        </p:txBody>
+      </p:sp>
+      <p:sp>
+        <p:nvSpPr>
+          <p:cNvPr id="6" name="Espace réservé du contenu 5"/>
+          <p:cNvSpPr>
+            <a:spLocks noGrp="1"/>
+          </p:cNvSpPr>
+          <p:nvPr>
+            <p:ph idx="1"/>
+          </p:nvPr>
+        </p:nvSpPr>
+        <p:spPr>
+          <a:xfrm>
+            <a:off x="435895" y="1364896"/>
+            <a:ext cx="8272211" cy="3463478"/>
+          </a:xfrm>
+        </p:spPr>
+        <p:txBody>
+          <a:bodyPr>
+            <a:normAutofit/>
+          </a:bodyPr>
+          <a:lstStyle/>
+          <a:p>
+            <a:pPr marL="0" indent="0">
+              <a:buNone/>
+            </a:pPr>
+            <a:r>
+              <a:rPr lang="fr-FR" dirty="0" smtClean="0"/>
+              <a:t>Les directive commencent toutes par ‘#’</a:t>
+            </a:r>
+            <a:br>
+              <a:rPr lang="fr-FR" dirty="0" smtClean="0"/>
+            </a:br>
+            <a:r>
+              <a:rPr lang="fr-FR" dirty="0" smtClean="0"/>
+              <a:t>= remplacement récursif de code + suppression des commentaires</a:t>
+            </a:r>
+          </a:p>
+          <a:p>
+            <a:pPr marL="0" indent="0">
+              <a:buNone/>
+            </a:pPr>
+            <a:endParaRPr lang="fr-FR" dirty="0"/>
+          </a:p>
+          <a:p>
+            <a:pPr marL="0" indent="0">
+              <a:buNone/>
+            </a:pPr>
+            <a:r>
+              <a:rPr lang="fr-FR" dirty="0" smtClean="0"/>
+              <a:t>Ex : #</a:t>
+            </a:r>
+            <a:r>
+              <a:rPr lang="fr-FR" dirty="0" err="1" smtClean="0"/>
+              <a:t>include</a:t>
+            </a:r>
+            <a:r>
+              <a:rPr lang="fr-FR" dirty="0" smtClean="0"/>
+              <a:t> &lt;</a:t>
+            </a:r>
+            <a:r>
+              <a:rPr lang="fr-FR" dirty="0" err="1" smtClean="0"/>
+              <a:t>vector</a:t>
+            </a:r>
+            <a:r>
+              <a:rPr lang="fr-FR" dirty="0" smtClean="0"/>
+              <a:t>&gt; </a:t>
+            </a:r>
+          </a:p>
+          <a:p>
+            <a:pPr marL="0" indent="0">
+              <a:buNone/>
+            </a:pPr>
+            <a:r>
+              <a:rPr lang="fr-FR" dirty="0" smtClean="0"/>
+              <a:t>Import du fichier « </a:t>
+            </a:r>
+            <a:r>
+              <a:rPr lang="fr-FR" dirty="0" err="1" smtClean="0"/>
+              <a:t>vector</a:t>
+            </a:r>
+            <a:r>
+              <a:rPr lang="fr-FR" dirty="0" smtClean="0"/>
+              <a:t> » du compilateur C++</a:t>
+            </a:r>
+          </a:p>
+          <a:p>
+            <a:pPr marL="0" indent="0">
+              <a:buNone/>
+            </a:pPr>
+            <a:r>
+              <a:rPr lang="fr-FR" dirty="0" smtClean="0"/>
+              <a:t>Ex : #</a:t>
+            </a:r>
+            <a:r>
+              <a:rPr lang="fr-FR" dirty="0" err="1" smtClean="0"/>
+              <a:t>define</a:t>
+            </a:r>
+            <a:r>
+              <a:rPr lang="fr-FR" dirty="0" smtClean="0"/>
+              <a:t> </a:t>
+            </a:r>
+            <a:r>
+              <a:rPr lang="fr-FR" dirty="0" err="1" smtClean="0"/>
+              <a:t>symbol</a:t>
+            </a:r>
+            <a:r>
+              <a:rPr lang="fr-FR" dirty="0" smtClean="0"/>
+              <a:t> 1</a:t>
+            </a:r>
+          </a:p>
+          <a:p>
+            <a:pPr marL="0" indent="0">
+              <a:buNone/>
+            </a:pPr>
+            <a:r>
+              <a:rPr lang="fr-FR" dirty="0" smtClean="0"/>
+              <a:t>Ex : macro prédéfinies </a:t>
+            </a:r>
+            <a:br>
+              <a:rPr lang="fr-FR" dirty="0" smtClean="0"/>
+            </a:br>
+            <a:r>
+              <a:rPr lang="fr-FR" dirty="0"/>
+              <a:t>__LINE__,__FUNCTION__,__FILE__,__DATE__</a:t>
+            </a:r>
+          </a:p>
+          <a:p>
+            <a:pPr marL="0" indent="0">
+              <a:buNone/>
+            </a:pPr>
+            <a:r>
+              <a:rPr lang="fr-FR" dirty="0" smtClean="0"/>
+              <a:t>D’où l’intérêt du #</a:t>
+            </a:r>
+            <a:r>
+              <a:rPr lang="fr-FR" dirty="0" err="1" smtClean="0"/>
+              <a:t>pragma</a:t>
+            </a:r>
+            <a:r>
+              <a:rPr lang="fr-FR" dirty="0" smtClean="0"/>
+              <a:t> once (ou du #</a:t>
+            </a:r>
+            <a:r>
+              <a:rPr lang="fr-FR" dirty="0" err="1" smtClean="0"/>
+              <a:t>ifndef</a:t>
+            </a:r>
+            <a:r>
+              <a:rPr lang="fr-FR" dirty="0" smtClean="0"/>
+              <a:t>… #</a:t>
+            </a:r>
+            <a:r>
+              <a:rPr lang="fr-FR" dirty="0" err="1" smtClean="0"/>
+              <a:t>endif</a:t>
+            </a:r>
+            <a:r>
+              <a:rPr lang="fr-FR" dirty="0" smtClean="0"/>
+              <a:t>) pour éviter de copier le même code plusieurs fois et de limiter la taille de l’exécutable au final.</a:t>
+            </a:r>
+          </a:p>
+          <a:p>
+            <a:pPr marL="0" indent="0">
+              <a:buNone/>
+            </a:pPr>
+            <a:r>
+              <a:rPr lang="fr-FR" dirty="0" smtClean="0"/>
+              <a:t>Pour ajouter un path de recherche des fichiers </a:t>
+            </a:r>
+            <a:r>
+              <a:rPr lang="fr-FR" dirty="0" err="1" smtClean="0"/>
+              <a:t>includes</a:t>
+            </a:r>
+            <a:r>
+              <a:rPr lang="fr-FR" dirty="0" smtClean="0"/>
+              <a:t/>
+            </a:r>
+            <a:br>
+              <a:rPr lang="fr-FR" dirty="0" smtClean="0"/>
+            </a:br>
+            <a:r>
+              <a:rPr lang="fr-FR" dirty="0" err="1"/>
+              <a:t>gcc</a:t>
+            </a:r>
+            <a:r>
+              <a:rPr lang="fr-FR" dirty="0"/>
+              <a:t> -I&lt;CHEMIN&gt;</a:t>
+            </a:r>
+            <a:endParaRPr lang="fr-FR" dirty="0" smtClean="0"/>
+          </a:p>
+          <a:p>
+            <a:pPr marL="0" indent="0">
+              <a:buNone/>
+            </a:pPr>
+            <a:endParaRPr lang="fr-FR" dirty="0"/>
+          </a:p>
+          <a:p>
+            <a:pPr marL="0" indent="0">
+              <a:buNone/>
+            </a:pPr>
+            <a:endParaRPr lang="fr-FR" dirty="0" smtClean="0"/>
+          </a:p>
+          <a:p>
+            <a:pPr marL="0" indent="0">
+              <a:buNone/>
+            </a:pPr>
+            <a:endParaRPr lang="fr-FR" dirty="0"/>
+          </a:p>
+          <a:p>
+            <a:pPr marL="0" indent="0">
+              <a:buNone/>
+            </a:pPr>
             <a:endParaRPr lang="fr-FR" dirty="0"/>
           </a:p>
         </p:txBody>
@@ -12264,299 +12713,44 @@
       </p:sp>
       <p:sp>
         <p:nvSpPr>
-          <p:cNvPr id="7" name="Espace réservé du contenu 5"/>
-          <p:cNvSpPr txBox="1">
-            <a:spLocks/>
-          </p:cNvSpPr>
+          <p:cNvPr id="2" name="Rectangle 1"/>
+          <p:cNvSpPr/>
           <p:nvPr/>
         </p:nvSpPr>
         <p:spPr>
           <a:xfrm>
-            <a:off x="435894" y="2918738"/>
-            <a:ext cx="8272211" cy="1335575"/>
+            <a:off x="3349710" y="4487041"/>
+            <a:ext cx="2444580" cy="369332"/>
           </a:xfrm>
           <a:prstGeom prst="rect">
             <a:avLst/>
           </a:prstGeom>
         </p:spPr>
         <p:txBody>
-          <a:bodyPr vert="horz" lIns="91440" tIns="45720" rIns="91440" bIns="45720" rtlCol="0" anchor="ctr">
-            <a:normAutofit/>
-          </a:bodyPr>
-          <a:lstStyle>
-            <a:lvl1pPr marL="229500" indent="-229500" algn="l" defTabSz="342900" rtl="0" eaLnBrk="1" latinLnBrk="0" hangingPunct="1">
-              <a:spcBef>
-                <a:spcPct val="20000"/>
-              </a:spcBef>
-              <a:spcAft>
-                <a:spcPts val="450"/>
-              </a:spcAft>
-              <a:buClr>
-                <a:schemeClr val="accent2"/>
-              </a:buClr>
-              <a:buSzPct val="92000"/>
-              <a:buFont typeface="Wingdings 2" panose="05020102010507070707" pitchFamily="18" charset="2"/>
-              <a:buChar char=""/>
-              <a:defRPr sz="1350" kern="1200">
-                <a:solidFill>
-                  <a:schemeClr val="tx2"/>
-                </a:solidFill>
-                <a:latin typeface="+mn-lt"/>
-                <a:ea typeface="+mn-ea"/>
-                <a:cs typeface="+mn-cs"/>
-              </a:defRPr>
-            </a:lvl1pPr>
-            <a:lvl2pPr marL="472500" indent="-229500" algn="l" defTabSz="342900" rtl="0" eaLnBrk="1" latinLnBrk="0" hangingPunct="1">
-              <a:spcBef>
-                <a:spcPct val="20000"/>
-              </a:spcBef>
-              <a:spcAft>
-                <a:spcPts val="450"/>
-              </a:spcAft>
-              <a:buClr>
-                <a:schemeClr val="accent2"/>
-              </a:buClr>
-              <a:buSzPct val="92000"/>
-              <a:buFont typeface="Wingdings 2" panose="05020102010507070707" pitchFamily="18" charset="2"/>
-              <a:buChar char=""/>
-              <a:defRPr sz="1200" kern="1200">
-                <a:solidFill>
-                  <a:schemeClr val="tx2"/>
-                </a:solidFill>
-                <a:latin typeface="+mn-lt"/>
-                <a:ea typeface="+mn-ea"/>
-                <a:cs typeface="+mn-cs"/>
-              </a:defRPr>
-            </a:lvl2pPr>
-            <a:lvl3pPr marL="675000" indent="-202500" algn="l" defTabSz="342900" rtl="0" eaLnBrk="1" latinLnBrk="0" hangingPunct="1">
-              <a:spcBef>
-                <a:spcPct val="20000"/>
-              </a:spcBef>
-              <a:spcAft>
-                <a:spcPts val="450"/>
-              </a:spcAft>
-              <a:buClr>
-                <a:schemeClr val="accent2"/>
-              </a:buClr>
-              <a:buSzPct val="92000"/>
-              <a:buFont typeface="Wingdings 2" panose="05020102010507070707" pitchFamily="18" charset="2"/>
-              <a:buChar char=""/>
-              <a:defRPr sz="1050" kern="1200">
-                <a:solidFill>
-                  <a:schemeClr val="tx2"/>
-                </a:solidFill>
-                <a:latin typeface="+mn-lt"/>
-                <a:ea typeface="+mn-ea"/>
-                <a:cs typeface="+mn-cs"/>
-              </a:defRPr>
-            </a:lvl3pPr>
-            <a:lvl4pPr marL="931500" indent="-175500" algn="l" defTabSz="342900" rtl="0" eaLnBrk="1" latinLnBrk="0" hangingPunct="1">
-              <a:spcBef>
-                <a:spcPct val="20000"/>
-              </a:spcBef>
-              <a:spcAft>
-                <a:spcPts val="450"/>
-              </a:spcAft>
-              <a:buClr>
-                <a:schemeClr val="accent2"/>
-              </a:buClr>
-              <a:buSzPct val="92000"/>
-              <a:buFont typeface="Wingdings 2" panose="05020102010507070707" pitchFamily="18" charset="2"/>
-              <a:buChar char=""/>
-              <a:defRPr sz="900" kern="1200">
-                <a:solidFill>
-                  <a:schemeClr val="tx2"/>
-                </a:solidFill>
-                <a:latin typeface="+mn-lt"/>
-                <a:ea typeface="+mn-ea"/>
-                <a:cs typeface="+mn-cs"/>
-              </a:defRPr>
-            </a:lvl4pPr>
-            <a:lvl5pPr marL="1201500" indent="-175500" algn="l" defTabSz="342900" rtl="0" eaLnBrk="1" latinLnBrk="0" hangingPunct="1">
-              <a:spcBef>
-                <a:spcPct val="20000"/>
-              </a:spcBef>
-              <a:spcAft>
-                <a:spcPts val="450"/>
-              </a:spcAft>
-              <a:buClr>
-                <a:schemeClr val="accent2"/>
-              </a:buClr>
-              <a:buSzPct val="92000"/>
-              <a:buFont typeface="Wingdings 2" panose="05020102010507070707" pitchFamily="18" charset="2"/>
-              <a:buChar char=""/>
-              <a:defRPr sz="900" kern="1200">
-                <a:solidFill>
-                  <a:schemeClr val="tx2"/>
-                </a:solidFill>
-                <a:latin typeface="+mn-lt"/>
-                <a:ea typeface="+mn-ea"/>
-                <a:cs typeface="+mn-cs"/>
-              </a:defRPr>
-            </a:lvl5pPr>
-            <a:lvl6pPr marL="1425000" indent="-171450" algn="l" defTabSz="342900" rtl="0" eaLnBrk="1" latinLnBrk="0" hangingPunct="1">
-              <a:spcBef>
-                <a:spcPct val="20000"/>
-              </a:spcBef>
-              <a:spcAft>
-                <a:spcPts val="450"/>
-              </a:spcAft>
-              <a:buClr>
-                <a:schemeClr val="accent2"/>
-              </a:buClr>
-              <a:buSzPct val="92000"/>
-              <a:buFont typeface="Wingdings 2" panose="05020102010507070707" pitchFamily="18" charset="2"/>
-              <a:buChar char=""/>
-              <a:defRPr sz="900" kern="1200">
-                <a:solidFill>
-                  <a:schemeClr val="tx2"/>
-                </a:solidFill>
-                <a:latin typeface="+mn-lt"/>
-                <a:ea typeface="+mn-ea"/>
-                <a:cs typeface="+mn-cs"/>
-              </a:defRPr>
-            </a:lvl6pPr>
-            <a:lvl7pPr marL="1650000" indent="-171450" algn="l" defTabSz="342900" rtl="0" eaLnBrk="1" latinLnBrk="0" hangingPunct="1">
-              <a:spcBef>
-                <a:spcPct val="20000"/>
-              </a:spcBef>
-              <a:spcAft>
-                <a:spcPts val="450"/>
-              </a:spcAft>
-              <a:buClr>
-                <a:schemeClr val="accent2"/>
-              </a:buClr>
-              <a:buSzPct val="92000"/>
-              <a:buFont typeface="Wingdings 2" panose="05020102010507070707" pitchFamily="18" charset="2"/>
-              <a:buChar char=""/>
-              <a:defRPr sz="900" kern="1200">
-                <a:solidFill>
-                  <a:schemeClr val="tx2"/>
-                </a:solidFill>
-                <a:latin typeface="+mn-lt"/>
-                <a:ea typeface="+mn-ea"/>
-                <a:cs typeface="+mn-cs"/>
-              </a:defRPr>
-            </a:lvl7pPr>
-            <a:lvl8pPr marL="1875000" indent="-171450" algn="l" defTabSz="342900" rtl="0" eaLnBrk="1" latinLnBrk="0" hangingPunct="1">
-              <a:spcBef>
-                <a:spcPct val="20000"/>
-              </a:spcBef>
-              <a:spcAft>
-                <a:spcPts val="450"/>
-              </a:spcAft>
-              <a:buClr>
-                <a:schemeClr val="accent2"/>
-              </a:buClr>
-              <a:buSzPct val="92000"/>
-              <a:buFont typeface="Wingdings 2" panose="05020102010507070707" pitchFamily="18" charset="2"/>
-              <a:buChar char=""/>
-              <a:defRPr sz="900" kern="1200">
-                <a:solidFill>
-                  <a:schemeClr val="tx2"/>
-                </a:solidFill>
-                <a:latin typeface="+mn-lt"/>
-                <a:ea typeface="+mn-ea"/>
-                <a:cs typeface="+mn-cs"/>
-              </a:defRPr>
-            </a:lvl8pPr>
-            <a:lvl9pPr marL="2100000" indent="-171450" algn="l" defTabSz="342900" rtl="0" eaLnBrk="1" latinLnBrk="0" hangingPunct="1">
-              <a:spcBef>
-                <a:spcPct val="20000"/>
-              </a:spcBef>
-              <a:spcAft>
-                <a:spcPts val="450"/>
-              </a:spcAft>
-              <a:buClr>
-                <a:schemeClr val="accent2"/>
-              </a:buClr>
-              <a:buSzPct val="92000"/>
-              <a:buFont typeface="Wingdings 2" panose="05020102010507070707" pitchFamily="18" charset="2"/>
-              <a:buChar char=""/>
-              <a:defRPr sz="900" kern="1200">
-                <a:solidFill>
-                  <a:schemeClr val="tx2"/>
-                </a:solidFill>
-                <a:latin typeface="+mn-lt"/>
-                <a:ea typeface="+mn-ea"/>
-                <a:cs typeface="+mn-cs"/>
-              </a:defRPr>
-            </a:lvl9pPr>
-          </a:lstStyle>
-          <a:p>
-            <a:r>
-              <a:rPr lang="fr-FR" dirty="0" smtClean="0"/>
-              <a:t>Code source </a:t>
-            </a:r>
-            <a:r>
-              <a:rPr lang="fr-FR" dirty="0" smtClean="0">
-                <a:sym typeface="Wingdings" panose="05000000000000000000" pitchFamily="2" charset="2"/>
-              </a:rPr>
-              <a:t> code assembleur</a:t>
-            </a:r>
-          </a:p>
-          <a:p>
-            <a:r>
-              <a:rPr lang="fr-FR" dirty="0" smtClean="0">
-                <a:sym typeface="Wingdings" panose="05000000000000000000" pitchFamily="2" charset="2"/>
-              </a:rPr>
-              <a:t>Traitement indépendant de chaque fichier</a:t>
-            </a:r>
-          </a:p>
-          <a:p>
-            <a:endParaRPr lang="fr-FR" dirty="0">
-              <a:sym typeface="Wingdings" panose="05000000000000000000" pitchFamily="2" charset="2"/>
-            </a:endParaRPr>
-          </a:p>
-          <a:p>
-            <a:r>
-              <a:rPr lang="fr-FR" dirty="0" smtClean="0">
-                <a:sym typeface="Wingdings" panose="05000000000000000000" pitchFamily="2" charset="2"/>
-              </a:rPr>
-              <a:t>Demande juste la connaissance des prototypes des fonctions utilisées</a:t>
-            </a:r>
-            <a:endParaRPr lang="fr-FR" dirty="0" smtClean="0"/>
-          </a:p>
-        </p:txBody>
-      </p:sp>
-      <p:sp>
-        <p:nvSpPr>
-          <p:cNvPr id="3" name="Rectangle 2"/>
-          <p:cNvSpPr/>
-          <p:nvPr/>
-        </p:nvSpPr>
-        <p:spPr>
-          <a:xfrm>
-            <a:off x="3271466" y="4475996"/>
-            <a:ext cx="2430152" cy="369332"/>
-          </a:xfrm>
-          <a:prstGeom prst="rect">
-            <a:avLst/>
-          </a:prstGeom>
-        </p:spPr>
-        <p:txBody>
           <a:bodyPr wrap="none">
             <a:spAutoFit/>
           </a:bodyPr>
           <a:lstStyle/>
           <a:p>
             <a:r>
+              <a:rPr lang="fr-FR" dirty="0" err="1"/>
+              <a:t>Program.c</a:t>
+            </a:r>
+            <a:r>
+              <a:rPr lang="fr-FR" dirty="0"/>
+              <a:t> </a:t>
+            </a:r>
+            <a:r>
+              <a:rPr lang="fr-FR" dirty="0">
+                <a:sym typeface="Wingdings" panose="05000000000000000000" pitchFamily="2" charset="2"/>
+              </a:rPr>
+              <a:t> </a:t>
+            </a:r>
+            <a:r>
               <a:rPr lang="fr-FR" dirty="0" err="1">
                 <a:sym typeface="Wingdings" panose="05000000000000000000" pitchFamily="2" charset="2"/>
               </a:rPr>
               <a:t>program.i</a:t>
-            </a:r>
-            <a:r>
-              <a:rPr lang="fr-FR" dirty="0">
-                <a:sym typeface="Wingdings" panose="05000000000000000000" pitchFamily="2" charset="2"/>
-              </a:rPr>
-              <a:t>  </a:t>
-            </a:r>
-            <a:r>
-              <a:rPr lang="fr-FR" dirty="0" err="1">
-                <a:sym typeface="Wingdings" panose="05000000000000000000" pitchFamily="2" charset="2"/>
-              </a:rPr>
-              <a:t>program.s</a:t>
             </a:r>
             <a:r>
               <a:rPr lang="fr-FR" dirty="0">
@@ -12571,7 +12765,7 @@
     </p:spTree>
     <p:extLst>
       <p:ext uri="{BB962C8B-B14F-4D97-AF65-F5344CB8AC3E}">
-        <p14:creationId xmlns:p14="http://schemas.microsoft.com/office/powerpoint/2010/main" val="858429396"/>
+        <p14:creationId xmlns:p14="http://schemas.microsoft.com/office/powerpoint/2010/main" val="2054127805"/>
       </p:ext>
     </p:extLst>
   </p:cSld>
@@ -12622,7 +12816,7 @@
           <a:p>
             <a:r>
               <a:rPr lang="fr-FR" dirty="0" smtClean="0"/>
-              <a:t>L’assembleur</a:t>
+              <a:t>Le compilateur</a:t>
             </a:r>
             <a:endParaRPr lang="fr-FR" dirty="0"/>
           </a:p>
@@ -12663,7 +12857,7 @@
         </p:nvSpPr>
         <p:spPr>
           <a:xfrm>
-            <a:off x="521352" y="1594140"/>
+            <a:off x="435894" y="2918738"/>
             <a:ext cx="8272211" cy="1335575"/>
           </a:xfrm>
           <a:prstGeom prst="rect">
@@ -12877,14 +13071,36 @@
           <a:p>
             <a:r>
               <a:rPr lang="fr-FR" dirty="0" smtClean="0"/>
-              <a:t>Code assembleur </a:t>
+              <a:t>Code source </a:t>
             </a:r>
             <a:r>
               <a:rPr lang="fr-FR" dirty="0" smtClean="0">
                 <a:sym typeface="Wingdings" panose="05000000000000000000" pitchFamily="2" charset="2"/>
               </a:rPr>
-              <a:t> code binaire</a:t>
-            </a:r>
+              <a:t> code assembleur</a:t>
+            </a:r>
+          </a:p>
+          <a:p>
+            <a:r>
+              <a:rPr lang="fr-FR" dirty="0" smtClean="0">
+                <a:sym typeface="Wingdings" panose="05000000000000000000" pitchFamily="2" charset="2"/>
+              </a:rPr>
+              <a:t>Traitement indépendant de chaque fichier</a:t>
+            </a:r>
+          </a:p>
+          <a:p>
+            <a:endParaRPr lang="fr-FR" dirty="0">
+              <a:sym typeface="Wingdings" panose="05000000000000000000" pitchFamily="2" charset="2"/>
+            </a:endParaRPr>
+          </a:p>
+          <a:p>
+            <a:r>
+              <a:rPr lang="fr-FR" dirty="0" smtClean="0">
+                <a:sym typeface="Wingdings" panose="05000000000000000000" pitchFamily="2" charset="2"/>
+              </a:rPr>
+              <a:t>Demande juste la connaissance des prototypes des fonctions utilisées</a:t>
+            </a:r>
+            <a:endParaRPr lang="fr-FR" dirty="0" smtClean="0"/>
           </a:p>
         </p:txBody>
       </p:sp>
@@ -12897,7 +13113,7 @@
         <p:spPr>
           <a:xfrm>
             <a:off x="3271466" y="4475996"/>
-            <a:ext cx="2505494" cy="369332"/>
+            <a:ext cx="2430152" cy="369332"/>
           </a:xfrm>
           <a:prstGeom prst="rect">
             <a:avLst/>
@@ -12910,31 +13126,25 @@
           <a:lstStyle/>
           <a:p>
             <a:r>
-              <a:rPr lang="fr-FR" dirty="0" err="1" smtClean="0">
+              <a:rPr lang="fr-FR" dirty="0" err="1">
                 <a:sym typeface="Wingdings" panose="05000000000000000000" pitchFamily="2" charset="2"/>
               </a:rPr>
-              <a:t>program.s</a:t>
-            </a:r>
-            <a:r>
-              <a:rPr lang="fr-FR" dirty="0" smtClean="0">
-                <a:sym typeface="Wingdings" panose="05000000000000000000" pitchFamily="2" charset="2"/>
-              </a:rPr>
-              <a:t> </a:t>
+              <a:t>program.i</a:t>
             </a:r>
             <a:r>
               <a:rPr lang="fr-FR" dirty="0">
                 <a:sym typeface="Wingdings" panose="05000000000000000000" pitchFamily="2" charset="2"/>
               </a:rPr>
-              <a:t> </a:t>
-            </a:r>
-            <a:r>
-              <a:rPr lang="fr-FR" dirty="0" err="1" smtClean="0">
+              <a:t>  </a:t>
+            </a:r>
+            <a:r>
+              <a:rPr lang="fr-FR" dirty="0" err="1">
                 <a:sym typeface="Wingdings" panose="05000000000000000000" pitchFamily="2" charset="2"/>
               </a:rPr>
-              <a:t>program.o</a:t>
-            </a:r>
-            <a:r>
-              <a:rPr lang="fr-FR" dirty="0" smtClean="0">
+              <a:t>program.s</a:t>
+            </a:r>
+            <a:r>
+              <a:rPr lang="fr-FR" dirty="0">
                 <a:sym typeface="Wingdings" panose="05000000000000000000" pitchFamily="2" charset="2"/>
               </a:rPr>
               <a:t> </a:t>
@@ -12946,7 +13156,7 @@
     </p:spTree>
     <p:extLst>
       <p:ext uri="{BB962C8B-B14F-4D97-AF65-F5344CB8AC3E}">
-        <p14:creationId xmlns:p14="http://schemas.microsoft.com/office/powerpoint/2010/main" val="3220879233"/>
+        <p14:creationId xmlns:p14="http://schemas.microsoft.com/office/powerpoint/2010/main" val="858429396"/>
       </p:ext>
     </p:extLst>
   </p:cSld>
@@ -12997,7 +13207,7 @@
           <a:p>
             <a:r>
               <a:rPr lang="fr-FR" dirty="0" smtClean="0"/>
-              <a:t>L’éditeur de lien</a:t>
+              <a:t>L’assembleur</a:t>
             </a:r>
             <a:endParaRPr lang="fr-FR" dirty="0"/>
           </a:p>
@@ -13038,8 +13248,8 @@
         </p:nvSpPr>
         <p:spPr>
           <a:xfrm>
-            <a:off x="529898" y="1628324"/>
-            <a:ext cx="8272211" cy="499580"/>
+            <a:off x="521352" y="1594140"/>
+            <a:ext cx="8272211" cy="1335575"/>
           </a:xfrm>
           <a:prstGeom prst="rect">
             <a:avLst/>
@@ -13252,11 +13462,14 @@
           <a:p>
             <a:r>
               <a:rPr lang="fr-FR" dirty="0" smtClean="0"/>
-              <a:t>Agrégation des fichiers binaires</a:t>
-            </a:r>
-            <a:endParaRPr lang="fr-FR" dirty="0" smtClean="0">
-              <a:sym typeface="Wingdings" panose="05000000000000000000" pitchFamily="2" charset="2"/>
-            </a:endParaRPr>
+              <a:t>Code assembleur </a:t>
+            </a:r>
+            <a:r>
+              <a:rPr lang="fr-FR" dirty="0" smtClean="0">
+                <a:sym typeface="Wingdings" panose="05000000000000000000" pitchFamily="2" charset="2"/>
+              </a:rPr>
+              <a:t> code binaire</a:t>
+            </a:r>
           </a:p>
         </p:txBody>
       </p:sp>
@@ -13269,7 +13482,7 @@
         <p:spPr>
           <a:xfrm>
             <a:off x="3271466" y="4475996"/>
-            <a:ext cx="2747099" cy="369332"/>
+            <a:ext cx="2505494" cy="369332"/>
           </a:xfrm>
           <a:prstGeom prst="rect">
             <a:avLst/>
@@ -13285,7 +13498,7 @@
               <a:rPr lang="fr-FR" dirty="0" err="1" smtClean="0">
                 <a:sym typeface="Wingdings" panose="05000000000000000000" pitchFamily="2" charset="2"/>
               </a:rPr>
-              <a:t>program.o</a:t>
+              <a:t>program.s</a:t>
             </a:r>
             <a:r>
               <a:rPr lang="fr-FR" dirty="0" smtClean="0">
@@ -13300,10 +13513,16 @@
               <a:t> </a:t>
             </a:r>
             <a:r>
+              <a:rPr lang="fr-FR" dirty="0" err="1" smtClean="0">
+                <a:sym typeface="Wingdings" panose="05000000000000000000" pitchFamily="2" charset="2"/>
+              </a:rPr>
+              <a:t>program.o</a:t>
+            </a:r>
+            <a:r>
               <a:rPr lang="fr-FR" dirty="0" smtClean="0">
                 <a:sym typeface="Wingdings" panose="05000000000000000000" pitchFamily="2" charset="2"/>
               </a:rPr>
-              <a:t>program.exe </a:t>
+              <a:t> </a:t>
             </a:r>
             <a:endParaRPr lang="fr-FR" dirty="0"/>
           </a:p>
@@ -13312,7 +13531,7 @@
     </p:spTree>
     <p:extLst>
       <p:ext uri="{BB962C8B-B14F-4D97-AF65-F5344CB8AC3E}">
-        <p14:creationId xmlns:p14="http://schemas.microsoft.com/office/powerpoint/2010/main" val="3234537669"/>
+        <p14:creationId xmlns:p14="http://schemas.microsoft.com/office/powerpoint/2010/main" val="3220879233"/>
       </p:ext>
     </p:extLst>
   </p:cSld>
@@ -13348,115 +13567,30 @@
       </p:grpSpPr>
       <p:sp>
         <p:nvSpPr>
-          <p:cNvPr id="2" name="Titre 1">
-            <a:extLst>
-              <a:ext uri="{FF2B5EF4-FFF2-40B4-BE49-F238E27FC236}">
-                <a16:creationId xmlns:a16="http://schemas.microsoft.com/office/drawing/2014/main" id="{C02C5318-1A1E-49D0-B2E2-A4B0FA9E8A40}"/>
-              </a:ext>
-            </a:extLst>
-          </p:cNvPr>
+          <p:cNvPr id="5" name="Titre 4"/>
           <p:cNvSpPr>
             <a:spLocks noGrp="1"/>
           </p:cNvSpPr>
           <p:nvPr>
-            <p:ph type="ctrTitle"/>
-          </p:nvPr>
-        </p:nvSpPr>
-        <p:spPr>
-          <a:xfrm>
-            <a:off x="330791" y="4545068"/>
-            <a:ext cx="8245162" cy="671433"/>
-          </a:xfrm>
-        </p:spPr>
-        <p:txBody>
-          <a:bodyPr rtlCol="0">
-            <a:noAutofit/>
-          </a:bodyPr>
+            <p:ph type="title"/>
+          </p:nvPr>
+        </p:nvSpPr>
+        <p:spPr/>
+        <p:txBody>
+          <a:bodyPr/>
           <a:lstStyle/>
           <a:p>
-            <a:pPr algn="r" rtl="0"/>
-            <a:r>
-              <a:rPr lang="fr-FR" sz="3150" dirty="0" smtClean="0">
-                <a:solidFill>
-                  <a:schemeClr val="bg1"/>
-                </a:solidFill>
-              </a:rPr>
-              <a:t>Entêtes précompilées</a:t>
-            </a:r>
-            <a:endParaRPr lang="fr-FR" sz="3150" dirty="0">
-              <a:solidFill>
-                <a:schemeClr val="bg1"/>
-              </a:solidFill>
-            </a:endParaRPr>
-          </a:p>
-        </p:txBody>
-      </p:sp>
-      <p:sp>
-        <p:nvSpPr>
-          <p:cNvPr id="6" name="ZoneTexte 5"/>
-          <p:cNvSpPr txBox="1"/>
-          <p:nvPr/>
-        </p:nvSpPr>
-        <p:spPr>
-          <a:xfrm>
-            <a:off x="330791" y="588580"/>
-            <a:ext cx="3757733" cy="3631763"/>
-          </a:xfrm>
-          <a:prstGeom prst="rect">
-            <a:avLst/>
-          </a:prstGeom>
-          <a:noFill/>
-        </p:spPr>
-        <p:txBody>
-          <a:bodyPr wrap="square" rtlCol="0">
-            <a:spAutoFit/>
-          </a:bodyPr>
-          <a:lstStyle/>
-          <a:p>
-            <a:r>
-              <a:rPr lang="fr-FR" sz="11500" b="1" spc="50" dirty="0" smtClean="0">
-                <a:ln w="9525" cmpd="sng">
-                  <a:solidFill>
-                    <a:schemeClr val="accent1"/>
-                  </a:solidFill>
-                  <a:prstDash val="solid"/>
-                </a:ln>
-                <a:solidFill>
-                  <a:srgbClr val="70AD47">
-                    <a:tint val="1000"/>
-                  </a:srgbClr>
-                </a:solidFill>
-                <a:effectLst>
-                  <a:glow rad="38100">
-                    <a:schemeClr val="accent1">
-                      <a:alpha val="40000"/>
-                    </a:schemeClr>
-                  </a:glow>
-                </a:effectLst>
-              </a:rPr>
-              <a:t>03</a:t>
-            </a:r>
-          </a:p>
-          <a:p>
-            <a:endParaRPr lang="fr-FR" sz="11500" dirty="0">
-              <a:ln w="0"/>
-              <a:solidFill>
-                <a:schemeClr val="accent1"/>
-              </a:solidFill>
-              <a:effectLst>
-                <a:outerShdw blurRad="38100" dist="25400" dir="5400000" algn="ctr" rotWithShape="0">
-                  <a:srgbClr val="6E747A">
-                    <a:alpha val="43000"/>
-                  </a:srgbClr>
-                </a:outerShdw>
-              </a:effectLst>
-            </a:endParaRPr>
-          </a:p>
-        </p:txBody>
-      </p:sp>
-      <p:sp>
-        <p:nvSpPr>
-          <p:cNvPr id="3" name="Espace réservé du numéro de diapositive 2"/>
+            <a:r>
+              <a:rPr lang="fr-FR" dirty="0" smtClean="0"/>
+              <a:t>L’éditeur de lien – Statique</a:t>
+            </a:r>
+            <a:endParaRPr lang="fr-FR" dirty="0"/>
+          </a:p>
+        </p:txBody>
+      </p:sp>
+      <p:sp>
+        <p:nvSpPr>
+          <p:cNvPr id="4" name="Espace réservé du numéro de diapositive 3"/>
           <p:cNvSpPr>
             <a:spLocks noGrp="1"/>
           </p:cNvSpPr>
@@ -13475,14 +13609,383 @@
               <a:pPr rtl="0"/>
               <a:t>23</a:t>
             </a:fld>
-            <a:endParaRPr lang="fr-FR" noProof="0"/>
+            <a:endParaRPr lang="fr-FR" noProof="0" dirty="0"/>
+          </a:p>
+        </p:txBody>
+      </p:sp>
+      <p:sp>
+        <p:nvSpPr>
+          <p:cNvPr id="7" name="Espace réservé du contenu 5"/>
+          <p:cNvSpPr txBox="1">
+            <a:spLocks/>
+          </p:cNvSpPr>
+          <p:nvPr/>
+        </p:nvSpPr>
+        <p:spPr>
+          <a:xfrm>
+            <a:off x="529898" y="1628324"/>
+            <a:ext cx="8272211" cy="2601844"/>
+          </a:xfrm>
+          <a:prstGeom prst="rect">
+            <a:avLst/>
+          </a:prstGeom>
+        </p:spPr>
+        <p:txBody>
+          <a:bodyPr vert="horz" lIns="91440" tIns="45720" rIns="91440" bIns="45720" rtlCol="0" anchor="ctr">
+            <a:normAutofit/>
+          </a:bodyPr>
+          <a:lstStyle>
+            <a:lvl1pPr marL="229500" indent="-229500" algn="l" defTabSz="342900" rtl="0" eaLnBrk="1" latinLnBrk="0" hangingPunct="1">
+              <a:spcBef>
+                <a:spcPct val="20000"/>
+              </a:spcBef>
+              <a:spcAft>
+                <a:spcPts val="450"/>
+              </a:spcAft>
+              <a:buClr>
+                <a:schemeClr val="accent2"/>
+              </a:buClr>
+              <a:buSzPct val="92000"/>
+              <a:buFont typeface="Wingdings 2" panose="05020102010507070707" pitchFamily="18" charset="2"/>
+              <a:buChar char=""/>
+              <a:defRPr sz="1350" kern="1200">
+                <a:solidFill>
+                  <a:schemeClr val="tx2"/>
+                </a:solidFill>
+                <a:latin typeface="+mn-lt"/>
+                <a:ea typeface="+mn-ea"/>
+                <a:cs typeface="+mn-cs"/>
+              </a:defRPr>
+            </a:lvl1pPr>
+            <a:lvl2pPr marL="472500" indent="-229500" algn="l" defTabSz="342900" rtl="0" eaLnBrk="1" latinLnBrk="0" hangingPunct="1">
+              <a:spcBef>
+                <a:spcPct val="20000"/>
+              </a:spcBef>
+              <a:spcAft>
+                <a:spcPts val="450"/>
+              </a:spcAft>
+              <a:buClr>
+                <a:schemeClr val="accent2"/>
+              </a:buClr>
+              <a:buSzPct val="92000"/>
+              <a:buFont typeface="Wingdings 2" panose="05020102010507070707" pitchFamily="18" charset="2"/>
+              <a:buChar char=""/>
+              <a:defRPr sz="1200" kern="1200">
+                <a:solidFill>
+                  <a:schemeClr val="tx2"/>
+                </a:solidFill>
+                <a:latin typeface="+mn-lt"/>
+                <a:ea typeface="+mn-ea"/>
+                <a:cs typeface="+mn-cs"/>
+              </a:defRPr>
+            </a:lvl2pPr>
+            <a:lvl3pPr marL="675000" indent="-202500" algn="l" defTabSz="342900" rtl="0" eaLnBrk="1" latinLnBrk="0" hangingPunct="1">
+              <a:spcBef>
+                <a:spcPct val="20000"/>
+              </a:spcBef>
+              <a:spcAft>
+                <a:spcPts val="450"/>
+              </a:spcAft>
+              <a:buClr>
+                <a:schemeClr val="accent2"/>
+              </a:buClr>
+              <a:buSzPct val="92000"/>
+              <a:buFont typeface="Wingdings 2" panose="05020102010507070707" pitchFamily="18" charset="2"/>
+              <a:buChar char=""/>
+              <a:defRPr sz="1050" kern="1200">
+                <a:solidFill>
+                  <a:schemeClr val="tx2"/>
+                </a:solidFill>
+                <a:latin typeface="+mn-lt"/>
+                <a:ea typeface="+mn-ea"/>
+                <a:cs typeface="+mn-cs"/>
+              </a:defRPr>
+            </a:lvl3pPr>
+            <a:lvl4pPr marL="931500" indent="-175500" algn="l" defTabSz="342900" rtl="0" eaLnBrk="1" latinLnBrk="0" hangingPunct="1">
+              <a:spcBef>
+                <a:spcPct val="20000"/>
+              </a:spcBef>
+              <a:spcAft>
+                <a:spcPts val="450"/>
+              </a:spcAft>
+              <a:buClr>
+                <a:schemeClr val="accent2"/>
+              </a:buClr>
+              <a:buSzPct val="92000"/>
+              <a:buFont typeface="Wingdings 2" panose="05020102010507070707" pitchFamily="18" charset="2"/>
+              <a:buChar char=""/>
+              <a:defRPr sz="900" kern="1200">
+                <a:solidFill>
+                  <a:schemeClr val="tx2"/>
+                </a:solidFill>
+                <a:latin typeface="+mn-lt"/>
+                <a:ea typeface="+mn-ea"/>
+                <a:cs typeface="+mn-cs"/>
+              </a:defRPr>
+            </a:lvl4pPr>
+            <a:lvl5pPr marL="1201500" indent="-175500" algn="l" defTabSz="342900" rtl="0" eaLnBrk="1" latinLnBrk="0" hangingPunct="1">
+              <a:spcBef>
+                <a:spcPct val="20000"/>
+              </a:spcBef>
+              <a:spcAft>
+                <a:spcPts val="450"/>
+              </a:spcAft>
+              <a:buClr>
+                <a:schemeClr val="accent2"/>
+              </a:buClr>
+              <a:buSzPct val="92000"/>
+              <a:buFont typeface="Wingdings 2" panose="05020102010507070707" pitchFamily="18" charset="2"/>
+              <a:buChar char=""/>
+              <a:defRPr sz="900" kern="1200">
+                <a:solidFill>
+                  <a:schemeClr val="tx2"/>
+                </a:solidFill>
+                <a:latin typeface="+mn-lt"/>
+                <a:ea typeface="+mn-ea"/>
+                <a:cs typeface="+mn-cs"/>
+              </a:defRPr>
+            </a:lvl5pPr>
+            <a:lvl6pPr marL="1425000" indent="-171450" algn="l" defTabSz="342900" rtl="0" eaLnBrk="1" latinLnBrk="0" hangingPunct="1">
+              <a:spcBef>
+                <a:spcPct val="20000"/>
+              </a:spcBef>
+              <a:spcAft>
+                <a:spcPts val="450"/>
+              </a:spcAft>
+              <a:buClr>
+                <a:schemeClr val="accent2"/>
+              </a:buClr>
+              <a:buSzPct val="92000"/>
+              <a:buFont typeface="Wingdings 2" panose="05020102010507070707" pitchFamily="18" charset="2"/>
+              <a:buChar char=""/>
+              <a:defRPr sz="900" kern="1200">
+                <a:solidFill>
+                  <a:schemeClr val="tx2"/>
+                </a:solidFill>
+                <a:latin typeface="+mn-lt"/>
+                <a:ea typeface="+mn-ea"/>
+                <a:cs typeface="+mn-cs"/>
+              </a:defRPr>
+            </a:lvl6pPr>
+            <a:lvl7pPr marL="1650000" indent="-171450" algn="l" defTabSz="342900" rtl="0" eaLnBrk="1" latinLnBrk="0" hangingPunct="1">
+              <a:spcBef>
+                <a:spcPct val="20000"/>
+              </a:spcBef>
+              <a:spcAft>
+                <a:spcPts val="450"/>
+              </a:spcAft>
+              <a:buClr>
+                <a:schemeClr val="accent2"/>
+              </a:buClr>
+              <a:buSzPct val="92000"/>
+              <a:buFont typeface="Wingdings 2" panose="05020102010507070707" pitchFamily="18" charset="2"/>
+              <a:buChar char=""/>
+              <a:defRPr sz="900" kern="1200">
+                <a:solidFill>
+                  <a:schemeClr val="tx2"/>
+                </a:solidFill>
+                <a:latin typeface="+mn-lt"/>
+                <a:ea typeface="+mn-ea"/>
+                <a:cs typeface="+mn-cs"/>
+              </a:defRPr>
+            </a:lvl7pPr>
+            <a:lvl8pPr marL="1875000" indent="-171450" algn="l" defTabSz="342900" rtl="0" eaLnBrk="1" latinLnBrk="0" hangingPunct="1">
+              <a:spcBef>
+                <a:spcPct val="20000"/>
+              </a:spcBef>
+              <a:spcAft>
+                <a:spcPts val="450"/>
+              </a:spcAft>
+              <a:buClr>
+                <a:schemeClr val="accent2"/>
+              </a:buClr>
+              <a:buSzPct val="92000"/>
+              <a:buFont typeface="Wingdings 2" panose="05020102010507070707" pitchFamily="18" charset="2"/>
+              <a:buChar char=""/>
+              <a:defRPr sz="900" kern="1200">
+                <a:solidFill>
+                  <a:schemeClr val="tx2"/>
+                </a:solidFill>
+                <a:latin typeface="+mn-lt"/>
+                <a:ea typeface="+mn-ea"/>
+                <a:cs typeface="+mn-cs"/>
+              </a:defRPr>
+            </a:lvl8pPr>
+            <a:lvl9pPr marL="2100000" indent="-171450" algn="l" defTabSz="342900" rtl="0" eaLnBrk="1" latinLnBrk="0" hangingPunct="1">
+              <a:spcBef>
+                <a:spcPct val="20000"/>
+              </a:spcBef>
+              <a:spcAft>
+                <a:spcPts val="450"/>
+              </a:spcAft>
+              <a:buClr>
+                <a:schemeClr val="accent2"/>
+              </a:buClr>
+              <a:buSzPct val="92000"/>
+              <a:buFont typeface="Wingdings 2" panose="05020102010507070707" pitchFamily="18" charset="2"/>
+              <a:buChar char=""/>
+              <a:defRPr sz="900" kern="1200">
+                <a:solidFill>
+                  <a:schemeClr val="tx2"/>
+                </a:solidFill>
+                <a:latin typeface="+mn-lt"/>
+                <a:ea typeface="+mn-ea"/>
+                <a:cs typeface="+mn-cs"/>
+              </a:defRPr>
+            </a:lvl9pPr>
+          </a:lstStyle>
+          <a:p>
+            <a:r>
+              <a:rPr lang="fr-FR" dirty="0" smtClean="0"/>
+              <a:t>Agrégation des fichiers binaires</a:t>
+            </a:r>
+          </a:p>
+          <a:p>
+            <a:r>
+              <a:rPr lang="fr-FR" dirty="0" smtClean="0">
+                <a:sym typeface="Wingdings" panose="05000000000000000000" pitchFamily="2" charset="2"/>
+              </a:rPr>
+              <a:t>Même si un seul fichier, on </a:t>
+            </a:r>
+            <a:r>
+              <a:rPr lang="fr-FR" dirty="0" err="1" smtClean="0">
+                <a:sym typeface="Wingdings" panose="05000000000000000000" pitchFamily="2" charset="2"/>
+              </a:rPr>
+              <a:t>link</a:t>
+            </a:r>
+            <a:r>
+              <a:rPr lang="fr-FR" dirty="0" smtClean="0">
+                <a:sym typeface="Wingdings" panose="05000000000000000000" pitchFamily="2" charset="2"/>
+              </a:rPr>
+              <a:t> toujours avec au minimum la </a:t>
+            </a:r>
+            <a:r>
+              <a:rPr lang="fr-FR" dirty="0" err="1" smtClean="0">
+                <a:sym typeface="Wingdings" panose="05000000000000000000" pitchFamily="2" charset="2"/>
+              </a:rPr>
+              <a:t>libc</a:t>
+            </a:r>
+            <a:r>
+              <a:rPr lang="fr-FR" dirty="0" smtClean="0">
+                <a:sym typeface="Wingdings" panose="05000000000000000000" pitchFamily="2" charset="2"/>
+              </a:rPr>
+              <a:t>. </a:t>
+            </a:r>
+            <a:r>
+              <a:rPr lang="fr-FR" dirty="0" err="1">
+                <a:sym typeface="Wingdings" panose="05000000000000000000" pitchFamily="2" charset="2"/>
+              </a:rPr>
+              <a:t>l</a:t>
+            </a:r>
+            <a:r>
+              <a:rPr lang="fr-FR" dirty="0" err="1" smtClean="0">
+                <a:sym typeface="Wingdings" panose="05000000000000000000" pitchFamily="2" charset="2"/>
+              </a:rPr>
+              <a:t>ibc.a</a:t>
+            </a:r>
+            <a:r>
+              <a:rPr lang="fr-FR" dirty="0" smtClean="0">
+                <a:sym typeface="Wingdings" panose="05000000000000000000" pitchFamily="2" charset="2"/>
+              </a:rPr>
+              <a:t> sous linux.</a:t>
+            </a:r>
+          </a:p>
+          <a:p>
+            <a:r>
+              <a:rPr lang="fr-FR" dirty="0" smtClean="0">
+                <a:sym typeface="Wingdings" panose="05000000000000000000" pitchFamily="2" charset="2"/>
+              </a:rPr>
+              <a:t>Un fichier .a est une archive de fichiers .o</a:t>
+            </a:r>
+          </a:p>
+          <a:p>
+            <a:r>
+              <a:rPr lang="fr-FR" dirty="0" smtClean="0">
+                <a:sym typeface="Wingdings" panose="05000000000000000000" pitchFamily="2" charset="2"/>
+              </a:rPr>
+              <a:t>L’éditeur de lien remplace les bouchons d’adresse de fonction par les vraies adresses des fonctions. Et c’est là qu’arrive les problèmes…</a:t>
+            </a:r>
+          </a:p>
+          <a:p>
+            <a:r>
+              <a:rPr lang="fr-FR" dirty="0" smtClean="0">
+                <a:sym typeface="Wingdings" panose="05000000000000000000" pitchFamily="2" charset="2"/>
+              </a:rPr>
+              <a:t>Cas particulier : la </a:t>
+            </a:r>
+            <a:r>
+              <a:rPr lang="fr-FR" dirty="0" err="1" smtClean="0">
+                <a:sym typeface="Wingdings" panose="05000000000000000000" pitchFamily="2" charset="2"/>
+              </a:rPr>
+              <a:t>libc.a</a:t>
+            </a:r>
+            <a:r>
+              <a:rPr lang="fr-FR" dirty="0" smtClean="0">
+                <a:sym typeface="Wingdings" panose="05000000000000000000" pitchFamily="2" charset="2"/>
+              </a:rPr>
+              <a:t> a un bouchon pour la fonction main(). Si elle n’existe pas, l’éditeur de lien renvoie une erreur</a:t>
+            </a:r>
+          </a:p>
+          <a:p>
+            <a:endParaRPr lang="fr-FR" dirty="0" smtClean="0">
+              <a:sym typeface="Wingdings" panose="05000000000000000000" pitchFamily="2" charset="2"/>
+            </a:endParaRPr>
+          </a:p>
+        </p:txBody>
+      </p:sp>
+      <p:sp>
+        <p:nvSpPr>
+          <p:cNvPr id="3" name="Rectangle 2"/>
+          <p:cNvSpPr/>
+          <p:nvPr/>
+        </p:nvSpPr>
+        <p:spPr>
+          <a:xfrm>
+            <a:off x="3271466" y="4475996"/>
+            <a:ext cx="2747099" cy="369332"/>
+          </a:xfrm>
+          <a:prstGeom prst="rect">
+            <a:avLst/>
+          </a:prstGeom>
+        </p:spPr>
+        <p:txBody>
+          <a:bodyPr wrap="none">
+            <a:spAutoFit/>
+          </a:bodyPr>
+          <a:lstStyle/>
+          <a:p>
+            <a:r>
+              <a:rPr lang="fr-FR" dirty="0" err="1" smtClean="0">
+                <a:sym typeface="Wingdings" panose="05000000000000000000" pitchFamily="2" charset="2"/>
+              </a:rPr>
+              <a:t>program.o</a:t>
+            </a:r>
+            <a:r>
+              <a:rPr lang="fr-FR" dirty="0" smtClean="0">
+                <a:sym typeface="Wingdings" panose="05000000000000000000" pitchFamily="2" charset="2"/>
+              </a:rPr>
+              <a:t> </a:t>
+            </a:r>
+            <a:r>
+              <a:rPr lang="fr-FR" dirty="0">
+                <a:sym typeface="Wingdings" panose="05000000000000000000" pitchFamily="2" charset="2"/>
+              </a:rPr>
+              <a:t> </a:t>
+            </a:r>
+            <a:r>
+              <a:rPr lang="fr-FR" dirty="0" smtClean="0">
+                <a:sym typeface="Wingdings" panose="05000000000000000000" pitchFamily="2" charset="2"/>
+              </a:rPr>
+              <a:t>program.exe </a:t>
+            </a:r>
+            <a:endParaRPr lang="fr-FR" dirty="0"/>
           </a:p>
         </p:txBody>
       </p:sp>
     </p:spTree>
     <p:extLst>
       <p:ext uri="{BB962C8B-B14F-4D97-AF65-F5344CB8AC3E}">
-        <p14:creationId xmlns:p14="http://schemas.microsoft.com/office/powerpoint/2010/main" val="1179338591"/>
+        <p14:creationId xmlns:p14="http://schemas.microsoft.com/office/powerpoint/2010/main" val="3234537669"/>
       </p:ext>
     </p:extLst>
   </p:cSld>
@@ -13518,120 +14021,244 @@
       </p:grpSpPr>
       <p:sp>
         <p:nvSpPr>
-          <p:cNvPr id="2" name="Titre 1">
-            <a:extLst>
-              <a:ext uri="{FF2B5EF4-FFF2-40B4-BE49-F238E27FC236}">
-                <a16:creationId xmlns:a16="http://schemas.microsoft.com/office/drawing/2014/main" id="{C02C5318-1A1E-49D0-B2E2-A4B0FA9E8A40}"/>
-              </a:ext>
-            </a:extLst>
-          </p:cNvPr>
+          <p:cNvPr id="2" name="Titre 1"/>
           <p:cNvSpPr>
             <a:spLocks noGrp="1"/>
           </p:cNvSpPr>
           <p:nvPr>
-            <p:ph type="ctrTitle"/>
-          </p:nvPr>
-        </p:nvSpPr>
-        <p:spPr>
-          <a:xfrm>
-            <a:off x="330791" y="4545068"/>
-            <a:ext cx="8245162" cy="671433"/>
-          </a:xfrm>
-        </p:spPr>
-        <p:txBody>
-          <a:bodyPr rtlCol="0">
-            <a:noAutofit/>
+            <p:ph type="title"/>
+          </p:nvPr>
+        </p:nvSpPr>
+        <p:spPr/>
+        <p:txBody>
+          <a:bodyPr/>
+          <a:lstStyle/>
+          <a:p>
+            <a:r>
+              <a:rPr lang="fr-FR" dirty="0" smtClean="0"/>
+              <a:t>L’éditeur de liens</a:t>
+            </a:r>
+            <a:endParaRPr lang="fr-FR" dirty="0"/>
+          </a:p>
+        </p:txBody>
+      </p:sp>
+      <p:sp>
+        <p:nvSpPr>
+          <p:cNvPr id="4" name="Espace réservé du numéro de diapositive 3"/>
+          <p:cNvSpPr>
+            <a:spLocks noGrp="1"/>
+          </p:cNvSpPr>
+          <p:nvPr>
+            <p:ph type="sldNum" sz="quarter" idx="12"/>
+          </p:nvPr>
+        </p:nvSpPr>
+        <p:spPr/>
+        <p:txBody>
+          <a:bodyPr/>
+          <a:lstStyle/>
+          <a:p>
+            <a:fld id="{D57F1E4F-1CFF-5643-939E-217C01CDF565}" type="slidenum">
+              <a:rPr lang="fr-FR" smtClean="0"/>
+              <a:pPr/>
+              <a:t>24</a:t>
+            </a:fld>
+            <a:endParaRPr lang="fr-FR" dirty="0"/>
+          </a:p>
+        </p:txBody>
+      </p:sp>
+      <p:sp>
+        <p:nvSpPr>
+          <p:cNvPr id="5" name="Espace réservé du texte 4"/>
+          <p:cNvSpPr>
+            <a:spLocks noGrp="1"/>
+          </p:cNvSpPr>
+          <p:nvPr>
+            <p:ph type="body" idx="1"/>
+          </p:nvPr>
+        </p:nvSpPr>
+        <p:spPr/>
+        <p:txBody>
+          <a:bodyPr/>
+          <a:lstStyle/>
+          <a:p>
+            <a:r>
+              <a:rPr lang="fr-FR" dirty="0" smtClean="0"/>
+              <a:t>Sous </a:t>
+            </a:r>
+            <a:r>
+              <a:rPr lang="fr-FR" dirty="0" smtClean="0"/>
+              <a:t>linux (</a:t>
+            </a:r>
+            <a:r>
+              <a:rPr lang="fr-FR" b="1" dirty="0" smtClean="0"/>
+              <a:t>GCC</a:t>
+            </a:r>
+            <a:r>
+              <a:rPr lang="fr-FR" dirty="0" smtClean="0"/>
+              <a:t>)</a:t>
+            </a:r>
+            <a:endParaRPr lang="fr-FR" dirty="0"/>
+          </a:p>
+        </p:txBody>
+      </p:sp>
+      <p:sp>
+        <p:nvSpPr>
+          <p:cNvPr id="6" name="Espace réservé du contenu 5"/>
+          <p:cNvSpPr>
+            <a:spLocks noGrp="1"/>
+          </p:cNvSpPr>
+          <p:nvPr>
+            <p:ph sz="half" idx="2"/>
+          </p:nvPr>
+        </p:nvSpPr>
+        <p:spPr/>
+        <p:txBody>
+          <a:bodyPr>
+            <a:normAutofit lnSpcReduction="10000"/>
           </a:bodyPr>
           <a:lstStyle/>
           <a:p>
-            <a:pPr algn="r" rtl="0"/>
-            <a:r>
-              <a:rPr lang="fr-FR" sz="3150" dirty="0" smtClean="0">
-                <a:solidFill>
-                  <a:schemeClr val="bg1"/>
-                </a:solidFill>
-              </a:rPr>
-              <a:t>LA STD : Les conteneurs et les algorithmes</a:t>
-            </a:r>
-            <a:endParaRPr lang="fr-FR" sz="3150" dirty="0">
-              <a:solidFill>
-                <a:schemeClr val="bg1"/>
-              </a:solidFill>
-            </a:endParaRPr>
-          </a:p>
-        </p:txBody>
-      </p:sp>
-      <p:sp>
-        <p:nvSpPr>
-          <p:cNvPr id="6" name="ZoneTexte 5"/>
-          <p:cNvSpPr txBox="1"/>
-          <p:nvPr/>
-        </p:nvSpPr>
-        <p:spPr>
-          <a:xfrm>
-            <a:off x="330791" y="588580"/>
-            <a:ext cx="3757733" cy="3631763"/>
-          </a:xfrm>
-          <a:prstGeom prst="rect">
-            <a:avLst/>
-          </a:prstGeom>
-          <a:noFill/>
-        </p:spPr>
-        <p:txBody>
-          <a:bodyPr wrap="square" rtlCol="0">
-            <a:spAutoFit/>
-          </a:bodyPr>
-          <a:lstStyle/>
-          <a:p>
-            <a:r>
-              <a:rPr lang="fr-FR" sz="11500" b="1" spc="50" dirty="0" smtClean="0">
-                <a:ln w="9525" cmpd="sng">
-                  <a:solidFill>
-                    <a:schemeClr val="accent1"/>
-                  </a:solidFill>
-                  <a:prstDash val="solid"/>
-                </a:ln>
-                <a:solidFill>
-                  <a:srgbClr val="70AD47">
-                    <a:tint val="1000"/>
-                  </a:srgbClr>
-                </a:solidFill>
-                <a:effectLst>
-                  <a:glow rad="38100">
-                    <a:schemeClr val="accent1">
-                      <a:alpha val="40000"/>
-                    </a:schemeClr>
-                  </a:glow>
-                </a:effectLst>
-              </a:rPr>
-              <a:t>04</a:t>
-            </a:r>
-          </a:p>
-          <a:p>
-            <a:endParaRPr lang="fr-FR" sz="11500" dirty="0">
-              <a:ln w="0"/>
-              <a:solidFill>
-                <a:schemeClr val="accent1"/>
-              </a:solidFill>
-              <a:effectLst>
-                <a:outerShdw blurRad="38100" dist="25400" dir="5400000" algn="ctr" rotWithShape="0">
-                  <a:srgbClr val="6E747A">
-                    <a:alpha val="43000"/>
-                  </a:srgbClr>
-                </a:outerShdw>
-              </a:effectLst>
-            </a:endParaRPr>
-          </a:p>
-        </p:txBody>
-      </p:sp>
-      <p:sp>
-        <p:nvSpPr>
-          <p:cNvPr id="3" name="Espace réservé du numéro de diapositive 2"/>
+            <a:r>
+              <a:rPr lang="fr-FR" dirty="0"/>
+              <a:t>—</a:t>
+            </a:r>
+            <a:r>
+              <a:rPr lang="fr-FR" dirty="0" err="1"/>
+              <a:t>gcc</a:t>
+            </a:r>
+            <a:r>
+              <a:rPr lang="fr-FR" dirty="0"/>
+              <a:t> -E -o </a:t>
+            </a:r>
+            <a:r>
+              <a:rPr lang="fr-FR" dirty="0" err="1"/>
+              <a:t>bonjour.i</a:t>
+            </a:r>
+            <a:r>
+              <a:rPr lang="fr-FR" dirty="0"/>
+              <a:t> </a:t>
+            </a:r>
+            <a:r>
+              <a:rPr lang="fr-FR" dirty="0" err="1"/>
+              <a:t>bonjour.c</a:t>
+            </a:r>
+            <a:r>
+              <a:rPr lang="fr-FR" dirty="0"/>
+              <a:t> produit le fichier en sortie du </a:t>
+            </a:r>
+            <a:r>
+              <a:rPr lang="fr-FR" dirty="0" err="1"/>
+              <a:t>pré-processeur</a:t>
+            </a:r>
+            <a:r>
+              <a:rPr lang="fr-FR" dirty="0"/>
+              <a:t> ;</a:t>
+            </a:r>
+          </a:p>
+          <a:p>
+            <a:r>
+              <a:rPr lang="fr-FR" dirty="0"/>
+              <a:t>—</a:t>
+            </a:r>
+            <a:r>
+              <a:rPr lang="fr-FR" dirty="0" err="1"/>
+              <a:t>gcc</a:t>
+            </a:r>
+            <a:r>
+              <a:rPr lang="fr-FR" dirty="0"/>
+              <a:t> -S </a:t>
+            </a:r>
+            <a:r>
+              <a:rPr lang="fr-FR" dirty="0" err="1"/>
+              <a:t>bonjour.c</a:t>
+            </a:r>
+            <a:r>
+              <a:rPr lang="fr-FR" dirty="0"/>
+              <a:t> produit le fichier en sortie du compilateur (après avoir appelé aussi le </a:t>
+            </a:r>
+            <a:r>
+              <a:rPr lang="fr-FR" dirty="0" err="1"/>
+              <a:t>pré-processeur</a:t>
+            </a:r>
+            <a:r>
+              <a:rPr lang="fr-FR" dirty="0"/>
+              <a:t>) ;</a:t>
+            </a:r>
+          </a:p>
+          <a:p>
+            <a:r>
+              <a:rPr lang="fr-FR" dirty="0"/>
+              <a:t>—</a:t>
+            </a:r>
+            <a:r>
+              <a:rPr lang="fr-FR" dirty="0" err="1"/>
+              <a:t>gcc</a:t>
+            </a:r>
+            <a:r>
+              <a:rPr lang="fr-FR" dirty="0"/>
+              <a:t> -c </a:t>
+            </a:r>
+            <a:r>
+              <a:rPr lang="fr-FR" dirty="0" err="1" smtClean="0"/>
+              <a:t>bonjour.c</a:t>
+            </a:r>
+            <a:r>
+              <a:rPr lang="fr-FR" dirty="0" smtClean="0"/>
+              <a:t> </a:t>
+            </a:r>
+            <a:r>
+              <a:rPr lang="fr-FR" dirty="0"/>
+              <a:t>produit le fichier en sortie de l’assembleur (après avoir appelé aussi le </a:t>
+            </a:r>
+            <a:r>
+              <a:rPr lang="fr-FR" dirty="0" err="1"/>
+              <a:t>pré-processeur</a:t>
+            </a:r>
+            <a:r>
+              <a:rPr lang="fr-FR" dirty="0"/>
+              <a:t> et le compilateur) ;</a:t>
+            </a:r>
+          </a:p>
+          <a:p>
+            <a:r>
+              <a:rPr lang="fr-FR" dirty="0"/>
+              <a:t>—</a:t>
+            </a:r>
+            <a:r>
+              <a:rPr lang="fr-FR" dirty="0" err="1"/>
+              <a:t>gcc</a:t>
+            </a:r>
+            <a:r>
+              <a:rPr lang="fr-FR" dirty="0"/>
+              <a:t> -o bonjour </a:t>
+            </a:r>
+            <a:r>
+              <a:rPr lang="fr-FR" dirty="0" err="1"/>
+              <a:t>bonjour.c</a:t>
+            </a:r>
+            <a:r>
+              <a:rPr lang="fr-FR" dirty="0"/>
+              <a:t> appelle tous les programmes nécessaires pour produit directement </a:t>
+            </a:r>
+            <a:r>
+              <a:rPr lang="fr-FR" dirty="0" smtClean="0"/>
+              <a:t>le binaire bonjour</a:t>
+            </a:r>
+            <a:r>
+              <a:rPr lang="fr-FR" dirty="0"/>
+              <a:t>.</a:t>
+            </a:r>
+          </a:p>
+        </p:txBody>
+      </p:sp>
+      <p:sp>
+        <p:nvSpPr>
+          <p:cNvPr id="7" name="Espace réservé du texte 6"/>
           <p:cNvSpPr>
             <a:spLocks noGrp="1"/>
           </p:cNvSpPr>
           <p:nvPr>
-            <p:ph type="sldNum" sz="quarter" idx="12"/>
+            <p:ph type="body" sz="quarter" idx="3"/>
           </p:nvPr>
         </p:nvSpPr>
         <p:spPr/>
@@ -13639,20 +14266,129 @@
           <a:bodyPr/>
           <a:lstStyle/>
           <a:p>
-            <a:pPr rtl="0"/>
-            <a:fld id="{D57F1E4F-1CFF-5643-939E-217C01CDF565}" type="slidenum">
-              <a:rPr lang="fr-FR" noProof="0" smtClean="0"/>
-              <a:pPr rtl="0"/>
-              <a:t>24</a:t>
-            </a:fld>
-            <a:endParaRPr lang="fr-FR" noProof="0"/>
+            <a:r>
+              <a:rPr lang="fr-FR" dirty="0" smtClean="0"/>
+              <a:t>Sous </a:t>
+            </a:r>
+            <a:r>
+              <a:rPr lang="fr-FR" dirty="0" err="1" smtClean="0"/>
+              <a:t>windows</a:t>
+            </a:r>
+            <a:r>
+              <a:rPr lang="fr-FR" dirty="0" smtClean="0"/>
+              <a:t> (</a:t>
+            </a:r>
+            <a:r>
+              <a:rPr lang="fr-FR" b="1" dirty="0"/>
+              <a:t>MSVC</a:t>
+            </a:r>
+            <a:r>
+              <a:rPr lang="fr-FR" dirty="0" smtClean="0"/>
+              <a:t>)</a:t>
+            </a:r>
+            <a:endParaRPr lang="fr-FR" dirty="0"/>
+          </a:p>
+        </p:txBody>
+      </p:sp>
+      <p:sp>
+        <p:nvSpPr>
+          <p:cNvPr id="8" name="Espace réservé du contenu 7"/>
+          <p:cNvSpPr>
+            <a:spLocks noGrp="1"/>
+          </p:cNvSpPr>
+          <p:nvPr>
+            <p:ph sz="quarter" idx="4"/>
+          </p:nvPr>
+        </p:nvSpPr>
+        <p:spPr/>
+        <p:txBody>
+          <a:bodyPr/>
+          <a:lstStyle/>
+          <a:p>
+            <a:r>
+              <a:rPr lang="fr-FR" dirty="0"/>
+              <a:t>cl </a:t>
+            </a:r>
+            <a:r>
+              <a:rPr lang="fr-FR" dirty="0" smtClean="0"/>
+              <a:t>/P hw.cpp </a:t>
+            </a:r>
+            <a:r>
+              <a:rPr lang="fr-FR" dirty="0" smtClean="0">
+                <a:sym typeface="Wingdings" panose="05000000000000000000" pitchFamily="2" charset="2"/>
+              </a:rPr>
+              <a:t> </a:t>
+            </a:r>
+            <a:r>
+              <a:rPr lang="fr-FR" dirty="0" err="1" smtClean="0">
+                <a:sym typeface="Wingdings" panose="05000000000000000000" pitchFamily="2" charset="2"/>
+              </a:rPr>
+              <a:t>hw.i</a:t>
+            </a:r>
+            <a:endParaRPr lang="fr-FR" dirty="0"/>
+          </a:p>
+          <a:p>
+            <a:r>
+              <a:rPr lang="fr-FR" dirty="0"/>
+              <a:t>cl </a:t>
+            </a:r>
+            <a:r>
+              <a:rPr lang="fr-FR" dirty="0" smtClean="0"/>
+              <a:t>/Fa hw.cpp </a:t>
+            </a:r>
+            <a:r>
+              <a:rPr lang="fr-FR" dirty="0" smtClean="0">
+                <a:sym typeface="Wingdings" panose="05000000000000000000" pitchFamily="2" charset="2"/>
+              </a:rPr>
+              <a:t> hw.asm</a:t>
+            </a:r>
+            <a:endParaRPr lang="fr-FR" dirty="0"/>
+          </a:p>
+          <a:p>
+            <a:r>
+              <a:rPr lang="fr-FR" dirty="0" smtClean="0"/>
+              <a:t>cl /c hw.cpp </a:t>
+            </a:r>
+            <a:r>
+              <a:rPr lang="fr-FR" dirty="0" smtClean="0">
+                <a:sym typeface="Wingdings" panose="05000000000000000000" pitchFamily="2" charset="2"/>
+              </a:rPr>
+              <a:t> hw.obj</a:t>
+            </a:r>
+          </a:p>
+          <a:p>
+            <a:r>
+              <a:rPr lang="fr-FR" dirty="0" smtClean="0"/>
+              <a:t>cl hw.cpp </a:t>
+            </a:r>
+            <a:r>
+              <a:rPr lang="fr-FR" dirty="0">
+                <a:sym typeface="Wingdings" panose="05000000000000000000" pitchFamily="2" charset="2"/>
+              </a:rPr>
+              <a:t> </a:t>
+            </a:r>
+            <a:r>
+              <a:rPr lang="fr-FR" dirty="0" smtClean="0">
+                <a:sym typeface="Wingdings" panose="05000000000000000000" pitchFamily="2" charset="2"/>
+              </a:rPr>
+              <a:t>hw.exe</a:t>
+            </a:r>
+            <a:endParaRPr lang="fr-FR" dirty="0">
+              <a:sym typeface="Wingdings" panose="05000000000000000000" pitchFamily="2" charset="2"/>
+            </a:endParaRPr>
+          </a:p>
+          <a:p>
+            <a:endParaRPr lang="fr-FR" dirty="0"/>
+          </a:p>
+          <a:p>
+            <a:endParaRPr lang="fr-FR" dirty="0"/>
           </a:p>
         </p:txBody>
       </p:sp>
     </p:spTree>
     <p:extLst>
       <p:ext uri="{BB962C8B-B14F-4D97-AF65-F5344CB8AC3E}">
-        <p14:creationId xmlns:p14="http://schemas.microsoft.com/office/powerpoint/2010/main" val="2018679570"/>
+        <p14:creationId xmlns:p14="http://schemas.microsoft.com/office/powerpoint/2010/main" val="371375189"/>
       </p:ext>
     </p:extLst>
   </p:cSld>
@@ -13688,120 +14424,12 @@
       </p:grpSpPr>
       <p:sp>
         <p:nvSpPr>
-          <p:cNvPr id="2" name="Titre 1">
-            <a:extLst>
-              <a:ext uri="{FF2B5EF4-FFF2-40B4-BE49-F238E27FC236}">
-                <a16:creationId xmlns:a16="http://schemas.microsoft.com/office/drawing/2014/main" id="{C02C5318-1A1E-49D0-B2E2-A4B0FA9E8A40}"/>
-              </a:ext>
-            </a:extLst>
-          </p:cNvPr>
+          <p:cNvPr id="2" name="Titre 1"/>
           <p:cNvSpPr>
             <a:spLocks noGrp="1"/>
           </p:cNvSpPr>
           <p:nvPr>
-            <p:ph type="ctrTitle"/>
-          </p:nvPr>
-        </p:nvSpPr>
-        <p:spPr>
-          <a:xfrm>
-            <a:off x="330791" y="4545068"/>
-            <a:ext cx="8245162" cy="671433"/>
-          </a:xfrm>
-        </p:spPr>
-        <p:txBody>
-          <a:bodyPr rtlCol="0">
-            <a:noAutofit/>
-          </a:bodyPr>
-          <a:lstStyle/>
-          <a:p>
-            <a:pPr algn="r" rtl="0"/>
-            <a:r>
-              <a:rPr lang="fr-FR" sz="3150" dirty="0" smtClean="0">
-                <a:solidFill>
-                  <a:schemeClr val="bg1"/>
-                </a:solidFill>
-              </a:rPr>
-              <a:t>Options de compilation</a:t>
-            </a:r>
-            <a:endParaRPr lang="fr-FR" sz="3150" dirty="0">
-              <a:solidFill>
-                <a:schemeClr val="bg1"/>
-              </a:solidFill>
-            </a:endParaRPr>
-          </a:p>
-        </p:txBody>
-      </p:sp>
-      <p:sp>
-        <p:nvSpPr>
-          <p:cNvPr id="6" name="ZoneTexte 5"/>
-          <p:cNvSpPr txBox="1"/>
-          <p:nvPr/>
-        </p:nvSpPr>
-        <p:spPr>
-          <a:xfrm>
-            <a:off x="330791" y="588580"/>
-            <a:ext cx="3757733" cy="3631763"/>
-          </a:xfrm>
-          <a:prstGeom prst="rect">
-            <a:avLst/>
-          </a:prstGeom>
-          <a:noFill/>
-        </p:spPr>
-        <p:txBody>
-          <a:bodyPr wrap="square" rtlCol="0">
-            <a:spAutoFit/>
-          </a:bodyPr>
-          <a:lstStyle/>
-          <a:p>
-            <a:r>
-              <a:rPr lang="fr-FR" sz="11500" b="1" spc="50" dirty="0" smtClean="0">
-                <a:ln w="9525" cmpd="sng">
-                  <a:solidFill>
-                    <a:schemeClr val="accent1"/>
-                  </a:solidFill>
-                  <a:prstDash val="solid"/>
-                </a:ln>
-                <a:solidFill>
-                  <a:srgbClr val="70AD47">
-                    <a:tint val="1000"/>
-                  </a:srgbClr>
-                </a:solidFill>
-                <a:effectLst>
-                  <a:glow rad="38100">
-                    <a:schemeClr val="accent1">
-                      <a:alpha val="40000"/>
-                    </a:schemeClr>
-                  </a:glow>
-                </a:effectLst>
-              </a:rPr>
-              <a:t>05</a:t>
-            </a:r>
-          </a:p>
-          <a:p>
-            <a:endParaRPr lang="fr-FR" sz="11500" dirty="0">
-              <a:ln w="0"/>
-              <a:solidFill>
-                <a:schemeClr val="accent1"/>
-              </a:solidFill>
-              <a:effectLst>
-                <a:outerShdw blurRad="38100" dist="25400" dir="5400000" algn="ctr" rotWithShape="0">
-                  <a:srgbClr val="6E747A">
-                    <a:alpha val="43000"/>
-                  </a:srgbClr>
-                </a:outerShdw>
-              </a:effectLst>
-            </a:endParaRPr>
-          </a:p>
-        </p:txBody>
-      </p:sp>
-      <p:sp>
-        <p:nvSpPr>
-          <p:cNvPr id="3" name="Espace réservé du numéro de diapositive 2"/>
-          <p:cNvSpPr>
-            <a:spLocks noGrp="1"/>
-          </p:cNvSpPr>
-          <p:nvPr>
-            <p:ph type="sldNum" sz="quarter" idx="12"/>
+            <p:ph type="title"/>
           </p:nvPr>
         </p:nvSpPr>
         <p:spPr/>
@@ -13809,20 +14437,142 @@
           <a:bodyPr/>
           <a:lstStyle/>
           <a:p>
-            <a:pPr rtl="0"/>
+            <a:r>
+              <a:rPr lang="fr-FR" dirty="0" smtClean="0"/>
+              <a:t>Edition de lien dynamique</a:t>
+            </a:r>
+            <a:endParaRPr lang="fr-FR" dirty="0"/>
+          </a:p>
+        </p:txBody>
+      </p:sp>
+      <p:sp>
+        <p:nvSpPr>
+          <p:cNvPr id="3" name="Espace réservé du numéro de diapositive 2"/>
+          <p:cNvSpPr>
+            <a:spLocks noGrp="1"/>
+          </p:cNvSpPr>
+          <p:nvPr>
+            <p:ph type="sldNum" sz="quarter" idx="12"/>
+          </p:nvPr>
+        </p:nvSpPr>
+        <p:spPr/>
+        <p:txBody>
+          <a:bodyPr/>
+          <a:lstStyle/>
+          <a:p>
             <a:fld id="{D57F1E4F-1CFF-5643-939E-217C01CDF565}" type="slidenum">
-              <a:rPr lang="fr-FR" noProof="0" smtClean="0"/>
-              <a:pPr rtl="0"/>
+              <a:rPr lang="fr-FR" smtClean="0"/>
+              <a:pPr/>
               <a:t>25</a:t>
             </a:fld>
-            <a:endParaRPr lang="fr-FR" noProof="0"/>
+            <a:endParaRPr lang="fr-FR" dirty="0"/>
+          </a:p>
+        </p:txBody>
+      </p:sp>
+      <p:sp>
+        <p:nvSpPr>
+          <p:cNvPr id="4" name="Espace réservé du texte 3"/>
+          <p:cNvSpPr>
+            <a:spLocks noGrp="1"/>
+          </p:cNvSpPr>
+          <p:nvPr>
+            <p:ph type="body" idx="1"/>
+          </p:nvPr>
+        </p:nvSpPr>
+        <p:spPr/>
+        <p:txBody>
+          <a:bodyPr/>
+          <a:lstStyle/>
+          <a:p>
+            <a:r>
+              <a:rPr lang="fr-FR" dirty="0" smtClean="0"/>
+              <a:t>Sous linux </a:t>
+            </a:r>
+            <a:endParaRPr lang="fr-FR" dirty="0"/>
+          </a:p>
+        </p:txBody>
+      </p:sp>
+      <p:sp>
+        <p:nvSpPr>
+          <p:cNvPr id="5" name="Espace réservé du contenu 4"/>
+          <p:cNvSpPr>
+            <a:spLocks noGrp="1"/>
+          </p:cNvSpPr>
+          <p:nvPr>
+            <p:ph sz="half" idx="2"/>
+          </p:nvPr>
+        </p:nvSpPr>
+        <p:spPr/>
+        <p:txBody>
+          <a:bodyPr/>
+          <a:lstStyle/>
+          <a:p>
+            <a:r>
+              <a:rPr lang="fr-FR" dirty="0" smtClean="0"/>
+              <a:t>Fichiers *.</a:t>
+            </a:r>
+            <a:r>
+              <a:rPr lang="fr-FR" dirty="0" err="1" smtClean="0"/>
+              <a:t>so</a:t>
+            </a:r>
+            <a:endParaRPr lang="fr-FR" dirty="0"/>
+          </a:p>
+        </p:txBody>
+      </p:sp>
+      <p:sp>
+        <p:nvSpPr>
+          <p:cNvPr id="6" name="Espace réservé du texte 5"/>
+          <p:cNvSpPr>
+            <a:spLocks noGrp="1"/>
+          </p:cNvSpPr>
+          <p:nvPr>
+            <p:ph type="body" sz="quarter" idx="3"/>
+          </p:nvPr>
+        </p:nvSpPr>
+        <p:spPr/>
+        <p:txBody>
+          <a:bodyPr/>
+          <a:lstStyle/>
+          <a:p>
+            <a:r>
+              <a:rPr lang="fr-FR" dirty="0" smtClean="0"/>
+              <a:t>Sous </a:t>
+            </a:r>
+            <a:r>
+              <a:rPr lang="fr-FR" dirty="0" err="1" smtClean="0"/>
+              <a:t>windows</a:t>
+            </a:r>
+            <a:endParaRPr lang="fr-FR" dirty="0"/>
+          </a:p>
+        </p:txBody>
+      </p:sp>
+      <p:sp>
+        <p:nvSpPr>
+          <p:cNvPr id="7" name="Espace réservé du contenu 6"/>
+          <p:cNvSpPr>
+            <a:spLocks noGrp="1"/>
+          </p:cNvSpPr>
+          <p:nvPr>
+            <p:ph sz="quarter" idx="4"/>
+          </p:nvPr>
+        </p:nvSpPr>
+        <p:spPr/>
+        <p:txBody>
+          <a:bodyPr/>
+          <a:lstStyle/>
+          <a:p>
+            <a:r>
+              <a:rPr lang="fr-FR" dirty="0" smtClean="0"/>
+              <a:t>Fichiers *.dll</a:t>
+            </a:r>
+            <a:endParaRPr lang="fr-FR" dirty="0"/>
           </a:p>
         </p:txBody>
       </p:sp>
     </p:spTree>
     <p:extLst>
       <p:ext uri="{BB962C8B-B14F-4D97-AF65-F5344CB8AC3E}">
-        <p14:creationId xmlns:p14="http://schemas.microsoft.com/office/powerpoint/2010/main" val="1309852808"/>
+        <p14:creationId xmlns:p14="http://schemas.microsoft.com/office/powerpoint/2010/main" val="2167448547"/>
       </p:ext>
     </p:extLst>
   </p:cSld>
@@ -13858,115 +14608,30 @@
       </p:grpSpPr>
       <p:sp>
         <p:nvSpPr>
-          <p:cNvPr id="2" name="Titre 1">
-            <a:extLst>
-              <a:ext uri="{FF2B5EF4-FFF2-40B4-BE49-F238E27FC236}">
-                <a16:creationId xmlns:a16="http://schemas.microsoft.com/office/drawing/2014/main" id="{C02C5318-1A1E-49D0-B2E2-A4B0FA9E8A40}"/>
-              </a:ext>
-            </a:extLst>
-          </p:cNvPr>
+          <p:cNvPr id="5" name="Titre 4"/>
           <p:cNvSpPr>
             <a:spLocks noGrp="1"/>
           </p:cNvSpPr>
           <p:nvPr>
-            <p:ph type="ctrTitle"/>
-          </p:nvPr>
-        </p:nvSpPr>
-        <p:spPr>
-          <a:xfrm>
-            <a:off x="330791" y="4545068"/>
-            <a:ext cx="8245162" cy="671433"/>
-          </a:xfrm>
-        </p:spPr>
-        <p:txBody>
-          <a:bodyPr rtlCol="0">
-            <a:noAutofit/>
-          </a:bodyPr>
+            <p:ph type="title"/>
+          </p:nvPr>
+        </p:nvSpPr>
+        <p:spPr/>
+        <p:txBody>
+          <a:bodyPr/>
           <a:lstStyle/>
           <a:p>
-            <a:pPr algn="r" rtl="0"/>
-            <a:r>
-              <a:rPr lang="fr-FR" sz="3150" dirty="0" smtClean="0">
-                <a:solidFill>
-                  <a:schemeClr val="bg1"/>
-                </a:solidFill>
-              </a:rPr>
-              <a:t>Erreurs et exceptions</a:t>
-            </a:r>
-            <a:endParaRPr lang="fr-FR" sz="3150" dirty="0">
-              <a:solidFill>
-                <a:schemeClr val="bg1"/>
-              </a:solidFill>
-            </a:endParaRPr>
-          </a:p>
-        </p:txBody>
-      </p:sp>
-      <p:sp>
-        <p:nvSpPr>
-          <p:cNvPr id="6" name="ZoneTexte 5"/>
-          <p:cNvSpPr txBox="1"/>
-          <p:nvPr/>
-        </p:nvSpPr>
-        <p:spPr>
-          <a:xfrm>
-            <a:off x="330791" y="588580"/>
-            <a:ext cx="3757733" cy="3631763"/>
-          </a:xfrm>
-          <a:prstGeom prst="rect">
-            <a:avLst/>
-          </a:prstGeom>
-          <a:noFill/>
-        </p:spPr>
-        <p:txBody>
-          <a:bodyPr wrap="square" rtlCol="0">
-            <a:spAutoFit/>
-          </a:bodyPr>
-          <a:lstStyle/>
-          <a:p>
-            <a:r>
-              <a:rPr lang="fr-FR" sz="11500" b="1" spc="50" dirty="0" smtClean="0">
-                <a:ln w="9525" cmpd="sng">
-                  <a:solidFill>
-                    <a:schemeClr val="accent1"/>
-                  </a:solidFill>
-                  <a:prstDash val="solid"/>
-                </a:ln>
-                <a:solidFill>
-                  <a:srgbClr val="70AD47">
-                    <a:tint val="1000"/>
-                  </a:srgbClr>
-                </a:solidFill>
-                <a:effectLst>
-                  <a:glow rad="38100">
-                    <a:schemeClr val="accent1">
-                      <a:alpha val="40000"/>
-                    </a:schemeClr>
-                  </a:glow>
-                </a:effectLst>
-              </a:rPr>
-              <a:t>05</a:t>
-            </a:r>
-          </a:p>
-          <a:p>
-            <a:endParaRPr lang="fr-FR" sz="11500" dirty="0">
-              <a:ln w="0"/>
-              <a:solidFill>
-                <a:schemeClr val="accent1"/>
-              </a:solidFill>
-              <a:effectLst>
-                <a:outerShdw blurRad="38100" dist="25400" dir="5400000" algn="ctr" rotWithShape="0">
-                  <a:srgbClr val="6E747A">
-                    <a:alpha val="43000"/>
-                  </a:srgbClr>
-                </a:outerShdw>
-              </a:effectLst>
-            </a:endParaRPr>
-          </a:p>
-        </p:txBody>
-      </p:sp>
-      <p:sp>
-        <p:nvSpPr>
-          <p:cNvPr id="3" name="Espace réservé du numéro de diapositive 2"/>
+            <a:r>
+              <a:rPr lang="fr-FR" dirty="0" smtClean="0"/>
+              <a:t>L’éditeur de lien – Dynamique</a:t>
+            </a:r>
+            <a:endParaRPr lang="fr-FR" dirty="0"/>
+          </a:p>
+        </p:txBody>
+      </p:sp>
+      <p:sp>
+        <p:nvSpPr>
+          <p:cNvPr id="4" name="Espace réservé du numéro de diapositive 3"/>
           <p:cNvSpPr>
             <a:spLocks noGrp="1"/>
           </p:cNvSpPr>
@@ -13985,14 +14650,594 @@
               <a:pPr rtl="0"/>
               <a:t>26</a:t>
             </a:fld>
-            <a:endParaRPr lang="fr-FR" noProof="0"/>
+            <a:endParaRPr lang="fr-FR" noProof="0" dirty="0"/>
+          </a:p>
+        </p:txBody>
+      </p:sp>
+      <p:sp>
+        <p:nvSpPr>
+          <p:cNvPr id="7" name="Espace réservé du contenu 5"/>
+          <p:cNvSpPr txBox="1">
+            <a:spLocks/>
+          </p:cNvSpPr>
+          <p:nvPr/>
+        </p:nvSpPr>
+        <p:spPr>
+          <a:xfrm>
+            <a:off x="529898" y="1628324"/>
+            <a:ext cx="8272211" cy="2601844"/>
+          </a:xfrm>
+          <a:prstGeom prst="rect">
+            <a:avLst/>
+          </a:prstGeom>
+        </p:spPr>
+        <p:txBody>
+          <a:bodyPr vert="horz" lIns="91440" tIns="45720" rIns="91440" bIns="45720" rtlCol="0" anchor="ctr">
+            <a:normAutofit fontScale="85000" lnSpcReduction="20000"/>
+          </a:bodyPr>
+          <a:lstStyle>
+            <a:lvl1pPr marL="229500" indent="-229500" algn="l" defTabSz="342900" rtl="0" eaLnBrk="1" latinLnBrk="0" hangingPunct="1">
+              <a:spcBef>
+                <a:spcPct val="20000"/>
+              </a:spcBef>
+              <a:spcAft>
+                <a:spcPts val="450"/>
+              </a:spcAft>
+              <a:buClr>
+                <a:schemeClr val="accent2"/>
+              </a:buClr>
+              <a:buSzPct val="92000"/>
+              <a:buFont typeface="Wingdings 2" panose="05020102010507070707" pitchFamily="18" charset="2"/>
+              <a:buChar char=""/>
+              <a:defRPr sz="1350" kern="1200">
+                <a:solidFill>
+                  <a:schemeClr val="tx2"/>
+                </a:solidFill>
+                <a:latin typeface="+mn-lt"/>
+                <a:ea typeface="+mn-ea"/>
+                <a:cs typeface="+mn-cs"/>
+              </a:defRPr>
+            </a:lvl1pPr>
+            <a:lvl2pPr marL="472500" indent="-229500" algn="l" defTabSz="342900" rtl="0" eaLnBrk="1" latinLnBrk="0" hangingPunct="1">
+              <a:spcBef>
+                <a:spcPct val="20000"/>
+              </a:spcBef>
+              <a:spcAft>
+                <a:spcPts val="450"/>
+              </a:spcAft>
+              <a:buClr>
+                <a:schemeClr val="accent2"/>
+              </a:buClr>
+              <a:buSzPct val="92000"/>
+              <a:buFont typeface="Wingdings 2" panose="05020102010507070707" pitchFamily="18" charset="2"/>
+              <a:buChar char=""/>
+              <a:defRPr sz="1200" kern="1200">
+                <a:solidFill>
+                  <a:schemeClr val="tx2"/>
+                </a:solidFill>
+                <a:latin typeface="+mn-lt"/>
+                <a:ea typeface="+mn-ea"/>
+                <a:cs typeface="+mn-cs"/>
+              </a:defRPr>
+            </a:lvl2pPr>
+            <a:lvl3pPr marL="675000" indent="-202500" algn="l" defTabSz="342900" rtl="0" eaLnBrk="1" latinLnBrk="0" hangingPunct="1">
+              <a:spcBef>
+                <a:spcPct val="20000"/>
+              </a:spcBef>
+              <a:spcAft>
+                <a:spcPts val="450"/>
+              </a:spcAft>
+              <a:buClr>
+                <a:schemeClr val="accent2"/>
+              </a:buClr>
+              <a:buSzPct val="92000"/>
+              <a:buFont typeface="Wingdings 2" panose="05020102010507070707" pitchFamily="18" charset="2"/>
+              <a:buChar char=""/>
+              <a:defRPr sz="1050" kern="1200">
+                <a:solidFill>
+                  <a:schemeClr val="tx2"/>
+                </a:solidFill>
+                <a:latin typeface="+mn-lt"/>
+                <a:ea typeface="+mn-ea"/>
+                <a:cs typeface="+mn-cs"/>
+              </a:defRPr>
+            </a:lvl3pPr>
+            <a:lvl4pPr marL="931500" indent="-175500" algn="l" defTabSz="342900" rtl="0" eaLnBrk="1" latinLnBrk="0" hangingPunct="1">
+              <a:spcBef>
+                <a:spcPct val="20000"/>
+              </a:spcBef>
+              <a:spcAft>
+                <a:spcPts val="450"/>
+              </a:spcAft>
+              <a:buClr>
+                <a:schemeClr val="accent2"/>
+              </a:buClr>
+              <a:buSzPct val="92000"/>
+              <a:buFont typeface="Wingdings 2" panose="05020102010507070707" pitchFamily="18" charset="2"/>
+              <a:buChar char=""/>
+              <a:defRPr sz="900" kern="1200">
+                <a:solidFill>
+                  <a:schemeClr val="tx2"/>
+                </a:solidFill>
+                <a:latin typeface="+mn-lt"/>
+                <a:ea typeface="+mn-ea"/>
+                <a:cs typeface="+mn-cs"/>
+              </a:defRPr>
+            </a:lvl4pPr>
+            <a:lvl5pPr marL="1201500" indent="-175500" algn="l" defTabSz="342900" rtl="0" eaLnBrk="1" latinLnBrk="0" hangingPunct="1">
+              <a:spcBef>
+                <a:spcPct val="20000"/>
+              </a:spcBef>
+              <a:spcAft>
+                <a:spcPts val="450"/>
+              </a:spcAft>
+              <a:buClr>
+                <a:schemeClr val="accent2"/>
+              </a:buClr>
+              <a:buSzPct val="92000"/>
+              <a:buFont typeface="Wingdings 2" panose="05020102010507070707" pitchFamily="18" charset="2"/>
+              <a:buChar char=""/>
+              <a:defRPr sz="900" kern="1200">
+                <a:solidFill>
+                  <a:schemeClr val="tx2"/>
+                </a:solidFill>
+                <a:latin typeface="+mn-lt"/>
+                <a:ea typeface="+mn-ea"/>
+                <a:cs typeface="+mn-cs"/>
+              </a:defRPr>
+            </a:lvl5pPr>
+            <a:lvl6pPr marL="1425000" indent="-171450" algn="l" defTabSz="342900" rtl="0" eaLnBrk="1" latinLnBrk="0" hangingPunct="1">
+              <a:spcBef>
+                <a:spcPct val="20000"/>
+              </a:spcBef>
+              <a:spcAft>
+                <a:spcPts val="450"/>
+              </a:spcAft>
+              <a:buClr>
+                <a:schemeClr val="accent2"/>
+              </a:buClr>
+              <a:buSzPct val="92000"/>
+              <a:buFont typeface="Wingdings 2" panose="05020102010507070707" pitchFamily="18" charset="2"/>
+              <a:buChar char=""/>
+              <a:defRPr sz="900" kern="1200">
+                <a:solidFill>
+                  <a:schemeClr val="tx2"/>
+                </a:solidFill>
+                <a:latin typeface="+mn-lt"/>
+                <a:ea typeface="+mn-ea"/>
+                <a:cs typeface="+mn-cs"/>
+              </a:defRPr>
+            </a:lvl6pPr>
+            <a:lvl7pPr marL="1650000" indent="-171450" algn="l" defTabSz="342900" rtl="0" eaLnBrk="1" latinLnBrk="0" hangingPunct="1">
+              <a:spcBef>
+                <a:spcPct val="20000"/>
+              </a:spcBef>
+              <a:spcAft>
+                <a:spcPts val="450"/>
+              </a:spcAft>
+              <a:buClr>
+                <a:schemeClr val="accent2"/>
+              </a:buClr>
+              <a:buSzPct val="92000"/>
+              <a:buFont typeface="Wingdings 2" panose="05020102010507070707" pitchFamily="18" charset="2"/>
+              <a:buChar char=""/>
+              <a:defRPr sz="900" kern="1200">
+                <a:solidFill>
+                  <a:schemeClr val="tx2"/>
+                </a:solidFill>
+                <a:latin typeface="+mn-lt"/>
+                <a:ea typeface="+mn-ea"/>
+                <a:cs typeface="+mn-cs"/>
+              </a:defRPr>
+            </a:lvl7pPr>
+            <a:lvl8pPr marL="1875000" indent="-171450" algn="l" defTabSz="342900" rtl="0" eaLnBrk="1" latinLnBrk="0" hangingPunct="1">
+              <a:spcBef>
+                <a:spcPct val="20000"/>
+              </a:spcBef>
+              <a:spcAft>
+                <a:spcPts val="450"/>
+              </a:spcAft>
+              <a:buClr>
+                <a:schemeClr val="accent2"/>
+              </a:buClr>
+              <a:buSzPct val="92000"/>
+              <a:buFont typeface="Wingdings 2" panose="05020102010507070707" pitchFamily="18" charset="2"/>
+              <a:buChar char=""/>
+              <a:defRPr sz="900" kern="1200">
+                <a:solidFill>
+                  <a:schemeClr val="tx2"/>
+                </a:solidFill>
+                <a:latin typeface="+mn-lt"/>
+                <a:ea typeface="+mn-ea"/>
+                <a:cs typeface="+mn-cs"/>
+              </a:defRPr>
+            </a:lvl8pPr>
+            <a:lvl9pPr marL="2100000" indent="-171450" algn="l" defTabSz="342900" rtl="0" eaLnBrk="1" latinLnBrk="0" hangingPunct="1">
+              <a:spcBef>
+                <a:spcPct val="20000"/>
+              </a:spcBef>
+              <a:spcAft>
+                <a:spcPts val="450"/>
+              </a:spcAft>
+              <a:buClr>
+                <a:schemeClr val="accent2"/>
+              </a:buClr>
+              <a:buSzPct val="92000"/>
+              <a:buFont typeface="Wingdings 2" panose="05020102010507070707" pitchFamily="18" charset="2"/>
+              <a:buChar char=""/>
+              <a:defRPr sz="900" kern="1200">
+                <a:solidFill>
+                  <a:schemeClr val="tx2"/>
+                </a:solidFill>
+                <a:latin typeface="+mn-lt"/>
+                <a:ea typeface="+mn-ea"/>
+                <a:cs typeface="+mn-cs"/>
+              </a:defRPr>
+            </a:lvl9pPr>
+          </a:lstStyle>
+          <a:p>
+            <a:r>
+              <a:rPr lang="fr-FR" dirty="0" smtClean="0"/>
+              <a:t>Appel à l’exécution des adresses des fonctions</a:t>
+            </a:r>
+          </a:p>
+          <a:p>
+            <a:r>
+              <a:rPr lang="fr-FR" dirty="0" smtClean="0">
+                <a:sym typeface="Wingdings" panose="05000000000000000000" pitchFamily="2" charset="2"/>
+              </a:rPr>
+              <a:t>Une bibliothèque dynamique peut évoluer indépendamment de l’exécutable (pourvu qu’elle expose toujours la même API)</a:t>
+            </a:r>
+          </a:p>
+          <a:p>
+            <a:r>
+              <a:rPr lang="fr-FR" dirty="0" smtClean="0">
+                <a:sym typeface="Wingdings" panose="05000000000000000000" pitchFamily="2" charset="2"/>
+              </a:rPr>
+              <a:t>Vous ne pourrez savoir qu’à l’exécution qu’une bibliothèque est corrompue ou inaccessible</a:t>
+            </a:r>
+          </a:p>
+          <a:p>
+            <a:r>
+              <a:rPr lang="fr-FR" dirty="0" smtClean="0">
+                <a:sym typeface="Wingdings" panose="05000000000000000000" pitchFamily="2" charset="2"/>
+              </a:rPr>
+              <a:t>Compilation </a:t>
+            </a:r>
+            <a:r>
+              <a:rPr lang="fr-FR" dirty="0" err="1" smtClean="0">
+                <a:sym typeface="Wingdings" panose="05000000000000000000" pitchFamily="2" charset="2"/>
+              </a:rPr>
+              <a:t>gcc</a:t>
+            </a:r>
+            <a:r>
+              <a:rPr lang="fr-FR" dirty="0" smtClean="0">
+                <a:sym typeface="Wingdings" panose="05000000000000000000" pitchFamily="2" charset="2"/>
+              </a:rPr>
+              <a:t> : </a:t>
+            </a:r>
+          </a:p>
+          <a:p>
+            <a:pPr lvl="1"/>
+            <a:r>
+              <a:rPr lang="pt-BR" dirty="0">
+                <a:sym typeface="Wingdings" panose="05000000000000000000" pitchFamily="2" charset="2"/>
+              </a:rPr>
+              <a:t>gcc v3.c -fPIC  -o </a:t>
+            </a:r>
+            <a:r>
+              <a:rPr lang="pt-BR" dirty="0" smtClean="0">
+                <a:sym typeface="Wingdings" panose="05000000000000000000" pitchFamily="2" charset="2"/>
+              </a:rPr>
+              <a:t>v3.o (</a:t>
+            </a:r>
+            <a:r>
+              <a:rPr lang="fr-FR" dirty="0"/>
+              <a:t>position-</a:t>
+            </a:r>
+            <a:r>
+              <a:rPr lang="fr-FR" dirty="0" err="1"/>
+              <a:t>independent</a:t>
+            </a:r>
+            <a:r>
+              <a:rPr lang="fr-FR" dirty="0"/>
+              <a:t> </a:t>
+            </a:r>
+            <a:r>
+              <a:rPr lang="fr-FR" dirty="0" smtClean="0"/>
+              <a:t>code = adressage relatif en mémoire</a:t>
+            </a:r>
+            <a:r>
+              <a:rPr lang="pt-BR" dirty="0" smtClean="0">
+                <a:sym typeface="Wingdings" panose="05000000000000000000" pitchFamily="2" charset="2"/>
+              </a:rPr>
+              <a:t>)</a:t>
+            </a:r>
+          </a:p>
+          <a:p>
+            <a:pPr lvl="1"/>
+            <a:r>
+              <a:rPr lang="en-US" dirty="0" err="1" smtClean="0">
+                <a:sym typeface="Wingdings" panose="05000000000000000000" pitchFamily="2" charset="2"/>
+              </a:rPr>
+              <a:t>Création</a:t>
+            </a:r>
+            <a:r>
+              <a:rPr lang="en-US" dirty="0" smtClean="0">
+                <a:sym typeface="Wingdings" panose="05000000000000000000" pitchFamily="2" charset="2"/>
+              </a:rPr>
+              <a:t> </a:t>
+            </a:r>
+            <a:r>
+              <a:rPr lang="en-US" dirty="0" err="1" smtClean="0">
+                <a:sym typeface="Wingdings" panose="05000000000000000000" pitchFamily="2" charset="2"/>
+              </a:rPr>
+              <a:t>d’une</a:t>
+            </a:r>
+            <a:r>
+              <a:rPr lang="en-US" dirty="0" smtClean="0">
+                <a:sym typeface="Wingdings" panose="05000000000000000000" pitchFamily="2" charset="2"/>
+              </a:rPr>
+              <a:t> lib </a:t>
+            </a:r>
+            <a:r>
+              <a:rPr lang="en-US" dirty="0" err="1" smtClean="0">
+                <a:sym typeface="Wingdings" panose="05000000000000000000" pitchFamily="2" charset="2"/>
+              </a:rPr>
+              <a:t>dynamique</a:t>
+            </a:r>
+            <a:r>
+              <a:rPr lang="en-US" dirty="0" smtClean="0">
+                <a:sym typeface="Wingdings" panose="05000000000000000000" pitchFamily="2" charset="2"/>
+              </a:rPr>
+              <a:t> : </a:t>
+            </a:r>
+            <a:r>
+              <a:rPr lang="en-US" dirty="0" err="1" smtClean="0">
+                <a:sym typeface="Wingdings" panose="05000000000000000000" pitchFamily="2" charset="2"/>
+              </a:rPr>
+              <a:t>gcc</a:t>
+            </a:r>
+            <a:r>
+              <a:rPr lang="en-US" dirty="0" smtClean="0">
+                <a:sym typeface="Wingdings" panose="05000000000000000000" pitchFamily="2" charset="2"/>
+              </a:rPr>
+              <a:t> </a:t>
+            </a:r>
+            <a:r>
+              <a:rPr lang="en-US" dirty="0">
+                <a:sym typeface="Wingdings" panose="05000000000000000000" pitchFamily="2" charset="2"/>
+              </a:rPr>
+              <a:t>-shared v3.o -o </a:t>
+            </a:r>
+            <a:r>
+              <a:rPr lang="en-US" dirty="0" smtClean="0">
+                <a:sym typeface="Wingdings" panose="05000000000000000000" pitchFamily="2" charset="2"/>
+              </a:rPr>
+              <a:t>libv3.so</a:t>
+            </a:r>
+          </a:p>
+          <a:p>
+            <a:pPr lvl="1"/>
+            <a:r>
+              <a:rPr lang="en-US" dirty="0" err="1" smtClean="0">
+                <a:sym typeface="Wingdings" panose="05000000000000000000" pitchFamily="2" charset="2"/>
+              </a:rPr>
+              <a:t>Création</a:t>
+            </a:r>
+            <a:r>
+              <a:rPr lang="en-US" dirty="0" smtClean="0">
+                <a:sym typeface="Wingdings" panose="05000000000000000000" pitchFamily="2" charset="2"/>
+              </a:rPr>
+              <a:t> </a:t>
+            </a:r>
+            <a:r>
+              <a:rPr lang="en-US" dirty="0" err="1" smtClean="0">
+                <a:sym typeface="Wingdings" panose="05000000000000000000" pitchFamily="2" charset="2"/>
+              </a:rPr>
+              <a:t>d’une</a:t>
+            </a:r>
+            <a:r>
+              <a:rPr lang="en-US" dirty="0" smtClean="0">
+                <a:sym typeface="Wingdings" panose="05000000000000000000" pitchFamily="2" charset="2"/>
+              </a:rPr>
+              <a:t> lib </a:t>
+            </a:r>
+            <a:r>
+              <a:rPr lang="en-US" dirty="0" err="1" smtClean="0">
+                <a:sym typeface="Wingdings" panose="05000000000000000000" pitchFamily="2" charset="2"/>
+              </a:rPr>
+              <a:t>statique</a:t>
+            </a:r>
+            <a:r>
+              <a:rPr lang="en-US" dirty="0" smtClean="0">
+                <a:sym typeface="Wingdings" panose="05000000000000000000" pitchFamily="2" charset="2"/>
+              </a:rPr>
+              <a:t> : </a:t>
+            </a:r>
+            <a:r>
+              <a:rPr lang="fr-FR" dirty="0" err="1"/>
+              <a:t>ar</a:t>
+            </a:r>
+            <a:r>
+              <a:rPr lang="fr-FR" dirty="0"/>
+              <a:t> </a:t>
+            </a:r>
+            <a:r>
+              <a:rPr lang="fr-FR" dirty="0" err="1"/>
+              <a:t>rcs</a:t>
+            </a:r>
+            <a:r>
+              <a:rPr lang="fr-FR" dirty="0"/>
+              <a:t> </a:t>
+            </a:r>
+            <a:r>
+              <a:rPr lang="fr-FR" dirty="0" smtClean="0"/>
+              <a:t>liboutv3.a </a:t>
+            </a:r>
+            <a:r>
+              <a:rPr lang="en-US" dirty="0" smtClean="0">
+                <a:sym typeface="Wingdings" panose="05000000000000000000" pitchFamily="2" charset="2"/>
+              </a:rPr>
+              <a:t>v3.o = </a:t>
+            </a:r>
+            <a:r>
+              <a:rPr lang="fr-FR" dirty="0" smtClean="0">
+                <a:sym typeface="Wingdings" panose="05000000000000000000" pitchFamily="2" charset="2"/>
+              </a:rPr>
+              <a:t>mise en archive</a:t>
+            </a:r>
+            <a:endParaRPr lang="fr-FR" dirty="0" smtClean="0"/>
+          </a:p>
+          <a:p>
+            <a:pPr lvl="1"/>
+            <a:r>
+              <a:rPr lang="en-US" dirty="0" smtClean="0">
+                <a:sym typeface="Wingdings" panose="05000000000000000000" pitchFamily="2" charset="2"/>
+              </a:rPr>
+              <a:t>Exec : </a:t>
+            </a:r>
+            <a:r>
+              <a:rPr lang="fr-FR" dirty="0" err="1" smtClean="0"/>
+              <a:t>gcc</a:t>
+            </a:r>
+            <a:r>
+              <a:rPr lang="fr-FR" dirty="0" smtClean="0"/>
+              <a:t> </a:t>
+            </a:r>
+            <a:r>
+              <a:rPr lang="fr-FR" dirty="0" err="1" smtClean="0"/>
+              <a:t>main.o</a:t>
+            </a:r>
+            <a:r>
+              <a:rPr lang="fr-FR" dirty="0" smtClean="0"/>
+              <a:t> -lv3 -L.</a:t>
+            </a:r>
+          </a:p>
+          <a:p>
+            <a:r>
+              <a:rPr lang="fr-FR" dirty="0" err="1" smtClean="0">
+                <a:sym typeface="Wingdings" panose="05000000000000000000" pitchFamily="2" charset="2"/>
+              </a:rPr>
+              <a:t>gcc</a:t>
+            </a:r>
+            <a:r>
+              <a:rPr lang="fr-FR" dirty="0" smtClean="0">
+                <a:sym typeface="Wingdings" panose="05000000000000000000" pitchFamily="2" charset="2"/>
+              </a:rPr>
+              <a:t> –L. pour ajouter le répertoire courant à la liste des </a:t>
+            </a:r>
+            <a:r>
+              <a:rPr lang="fr-FR" dirty="0" err="1" smtClean="0">
+                <a:sym typeface="Wingdings" panose="05000000000000000000" pitchFamily="2" charset="2"/>
+              </a:rPr>
+              <a:t>paths</a:t>
+            </a:r>
+            <a:r>
+              <a:rPr lang="fr-FR" dirty="0" smtClean="0">
+                <a:sym typeface="Wingdings" panose="05000000000000000000" pitchFamily="2" charset="2"/>
+              </a:rPr>
+              <a:t> de recherche d’une bibliothèque</a:t>
+            </a:r>
+          </a:p>
+          <a:p>
+            <a:r>
+              <a:rPr lang="fr-FR" dirty="0" smtClean="0">
+                <a:sym typeface="Wingdings" panose="05000000000000000000" pitchFamily="2" charset="2"/>
+              </a:rPr>
+              <a:t>Linux : lors de l’exécution, le système doit savoir où se trouve la lib utilisée. Il faut Maj LD_LIBRARY_PATH ou passer le path en paramètre </a:t>
+            </a:r>
+            <a:r>
+              <a:rPr lang="fr-FR" dirty="0">
+                <a:sym typeface="Wingdings" panose="05000000000000000000" pitchFamily="2" charset="2"/>
+              </a:rPr>
+              <a:t>: -</a:t>
+            </a:r>
+            <a:r>
+              <a:rPr lang="fr-FR" dirty="0" err="1">
+                <a:sym typeface="Wingdings" panose="05000000000000000000" pitchFamily="2" charset="2"/>
+              </a:rPr>
+              <a:t>rpath</a:t>
+            </a:r>
+            <a:r>
+              <a:rPr lang="fr-FR" dirty="0" smtClean="0">
+                <a:sym typeface="Wingdings" panose="05000000000000000000" pitchFamily="2" charset="2"/>
+              </a:rPr>
+              <a:t>=[</a:t>
+            </a:r>
+            <a:r>
+              <a:rPr lang="fr-FR" dirty="0" err="1" smtClean="0">
+                <a:sym typeface="Wingdings" panose="05000000000000000000" pitchFamily="2" charset="2"/>
+              </a:rPr>
+              <a:t>dir</a:t>
+            </a:r>
+            <a:r>
+              <a:rPr lang="fr-FR" dirty="0" smtClean="0">
+                <a:sym typeface="Wingdings" panose="05000000000000000000" pitchFamily="2" charset="2"/>
+              </a:rPr>
+              <a:t>]</a:t>
+            </a:r>
+          </a:p>
+          <a:p>
+            <a:endParaRPr lang="fr-FR" dirty="0" smtClean="0">
+              <a:sym typeface="Wingdings" panose="05000000000000000000" pitchFamily="2" charset="2"/>
+            </a:endParaRPr>
+          </a:p>
+        </p:txBody>
+      </p:sp>
+      <p:sp>
+        <p:nvSpPr>
+          <p:cNvPr id="3" name="Rectangle 2"/>
+          <p:cNvSpPr/>
+          <p:nvPr/>
+        </p:nvSpPr>
+        <p:spPr>
+          <a:xfrm>
+            <a:off x="3271466" y="4475996"/>
+            <a:ext cx="2747099" cy="369332"/>
+          </a:xfrm>
+          <a:prstGeom prst="rect">
+            <a:avLst/>
+          </a:prstGeom>
+        </p:spPr>
+        <p:txBody>
+          <a:bodyPr wrap="none">
+            <a:spAutoFit/>
+          </a:bodyPr>
+          <a:lstStyle/>
+          <a:p>
+            <a:r>
+              <a:rPr lang="fr-FR" dirty="0" err="1" smtClean="0">
+                <a:sym typeface="Wingdings" panose="05000000000000000000" pitchFamily="2" charset="2"/>
+              </a:rPr>
+              <a:t>program.o</a:t>
+            </a:r>
+            <a:r>
+              <a:rPr lang="fr-FR" dirty="0" smtClean="0">
+                <a:sym typeface="Wingdings" panose="05000000000000000000" pitchFamily="2" charset="2"/>
+              </a:rPr>
+              <a:t> </a:t>
+            </a:r>
+            <a:r>
+              <a:rPr lang="fr-FR" dirty="0">
+                <a:sym typeface="Wingdings" panose="05000000000000000000" pitchFamily="2" charset="2"/>
+              </a:rPr>
+              <a:t> </a:t>
+            </a:r>
+            <a:r>
+              <a:rPr lang="fr-FR" dirty="0" smtClean="0">
+                <a:sym typeface="Wingdings" panose="05000000000000000000" pitchFamily="2" charset="2"/>
+              </a:rPr>
+              <a:t>program.exe </a:t>
+            </a:r>
+            <a:endParaRPr lang="fr-FR" dirty="0"/>
           </a:p>
         </p:txBody>
       </p:sp>
     </p:spTree>
     <p:extLst>
       <p:ext uri="{BB962C8B-B14F-4D97-AF65-F5344CB8AC3E}">
-        <p14:creationId xmlns:p14="http://schemas.microsoft.com/office/powerpoint/2010/main" val="321896547"/>
+        <p14:creationId xmlns:p14="http://schemas.microsoft.com/office/powerpoint/2010/main" val="1238921946"/>
       </p:ext>
     </p:extLst>
   </p:cSld>
@@ -14028,6 +15273,2088 @@
       </p:grpSpPr>
       <p:sp>
         <p:nvSpPr>
+          <p:cNvPr id="5" name="Titre 4"/>
+          <p:cNvSpPr>
+            <a:spLocks noGrp="1"/>
+          </p:cNvSpPr>
+          <p:nvPr>
+            <p:ph type="title"/>
+          </p:nvPr>
+        </p:nvSpPr>
+        <p:spPr/>
+        <p:txBody>
+          <a:bodyPr/>
+          <a:lstStyle/>
+          <a:p>
+            <a:r>
+              <a:rPr lang="fr-FR" dirty="0" smtClean="0"/>
+              <a:t>Exercice : compilation </a:t>
+            </a:r>
+            <a:r>
+              <a:rPr lang="fr-FR" dirty="0" err="1" smtClean="0"/>
+              <a:t>msvc</a:t>
+            </a:r>
+            <a:r>
+              <a:rPr lang="fr-FR" dirty="0" smtClean="0"/>
+              <a:t> en ligne de commande</a:t>
+            </a:r>
+            <a:endParaRPr lang="fr-FR" dirty="0"/>
+          </a:p>
+        </p:txBody>
+      </p:sp>
+      <p:sp>
+        <p:nvSpPr>
+          <p:cNvPr id="4" name="Espace réservé du numéro de diapositive 3"/>
+          <p:cNvSpPr>
+            <a:spLocks noGrp="1"/>
+          </p:cNvSpPr>
+          <p:nvPr>
+            <p:ph type="sldNum" sz="quarter" idx="12"/>
+          </p:nvPr>
+        </p:nvSpPr>
+        <p:spPr/>
+        <p:txBody>
+          <a:bodyPr/>
+          <a:lstStyle/>
+          <a:p>
+            <a:pPr rtl="0"/>
+            <a:fld id="{D57F1E4F-1CFF-5643-939E-217C01CDF565}" type="slidenum">
+              <a:rPr lang="fr-FR" noProof="0" smtClean="0"/>
+              <a:pPr rtl="0"/>
+              <a:t>27</a:t>
+            </a:fld>
+            <a:endParaRPr lang="fr-FR" noProof="0" dirty="0"/>
+          </a:p>
+        </p:txBody>
+      </p:sp>
+      <p:sp>
+        <p:nvSpPr>
+          <p:cNvPr id="7" name="Espace réservé du contenu 5"/>
+          <p:cNvSpPr txBox="1">
+            <a:spLocks/>
+          </p:cNvSpPr>
+          <p:nvPr/>
+        </p:nvSpPr>
+        <p:spPr>
+          <a:xfrm>
+            <a:off x="529898" y="1628324"/>
+            <a:ext cx="8272211" cy="2601844"/>
+          </a:xfrm>
+          <a:prstGeom prst="rect">
+            <a:avLst/>
+          </a:prstGeom>
+        </p:spPr>
+        <p:txBody>
+          <a:bodyPr vert="horz" lIns="91440" tIns="45720" rIns="91440" bIns="45720" rtlCol="0" anchor="ctr">
+            <a:normAutofit/>
+          </a:bodyPr>
+          <a:lstStyle>
+            <a:lvl1pPr marL="229500" indent="-229500" algn="l" defTabSz="342900" rtl="0" eaLnBrk="1" latinLnBrk="0" hangingPunct="1">
+              <a:spcBef>
+                <a:spcPct val="20000"/>
+              </a:spcBef>
+              <a:spcAft>
+                <a:spcPts val="450"/>
+              </a:spcAft>
+              <a:buClr>
+                <a:schemeClr val="accent2"/>
+              </a:buClr>
+              <a:buSzPct val="92000"/>
+              <a:buFont typeface="Wingdings 2" panose="05020102010507070707" pitchFamily="18" charset="2"/>
+              <a:buChar char=""/>
+              <a:defRPr sz="1350" kern="1200">
+                <a:solidFill>
+                  <a:schemeClr val="tx2"/>
+                </a:solidFill>
+                <a:latin typeface="+mn-lt"/>
+                <a:ea typeface="+mn-ea"/>
+                <a:cs typeface="+mn-cs"/>
+              </a:defRPr>
+            </a:lvl1pPr>
+            <a:lvl2pPr marL="472500" indent="-229500" algn="l" defTabSz="342900" rtl="0" eaLnBrk="1" latinLnBrk="0" hangingPunct="1">
+              <a:spcBef>
+                <a:spcPct val="20000"/>
+              </a:spcBef>
+              <a:spcAft>
+                <a:spcPts val="450"/>
+              </a:spcAft>
+              <a:buClr>
+                <a:schemeClr val="accent2"/>
+              </a:buClr>
+              <a:buSzPct val="92000"/>
+              <a:buFont typeface="Wingdings 2" panose="05020102010507070707" pitchFamily="18" charset="2"/>
+              <a:buChar char=""/>
+              <a:defRPr sz="1200" kern="1200">
+                <a:solidFill>
+                  <a:schemeClr val="tx2"/>
+                </a:solidFill>
+                <a:latin typeface="+mn-lt"/>
+                <a:ea typeface="+mn-ea"/>
+                <a:cs typeface="+mn-cs"/>
+              </a:defRPr>
+            </a:lvl2pPr>
+            <a:lvl3pPr marL="675000" indent="-202500" algn="l" defTabSz="342900" rtl="0" eaLnBrk="1" latinLnBrk="0" hangingPunct="1">
+              <a:spcBef>
+                <a:spcPct val="20000"/>
+              </a:spcBef>
+              <a:spcAft>
+                <a:spcPts val="450"/>
+              </a:spcAft>
+              <a:buClr>
+                <a:schemeClr val="accent2"/>
+              </a:buClr>
+              <a:buSzPct val="92000"/>
+              <a:buFont typeface="Wingdings 2" panose="05020102010507070707" pitchFamily="18" charset="2"/>
+              <a:buChar char=""/>
+              <a:defRPr sz="1050" kern="1200">
+                <a:solidFill>
+                  <a:schemeClr val="tx2"/>
+                </a:solidFill>
+                <a:latin typeface="+mn-lt"/>
+                <a:ea typeface="+mn-ea"/>
+                <a:cs typeface="+mn-cs"/>
+              </a:defRPr>
+            </a:lvl3pPr>
+            <a:lvl4pPr marL="931500" indent="-175500" algn="l" defTabSz="342900" rtl="0" eaLnBrk="1" latinLnBrk="0" hangingPunct="1">
+              <a:spcBef>
+                <a:spcPct val="20000"/>
+              </a:spcBef>
+              <a:spcAft>
+                <a:spcPts val="450"/>
+              </a:spcAft>
+              <a:buClr>
+                <a:schemeClr val="accent2"/>
+              </a:buClr>
+              <a:buSzPct val="92000"/>
+              <a:buFont typeface="Wingdings 2" panose="05020102010507070707" pitchFamily="18" charset="2"/>
+              <a:buChar char=""/>
+              <a:defRPr sz="900" kern="1200">
+                <a:solidFill>
+                  <a:schemeClr val="tx2"/>
+                </a:solidFill>
+                <a:latin typeface="+mn-lt"/>
+                <a:ea typeface="+mn-ea"/>
+                <a:cs typeface="+mn-cs"/>
+              </a:defRPr>
+            </a:lvl4pPr>
+            <a:lvl5pPr marL="1201500" indent="-175500" algn="l" defTabSz="342900" rtl="0" eaLnBrk="1" latinLnBrk="0" hangingPunct="1">
+              <a:spcBef>
+                <a:spcPct val="20000"/>
+              </a:spcBef>
+              <a:spcAft>
+                <a:spcPts val="450"/>
+              </a:spcAft>
+              <a:buClr>
+                <a:schemeClr val="accent2"/>
+              </a:buClr>
+              <a:buSzPct val="92000"/>
+              <a:buFont typeface="Wingdings 2" panose="05020102010507070707" pitchFamily="18" charset="2"/>
+              <a:buChar char=""/>
+              <a:defRPr sz="900" kern="1200">
+                <a:solidFill>
+                  <a:schemeClr val="tx2"/>
+                </a:solidFill>
+                <a:latin typeface="+mn-lt"/>
+                <a:ea typeface="+mn-ea"/>
+                <a:cs typeface="+mn-cs"/>
+              </a:defRPr>
+            </a:lvl5pPr>
+            <a:lvl6pPr marL="1425000" indent="-171450" algn="l" defTabSz="342900" rtl="0" eaLnBrk="1" latinLnBrk="0" hangingPunct="1">
+              <a:spcBef>
+                <a:spcPct val="20000"/>
+              </a:spcBef>
+              <a:spcAft>
+                <a:spcPts val="450"/>
+              </a:spcAft>
+              <a:buClr>
+                <a:schemeClr val="accent2"/>
+              </a:buClr>
+              <a:buSzPct val="92000"/>
+              <a:buFont typeface="Wingdings 2" panose="05020102010507070707" pitchFamily="18" charset="2"/>
+              <a:buChar char=""/>
+              <a:defRPr sz="900" kern="1200">
+                <a:solidFill>
+                  <a:schemeClr val="tx2"/>
+                </a:solidFill>
+                <a:latin typeface="+mn-lt"/>
+                <a:ea typeface="+mn-ea"/>
+                <a:cs typeface="+mn-cs"/>
+              </a:defRPr>
+            </a:lvl6pPr>
+            <a:lvl7pPr marL="1650000" indent="-171450" algn="l" defTabSz="342900" rtl="0" eaLnBrk="1" latinLnBrk="0" hangingPunct="1">
+              <a:spcBef>
+                <a:spcPct val="20000"/>
+              </a:spcBef>
+              <a:spcAft>
+                <a:spcPts val="450"/>
+              </a:spcAft>
+              <a:buClr>
+                <a:schemeClr val="accent2"/>
+              </a:buClr>
+              <a:buSzPct val="92000"/>
+              <a:buFont typeface="Wingdings 2" panose="05020102010507070707" pitchFamily="18" charset="2"/>
+              <a:buChar char=""/>
+              <a:defRPr sz="900" kern="1200">
+                <a:solidFill>
+                  <a:schemeClr val="tx2"/>
+                </a:solidFill>
+                <a:latin typeface="+mn-lt"/>
+                <a:ea typeface="+mn-ea"/>
+                <a:cs typeface="+mn-cs"/>
+              </a:defRPr>
+            </a:lvl7pPr>
+            <a:lvl8pPr marL="1875000" indent="-171450" algn="l" defTabSz="342900" rtl="0" eaLnBrk="1" latinLnBrk="0" hangingPunct="1">
+              <a:spcBef>
+                <a:spcPct val="20000"/>
+              </a:spcBef>
+              <a:spcAft>
+                <a:spcPts val="450"/>
+              </a:spcAft>
+              <a:buClr>
+                <a:schemeClr val="accent2"/>
+              </a:buClr>
+              <a:buSzPct val="92000"/>
+              <a:buFont typeface="Wingdings 2" panose="05020102010507070707" pitchFamily="18" charset="2"/>
+              <a:buChar char=""/>
+              <a:defRPr sz="900" kern="1200">
+                <a:solidFill>
+                  <a:schemeClr val="tx2"/>
+                </a:solidFill>
+                <a:latin typeface="+mn-lt"/>
+                <a:ea typeface="+mn-ea"/>
+                <a:cs typeface="+mn-cs"/>
+              </a:defRPr>
+            </a:lvl8pPr>
+            <a:lvl9pPr marL="2100000" indent="-171450" algn="l" defTabSz="342900" rtl="0" eaLnBrk="1" latinLnBrk="0" hangingPunct="1">
+              <a:spcBef>
+                <a:spcPct val="20000"/>
+              </a:spcBef>
+              <a:spcAft>
+                <a:spcPts val="450"/>
+              </a:spcAft>
+              <a:buClr>
+                <a:schemeClr val="accent2"/>
+              </a:buClr>
+              <a:buSzPct val="92000"/>
+              <a:buFont typeface="Wingdings 2" panose="05020102010507070707" pitchFamily="18" charset="2"/>
+              <a:buChar char=""/>
+              <a:defRPr sz="900" kern="1200">
+                <a:solidFill>
+                  <a:schemeClr val="tx2"/>
+                </a:solidFill>
+                <a:latin typeface="+mn-lt"/>
+                <a:ea typeface="+mn-ea"/>
+                <a:cs typeface="+mn-cs"/>
+              </a:defRPr>
+            </a:lvl9pPr>
+          </a:lstStyle>
+          <a:p>
+            <a:r>
+              <a:rPr lang="fr-FR" dirty="0" smtClean="0">
+                <a:sym typeface="Wingdings" panose="05000000000000000000" pitchFamily="2" charset="2"/>
+              </a:rPr>
+              <a:t>Il est possible en théorie d’utiliser une invite de commande basique pour compiler du code mais il faut définir BEAUCOUP de variables d’environnement à la main. (32 chez moi pour VS 2017, voir </a:t>
+            </a:r>
+            <a:r>
+              <a:rPr lang="fr-FR" dirty="0" err="1" smtClean="0">
+                <a:sym typeface="Wingdings" panose="05000000000000000000" pitchFamily="2" charset="2"/>
+              </a:rPr>
+              <a:t>rep</a:t>
+            </a:r>
+            <a:r>
+              <a:rPr lang="fr-FR" dirty="0" smtClean="0">
+                <a:sym typeface="Wingdings" panose="05000000000000000000" pitchFamily="2" charset="2"/>
+              </a:rPr>
+              <a:t> </a:t>
+            </a:r>
+            <a:r>
+              <a:rPr lang="fr-FR" dirty="0" err="1" smtClean="0">
+                <a:sym typeface="Wingdings" panose="05000000000000000000" pitchFamily="2" charset="2"/>
+              </a:rPr>
+              <a:t>toolchain</a:t>
+            </a:r>
+            <a:r>
+              <a:rPr lang="fr-FR" dirty="0" smtClean="0">
+                <a:sym typeface="Wingdings" panose="05000000000000000000" pitchFamily="2" charset="2"/>
+              </a:rPr>
+              <a:t>/</a:t>
+            </a:r>
+            <a:r>
+              <a:rPr lang="fr-FR" dirty="0" err="1" smtClean="0">
+                <a:sym typeface="Wingdings" panose="05000000000000000000" pitchFamily="2" charset="2"/>
+              </a:rPr>
+              <a:t>diff_set</a:t>
+            </a:r>
+            <a:r>
+              <a:rPr lang="fr-FR" dirty="0" smtClean="0">
+                <a:sym typeface="Wingdings" panose="05000000000000000000" pitchFamily="2" charset="2"/>
+              </a:rPr>
+              <a:t>). </a:t>
+            </a:r>
+          </a:p>
+          <a:p>
+            <a:r>
+              <a:rPr lang="fr-FR" dirty="0" smtClean="0">
+                <a:sym typeface="Wingdings" panose="05000000000000000000" pitchFamily="2" charset="2"/>
+              </a:rPr>
+              <a:t>On utilise en général l’invite de commandes qui vient avec Visual Studio.  Cliquez sur « Windows », faites défiler jusqu’au </a:t>
+            </a:r>
+            <a:r>
+              <a:rPr lang="fr-FR" b="1" dirty="0" smtClean="0">
+                <a:sym typeface="Wingdings" panose="05000000000000000000" pitchFamily="2" charset="2"/>
+              </a:rPr>
+              <a:t>dossier</a:t>
+            </a:r>
+            <a:r>
+              <a:rPr lang="fr-FR" dirty="0" smtClean="0">
+                <a:sym typeface="Wingdings" panose="05000000000000000000" pitchFamily="2" charset="2"/>
+              </a:rPr>
+              <a:t> Visual Studio et lancer « </a:t>
+            </a:r>
+            <a:r>
+              <a:rPr lang="fr-FR" dirty="0" err="1" smtClean="0">
+                <a:sym typeface="Wingdings" panose="05000000000000000000" pitchFamily="2" charset="2"/>
+              </a:rPr>
+              <a:t>Developer</a:t>
+            </a:r>
+            <a:r>
+              <a:rPr lang="fr-FR" dirty="0" smtClean="0">
+                <a:sym typeface="Wingdings" panose="05000000000000000000" pitchFamily="2" charset="2"/>
+              </a:rPr>
+              <a:t> Command Prompt for VS 201x »</a:t>
+            </a:r>
+          </a:p>
+          <a:p>
+            <a:r>
+              <a:rPr lang="fr-FR" dirty="0" smtClean="0">
+                <a:sym typeface="Wingdings" panose="05000000000000000000" pitchFamily="2" charset="2"/>
+              </a:rPr>
+              <a:t>Taper « cl » pour voir si tout est ok</a:t>
+            </a:r>
+          </a:p>
+          <a:p>
+            <a:r>
+              <a:rPr lang="fr-FR" dirty="0" smtClean="0">
+                <a:sym typeface="Wingdings" panose="05000000000000000000" pitchFamily="2" charset="2"/>
+              </a:rPr>
+              <a:t>Aller dans le répertoire source </a:t>
+            </a:r>
+            <a:r>
+              <a:rPr lang="fr-FR" dirty="0" err="1" smtClean="0">
+                <a:sym typeface="Wingdings" panose="05000000000000000000" pitchFamily="2" charset="2"/>
+              </a:rPr>
+              <a:t>toolchain</a:t>
+            </a:r>
+            <a:r>
+              <a:rPr lang="fr-FR" dirty="0" smtClean="0">
+                <a:sym typeface="Wingdings" panose="05000000000000000000" pitchFamily="2" charset="2"/>
+              </a:rPr>
+              <a:t>/</a:t>
+            </a:r>
+            <a:r>
+              <a:rPr lang="fr-FR" dirty="0" err="1" smtClean="0">
+                <a:sym typeface="Wingdings" panose="05000000000000000000" pitchFamily="2" charset="2"/>
+              </a:rPr>
+              <a:t>src</a:t>
+            </a:r>
+            <a:r>
+              <a:rPr lang="fr-FR" dirty="0" smtClean="0">
+                <a:sym typeface="Wingdings" panose="05000000000000000000" pitchFamily="2" charset="2"/>
+              </a:rPr>
+              <a:t>/</a:t>
+            </a:r>
+            <a:r>
+              <a:rPr lang="fr-FR" dirty="0" err="1" smtClean="0">
+                <a:sym typeface="Wingdings" panose="05000000000000000000" pitchFamily="2" charset="2"/>
+              </a:rPr>
+              <a:t>helloworld</a:t>
+            </a:r>
+            <a:r>
+              <a:rPr lang="fr-FR" dirty="0" smtClean="0">
+                <a:sym typeface="Wingdings" panose="05000000000000000000" pitchFamily="2" charset="2"/>
+              </a:rPr>
+              <a:t> et lancer la commande : « cl ./helloworld.cpp ». Les fichiers helloworld.obj et helloworld.exe ont été créés. Note : pour spécifier un autre nom d’exécutable, ajoutez « /</a:t>
+            </a:r>
+            <a:r>
+              <a:rPr lang="fr-FR" dirty="0" err="1" smtClean="0">
+                <a:sym typeface="Wingdings" panose="05000000000000000000" pitchFamily="2" charset="2"/>
+              </a:rPr>
+              <a:t>link</a:t>
+            </a:r>
+            <a:r>
+              <a:rPr lang="fr-FR" dirty="0" smtClean="0">
+                <a:sym typeface="Wingdings" panose="05000000000000000000" pitchFamily="2" charset="2"/>
+              </a:rPr>
+              <a:t> /</a:t>
+            </a:r>
+            <a:r>
+              <a:rPr lang="fr-FR" dirty="0" err="1" smtClean="0">
+                <a:sym typeface="Wingdings" panose="05000000000000000000" pitchFamily="2" charset="2"/>
+              </a:rPr>
+              <a:t>out:machin.exe</a:t>
+            </a:r>
+            <a:r>
+              <a:rPr lang="fr-FR" dirty="0" smtClean="0">
+                <a:sym typeface="Wingdings" panose="05000000000000000000" pitchFamily="2" charset="2"/>
+              </a:rPr>
+              <a:t> » en fin de commande.</a:t>
+            </a:r>
+          </a:p>
+          <a:p>
+            <a:r>
+              <a:rPr lang="fr-FR" dirty="0" smtClean="0">
+                <a:sym typeface="Wingdings" panose="05000000000000000000" pitchFamily="2" charset="2"/>
+              </a:rPr>
+              <a:t>Lancer «  cl /? » pour avoir toutes les options de compilation disponibles.</a:t>
+            </a:r>
+          </a:p>
+          <a:p>
+            <a:endParaRPr lang="fr-FR" dirty="0" smtClean="0">
+              <a:sym typeface="Wingdings" panose="05000000000000000000" pitchFamily="2" charset="2"/>
+            </a:endParaRPr>
+          </a:p>
+        </p:txBody>
+      </p:sp>
+      <p:sp>
+        <p:nvSpPr>
+          <p:cNvPr id="2" name="ZoneTexte 1"/>
+          <p:cNvSpPr txBox="1"/>
+          <p:nvPr/>
+        </p:nvSpPr>
+        <p:spPr>
+          <a:xfrm>
+            <a:off x="982767" y="4907648"/>
+            <a:ext cx="6907660" cy="415498"/>
+          </a:xfrm>
+          <a:prstGeom prst="rect">
+            <a:avLst/>
+          </a:prstGeom>
+          <a:noFill/>
+        </p:spPr>
+        <p:txBody>
+          <a:bodyPr wrap="none" rtlCol="0">
+            <a:spAutoFit/>
+          </a:bodyPr>
+          <a:lstStyle/>
+          <a:p>
+            <a:r>
+              <a:rPr lang="fr-FR" sz="1050" dirty="0" smtClean="0"/>
+              <a:t>Note : pour gérer correctement les exceptions (</a:t>
+            </a:r>
+            <a:r>
+              <a:rPr lang="fr-FR" sz="1050" dirty="0" err="1" smtClean="0"/>
+              <a:t>try</a:t>
+            </a:r>
+            <a:r>
+              <a:rPr lang="fr-FR" sz="1050" dirty="0" smtClean="0"/>
+              <a:t> / catch), le compilateur a besoin de l’option /</a:t>
+            </a:r>
+            <a:r>
+              <a:rPr lang="fr-FR" sz="1050" dirty="0" err="1" smtClean="0"/>
+              <a:t>Ehsc</a:t>
+            </a:r>
+            <a:r>
+              <a:rPr lang="fr-FR" sz="1050" dirty="0" smtClean="0"/>
+              <a:t/>
+            </a:r>
+            <a:br>
+              <a:rPr lang="fr-FR" sz="1050" dirty="0" smtClean="0"/>
+            </a:br>
+            <a:r>
+              <a:rPr lang="fr-FR" sz="1050" dirty="0" smtClean="0"/>
+              <a:t>voir ici pour </a:t>
+            </a:r>
+            <a:r>
+              <a:rPr lang="fr-FR" sz="1050" dirty="0"/>
+              <a:t>plus d’infos : </a:t>
+            </a:r>
+            <a:r>
+              <a:rPr lang="fr-FR" sz="1050" dirty="0">
+                <a:hlinkClick r:id="rId3"/>
+              </a:rPr>
+              <a:t>https://</a:t>
+            </a:r>
+            <a:r>
+              <a:rPr lang="fr-FR" sz="1050" dirty="0" smtClean="0">
+                <a:hlinkClick r:id="rId3"/>
+              </a:rPr>
+              <a:t>docs.microsoft.com/fr-fr/cpp/build/reference/eh-exception-handling-model?view=msvc-160</a:t>
+            </a:r>
+            <a:endParaRPr lang="fr-FR" sz="1050" dirty="0" smtClean="0"/>
+          </a:p>
+        </p:txBody>
+      </p:sp>
+    </p:spTree>
+    <p:extLst>
+      <p:ext uri="{BB962C8B-B14F-4D97-AF65-F5344CB8AC3E}">
+        <p14:creationId xmlns:p14="http://schemas.microsoft.com/office/powerpoint/2010/main" val="3657554464"/>
+      </p:ext>
+    </p:extLst>
+  </p:cSld>
+  <p:clrMapOvr>
+    <a:masterClrMapping/>
+  </p:clrMapOvr>
+  <p:timing>
+    <p:tnLst>
+      <p:par>
+        <p:cTn id="1" dur="indefinite" restart="never" nodeType="tmRoot"/>
+      </p:par>
+    </p:tnLst>
+  </p:timing>
+</p:sld>
+</file>
+
+<file path=ppt/slides/slide28.xml><?xml version="1.0" encoding="utf-8"?>
+<p:sld xmlns:a="http://schemas.openxmlformats.org/drawingml/2006/main" xmlns:r="http://schemas.openxmlformats.org/officeDocument/2006/relationships" xmlns:p="http://schemas.openxmlformats.org/presentationml/2006/main">
+  <p:cSld>
+    <p:spTree>
+      <p:nvGrpSpPr>
+        <p:cNvPr id="1" name=""/>
+        <p:cNvGrpSpPr/>
+        <p:nvPr/>
+      </p:nvGrpSpPr>
+      <p:grpSpPr>
+        <a:xfrm>
+          <a:off x="0" y="0"/>
+          <a:ext cx="0" cy="0"/>
+          <a:chOff x="0" y="0"/>
+          <a:chExt cx="0" cy="0"/>
+        </a:xfrm>
+      </p:grpSpPr>
+      <p:sp>
+        <p:nvSpPr>
+          <p:cNvPr id="5" name="Titre 4"/>
+          <p:cNvSpPr>
+            <a:spLocks noGrp="1"/>
+          </p:cNvSpPr>
+          <p:nvPr>
+            <p:ph type="title"/>
+          </p:nvPr>
+        </p:nvSpPr>
+        <p:spPr/>
+        <p:txBody>
+          <a:bodyPr/>
+          <a:lstStyle/>
+          <a:p>
+            <a:r>
+              <a:rPr lang="fr-FR" dirty="0" smtClean="0"/>
+              <a:t>Exercice : </a:t>
+            </a:r>
+            <a:r>
+              <a:rPr lang="fr-FR" dirty="0" err="1" smtClean="0"/>
+              <a:t>link</a:t>
+            </a:r>
+            <a:r>
+              <a:rPr lang="fr-FR" dirty="0" smtClean="0"/>
+              <a:t> </a:t>
+            </a:r>
+            <a:r>
+              <a:rPr lang="fr-FR" dirty="0" err="1" smtClean="0"/>
+              <a:t>msvc</a:t>
+            </a:r>
+            <a:r>
+              <a:rPr lang="fr-FR" dirty="0" smtClean="0"/>
+              <a:t> en ligne de commande</a:t>
+            </a:r>
+            <a:endParaRPr lang="fr-FR" dirty="0"/>
+          </a:p>
+        </p:txBody>
+      </p:sp>
+      <p:sp>
+        <p:nvSpPr>
+          <p:cNvPr id="4" name="Espace réservé du numéro de diapositive 3"/>
+          <p:cNvSpPr>
+            <a:spLocks noGrp="1"/>
+          </p:cNvSpPr>
+          <p:nvPr>
+            <p:ph type="sldNum" sz="quarter" idx="12"/>
+          </p:nvPr>
+        </p:nvSpPr>
+        <p:spPr/>
+        <p:txBody>
+          <a:bodyPr/>
+          <a:lstStyle/>
+          <a:p>
+            <a:pPr rtl="0"/>
+            <a:fld id="{D57F1E4F-1CFF-5643-939E-217C01CDF565}" type="slidenum">
+              <a:rPr lang="fr-FR" noProof="0" smtClean="0"/>
+              <a:pPr rtl="0"/>
+              <a:t>28</a:t>
+            </a:fld>
+            <a:endParaRPr lang="fr-FR" noProof="0" dirty="0"/>
+          </a:p>
+        </p:txBody>
+      </p:sp>
+      <p:sp>
+        <p:nvSpPr>
+          <p:cNvPr id="7" name="Espace réservé du contenu 5"/>
+          <p:cNvSpPr txBox="1">
+            <a:spLocks/>
+          </p:cNvSpPr>
+          <p:nvPr/>
+        </p:nvSpPr>
+        <p:spPr>
+          <a:xfrm>
+            <a:off x="529898" y="1628324"/>
+            <a:ext cx="8272211" cy="2601844"/>
+          </a:xfrm>
+          <a:prstGeom prst="rect">
+            <a:avLst/>
+          </a:prstGeom>
+        </p:spPr>
+        <p:txBody>
+          <a:bodyPr vert="horz" lIns="91440" tIns="45720" rIns="91440" bIns="45720" rtlCol="0" anchor="ctr">
+            <a:normAutofit/>
+          </a:bodyPr>
+          <a:lstStyle>
+            <a:lvl1pPr marL="229500" indent="-229500" algn="l" defTabSz="342900" rtl="0" eaLnBrk="1" latinLnBrk="0" hangingPunct="1">
+              <a:spcBef>
+                <a:spcPct val="20000"/>
+              </a:spcBef>
+              <a:spcAft>
+                <a:spcPts val="450"/>
+              </a:spcAft>
+              <a:buClr>
+                <a:schemeClr val="accent2"/>
+              </a:buClr>
+              <a:buSzPct val="92000"/>
+              <a:buFont typeface="Wingdings 2" panose="05020102010507070707" pitchFamily="18" charset="2"/>
+              <a:buChar char=""/>
+              <a:defRPr sz="1350" kern="1200">
+                <a:solidFill>
+                  <a:schemeClr val="tx2"/>
+                </a:solidFill>
+                <a:latin typeface="+mn-lt"/>
+                <a:ea typeface="+mn-ea"/>
+                <a:cs typeface="+mn-cs"/>
+              </a:defRPr>
+            </a:lvl1pPr>
+            <a:lvl2pPr marL="472500" indent="-229500" algn="l" defTabSz="342900" rtl="0" eaLnBrk="1" latinLnBrk="0" hangingPunct="1">
+              <a:spcBef>
+                <a:spcPct val="20000"/>
+              </a:spcBef>
+              <a:spcAft>
+                <a:spcPts val="450"/>
+              </a:spcAft>
+              <a:buClr>
+                <a:schemeClr val="accent2"/>
+              </a:buClr>
+              <a:buSzPct val="92000"/>
+              <a:buFont typeface="Wingdings 2" panose="05020102010507070707" pitchFamily="18" charset="2"/>
+              <a:buChar char=""/>
+              <a:defRPr sz="1200" kern="1200">
+                <a:solidFill>
+                  <a:schemeClr val="tx2"/>
+                </a:solidFill>
+                <a:latin typeface="+mn-lt"/>
+                <a:ea typeface="+mn-ea"/>
+                <a:cs typeface="+mn-cs"/>
+              </a:defRPr>
+            </a:lvl2pPr>
+            <a:lvl3pPr marL="675000" indent="-202500" algn="l" defTabSz="342900" rtl="0" eaLnBrk="1" latinLnBrk="0" hangingPunct="1">
+              <a:spcBef>
+                <a:spcPct val="20000"/>
+              </a:spcBef>
+              <a:spcAft>
+                <a:spcPts val="450"/>
+              </a:spcAft>
+              <a:buClr>
+                <a:schemeClr val="accent2"/>
+              </a:buClr>
+              <a:buSzPct val="92000"/>
+              <a:buFont typeface="Wingdings 2" panose="05020102010507070707" pitchFamily="18" charset="2"/>
+              <a:buChar char=""/>
+              <a:defRPr sz="1050" kern="1200">
+                <a:solidFill>
+                  <a:schemeClr val="tx2"/>
+                </a:solidFill>
+                <a:latin typeface="+mn-lt"/>
+                <a:ea typeface="+mn-ea"/>
+                <a:cs typeface="+mn-cs"/>
+              </a:defRPr>
+            </a:lvl3pPr>
+            <a:lvl4pPr marL="931500" indent="-175500" algn="l" defTabSz="342900" rtl="0" eaLnBrk="1" latinLnBrk="0" hangingPunct="1">
+              <a:spcBef>
+                <a:spcPct val="20000"/>
+              </a:spcBef>
+              <a:spcAft>
+                <a:spcPts val="450"/>
+              </a:spcAft>
+              <a:buClr>
+                <a:schemeClr val="accent2"/>
+              </a:buClr>
+              <a:buSzPct val="92000"/>
+              <a:buFont typeface="Wingdings 2" panose="05020102010507070707" pitchFamily="18" charset="2"/>
+              <a:buChar char=""/>
+              <a:defRPr sz="900" kern="1200">
+                <a:solidFill>
+                  <a:schemeClr val="tx2"/>
+                </a:solidFill>
+                <a:latin typeface="+mn-lt"/>
+                <a:ea typeface="+mn-ea"/>
+                <a:cs typeface="+mn-cs"/>
+              </a:defRPr>
+            </a:lvl4pPr>
+            <a:lvl5pPr marL="1201500" indent="-175500" algn="l" defTabSz="342900" rtl="0" eaLnBrk="1" latinLnBrk="0" hangingPunct="1">
+              <a:spcBef>
+                <a:spcPct val="20000"/>
+              </a:spcBef>
+              <a:spcAft>
+                <a:spcPts val="450"/>
+              </a:spcAft>
+              <a:buClr>
+                <a:schemeClr val="accent2"/>
+              </a:buClr>
+              <a:buSzPct val="92000"/>
+              <a:buFont typeface="Wingdings 2" panose="05020102010507070707" pitchFamily="18" charset="2"/>
+              <a:buChar char=""/>
+              <a:defRPr sz="900" kern="1200">
+                <a:solidFill>
+                  <a:schemeClr val="tx2"/>
+                </a:solidFill>
+                <a:latin typeface="+mn-lt"/>
+                <a:ea typeface="+mn-ea"/>
+                <a:cs typeface="+mn-cs"/>
+              </a:defRPr>
+            </a:lvl5pPr>
+            <a:lvl6pPr marL="1425000" indent="-171450" algn="l" defTabSz="342900" rtl="0" eaLnBrk="1" latinLnBrk="0" hangingPunct="1">
+              <a:spcBef>
+                <a:spcPct val="20000"/>
+              </a:spcBef>
+              <a:spcAft>
+                <a:spcPts val="450"/>
+              </a:spcAft>
+              <a:buClr>
+                <a:schemeClr val="accent2"/>
+              </a:buClr>
+              <a:buSzPct val="92000"/>
+              <a:buFont typeface="Wingdings 2" panose="05020102010507070707" pitchFamily="18" charset="2"/>
+              <a:buChar char=""/>
+              <a:defRPr sz="900" kern="1200">
+                <a:solidFill>
+                  <a:schemeClr val="tx2"/>
+                </a:solidFill>
+                <a:latin typeface="+mn-lt"/>
+                <a:ea typeface="+mn-ea"/>
+                <a:cs typeface="+mn-cs"/>
+              </a:defRPr>
+            </a:lvl6pPr>
+            <a:lvl7pPr marL="1650000" indent="-171450" algn="l" defTabSz="342900" rtl="0" eaLnBrk="1" latinLnBrk="0" hangingPunct="1">
+              <a:spcBef>
+                <a:spcPct val="20000"/>
+              </a:spcBef>
+              <a:spcAft>
+                <a:spcPts val="450"/>
+              </a:spcAft>
+              <a:buClr>
+                <a:schemeClr val="accent2"/>
+              </a:buClr>
+              <a:buSzPct val="92000"/>
+              <a:buFont typeface="Wingdings 2" panose="05020102010507070707" pitchFamily="18" charset="2"/>
+              <a:buChar char=""/>
+              <a:defRPr sz="900" kern="1200">
+                <a:solidFill>
+                  <a:schemeClr val="tx2"/>
+                </a:solidFill>
+                <a:latin typeface="+mn-lt"/>
+                <a:ea typeface="+mn-ea"/>
+                <a:cs typeface="+mn-cs"/>
+              </a:defRPr>
+            </a:lvl7pPr>
+            <a:lvl8pPr marL="1875000" indent="-171450" algn="l" defTabSz="342900" rtl="0" eaLnBrk="1" latinLnBrk="0" hangingPunct="1">
+              <a:spcBef>
+                <a:spcPct val="20000"/>
+              </a:spcBef>
+              <a:spcAft>
+                <a:spcPts val="450"/>
+              </a:spcAft>
+              <a:buClr>
+                <a:schemeClr val="accent2"/>
+              </a:buClr>
+              <a:buSzPct val="92000"/>
+              <a:buFont typeface="Wingdings 2" panose="05020102010507070707" pitchFamily="18" charset="2"/>
+              <a:buChar char=""/>
+              <a:defRPr sz="900" kern="1200">
+                <a:solidFill>
+                  <a:schemeClr val="tx2"/>
+                </a:solidFill>
+                <a:latin typeface="+mn-lt"/>
+                <a:ea typeface="+mn-ea"/>
+                <a:cs typeface="+mn-cs"/>
+              </a:defRPr>
+            </a:lvl8pPr>
+            <a:lvl9pPr marL="2100000" indent="-171450" algn="l" defTabSz="342900" rtl="0" eaLnBrk="1" latinLnBrk="0" hangingPunct="1">
+              <a:spcBef>
+                <a:spcPct val="20000"/>
+              </a:spcBef>
+              <a:spcAft>
+                <a:spcPts val="450"/>
+              </a:spcAft>
+              <a:buClr>
+                <a:schemeClr val="accent2"/>
+              </a:buClr>
+              <a:buSzPct val="92000"/>
+              <a:buFont typeface="Wingdings 2" panose="05020102010507070707" pitchFamily="18" charset="2"/>
+              <a:buChar char=""/>
+              <a:defRPr sz="900" kern="1200">
+                <a:solidFill>
+                  <a:schemeClr val="tx2"/>
+                </a:solidFill>
+                <a:latin typeface="+mn-lt"/>
+                <a:ea typeface="+mn-ea"/>
+                <a:cs typeface="+mn-cs"/>
+              </a:defRPr>
+            </a:lvl9pPr>
+          </a:lstStyle>
+          <a:p>
+            <a:r>
+              <a:rPr lang="fr-FR" dirty="0" smtClean="0">
+                <a:sym typeface="Wingdings" panose="05000000000000000000" pitchFamily="2" charset="2"/>
+              </a:rPr>
+              <a:t>Dans le dossier « </a:t>
+            </a:r>
+            <a:r>
+              <a:rPr lang="fr-FR" dirty="0" err="1" smtClean="0">
+                <a:sym typeface="Wingdings" panose="05000000000000000000" pitchFamily="2" charset="2"/>
+              </a:rPr>
+              <a:t>src</a:t>
+            </a:r>
+            <a:r>
+              <a:rPr lang="fr-FR" dirty="0" smtClean="0">
+                <a:sym typeface="Wingdings" panose="05000000000000000000" pitchFamily="2" charset="2"/>
+              </a:rPr>
+              <a:t>/</a:t>
+            </a:r>
+            <a:r>
+              <a:rPr lang="fr-FR" dirty="0" err="1" smtClean="0">
+                <a:sym typeface="Wingdings" panose="05000000000000000000" pitchFamily="2" charset="2"/>
+              </a:rPr>
+              <a:t>testlink</a:t>
+            </a:r>
+            <a:r>
+              <a:rPr lang="fr-FR" dirty="0" smtClean="0">
+                <a:sym typeface="Wingdings" panose="05000000000000000000" pitchFamily="2" charset="2"/>
+              </a:rPr>
+              <a:t> », lancer les commandes :</a:t>
+            </a:r>
+          </a:p>
+          <a:p>
+            <a:pPr lvl="1"/>
+            <a:r>
+              <a:rPr lang="fr-FR" dirty="0" smtClean="0">
+                <a:latin typeface="Cascadia Code" panose="020B0609020000020004" pitchFamily="49" charset="0"/>
+                <a:cs typeface="Cascadia Code" panose="020B0609020000020004" pitchFamily="49" charset="0"/>
+                <a:sym typeface="Wingdings" panose="05000000000000000000" pitchFamily="2" charset="2"/>
+              </a:rPr>
+              <a:t>cl /</a:t>
+            </a:r>
+            <a:r>
+              <a:rPr lang="fr-FR" dirty="0" err="1" smtClean="0">
+                <a:latin typeface="Cascadia Code" panose="020B0609020000020004" pitchFamily="49" charset="0"/>
+                <a:cs typeface="Cascadia Code" panose="020B0609020000020004" pitchFamily="49" charset="0"/>
+                <a:sym typeface="Wingdings" panose="05000000000000000000" pitchFamily="2" charset="2"/>
+              </a:rPr>
+              <a:t>EHsc</a:t>
+            </a:r>
+            <a:r>
+              <a:rPr lang="fr-FR" dirty="0" smtClean="0">
+                <a:latin typeface="Cascadia Code" panose="020B0609020000020004" pitchFamily="49" charset="0"/>
+                <a:cs typeface="Cascadia Code" panose="020B0609020000020004" pitchFamily="49" charset="0"/>
+                <a:sym typeface="Wingdings" panose="05000000000000000000" pitchFamily="2" charset="2"/>
+              </a:rPr>
+              <a:t> /c /I .</a:t>
+            </a:r>
+            <a:r>
+              <a:rPr lang="fr-FR" dirty="0" smtClean="0">
+                <a:latin typeface="Cascadia Code" panose="020B0609020000020004" pitchFamily="49" charset="0"/>
+                <a:cs typeface="Cascadia Code" panose="020B0609020000020004" pitchFamily="49" charset="0"/>
+                <a:sym typeface="Wingdings" panose="05000000000000000000" pitchFamily="2" charset="2"/>
+              </a:rPr>
+              <a:t> .\</a:t>
+            </a:r>
+            <a:r>
+              <a:rPr lang="fr-FR" dirty="0">
+                <a:latin typeface="Cascadia Code" panose="020B0609020000020004" pitchFamily="49" charset="0"/>
+                <a:cs typeface="Cascadia Code" panose="020B0609020000020004" pitchFamily="49" charset="0"/>
+                <a:sym typeface="Wingdings" panose="05000000000000000000" pitchFamily="2" charset="2"/>
+              </a:rPr>
+              <a:t>foo.cpp </a:t>
+            </a:r>
+            <a:r>
+              <a:rPr lang="fr-FR" dirty="0" smtClean="0">
+                <a:latin typeface="Cascadia Code" panose="020B0609020000020004" pitchFamily="49" charset="0"/>
+                <a:cs typeface="Cascadia Code" panose="020B0609020000020004" pitchFamily="49" charset="0"/>
+                <a:sym typeface="Wingdings" panose="05000000000000000000" pitchFamily="2" charset="2"/>
+              </a:rPr>
+              <a:t>.\bar.cpp </a:t>
+            </a:r>
+            <a:r>
+              <a:rPr lang="fr-FR" dirty="0" smtClean="0">
+                <a:sym typeface="Wingdings" panose="05000000000000000000" pitchFamily="2" charset="2"/>
+              </a:rPr>
+              <a:t> foo.obj et bar.obj</a:t>
+            </a:r>
+          </a:p>
+          <a:p>
+            <a:pPr lvl="1"/>
+            <a:r>
+              <a:rPr lang="fr-FR" dirty="0" err="1" smtClean="0">
+                <a:latin typeface="Cascadia Code" panose="020B0609020000020004" pitchFamily="49" charset="0"/>
+                <a:cs typeface="Cascadia Code" panose="020B0609020000020004" pitchFamily="49" charset="0"/>
+                <a:sym typeface="Wingdings" panose="05000000000000000000" pitchFamily="2" charset="2"/>
+              </a:rPr>
+              <a:t>link</a:t>
+            </a:r>
+            <a:r>
+              <a:rPr lang="fr-FR" dirty="0" smtClean="0">
+                <a:latin typeface="Cascadia Code" panose="020B0609020000020004" pitchFamily="49" charset="0"/>
+                <a:cs typeface="Cascadia Code" panose="020B0609020000020004" pitchFamily="49" charset="0"/>
+                <a:sym typeface="Wingdings" panose="05000000000000000000" pitchFamily="2" charset="2"/>
+              </a:rPr>
+              <a:t> /DLL /</a:t>
+            </a:r>
+            <a:r>
+              <a:rPr lang="fr-FR" dirty="0" err="1" smtClean="0">
+                <a:latin typeface="Cascadia Code" panose="020B0609020000020004" pitchFamily="49" charset="0"/>
+                <a:cs typeface="Cascadia Code" panose="020B0609020000020004" pitchFamily="49" charset="0"/>
+                <a:sym typeface="Wingdings" panose="05000000000000000000" pitchFamily="2" charset="2"/>
+              </a:rPr>
+              <a:t>OUT:foobar.dll</a:t>
+            </a:r>
+            <a:r>
+              <a:rPr lang="fr-FR" dirty="0" smtClean="0">
+                <a:latin typeface="Cascadia Code" panose="020B0609020000020004" pitchFamily="49" charset="0"/>
+                <a:cs typeface="Cascadia Code" panose="020B0609020000020004" pitchFamily="49" charset="0"/>
+                <a:sym typeface="Wingdings" panose="05000000000000000000" pitchFamily="2" charset="2"/>
+              </a:rPr>
+              <a:t> *.</a:t>
+            </a:r>
+            <a:r>
+              <a:rPr lang="fr-FR" dirty="0" err="1" smtClean="0">
+                <a:latin typeface="Cascadia Code" panose="020B0609020000020004" pitchFamily="49" charset="0"/>
+                <a:cs typeface="Cascadia Code" panose="020B0609020000020004" pitchFamily="49" charset="0"/>
+                <a:sym typeface="Wingdings" panose="05000000000000000000" pitchFamily="2" charset="2"/>
+              </a:rPr>
+              <a:t>obj</a:t>
+            </a:r>
+            <a:r>
+              <a:rPr lang="fr-FR" dirty="0" smtClean="0">
+                <a:latin typeface="Cascadia Code" panose="020B0609020000020004" pitchFamily="49" charset="0"/>
+                <a:cs typeface="Cascadia Code" panose="020B0609020000020004" pitchFamily="49" charset="0"/>
+                <a:sym typeface="Wingdings" panose="05000000000000000000" pitchFamily="2" charset="2"/>
+              </a:rPr>
+              <a:t>  f</a:t>
+            </a:r>
+            <a:r>
+              <a:rPr lang="fr-FR" dirty="0" smtClean="0">
+                <a:sym typeface="Wingdings" panose="05000000000000000000" pitchFamily="2" charset="2"/>
+              </a:rPr>
+              <a:t>oobar.dll (+ *.</a:t>
+            </a:r>
+            <a:r>
+              <a:rPr lang="fr-FR" dirty="0" err="1" smtClean="0">
+                <a:sym typeface="Wingdings" panose="05000000000000000000" pitchFamily="2" charset="2"/>
+              </a:rPr>
+              <a:t>exp</a:t>
+            </a:r>
+            <a:r>
+              <a:rPr lang="fr-FR" dirty="0" smtClean="0">
+                <a:sym typeface="Wingdings" panose="05000000000000000000" pitchFamily="2" charset="2"/>
+              </a:rPr>
+              <a:t> + *.lib)</a:t>
+            </a:r>
+          </a:p>
+          <a:p>
+            <a:pPr lvl="1"/>
+            <a:r>
+              <a:rPr lang="fr-FR" dirty="0" smtClean="0">
+                <a:latin typeface="Cascadia Code" panose="020B0609020000020004" pitchFamily="49" charset="0"/>
+                <a:cs typeface="Cascadia Code" panose="020B0609020000020004" pitchFamily="49" charset="0"/>
+                <a:sym typeface="Wingdings" panose="05000000000000000000" pitchFamily="2" charset="2"/>
+              </a:rPr>
+              <a:t>cl /</a:t>
+            </a:r>
+            <a:r>
+              <a:rPr lang="fr-FR" dirty="0" err="1" smtClean="0">
+                <a:latin typeface="Cascadia Code" panose="020B0609020000020004" pitchFamily="49" charset="0"/>
+                <a:cs typeface="Cascadia Code" panose="020B0609020000020004" pitchFamily="49" charset="0"/>
+                <a:sym typeface="Wingdings" panose="05000000000000000000" pitchFamily="2" charset="2"/>
+              </a:rPr>
+              <a:t>EHsc</a:t>
+            </a:r>
+            <a:r>
+              <a:rPr lang="fr-FR" dirty="0" smtClean="0">
+                <a:latin typeface="Cascadia Code" panose="020B0609020000020004" pitchFamily="49" charset="0"/>
+                <a:cs typeface="Cascadia Code" panose="020B0609020000020004" pitchFamily="49" charset="0"/>
+                <a:sym typeface="Wingdings" panose="05000000000000000000" pitchFamily="2" charset="2"/>
+              </a:rPr>
+              <a:t> .\main.cpp /I . .\foo</a:t>
+            </a:r>
+            <a:r>
+              <a:rPr lang="fr-FR" dirty="0" smtClean="0">
+                <a:latin typeface="Cascadia Code" panose="020B0609020000020004" pitchFamily="49" charset="0"/>
+                <a:cs typeface="Cascadia Code" panose="020B0609020000020004" pitchFamily="49" charset="0"/>
+                <a:sym typeface="Wingdings" panose="05000000000000000000" pitchFamily="2" charset="2"/>
+              </a:rPr>
+              <a:t>bar.lib  </a:t>
+            </a:r>
+            <a:r>
+              <a:rPr lang="fr-FR" dirty="0" smtClean="0">
+                <a:latin typeface="+mj-lt"/>
+                <a:cs typeface="Cascadia Code" panose="020B0609020000020004" pitchFamily="49" charset="0"/>
+                <a:sym typeface="Wingdings" panose="05000000000000000000" pitchFamily="2" charset="2"/>
+              </a:rPr>
+              <a:t>main.exe</a:t>
+            </a:r>
+          </a:p>
+          <a:p>
+            <a:pPr lvl="1"/>
+            <a:r>
+              <a:rPr lang="fr-FR" dirty="0" smtClean="0">
+                <a:latin typeface="Cascadia Code" panose="020B0609020000020004" pitchFamily="49" charset="0"/>
+                <a:cs typeface="Cascadia Code" panose="020B0609020000020004" pitchFamily="49" charset="0"/>
+                <a:sym typeface="Wingdings" panose="05000000000000000000" pitchFamily="2" charset="2"/>
+              </a:rPr>
+              <a:t>(vous pouvez supprimer tous les fichiers </a:t>
+            </a:r>
+            <a:r>
+              <a:rPr lang="fr-FR" dirty="0" err="1" smtClean="0">
+                <a:latin typeface="Cascadia Code" panose="020B0609020000020004" pitchFamily="49" charset="0"/>
+                <a:cs typeface="Cascadia Code" panose="020B0609020000020004" pitchFamily="49" charset="0"/>
+                <a:sym typeface="Wingdings" panose="05000000000000000000" pitchFamily="2" charset="2"/>
+              </a:rPr>
+              <a:t>exp</a:t>
+            </a:r>
+            <a:r>
+              <a:rPr lang="fr-FR" dirty="0" smtClean="0">
+                <a:latin typeface="Cascadia Code" panose="020B0609020000020004" pitchFamily="49" charset="0"/>
+                <a:cs typeface="Cascadia Code" panose="020B0609020000020004" pitchFamily="49" charset="0"/>
+                <a:sym typeface="Wingdings" panose="05000000000000000000" pitchFamily="2" charset="2"/>
+              </a:rPr>
+              <a:t>, lib et </a:t>
+            </a:r>
+            <a:r>
+              <a:rPr lang="fr-FR" dirty="0" err="1" smtClean="0">
+                <a:latin typeface="Cascadia Code" panose="020B0609020000020004" pitchFamily="49" charset="0"/>
+                <a:cs typeface="Cascadia Code" panose="020B0609020000020004" pitchFamily="49" charset="0"/>
+                <a:sym typeface="Wingdings" panose="05000000000000000000" pitchFamily="2" charset="2"/>
+              </a:rPr>
+              <a:t>obj</a:t>
+            </a:r>
+            <a:r>
+              <a:rPr lang="fr-FR" dirty="0" smtClean="0">
+                <a:latin typeface="Cascadia Code" panose="020B0609020000020004" pitchFamily="49" charset="0"/>
+                <a:cs typeface="Cascadia Code" panose="020B0609020000020004" pitchFamily="49" charset="0"/>
+                <a:sym typeface="Wingdings" panose="05000000000000000000" pitchFamily="2" charset="2"/>
+              </a:rPr>
+              <a:t>)</a:t>
+            </a:r>
+          </a:p>
+          <a:p>
+            <a:pPr lvl="1"/>
+            <a:r>
+              <a:rPr lang="fr-FR" dirty="0" smtClean="0">
+                <a:latin typeface="Cascadia Code" panose="020B0609020000020004" pitchFamily="49" charset="0"/>
+                <a:cs typeface="Cascadia Code" panose="020B0609020000020004" pitchFamily="49" charset="0"/>
+                <a:sym typeface="Wingdings" panose="05000000000000000000" pitchFamily="2" charset="2"/>
+              </a:rPr>
+              <a:t>Lancer main.exe</a:t>
+            </a:r>
+            <a:endParaRPr lang="fr-FR" dirty="0" smtClean="0">
+              <a:latin typeface="Cascadia Code" panose="020B0609020000020004" pitchFamily="49" charset="0"/>
+              <a:cs typeface="Cascadia Code" panose="020B0609020000020004" pitchFamily="49" charset="0"/>
+              <a:sym typeface="Wingdings" panose="05000000000000000000" pitchFamily="2" charset="2"/>
+            </a:endParaRPr>
+          </a:p>
+          <a:p>
+            <a:endParaRPr lang="fr-FR" dirty="0" smtClean="0">
+              <a:sym typeface="Wingdings" panose="05000000000000000000" pitchFamily="2" charset="2"/>
+            </a:endParaRPr>
+          </a:p>
+        </p:txBody>
+      </p:sp>
+      <p:sp>
+        <p:nvSpPr>
+          <p:cNvPr id="2" name="ZoneTexte 1"/>
+          <p:cNvSpPr txBox="1"/>
+          <p:nvPr/>
+        </p:nvSpPr>
+        <p:spPr>
+          <a:xfrm>
+            <a:off x="982767" y="4907648"/>
+            <a:ext cx="6907660" cy="415498"/>
+          </a:xfrm>
+          <a:prstGeom prst="rect">
+            <a:avLst/>
+          </a:prstGeom>
+          <a:noFill/>
+        </p:spPr>
+        <p:txBody>
+          <a:bodyPr wrap="none" rtlCol="0">
+            <a:spAutoFit/>
+          </a:bodyPr>
+          <a:lstStyle/>
+          <a:p>
+            <a:r>
+              <a:rPr lang="fr-FR" sz="1050" dirty="0" smtClean="0"/>
+              <a:t>Note : pour gérer correctement les exceptions (</a:t>
+            </a:r>
+            <a:r>
+              <a:rPr lang="fr-FR" sz="1050" dirty="0" err="1" smtClean="0"/>
+              <a:t>try</a:t>
+            </a:r>
+            <a:r>
+              <a:rPr lang="fr-FR" sz="1050" dirty="0" smtClean="0"/>
+              <a:t> / catch), le compilateur a besoin de l’option /</a:t>
+            </a:r>
+            <a:r>
+              <a:rPr lang="fr-FR" sz="1050" dirty="0" err="1" smtClean="0"/>
+              <a:t>EHsc</a:t>
+            </a:r>
+            <a:r>
+              <a:rPr lang="fr-FR" sz="1050" dirty="0" smtClean="0"/>
+              <a:t/>
+            </a:r>
+            <a:br>
+              <a:rPr lang="fr-FR" sz="1050" dirty="0" smtClean="0"/>
+            </a:br>
+            <a:r>
+              <a:rPr lang="fr-FR" sz="1050" dirty="0" smtClean="0"/>
+              <a:t>voir ici pour </a:t>
+            </a:r>
+            <a:r>
+              <a:rPr lang="fr-FR" sz="1050" dirty="0"/>
+              <a:t>plus d’infos : </a:t>
+            </a:r>
+            <a:r>
+              <a:rPr lang="fr-FR" sz="1050" dirty="0">
+                <a:hlinkClick r:id="rId3"/>
+              </a:rPr>
+              <a:t>https://</a:t>
+            </a:r>
+            <a:r>
+              <a:rPr lang="fr-FR" sz="1050" dirty="0" smtClean="0">
+                <a:hlinkClick r:id="rId3"/>
+              </a:rPr>
+              <a:t>docs.microsoft.com/fr-fr/cpp/build/reference/eh-exception-handling-model?view=msvc-160</a:t>
+            </a:r>
+            <a:endParaRPr lang="fr-FR" sz="1050" dirty="0" smtClean="0"/>
+          </a:p>
+        </p:txBody>
+      </p:sp>
+    </p:spTree>
+    <p:extLst>
+      <p:ext uri="{BB962C8B-B14F-4D97-AF65-F5344CB8AC3E}">
+        <p14:creationId xmlns:p14="http://schemas.microsoft.com/office/powerpoint/2010/main" val="2679510539"/>
+      </p:ext>
+    </p:extLst>
+  </p:cSld>
+  <p:clrMapOvr>
+    <a:masterClrMapping/>
+  </p:clrMapOvr>
+  <p:timing>
+    <p:tnLst>
+      <p:par>
+        <p:cTn id="1" dur="indefinite" restart="never" nodeType="tmRoot"/>
+      </p:par>
+    </p:tnLst>
+  </p:timing>
+</p:sld>
+</file>
+
+<file path=ppt/slides/slide29.xml><?xml version="1.0" encoding="utf-8"?>
+<p:sld xmlns:a="http://schemas.openxmlformats.org/drawingml/2006/main" xmlns:r="http://schemas.openxmlformats.org/officeDocument/2006/relationships" xmlns:p="http://schemas.openxmlformats.org/presentationml/2006/main">
+  <p:cSld>
+    <p:spTree>
+      <p:nvGrpSpPr>
+        <p:cNvPr id="1" name=""/>
+        <p:cNvGrpSpPr/>
+        <p:nvPr/>
+      </p:nvGrpSpPr>
+      <p:grpSpPr>
+        <a:xfrm>
+          <a:off x="0" y="0"/>
+          <a:ext cx="0" cy="0"/>
+          <a:chOff x="0" y="0"/>
+          <a:chExt cx="0" cy="0"/>
+        </a:xfrm>
+      </p:grpSpPr>
+      <p:sp>
+        <p:nvSpPr>
+          <p:cNvPr id="2" name="Titre 1">
+            <a:extLst>
+              <a:ext uri="{FF2B5EF4-FFF2-40B4-BE49-F238E27FC236}">
+                <a16:creationId xmlns:a16="http://schemas.microsoft.com/office/drawing/2014/main" id="{C02C5318-1A1E-49D0-B2E2-A4B0FA9E8A40}"/>
+              </a:ext>
+            </a:extLst>
+          </p:cNvPr>
+          <p:cNvSpPr>
+            <a:spLocks noGrp="1"/>
+          </p:cNvSpPr>
+          <p:nvPr>
+            <p:ph type="ctrTitle"/>
+          </p:nvPr>
+        </p:nvSpPr>
+        <p:spPr>
+          <a:xfrm>
+            <a:off x="330791" y="4545068"/>
+            <a:ext cx="8245162" cy="671433"/>
+          </a:xfrm>
+        </p:spPr>
+        <p:txBody>
+          <a:bodyPr rtlCol="0">
+            <a:noAutofit/>
+          </a:bodyPr>
+          <a:lstStyle/>
+          <a:p>
+            <a:pPr algn="r" rtl="0"/>
+            <a:r>
+              <a:rPr lang="fr-FR" sz="3150" dirty="0" smtClean="0">
+                <a:solidFill>
+                  <a:schemeClr val="bg1"/>
+                </a:solidFill>
+              </a:rPr>
+              <a:t>Entêtes précompilées</a:t>
+            </a:r>
+            <a:endParaRPr lang="fr-FR" sz="3150" dirty="0">
+              <a:solidFill>
+                <a:schemeClr val="bg1"/>
+              </a:solidFill>
+            </a:endParaRPr>
+          </a:p>
+        </p:txBody>
+      </p:sp>
+      <p:sp>
+        <p:nvSpPr>
+          <p:cNvPr id="6" name="ZoneTexte 5"/>
+          <p:cNvSpPr txBox="1"/>
+          <p:nvPr/>
+        </p:nvSpPr>
+        <p:spPr>
+          <a:xfrm>
+            <a:off x="330791" y="588580"/>
+            <a:ext cx="3757733" cy="3631763"/>
+          </a:xfrm>
+          <a:prstGeom prst="rect">
+            <a:avLst/>
+          </a:prstGeom>
+          <a:noFill/>
+        </p:spPr>
+        <p:txBody>
+          <a:bodyPr wrap="square" rtlCol="0">
+            <a:spAutoFit/>
+          </a:bodyPr>
+          <a:lstStyle/>
+          <a:p>
+            <a:r>
+              <a:rPr lang="fr-FR" sz="11500" b="1" spc="50" dirty="0" smtClean="0">
+                <a:ln w="9525" cmpd="sng">
+                  <a:solidFill>
+                    <a:schemeClr val="accent1"/>
+                  </a:solidFill>
+                  <a:prstDash val="solid"/>
+                </a:ln>
+                <a:solidFill>
+                  <a:srgbClr val="70AD47">
+                    <a:tint val="1000"/>
+                  </a:srgbClr>
+                </a:solidFill>
+                <a:effectLst>
+                  <a:glow rad="38100">
+                    <a:schemeClr val="accent1">
+                      <a:alpha val="40000"/>
+                    </a:schemeClr>
+                  </a:glow>
+                </a:effectLst>
+              </a:rPr>
+              <a:t>03</a:t>
+            </a:r>
+          </a:p>
+          <a:p>
+            <a:endParaRPr lang="fr-FR" sz="11500" dirty="0">
+              <a:ln w="0"/>
+              <a:solidFill>
+                <a:schemeClr val="accent1"/>
+              </a:solidFill>
+              <a:effectLst>
+                <a:outerShdw blurRad="38100" dist="25400" dir="5400000" algn="ctr" rotWithShape="0">
+                  <a:srgbClr val="6E747A">
+                    <a:alpha val="43000"/>
+                  </a:srgbClr>
+                </a:outerShdw>
+              </a:effectLst>
+            </a:endParaRPr>
+          </a:p>
+        </p:txBody>
+      </p:sp>
+      <p:sp>
+        <p:nvSpPr>
+          <p:cNvPr id="3" name="Espace réservé du numéro de diapositive 2"/>
+          <p:cNvSpPr>
+            <a:spLocks noGrp="1"/>
+          </p:cNvSpPr>
+          <p:nvPr>
+            <p:ph type="sldNum" sz="quarter" idx="12"/>
+          </p:nvPr>
+        </p:nvSpPr>
+        <p:spPr/>
+        <p:txBody>
+          <a:bodyPr/>
+          <a:lstStyle/>
+          <a:p>
+            <a:pPr rtl="0"/>
+            <a:fld id="{D57F1E4F-1CFF-5643-939E-217C01CDF565}" type="slidenum">
+              <a:rPr lang="fr-FR" noProof="0" smtClean="0"/>
+              <a:pPr rtl="0"/>
+              <a:t>29</a:t>
+            </a:fld>
+            <a:endParaRPr lang="fr-FR" noProof="0"/>
+          </a:p>
+        </p:txBody>
+      </p:sp>
+    </p:spTree>
+    <p:extLst>
+      <p:ext uri="{BB962C8B-B14F-4D97-AF65-F5344CB8AC3E}">
+        <p14:creationId xmlns:p14="http://schemas.microsoft.com/office/powerpoint/2010/main" val="1179338591"/>
+      </p:ext>
+    </p:extLst>
+  </p:cSld>
+  <p:clrMapOvr>
+    <a:masterClrMapping/>
+  </p:clrMapOvr>
+  <p:timing>
+    <p:tnLst>
+      <p:par>
+        <p:cTn id="1" dur="indefinite" restart="never" nodeType="tmRoot"/>
+      </p:par>
+    </p:tnLst>
+  </p:timing>
+</p:sld>
+</file>
+
+<file path=ppt/slides/slide3.xml><?xml version="1.0" encoding="utf-8"?>
+<p:sld xmlns:a="http://schemas.openxmlformats.org/drawingml/2006/main" xmlns:r="http://schemas.openxmlformats.org/officeDocument/2006/relationships" xmlns:p="http://schemas.openxmlformats.org/presentationml/2006/main">
+  <p:cSld>
+    <p:spTree>
+      <p:nvGrpSpPr>
+        <p:cNvPr id="1" name=""/>
+        <p:cNvGrpSpPr/>
+        <p:nvPr/>
+      </p:nvGrpSpPr>
+      <p:grpSpPr>
+        <a:xfrm>
+          <a:off x="0" y="0"/>
+          <a:ext cx="0" cy="0"/>
+          <a:chOff x="0" y="0"/>
+          <a:chExt cx="0" cy="0"/>
+        </a:xfrm>
+      </p:grpSpPr>
+      <p:sp>
+        <p:nvSpPr>
+          <p:cNvPr id="2" name="Titre 1"/>
+          <p:cNvSpPr>
+            <a:spLocks noGrp="1"/>
+          </p:cNvSpPr>
+          <p:nvPr>
+            <p:ph type="title"/>
+          </p:nvPr>
+        </p:nvSpPr>
+        <p:spPr/>
+        <p:txBody>
+          <a:bodyPr/>
+          <a:lstStyle/>
+          <a:p>
+            <a:r>
+              <a:rPr lang="fr-FR" dirty="0" smtClean="0"/>
+              <a:t>Le C++</a:t>
+            </a:r>
+            <a:endParaRPr lang="fr-FR" dirty="0"/>
+          </a:p>
+        </p:txBody>
+      </p:sp>
+      <p:sp>
+        <p:nvSpPr>
+          <p:cNvPr id="3" name="Espace réservé du contenu 2"/>
+          <p:cNvSpPr>
+            <a:spLocks noGrp="1"/>
+          </p:cNvSpPr>
+          <p:nvPr>
+            <p:ph idx="1"/>
+          </p:nvPr>
+        </p:nvSpPr>
+        <p:spPr>
+          <a:xfrm>
+            <a:off x="836243" y="1673295"/>
+            <a:ext cx="5060355" cy="3257628"/>
+          </a:xfrm>
+        </p:spPr>
+        <p:txBody>
+          <a:bodyPr>
+            <a:normAutofit fontScale="92500" lnSpcReduction="20000"/>
+          </a:bodyPr>
+          <a:lstStyle/>
+          <a:p>
+            <a:r>
+              <a:rPr lang="fr-FR" sz="2400" dirty="0" smtClean="0"/>
+              <a:t>Langage de programmation compilé</a:t>
+            </a:r>
+            <a:endParaRPr lang="fr-FR" sz="2400" dirty="0"/>
+          </a:p>
+          <a:p>
+            <a:r>
+              <a:rPr lang="fr-FR" sz="2400" dirty="0" smtClean="0"/>
+              <a:t>Créé par Bjarne </a:t>
+            </a:r>
+            <a:r>
+              <a:rPr lang="fr-FR" sz="2400" dirty="0" err="1" smtClean="0"/>
+              <a:t>Stroustrup</a:t>
+            </a:r>
+            <a:r>
+              <a:rPr lang="fr-FR" sz="2400" dirty="0" smtClean="0"/>
+              <a:t> 80’</a:t>
+            </a:r>
+            <a:endParaRPr lang="fr-FR" sz="2400" dirty="0"/>
+          </a:p>
+          <a:p>
+            <a:r>
+              <a:rPr lang="fr-FR" sz="2400" dirty="0" smtClean="0"/>
+              <a:t>Standardisé ISO avec une communauté très active</a:t>
+            </a:r>
+            <a:endParaRPr lang="fr-FR" sz="2400" dirty="0"/>
+          </a:p>
+          <a:p>
+            <a:r>
+              <a:rPr lang="fr-FR" sz="2400" dirty="0" smtClean="0"/>
+              <a:t>Très utilisé pour les applications où la performance est importante</a:t>
+            </a:r>
+          </a:p>
+          <a:p>
+            <a:pPr lvl="1"/>
+            <a:r>
+              <a:rPr lang="fr-FR" sz="2250" dirty="0" smtClean="0"/>
+              <a:t>Systèmes d’exploitation </a:t>
+            </a:r>
+          </a:p>
+          <a:p>
+            <a:pPr lvl="1"/>
+            <a:r>
+              <a:rPr lang="fr-FR" sz="2250" dirty="0" smtClean="0"/>
+              <a:t>Calcul embarqué</a:t>
+            </a:r>
+          </a:p>
+          <a:p>
+            <a:pPr lvl="1"/>
+            <a:r>
+              <a:rPr lang="fr-FR" sz="2250" dirty="0" smtClean="0"/>
+              <a:t>Applications de simulation</a:t>
+            </a:r>
+          </a:p>
+        </p:txBody>
+      </p:sp>
+      <p:sp>
+        <p:nvSpPr>
+          <p:cNvPr id="4" name="Espace réservé du numéro de diapositive 3"/>
+          <p:cNvSpPr>
+            <a:spLocks noGrp="1"/>
+          </p:cNvSpPr>
+          <p:nvPr>
+            <p:ph type="sldNum" sz="quarter" idx="12"/>
+          </p:nvPr>
+        </p:nvSpPr>
+        <p:spPr/>
+        <p:txBody>
+          <a:bodyPr/>
+          <a:lstStyle/>
+          <a:p>
+            <a:pPr rtl="0"/>
+            <a:fld id="{D57F1E4F-1CFF-5643-939E-217C01CDF565}" type="slidenum">
+              <a:rPr lang="fr-FR" noProof="0" smtClean="0"/>
+              <a:pPr rtl="0"/>
+              <a:t>3</a:t>
+            </a:fld>
+            <a:endParaRPr lang="fr-FR" noProof="0" dirty="0"/>
+          </a:p>
+        </p:txBody>
+      </p:sp>
+      <p:pic>
+        <p:nvPicPr>
+          <p:cNvPr id="5" name="Image 4"/>
+          <p:cNvPicPr>
+            <a:picLocks noChangeAspect="1"/>
+          </p:cNvPicPr>
+          <p:nvPr/>
+        </p:nvPicPr>
+        <p:blipFill>
+          <a:blip r:embed="rId3">
+            <a:extLst>
+              <a:ext uri="{28A0092B-C50C-407E-A947-70E740481C1C}">
+                <a14:useLocalDpi xmlns:a14="http://schemas.microsoft.com/office/drawing/2010/main" val="0"/>
+              </a:ext>
+            </a:extLst>
+          </a:blip>
+          <a:stretch>
+            <a:fillRect/>
+          </a:stretch>
+        </p:blipFill>
+        <p:spPr>
+          <a:xfrm>
+            <a:off x="6263619" y="2209403"/>
+            <a:ext cx="1655106" cy="1655106"/>
+          </a:xfrm>
+          <a:prstGeom prst="rect">
+            <a:avLst/>
+          </a:prstGeom>
+        </p:spPr>
+      </p:pic>
+    </p:spTree>
+    <p:extLst>
+      <p:ext uri="{BB962C8B-B14F-4D97-AF65-F5344CB8AC3E}">
+        <p14:creationId xmlns:p14="http://schemas.microsoft.com/office/powerpoint/2010/main" val="796632217"/>
+      </p:ext>
+    </p:extLst>
+  </p:cSld>
+  <p:clrMapOvr>
+    <a:masterClrMapping/>
+  </p:clrMapOvr>
+  <p:timing>
+    <p:tnLst>
+      <p:par>
+        <p:cTn id="1" dur="indefinite" restart="never" nodeType="tmRoot"/>
+      </p:par>
+    </p:tnLst>
+  </p:timing>
+</p:sld>
+</file>
+
+<file path=ppt/slides/slide30.xml><?xml version="1.0" encoding="utf-8"?>
+<p:sld xmlns:a="http://schemas.openxmlformats.org/drawingml/2006/main" xmlns:r="http://schemas.openxmlformats.org/officeDocument/2006/relationships" xmlns:p="http://schemas.openxmlformats.org/presentationml/2006/main">
+  <p:cSld>
+    <p:spTree>
+      <p:nvGrpSpPr>
+        <p:cNvPr id="1" name=""/>
+        <p:cNvGrpSpPr/>
+        <p:nvPr/>
+      </p:nvGrpSpPr>
+      <p:grpSpPr>
+        <a:xfrm>
+          <a:off x="0" y="0"/>
+          <a:ext cx="0" cy="0"/>
+          <a:chOff x="0" y="0"/>
+          <a:chExt cx="0" cy="0"/>
+        </a:xfrm>
+      </p:grpSpPr>
+      <p:sp>
+        <p:nvSpPr>
+          <p:cNvPr id="2" name="Titre 1">
+            <a:extLst>
+              <a:ext uri="{FF2B5EF4-FFF2-40B4-BE49-F238E27FC236}">
+                <a16:creationId xmlns:a16="http://schemas.microsoft.com/office/drawing/2014/main" id="{C02C5318-1A1E-49D0-B2E2-A4B0FA9E8A40}"/>
+              </a:ext>
+            </a:extLst>
+          </p:cNvPr>
+          <p:cNvSpPr>
+            <a:spLocks noGrp="1"/>
+          </p:cNvSpPr>
+          <p:nvPr>
+            <p:ph type="ctrTitle"/>
+          </p:nvPr>
+        </p:nvSpPr>
+        <p:spPr>
+          <a:xfrm>
+            <a:off x="330791" y="4545068"/>
+            <a:ext cx="8245162" cy="671433"/>
+          </a:xfrm>
+        </p:spPr>
+        <p:txBody>
+          <a:bodyPr rtlCol="0">
+            <a:noAutofit/>
+          </a:bodyPr>
+          <a:lstStyle/>
+          <a:p>
+            <a:pPr algn="r" rtl="0"/>
+            <a:r>
+              <a:rPr lang="fr-FR" sz="3150" dirty="0" smtClean="0">
+                <a:solidFill>
+                  <a:schemeClr val="bg1"/>
+                </a:solidFill>
+              </a:rPr>
+              <a:t>LA STD : Les conteneurs et les algorithmes</a:t>
+            </a:r>
+            <a:endParaRPr lang="fr-FR" sz="3150" dirty="0">
+              <a:solidFill>
+                <a:schemeClr val="bg1"/>
+              </a:solidFill>
+            </a:endParaRPr>
+          </a:p>
+        </p:txBody>
+      </p:sp>
+      <p:sp>
+        <p:nvSpPr>
+          <p:cNvPr id="6" name="ZoneTexte 5"/>
+          <p:cNvSpPr txBox="1"/>
+          <p:nvPr/>
+        </p:nvSpPr>
+        <p:spPr>
+          <a:xfrm>
+            <a:off x="330791" y="588580"/>
+            <a:ext cx="3757733" cy="3631763"/>
+          </a:xfrm>
+          <a:prstGeom prst="rect">
+            <a:avLst/>
+          </a:prstGeom>
+          <a:noFill/>
+        </p:spPr>
+        <p:txBody>
+          <a:bodyPr wrap="square" rtlCol="0">
+            <a:spAutoFit/>
+          </a:bodyPr>
+          <a:lstStyle/>
+          <a:p>
+            <a:r>
+              <a:rPr lang="fr-FR" sz="11500" b="1" spc="50" dirty="0" smtClean="0">
+                <a:ln w="9525" cmpd="sng">
+                  <a:solidFill>
+                    <a:schemeClr val="accent1"/>
+                  </a:solidFill>
+                  <a:prstDash val="solid"/>
+                </a:ln>
+                <a:solidFill>
+                  <a:srgbClr val="70AD47">
+                    <a:tint val="1000"/>
+                  </a:srgbClr>
+                </a:solidFill>
+                <a:effectLst>
+                  <a:glow rad="38100">
+                    <a:schemeClr val="accent1">
+                      <a:alpha val="40000"/>
+                    </a:schemeClr>
+                  </a:glow>
+                </a:effectLst>
+              </a:rPr>
+              <a:t>04</a:t>
+            </a:r>
+          </a:p>
+          <a:p>
+            <a:endParaRPr lang="fr-FR" sz="11500" dirty="0">
+              <a:ln w="0"/>
+              <a:solidFill>
+                <a:schemeClr val="accent1"/>
+              </a:solidFill>
+              <a:effectLst>
+                <a:outerShdw blurRad="38100" dist="25400" dir="5400000" algn="ctr" rotWithShape="0">
+                  <a:srgbClr val="6E747A">
+                    <a:alpha val="43000"/>
+                  </a:srgbClr>
+                </a:outerShdw>
+              </a:effectLst>
+            </a:endParaRPr>
+          </a:p>
+        </p:txBody>
+      </p:sp>
+      <p:sp>
+        <p:nvSpPr>
+          <p:cNvPr id="3" name="Espace réservé du numéro de diapositive 2"/>
+          <p:cNvSpPr>
+            <a:spLocks noGrp="1"/>
+          </p:cNvSpPr>
+          <p:nvPr>
+            <p:ph type="sldNum" sz="quarter" idx="12"/>
+          </p:nvPr>
+        </p:nvSpPr>
+        <p:spPr/>
+        <p:txBody>
+          <a:bodyPr/>
+          <a:lstStyle/>
+          <a:p>
+            <a:pPr rtl="0"/>
+            <a:fld id="{D57F1E4F-1CFF-5643-939E-217C01CDF565}" type="slidenum">
+              <a:rPr lang="fr-FR" noProof="0" smtClean="0"/>
+              <a:pPr rtl="0"/>
+              <a:t>30</a:t>
+            </a:fld>
+            <a:endParaRPr lang="fr-FR" noProof="0"/>
+          </a:p>
+        </p:txBody>
+      </p:sp>
+    </p:spTree>
+    <p:extLst>
+      <p:ext uri="{BB962C8B-B14F-4D97-AF65-F5344CB8AC3E}">
+        <p14:creationId xmlns:p14="http://schemas.microsoft.com/office/powerpoint/2010/main" val="2018679570"/>
+      </p:ext>
+    </p:extLst>
+  </p:cSld>
+  <p:clrMapOvr>
+    <a:masterClrMapping/>
+  </p:clrMapOvr>
+  <p:timing>
+    <p:tnLst>
+      <p:par>
+        <p:cTn id="1" dur="indefinite" restart="never" nodeType="tmRoot"/>
+      </p:par>
+    </p:tnLst>
+  </p:timing>
+</p:sld>
+</file>
+
+<file path=ppt/slides/slide31.xml><?xml version="1.0" encoding="utf-8"?>
+<p:sld xmlns:a="http://schemas.openxmlformats.org/drawingml/2006/main" xmlns:r="http://schemas.openxmlformats.org/officeDocument/2006/relationships" xmlns:p="http://schemas.openxmlformats.org/presentationml/2006/main">
+  <p:cSld>
+    <p:spTree>
+      <p:nvGrpSpPr>
+        <p:cNvPr id="1" name=""/>
+        <p:cNvGrpSpPr/>
+        <p:nvPr/>
+      </p:nvGrpSpPr>
+      <p:grpSpPr>
+        <a:xfrm>
+          <a:off x="0" y="0"/>
+          <a:ext cx="0" cy="0"/>
+          <a:chOff x="0" y="0"/>
+          <a:chExt cx="0" cy="0"/>
+        </a:xfrm>
+      </p:grpSpPr>
+      <p:sp>
+        <p:nvSpPr>
+          <p:cNvPr id="2" name="Titre 1">
+            <a:extLst>
+              <a:ext uri="{FF2B5EF4-FFF2-40B4-BE49-F238E27FC236}">
+                <a16:creationId xmlns:a16="http://schemas.microsoft.com/office/drawing/2014/main" id="{C02C5318-1A1E-49D0-B2E2-A4B0FA9E8A40}"/>
+              </a:ext>
+            </a:extLst>
+          </p:cNvPr>
+          <p:cNvSpPr>
+            <a:spLocks noGrp="1"/>
+          </p:cNvSpPr>
+          <p:nvPr>
+            <p:ph type="ctrTitle"/>
+          </p:nvPr>
+        </p:nvSpPr>
+        <p:spPr>
+          <a:xfrm>
+            <a:off x="330791" y="4545068"/>
+            <a:ext cx="8245162" cy="671433"/>
+          </a:xfrm>
+        </p:spPr>
+        <p:txBody>
+          <a:bodyPr rtlCol="0">
+            <a:noAutofit/>
+          </a:bodyPr>
+          <a:lstStyle/>
+          <a:p>
+            <a:pPr algn="r" rtl="0"/>
+            <a:r>
+              <a:rPr lang="fr-FR" sz="3150" dirty="0" smtClean="0">
+                <a:solidFill>
+                  <a:schemeClr val="bg1"/>
+                </a:solidFill>
+              </a:rPr>
+              <a:t>Options de compilation</a:t>
+            </a:r>
+            <a:endParaRPr lang="fr-FR" sz="3150" dirty="0">
+              <a:solidFill>
+                <a:schemeClr val="bg1"/>
+              </a:solidFill>
+            </a:endParaRPr>
+          </a:p>
+        </p:txBody>
+      </p:sp>
+      <p:sp>
+        <p:nvSpPr>
+          <p:cNvPr id="6" name="ZoneTexte 5"/>
+          <p:cNvSpPr txBox="1"/>
+          <p:nvPr/>
+        </p:nvSpPr>
+        <p:spPr>
+          <a:xfrm>
+            <a:off x="330791" y="588580"/>
+            <a:ext cx="3757733" cy="3631763"/>
+          </a:xfrm>
+          <a:prstGeom prst="rect">
+            <a:avLst/>
+          </a:prstGeom>
+          <a:noFill/>
+        </p:spPr>
+        <p:txBody>
+          <a:bodyPr wrap="square" rtlCol="0">
+            <a:spAutoFit/>
+          </a:bodyPr>
+          <a:lstStyle/>
+          <a:p>
+            <a:r>
+              <a:rPr lang="fr-FR" sz="11500" b="1" spc="50" dirty="0" smtClean="0">
+                <a:ln w="9525" cmpd="sng">
+                  <a:solidFill>
+                    <a:schemeClr val="accent1"/>
+                  </a:solidFill>
+                  <a:prstDash val="solid"/>
+                </a:ln>
+                <a:solidFill>
+                  <a:srgbClr val="70AD47">
+                    <a:tint val="1000"/>
+                  </a:srgbClr>
+                </a:solidFill>
+                <a:effectLst>
+                  <a:glow rad="38100">
+                    <a:schemeClr val="accent1">
+                      <a:alpha val="40000"/>
+                    </a:schemeClr>
+                  </a:glow>
+                </a:effectLst>
+              </a:rPr>
+              <a:t>05</a:t>
+            </a:r>
+          </a:p>
+          <a:p>
+            <a:endParaRPr lang="fr-FR" sz="11500" dirty="0">
+              <a:ln w="0"/>
+              <a:solidFill>
+                <a:schemeClr val="accent1"/>
+              </a:solidFill>
+              <a:effectLst>
+                <a:outerShdw blurRad="38100" dist="25400" dir="5400000" algn="ctr" rotWithShape="0">
+                  <a:srgbClr val="6E747A">
+                    <a:alpha val="43000"/>
+                  </a:srgbClr>
+                </a:outerShdw>
+              </a:effectLst>
+            </a:endParaRPr>
+          </a:p>
+        </p:txBody>
+      </p:sp>
+      <p:sp>
+        <p:nvSpPr>
+          <p:cNvPr id="3" name="Espace réservé du numéro de diapositive 2"/>
+          <p:cNvSpPr>
+            <a:spLocks noGrp="1"/>
+          </p:cNvSpPr>
+          <p:nvPr>
+            <p:ph type="sldNum" sz="quarter" idx="12"/>
+          </p:nvPr>
+        </p:nvSpPr>
+        <p:spPr/>
+        <p:txBody>
+          <a:bodyPr/>
+          <a:lstStyle/>
+          <a:p>
+            <a:pPr rtl="0"/>
+            <a:fld id="{D57F1E4F-1CFF-5643-939E-217C01CDF565}" type="slidenum">
+              <a:rPr lang="fr-FR" noProof="0" smtClean="0"/>
+              <a:pPr rtl="0"/>
+              <a:t>31</a:t>
+            </a:fld>
+            <a:endParaRPr lang="fr-FR" noProof="0"/>
+          </a:p>
+        </p:txBody>
+      </p:sp>
+    </p:spTree>
+    <p:extLst>
+      <p:ext uri="{BB962C8B-B14F-4D97-AF65-F5344CB8AC3E}">
+        <p14:creationId xmlns:p14="http://schemas.microsoft.com/office/powerpoint/2010/main" val="1309852808"/>
+      </p:ext>
+    </p:extLst>
+  </p:cSld>
+  <p:clrMapOvr>
+    <a:masterClrMapping/>
+  </p:clrMapOvr>
+  <p:timing>
+    <p:tnLst>
+      <p:par>
+        <p:cTn id="1" dur="indefinite" restart="never" nodeType="tmRoot"/>
+      </p:par>
+    </p:tnLst>
+  </p:timing>
+</p:sld>
+</file>
+
+<file path=ppt/slides/slide32.xml><?xml version="1.0" encoding="utf-8"?>
+<p:sld xmlns:a="http://schemas.openxmlformats.org/drawingml/2006/main" xmlns:r="http://schemas.openxmlformats.org/officeDocument/2006/relationships" xmlns:p="http://schemas.openxmlformats.org/presentationml/2006/main">
+  <p:cSld>
+    <p:spTree>
+      <p:nvGrpSpPr>
+        <p:cNvPr id="1" name=""/>
+        <p:cNvGrpSpPr/>
+        <p:nvPr/>
+      </p:nvGrpSpPr>
+      <p:grpSpPr>
+        <a:xfrm>
+          <a:off x="0" y="0"/>
+          <a:ext cx="0" cy="0"/>
+          <a:chOff x="0" y="0"/>
+          <a:chExt cx="0" cy="0"/>
+        </a:xfrm>
+      </p:grpSpPr>
+      <p:sp>
+        <p:nvSpPr>
+          <p:cNvPr id="2" name="Titre 1">
+            <a:extLst>
+              <a:ext uri="{FF2B5EF4-FFF2-40B4-BE49-F238E27FC236}">
+                <a16:creationId xmlns:a16="http://schemas.microsoft.com/office/drawing/2014/main" id="{C02C5318-1A1E-49D0-B2E2-A4B0FA9E8A40}"/>
+              </a:ext>
+            </a:extLst>
+          </p:cNvPr>
+          <p:cNvSpPr>
+            <a:spLocks noGrp="1"/>
+          </p:cNvSpPr>
+          <p:nvPr>
+            <p:ph type="ctrTitle"/>
+          </p:nvPr>
+        </p:nvSpPr>
+        <p:spPr>
+          <a:xfrm>
+            <a:off x="330791" y="4545068"/>
+            <a:ext cx="8245162" cy="671433"/>
+          </a:xfrm>
+        </p:spPr>
+        <p:txBody>
+          <a:bodyPr rtlCol="0">
+            <a:noAutofit/>
+          </a:bodyPr>
+          <a:lstStyle/>
+          <a:p>
+            <a:pPr algn="r" rtl="0"/>
+            <a:r>
+              <a:rPr lang="fr-FR" sz="3150" dirty="0" smtClean="0">
+                <a:solidFill>
+                  <a:schemeClr val="bg1"/>
+                </a:solidFill>
+              </a:rPr>
+              <a:t>Erreurs et exceptions</a:t>
+            </a:r>
+            <a:endParaRPr lang="fr-FR" sz="3150" dirty="0">
+              <a:solidFill>
+                <a:schemeClr val="bg1"/>
+              </a:solidFill>
+            </a:endParaRPr>
+          </a:p>
+        </p:txBody>
+      </p:sp>
+      <p:sp>
+        <p:nvSpPr>
+          <p:cNvPr id="6" name="ZoneTexte 5"/>
+          <p:cNvSpPr txBox="1"/>
+          <p:nvPr/>
+        </p:nvSpPr>
+        <p:spPr>
+          <a:xfrm>
+            <a:off x="330791" y="588580"/>
+            <a:ext cx="3757733" cy="3631763"/>
+          </a:xfrm>
+          <a:prstGeom prst="rect">
+            <a:avLst/>
+          </a:prstGeom>
+          <a:noFill/>
+        </p:spPr>
+        <p:txBody>
+          <a:bodyPr wrap="square" rtlCol="0">
+            <a:spAutoFit/>
+          </a:bodyPr>
+          <a:lstStyle/>
+          <a:p>
+            <a:r>
+              <a:rPr lang="fr-FR" sz="11500" b="1" spc="50" dirty="0" smtClean="0">
+                <a:ln w="9525" cmpd="sng">
+                  <a:solidFill>
+                    <a:schemeClr val="accent1"/>
+                  </a:solidFill>
+                  <a:prstDash val="solid"/>
+                </a:ln>
+                <a:solidFill>
+                  <a:srgbClr val="70AD47">
+                    <a:tint val="1000"/>
+                  </a:srgbClr>
+                </a:solidFill>
+                <a:effectLst>
+                  <a:glow rad="38100">
+                    <a:schemeClr val="accent1">
+                      <a:alpha val="40000"/>
+                    </a:schemeClr>
+                  </a:glow>
+                </a:effectLst>
+              </a:rPr>
+              <a:t>05</a:t>
+            </a:r>
+          </a:p>
+          <a:p>
+            <a:endParaRPr lang="fr-FR" sz="11500" dirty="0">
+              <a:ln w="0"/>
+              <a:solidFill>
+                <a:schemeClr val="accent1"/>
+              </a:solidFill>
+              <a:effectLst>
+                <a:outerShdw blurRad="38100" dist="25400" dir="5400000" algn="ctr" rotWithShape="0">
+                  <a:srgbClr val="6E747A">
+                    <a:alpha val="43000"/>
+                  </a:srgbClr>
+                </a:outerShdw>
+              </a:effectLst>
+            </a:endParaRPr>
+          </a:p>
+        </p:txBody>
+      </p:sp>
+      <p:sp>
+        <p:nvSpPr>
+          <p:cNvPr id="3" name="Espace réservé du numéro de diapositive 2"/>
+          <p:cNvSpPr>
+            <a:spLocks noGrp="1"/>
+          </p:cNvSpPr>
+          <p:nvPr>
+            <p:ph type="sldNum" sz="quarter" idx="12"/>
+          </p:nvPr>
+        </p:nvSpPr>
+        <p:spPr/>
+        <p:txBody>
+          <a:bodyPr/>
+          <a:lstStyle/>
+          <a:p>
+            <a:pPr rtl="0"/>
+            <a:fld id="{D57F1E4F-1CFF-5643-939E-217C01CDF565}" type="slidenum">
+              <a:rPr lang="fr-FR" noProof="0" smtClean="0"/>
+              <a:pPr rtl="0"/>
+              <a:t>32</a:t>
+            </a:fld>
+            <a:endParaRPr lang="fr-FR" noProof="0"/>
+          </a:p>
+        </p:txBody>
+      </p:sp>
+    </p:spTree>
+    <p:extLst>
+      <p:ext uri="{BB962C8B-B14F-4D97-AF65-F5344CB8AC3E}">
+        <p14:creationId xmlns:p14="http://schemas.microsoft.com/office/powerpoint/2010/main" val="321896547"/>
+      </p:ext>
+    </p:extLst>
+  </p:cSld>
+  <p:clrMapOvr>
+    <a:masterClrMapping/>
+  </p:clrMapOvr>
+  <p:timing>
+    <p:tnLst>
+      <p:par>
+        <p:cTn id="1" dur="indefinite" restart="never" nodeType="tmRoot"/>
+      </p:par>
+    </p:tnLst>
+  </p:timing>
+</p:sld>
+</file>
+
+<file path=ppt/slides/slide33.xml><?xml version="1.0" encoding="utf-8"?>
+<p:sld xmlns:a="http://schemas.openxmlformats.org/drawingml/2006/main" xmlns:r="http://schemas.openxmlformats.org/officeDocument/2006/relationships" xmlns:p="http://schemas.openxmlformats.org/presentationml/2006/main">
+  <p:cSld>
+    <p:spTree>
+      <p:nvGrpSpPr>
+        <p:cNvPr id="1" name=""/>
+        <p:cNvGrpSpPr/>
+        <p:nvPr/>
+      </p:nvGrpSpPr>
+      <p:grpSpPr>
+        <a:xfrm>
+          <a:off x="0" y="0"/>
+          <a:ext cx="0" cy="0"/>
+          <a:chOff x="0" y="0"/>
+          <a:chExt cx="0" cy="0"/>
+        </a:xfrm>
+      </p:grpSpPr>
+      <p:sp>
+        <p:nvSpPr>
           <p:cNvPr id="2" name="Titre 1"/>
           <p:cNvSpPr>
             <a:spLocks noGrp="1"/>
@@ -14067,7 +17394,7 @@
         </p:spPr>
         <p:txBody>
           <a:bodyPr>
-            <a:normAutofit/>
+            <a:normAutofit fontScale="77500" lnSpcReduction="20000"/>
           </a:bodyPr>
           <a:lstStyle/>
           <a:p>
@@ -14083,53 +17410,92 @@
               <a:rPr lang="fr-FR" sz="2400" dirty="0" smtClean="0"/>
             </a:br>
             <a:r>
-              <a:rPr lang="fr-FR" sz="2400" dirty="0" smtClean="0"/>
+              <a:rPr lang="fr-FR" sz="2400" dirty="0" smtClean="0">
+                <a:hlinkClick r:id="rId3"/>
+              </a:rPr>
               <a:t>https</a:t>
             </a:r>
-            <a:r>
-              <a:rPr lang="fr-FR" sz="2400" dirty="0"/>
-              <a:t>://fr.wikipedia.org/wiki/C%2B%2B</a:t>
-            </a:r>
-          </a:p>
-          <a:p>
-            <a:r>
-              <a:rPr lang="fr-FR" sz="2400" dirty="0"/>
-              <a:t>Pourquoi </a:t>
-            </a:r>
-            <a:r>
-              <a:rPr lang="fr-FR" sz="2400" dirty="0" smtClean="0"/>
-              <a:t>suis-je </a:t>
-            </a:r>
-            <a:r>
-              <a:rPr lang="fr-FR" sz="2400" dirty="0"/>
-              <a:t>là ?</a:t>
-            </a:r>
-          </a:p>
-          <a:p>
-            <a:r>
-              <a:rPr lang="fr-FR" sz="2400" dirty="0"/>
-              <a:t>Qui êtes-vous ?</a:t>
-            </a:r>
-          </a:p>
-          <a:p>
             <a:r>
               <a:rPr lang="fr-FR" sz="2400" dirty="0">
                 <a:hlinkClick r:id="rId3"/>
               </a:rPr>
-              <a:t>Pourquoi </a:t>
+              <a:t>://</a:t>
             </a:r>
             <a:r>
               <a:rPr lang="fr-FR" sz="2400" dirty="0" smtClean="0">
                 <a:hlinkClick r:id="rId3"/>
               </a:rPr>
-              <a:t>êtes-vous </a:t>
+              <a:t>fr.wikipedia.org/wiki/C%2B%2B</a:t>
+            </a:r>
+            <a:r>
+              <a:rPr lang="fr-FR" sz="2400" dirty="0"/>
+              <a:t/>
+            </a:r>
+            <a:br>
+              <a:rPr lang="fr-FR" sz="2400" dirty="0"/>
+            </a:br>
+            <a:endParaRPr lang="fr-FR" sz="2400" dirty="0" smtClean="0"/>
+          </a:p>
+          <a:p>
+            <a:r>
+              <a:rPr lang="fr-FR" sz="2400" dirty="0" err="1" smtClean="0">
+                <a:hlinkClick r:id="rId4"/>
+              </a:rPr>
+              <a:t>Toolchain</a:t>
+            </a:r>
+            <a:r>
+              <a:rPr lang="fr-FR" sz="2400" dirty="0" smtClean="0">
+                <a:hlinkClick r:id="rId4"/>
+              </a:rPr>
+              <a:t> : https</a:t>
             </a:r>
             <a:r>
               <a:rPr lang="fr-FR" sz="2400" dirty="0">
-                <a:hlinkClick r:id="rId3"/>
-              </a:rPr>
-              <a:t>là ? </a:t>
-            </a:r>
+                <a:hlinkClick r:id="rId4"/>
+              </a:rPr>
+              <a:t>://</a:t>
+            </a:r>
+            <a:r>
+              <a:rPr lang="fr-FR" sz="2400" dirty="0" smtClean="0">
+                <a:hlinkClick r:id="rId4"/>
+              </a:rPr>
+              <a:t>www.cprogramming.com/tutorial/shared-libraries-linux-gcc.html</a:t>
+            </a:r>
+            <a:r>
+              <a:rPr lang="fr-FR" sz="2400" dirty="0"/>
+              <a:t/>
+            </a:r>
+            <a:br>
+              <a:rPr lang="fr-FR" sz="2400" dirty="0"/>
+            </a:br>
+            <a:r>
+              <a:rPr lang="fr-FR" sz="2400" dirty="0">
+                <a:hlinkClick r:id="rId5"/>
+              </a:rPr>
+              <a:t>https://</a:t>
+            </a:r>
+            <a:r>
+              <a:rPr lang="fr-FR" sz="2400" dirty="0" smtClean="0">
+                <a:hlinkClick r:id="rId5"/>
+              </a:rPr>
+              <a:t>imagecomputing.net/damien.rohmer/data/previous_website/documents/teaching/14_0fall_cpe/3eti_software_development_c/cours/cours4.pdf</a:t>
+            </a:r>
+            <a:r>
+              <a:rPr lang="fr-FR" sz="2400" dirty="0" smtClean="0"/>
+              <a:t/>
+            </a:r>
+            <a:br>
+              <a:rPr lang="fr-FR" sz="2400" dirty="0" smtClean="0"/>
+            </a:br>
+            <a:endParaRPr lang="fr-FR" sz="2400" dirty="0" smtClean="0"/>
+          </a:p>
+          <a:p>
+            <a:r>
+              <a:rPr lang="fr-FR" sz="2400" dirty="0"/>
+              <a:t>https://docs.microsoft.com/fr-fr/cpp/build/walkthrough-compiling-a-native-cpp-program-on-the-command-line?view=msvc-160</a:t>
+            </a:r>
+          </a:p>
+          <a:p>
             <a:endParaRPr lang="fr-FR" sz="2400" dirty="0"/>
           </a:p>
         </p:txBody>
@@ -14153,7 +17519,7 @@
             <a:fld id="{D57F1E4F-1CFF-5643-939E-217C01CDF565}" type="slidenum">
               <a:rPr lang="fr-FR" noProof="0" smtClean="0"/>
               <a:pPr rtl="0"/>
-              <a:t>27</a:t>
+              <a:t>33</a:t>
             </a:fld>
             <a:endParaRPr lang="fr-FR" noProof="0" dirty="0"/>
           </a:p>
@@ -14179,7 +17545,7 @@
 </p:sld>
 </file>
 
-<file path=ppt/slides/slide28.xml><?xml version="1.0" encoding="utf-8"?>
+<file path=ppt/slides/slide34.xml><?xml version="1.0" encoding="utf-8"?>
 <p:sld xmlns:a="http://schemas.openxmlformats.org/drawingml/2006/main" xmlns:r="http://schemas.openxmlformats.org/officeDocument/2006/relationships" xmlns:p="http://schemas.openxmlformats.org/presentationml/2006/main">
   <p:cSld>
     <p:spTree>
@@ -14383,7 +17749,7 @@
             <a:fld id="{D57F1E4F-1CFF-5643-939E-217C01CDF565}" type="slidenum">
               <a:rPr lang="fr-FR" noProof="0" smtClean="0"/>
               <a:pPr rtl="0"/>
-              <a:t>28</a:t>
+              <a:t>34</a:t>
             </a:fld>
             <a:endParaRPr lang="fr-FR" noProof="0" dirty="0"/>
           </a:p>
@@ -14393,200 +17759,6 @@
     <p:extLst>
       <p:ext uri="{BB962C8B-B14F-4D97-AF65-F5344CB8AC3E}">
         <p14:creationId xmlns:p14="http://schemas.microsoft.com/office/powerpoint/2010/main" val="2265540439"/>
-      </p:ext>
-    </p:extLst>
-  </p:cSld>
-  <p:clrMapOvr>
-    <a:masterClrMapping/>
-  </p:clrMapOvr>
-  <p:timing>
-    <p:tnLst>
-      <p:par>
-        <p:cTn id="1" dur="indefinite" restart="never" nodeType="tmRoot"/>
-      </p:par>
-    </p:tnLst>
-  </p:timing>
-</p:sld>
-</file>
-
-<file path=ppt/slides/slide3.xml><?xml version="1.0" encoding="utf-8"?>
-<p:sld xmlns:a="http://schemas.openxmlformats.org/drawingml/2006/main" xmlns:r="http://schemas.openxmlformats.org/officeDocument/2006/relationships" xmlns:p="http://schemas.openxmlformats.org/presentationml/2006/main">
-  <p:cSld>
-    <p:spTree>
-      <p:nvGrpSpPr>
-        <p:cNvPr id="1" name=""/>
-        <p:cNvGrpSpPr/>
-        <p:nvPr/>
-      </p:nvGrpSpPr>
-      <p:grpSpPr>
-        <a:xfrm>
-          <a:off x="0" y="0"/>
-          <a:ext cx="0" cy="0"/>
-          <a:chOff x="0" y="0"/>
-          <a:chExt cx="0" cy="0"/>
-        </a:xfrm>
-      </p:grpSpPr>
-      <p:sp>
-        <p:nvSpPr>
-          <p:cNvPr id="2" name="Titre 1"/>
-          <p:cNvSpPr>
-            <a:spLocks noGrp="1"/>
-          </p:cNvSpPr>
-          <p:nvPr>
-            <p:ph type="title"/>
-          </p:nvPr>
-        </p:nvSpPr>
-        <p:spPr/>
-        <p:txBody>
-          <a:bodyPr/>
-          <a:lstStyle/>
-          <a:p>
-            <a:r>
-              <a:rPr lang="fr-FR" dirty="0" smtClean="0"/>
-              <a:t>Le C++</a:t>
-            </a:r>
-            <a:endParaRPr lang="fr-FR" dirty="0"/>
-          </a:p>
-        </p:txBody>
-      </p:sp>
-      <p:sp>
-        <p:nvSpPr>
-          <p:cNvPr id="3" name="Espace réservé du contenu 2"/>
-          <p:cNvSpPr>
-            <a:spLocks noGrp="1"/>
-          </p:cNvSpPr>
-          <p:nvPr>
-            <p:ph idx="1"/>
-          </p:nvPr>
-        </p:nvSpPr>
-        <p:spPr>
-          <a:xfrm>
-            <a:off x="836243" y="1673295"/>
-            <a:ext cx="5060355" cy="3257628"/>
-          </a:xfrm>
-        </p:spPr>
-        <p:txBody>
-          <a:bodyPr>
-            <a:normAutofit fontScale="92500" lnSpcReduction="20000"/>
-          </a:bodyPr>
-          <a:lstStyle/>
-          <a:p>
-            <a:r>
-              <a:rPr lang="fr-FR" sz="2400" dirty="0" smtClean="0"/>
-              <a:t>Langage de programmation compilé</a:t>
-            </a:r>
-            <a:endParaRPr lang="fr-FR" sz="2400" dirty="0"/>
-          </a:p>
-          <a:p>
-            <a:r>
-              <a:rPr lang="fr-FR" sz="2400" dirty="0" smtClean="0"/>
-              <a:t>Créé par Bjarne </a:t>
-            </a:r>
-            <a:r>
-              <a:rPr lang="fr-FR" sz="2400" dirty="0" err="1" smtClean="0"/>
-              <a:t>Stroustrup</a:t>
-            </a:r>
-            <a:r>
-              <a:rPr lang="fr-FR" sz="2400" dirty="0" smtClean="0"/>
-              <a:t> 80’</a:t>
-            </a:r>
-            <a:endParaRPr lang="fr-FR" sz="2400" dirty="0"/>
-          </a:p>
-          <a:p>
-            <a:r>
-              <a:rPr lang="fr-FR" sz="2400" dirty="0" smtClean="0"/>
-              <a:t>Standardisé ISO avec une communauté très active</a:t>
-            </a:r>
-            <a:endParaRPr lang="fr-FR" sz="2400" dirty="0"/>
-          </a:p>
-          <a:p>
-            <a:r>
-              <a:rPr lang="fr-FR" sz="2400" dirty="0" smtClean="0"/>
-              <a:t>Très utilisé pour les applications où la performance est importante</a:t>
-            </a:r>
-          </a:p>
-          <a:p>
-            <a:pPr lvl="1"/>
-            <a:r>
-              <a:rPr lang="fr-FR" sz="2250" dirty="0" smtClean="0"/>
-              <a:t>Systèmes d’exploitation </a:t>
-            </a:r>
-          </a:p>
-          <a:p>
-            <a:pPr lvl="1"/>
-            <a:r>
-              <a:rPr lang="fr-FR" sz="2250" dirty="0" smtClean="0"/>
-              <a:t>Calcul embarqué</a:t>
-            </a:r>
-          </a:p>
-          <a:p>
-            <a:pPr lvl="1"/>
-            <a:r>
-              <a:rPr lang="fr-FR" sz="2250" dirty="0" smtClean="0"/>
-              <a:t>Applications de simulation</a:t>
-            </a:r>
-          </a:p>
-        </p:txBody>
-      </p:sp>
-      <p:sp>
-        <p:nvSpPr>
-          <p:cNvPr id="4" name="Espace réservé du numéro de diapositive 3"/>
-          <p:cNvSpPr>
-            <a:spLocks noGrp="1"/>
-          </p:cNvSpPr>
-          <p:nvPr>
-            <p:ph type="sldNum" sz="quarter" idx="12"/>
-          </p:nvPr>
-        </p:nvSpPr>
-        <p:spPr/>
-        <p:txBody>
-          <a:bodyPr/>
-          <a:lstStyle/>
-          <a:p>
-            <a:pPr rtl="0"/>
-            <a:fld id="{D57F1E4F-1CFF-5643-939E-217C01CDF565}" type="slidenum">
-              <a:rPr lang="fr-FR" noProof="0" smtClean="0"/>
-              <a:pPr rtl="0"/>
-              <a:t>3</a:t>
-            </a:fld>
-            <a:endParaRPr lang="fr-FR" noProof="0" dirty="0"/>
-          </a:p>
-        </p:txBody>
-      </p:sp>
-      <p:pic>
-        <p:nvPicPr>
-          <p:cNvPr id="5" name="Image 4"/>
-          <p:cNvPicPr>
-            <a:picLocks noChangeAspect="1"/>
-          </p:cNvPicPr>
-          <p:nvPr/>
-        </p:nvPicPr>
-        <p:blipFill>
-          <a:blip r:embed="rId3">
-            <a:extLst>
-              <a:ext uri="{28A0092B-C50C-407E-A947-70E740481C1C}">
-                <a14:useLocalDpi xmlns:a14="http://schemas.microsoft.com/office/drawing/2010/main" val="0"/>
-              </a:ext>
-            </a:extLst>
-          </a:blip>
-          <a:stretch>
-            <a:fillRect/>
-          </a:stretch>
-        </p:blipFill>
-        <p:spPr>
-          <a:xfrm>
-            <a:off x="6263619" y="2209403"/>
-            <a:ext cx="1655106" cy="1655106"/>
-          </a:xfrm>
-          <a:prstGeom prst="rect">
-            <a:avLst/>
-          </a:prstGeom>
-        </p:spPr>
-      </p:pic>
-    </p:spTree>
-    <p:extLst>
-      <p:ext uri="{BB962C8B-B14F-4D97-AF65-F5344CB8AC3E}">
-        <p14:creationId xmlns:p14="http://schemas.microsoft.com/office/powerpoint/2010/main" val="796632217"/>
       </p:ext>
     </p:extLst>
   </p:cSld>
@@ -15369,15 +18541,7 @@
                   <a:srgbClr val="FF0000"/>
                 </a:solidFill>
               </a:rPr>
-              <a:t>Les règles de </a:t>
-            </a:r>
-            <a:r>
-              <a:rPr lang="fr-FR" sz="2000" dirty="0" smtClean="0">
-                <a:solidFill>
-                  <a:srgbClr val="FF0000"/>
-                </a:solidFill>
-              </a:rPr>
-              <a:t>capture</a:t>
+              <a:t>Les règles de capture</a:t>
             </a:r>
             <a:endParaRPr lang="fr-FR" sz="1200" dirty="0" smtClean="0"/>
           </a:p>
@@ -15477,17 +18641,7 @@
                   </a:schemeClr>
                 </a:solidFill>
               </a:rPr>
-              <a:t>Les </a:t>
-            </a:r>
-            <a:r>
-              <a:rPr lang="fr-FR" sz="2000" dirty="0" smtClean="0">
-                <a:solidFill>
-                  <a:schemeClr val="accent2">
-                    <a:lumMod val="75000"/>
-                  </a:schemeClr>
-                </a:solidFill>
-              </a:rPr>
-              <a:t>arguments</a:t>
+              <a:t>Les arguments</a:t>
             </a:r>
           </a:p>
           <a:p>
@@ -15514,7 +18668,6 @@
               <a:rPr lang="fr-FR" sz="1600" dirty="0" smtClean="0"/>
               <a:t>Dispensable si aucun argument</a:t>
             </a:r>
-            <a:endParaRPr lang="fr-FR" sz="1600" dirty="0" smtClean="0"/>
           </a:p>
         </p:txBody>
       </p:sp>
@@ -15545,19 +18698,7 @@
             </a:pPr>
             <a:r>
               <a:rPr lang="fr-FR" sz="2000" dirty="0" smtClean="0"/>
-              <a:t>Le corps </a:t>
-            </a:r>
-            <a:r>
-              <a:rPr lang="fr-FR" sz="2000" dirty="0" smtClean="0"/>
-              <a:t>de </a:t>
-            </a:r>
-            <a:r>
-              <a:rPr lang="fr-FR" sz="2000" dirty="0" smtClean="0"/>
-              <a:t>la </a:t>
-            </a:r>
-            <a:r>
-              <a:rPr lang="fr-FR" sz="2000" dirty="0" smtClean="0"/>
-              <a:t>fonction</a:t>
+              <a:t>Le corps de la fonction</a:t>
             </a:r>
           </a:p>
           <a:p>
@@ -19165,6 +22306,14 @@
 </file>
 
 <file path=customXml/item2.xml><?xml version="1.0" encoding="utf-8"?>
+<p:properties xmlns:p="http://schemas.microsoft.com/office/2006/metadata/properties" xmlns:xsi="http://www.w3.org/2001/XMLSchema-instance" xmlns:pc="http://schemas.microsoft.com/office/infopath/2007/PartnerControls">
+  <documentManagement>
+    <MediaServiceKeyPoints xmlns="71af3243-3dd4-4a8d-8c0d-dd76da1f02a5" xsi:nil="true"/>
+  </documentManagement>
+</p:properties>
+</file>
+
+<file path=customXml/item3.xml><?xml version="1.0" encoding="utf-8"?>
 <ct:contentTypeSchema xmlns:ct="http://schemas.microsoft.com/office/2006/metadata/contentType" xmlns:ma="http://schemas.microsoft.com/office/2006/metadata/properties/metaAttributes" ct:_="" ma:_="" ma:contentTypeName="Document" ma:contentTypeID="0x01010079F111ED35F8CC479449609E8A0923A6" ma:contentTypeVersion="11" ma:contentTypeDescription="Create a new document." ma:contentTypeScope="" ma:versionID="9677210f24a1be23c92c90fd886aa0aa">
   <xsd:schema xmlns:xsd="http://www.w3.org/2001/XMLSchema" xmlns:xs="http://www.w3.org/2001/XMLSchema" xmlns:p="http://schemas.microsoft.com/office/2006/metadata/properties" xmlns:ns2="71af3243-3dd4-4a8d-8c0d-dd76da1f02a5" xmlns:ns3="16c05727-aa75-4e4a-9b5f-8a80a1165891" targetNamespace="http://schemas.microsoft.com/office/2006/metadata/properties" ma:root="true" ma:fieldsID="60e05723c5c1908df1a1a4ebf11d344e" ns2:_="" ns3:_="">
     <xsd:import namespace="71af3243-3dd4-4a8d-8c0d-dd76da1f02a5"/>
@@ -19375,14 +22524,6 @@
 </ct:contentTypeSchema>
 </file>
 
-<file path=customXml/item3.xml><?xml version="1.0" encoding="utf-8"?>
-<p:properties xmlns:p="http://schemas.microsoft.com/office/2006/metadata/properties" xmlns:xsi="http://www.w3.org/2001/XMLSchema-instance" xmlns:pc="http://schemas.microsoft.com/office/infopath/2007/PartnerControls">
-  <documentManagement>
-    <MediaServiceKeyPoints xmlns="71af3243-3dd4-4a8d-8c0d-dd76da1f02a5" xsi:nil="true"/>
-  </documentManagement>
-</p:properties>
-</file>
-
 <file path=customXml/itemProps1.xml><?xml version="1.0" encoding="utf-8"?>
 <ds:datastoreItem xmlns:ds="http://schemas.openxmlformats.org/officeDocument/2006/customXml" ds:itemID="{2B21BF1A-59D3-4E19-9B95-2FD4309AC3AF}">
   <ds:schemaRefs>
@@ -19392,6 +22533,23 @@
 </file>
 
 <file path=customXml/itemProps2.xml><?xml version="1.0" encoding="utf-8"?>
+<ds:datastoreItem xmlns:ds="http://schemas.openxmlformats.org/officeDocument/2006/customXml" ds:itemID="{F651EF32-6551-47EB-8BA9-22EF81F3DDAC}">
+  <ds:schemaRefs>
+    <ds:schemaRef ds:uri="http://purl.org/dc/elements/1.1/"/>
+    <ds:schemaRef ds:uri="http://schemas.microsoft.com/office/2006/documentManagement/types"/>
+    <ds:schemaRef ds:uri="http://schemas.microsoft.com/office/2006/metadata/properties"/>
+    <ds:schemaRef ds:uri="http://schemas.microsoft.com/office/infopath/2007/PartnerControls"/>
+    <ds:schemaRef ds:uri="http://www.w3.org/XML/1998/namespace"/>
+    <ds:schemaRef ds:uri="16c05727-aa75-4e4a-9b5f-8a80a1165891"/>
+    <ds:schemaRef ds:uri="http://schemas.openxmlformats.org/package/2006/metadata/core-properties"/>
+    <ds:schemaRef ds:uri="71af3243-3dd4-4a8d-8c0d-dd76da1f02a5"/>
+    <ds:schemaRef ds:uri="http://purl.org/dc/dcmitype/"/>
+    <ds:schemaRef ds:uri="http://purl.org/dc/terms/"/>
+  </ds:schemaRefs>
+</ds:datastoreItem>
+</file>
+
+<file path=customXml/itemProps3.xml><?xml version="1.0" encoding="utf-8"?>
 <ds:datastoreItem xmlns:ds="http://schemas.openxmlformats.org/officeDocument/2006/customXml" ds:itemID="{1EED214C-B51A-4B75-8B08-0E0DBD2305BE}">
   <ds:schemaRefs>
     <ds:schemaRef ds:uri="http://schemas.microsoft.com/office/2006/metadata/contentType"/>
@@ -19408,21 +22566,4 @@
     <ds:schemaRef ds:uri="http://schemas.microsoft.com/internal/obd"/>
   </ds:schemaRefs>
 </ds:datastoreItem>
-</file>
-
-<file path=customXml/itemProps3.xml><?xml version="1.0" encoding="utf-8"?>
-<ds:datastoreItem xmlns:ds="http://schemas.openxmlformats.org/officeDocument/2006/customXml" ds:itemID="{F651EF32-6551-47EB-8BA9-22EF81F3DDAC}">
-  <ds:schemaRefs>
-    <ds:schemaRef ds:uri="http://purl.org/dc/elements/1.1/"/>
-    <ds:schemaRef ds:uri="http://schemas.microsoft.com/office/2006/documentManagement/types"/>
-    <ds:schemaRef ds:uri="http://schemas.microsoft.com/office/2006/metadata/properties"/>
-    <ds:schemaRef ds:uri="http://schemas.microsoft.com/office/infopath/2007/PartnerControls"/>
-    <ds:schemaRef ds:uri="http://www.w3.org/XML/1998/namespace"/>
-    <ds:schemaRef ds:uri="16c05727-aa75-4e4a-9b5f-8a80a1165891"/>
-    <ds:schemaRef ds:uri="http://schemas.openxmlformats.org/package/2006/metadata/core-properties"/>
-    <ds:schemaRef ds:uri="71af3243-3dd4-4a8d-8c0d-dd76da1f02a5"/>
-    <ds:schemaRef ds:uri="http://purl.org/dc/dcmitype/"/>
-    <ds:schemaRef ds:uri="http://purl.org/dc/terms/"/>
-  </ds:schemaRefs>
-</ds:datastoreItem>
 </file>
--- a/diapos/CPP_matin.pptx
+++ b/diapos/CPP_matin.pptx
@@ -5,10 +5,10 @@
     <p:sldMasterId id="2147483684" r:id="rId4"/>
   </p:sldMasterIdLst>
   <p:notesMasterIdLst>
-    <p:notesMasterId r:id="rId39"/>
+    <p:notesMasterId r:id="rId46"/>
   </p:notesMasterIdLst>
   <p:handoutMasterIdLst>
-    <p:handoutMasterId r:id="rId40"/>
+    <p:handoutMasterId r:id="rId47"/>
   </p:handoutMasterIdLst>
   <p:sldIdLst>
     <p:sldId id="256" r:id="rId5"/>
@@ -38,13 +38,20 @@
     <p:sldId id="302" r:id="rId29"/>
     <p:sldId id="303" r:id="rId30"/>
     <p:sldId id="304" r:id="rId31"/>
-    <p:sldId id="305" r:id="rId32"/>
-    <p:sldId id="282" r:id="rId33"/>
-    <p:sldId id="281" r:id="rId34"/>
-    <p:sldId id="283" r:id="rId35"/>
-    <p:sldId id="285" r:id="rId36"/>
-    <p:sldId id="277" r:id="rId37"/>
-    <p:sldId id="270" r:id="rId38"/>
+    <p:sldId id="306" r:id="rId32"/>
+    <p:sldId id="305" r:id="rId33"/>
+    <p:sldId id="307" r:id="rId34"/>
+    <p:sldId id="282" r:id="rId35"/>
+    <p:sldId id="308" r:id="rId36"/>
+    <p:sldId id="309" r:id="rId37"/>
+    <p:sldId id="310" r:id="rId38"/>
+    <p:sldId id="311" r:id="rId39"/>
+    <p:sldId id="312" r:id="rId40"/>
+    <p:sldId id="281" r:id="rId41"/>
+    <p:sldId id="283" r:id="rId42"/>
+    <p:sldId id="285" r:id="rId43"/>
+    <p:sldId id="277" r:id="rId44"/>
+    <p:sldId id="270" r:id="rId45"/>
   </p:sldIdLst>
   <p:sldSz cx="9144000" cy="5715000" type="screen16x10"/>
   <p:notesSz cx="6858000" cy="9144000"/>
@@ -258,7 +265,7 @@
             <a:pPr rtl="0"/>
             <a:fld id="{44067F72-4B43-4EB2-81AF-1356A084F97D}" type="datetime1">
               <a:rPr lang="fr-FR" smtClean="0"/>
-              <a:t>09/06/2021</a:t>
+              <a:t>14/06/2021</a:t>
             </a:fld>
             <a:endParaRPr lang="fr-FR" dirty="0"/>
           </a:p>
@@ -440,7 +447,7 @@
             <a:pPr rtl="0"/>
             <a:fld id="{18E2C9A5-1936-47C6-ADD2-56E91A3B7AD6}" type="datetime1">
               <a:rPr lang="fr-FR" noProof="0" smtClean="0"/>
-              <a:t>09/06/2021</a:t>
+              <a:t>14/06/2021</a:t>
             </a:fld>
             <a:endParaRPr lang="fr-FR" noProof="0" dirty="0"/>
           </a:p>
@@ -1099,7 +1106,7 @@
     </p:spTree>
     <p:extLst>
       <p:ext uri="{BB962C8B-B14F-4D97-AF65-F5344CB8AC3E}">
-        <p14:creationId xmlns:p14="http://schemas.microsoft.com/office/powerpoint/2010/main" val="2837494235"/>
+        <p14:creationId xmlns:p14="http://schemas.microsoft.com/office/powerpoint/2010/main" val="3329170653"/>
       </p:ext>
     </p:extLst>
   </p:cSld>
@@ -1128,7 +1135,7 @@
       </p:grpSpPr>
       <p:sp>
         <p:nvSpPr>
-          <p:cNvPr id="2" name="Espace réservé de l’image des diapositives 1"/>
+          <p:cNvPr id="2" name="Espace réservé de l'image des diapositives 1"/>
           <p:cNvSpPr>
             <a:spLocks noGrp="1" noRot="1" noChangeAspect="1"/>
           </p:cNvSpPr>
@@ -1136,16 +1143,11 @@
             <p:ph type="sldImg"/>
           </p:nvPr>
         </p:nvSpPr>
-        <p:spPr>
-          <a:xfrm>
-            <a:off x="960438" y="1143000"/>
-            <a:ext cx="4937125" cy="3086100"/>
-          </a:xfrm>
-        </p:spPr>
-      </p:sp>
-      <p:sp>
-        <p:nvSpPr>
-          <p:cNvPr id="3" name="Espace réservé des commentaires 2"/>
+        <p:spPr/>
+      </p:sp>
+      <p:sp>
+        <p:nvSpPr>
+          <p:cNvPr id="3" name="Espace réservé des notes 2"/>
           <p:cNvSpPr>
             <a:spLocks noGrp="1"/>
           </p:cNvSpPr>
@@ -1155,11 +1157,18 @@
         </p:nvSpPr>
         <p:spPr/>
         <p:txBody>
-          <a:bodyPr rtlCol="0"/>
+          <a:bodyPr/>
           <a:lstStyle/>
           <a:p>
-            <a:pPr rtl="0"/>
-            <a:endParaRPr lang="fr-FR"/>
+            <a:r>
+              <a:rPr lang="fr-FR" dirty="0" smtClean="0"/>
+              <a:t>Les Variables d’environnement</a:t>
+            </a:r>
+            <a:r>
+              <a:rPr lang="fr-FR" baseline="0" dirty="0" smtClean="0"/>
+              <a:t> peuvent évoluer ou être modifiées d’une version à l’autre, bref, c’est ingérable…</a:t>
+            </a:r>
+            <a:endParaRPr lang="fr-FR" dirty="0"/>
           </a:p>
         </p:txBody>
       </p:sp>
@@ -1170,27 +1179,27 @@
             <a:spLocks noGrp="1"/>
           </p:cNvSpPr>
           <p:nvPr>
-            <p:ph type="sldNum" sz="quarter" idx="5"/>
+            <p:ph type="sldNum" sz="quarter" idx="10"/>
           </p:nvPr>
         </p:nvSpPr>
         <p:spPr/>
         <p:txBody>
-          <a:bodyPr rtlCol="0"/>
+          <a:bodyPr/>
           <a:lstStyle/>
           <a:p>
             <a:pPr rtl="0"/>
             <a:fld id="{C6B3AB32-59DF-41F1-9618-EDFBF5049629}" type="slidenum">
-              <a:rPr lang="fr-FR" smtClean="0"/>
+              <a:rPr lang="fr-FR" noProof="0" smtClean="0"/>
               <a:t>29</a:t>
             </a:fld>
-            <a:endParaRPr lang="fr-FR"/>
+            <a:endParaRPr lang="fr-FR" noProof="0" dirty="0"/>
           </a:p>
         </p:txBody>
       </p:sp>
     </p:spTree>
     <p:extLst>
       <p:ext uri="{BB962C8B-B14F-4D97-AF65-F5344CB8AC3E}">
-        <p14:creationId xmlns:p14="http://schemas.microsoft.com/office/powerpoint/2010/main" val="822967891"/>
+        <p14:creationId xmlns:p14="http://schemas.microsoft.com/office/powerpoint/2010/main" val="2837494235"/>
       </p:ext>
     </p:extLst>
   </p:cSld>
@@ -1219,7 +1228,7 @@
       </p:grpSpPr>
       <p:sp>
         <p:nvSpPr>
-          <p:cNvPr id="2" name="Espace réservé de l’image des diapositives 1"/>
+          <p:cNvPr id="2" name="Espace réservé de l'image des diapositives 1"/>
           <p:cNvSpPr>
             <a:spLocks noGrp="1" noRot="1" noChangeAspect="1"/>
           </p:cNvSpPr>
@@ -1227,16 +1236,11 @@
             <p:ph type="sldImg"/>
           </p:nvPr>
         </p:nvSpPr>
-        <p:spPr>
-          <a:xfrm>
-            <a:off x="960438" y="1143000"/>
-            <a:ext cx="4937125" cy="3086100"/>
-          </a:xfrm>
-        </p:spPr>
-      </p:sp>
-      <p:sp>
-        <p:nvSpPr>
-          <p:cNvPr id="3" name="Espace réservé des commentaires 2"/>
+        <p:spPr/>
+      </p:sp>
+      <p:sp>
+        <p:nvSpPr>
+          <p:cNvPr id="3" name="Espace réservé des notes 2"/>
           <p:cNvSpPr>
             <a:spLocks noGrp="1"/>
           </p:cNvSpPr>
@@ -1246,10 +1250,17 @@
         </p:nvSpPr>
         <p:spPr/>
         <p:txBody>
-          <a:bodyPr rtlCol="0"/>
+          <a:bodyPr/>
           <a:lstStyle/>
           <a:p>
-            <a:pPr rtl="0"/>
+            <a:r>
+              <a:rPr lang="fr-FR" dirty="0" smtClean="0"/>
+              <a:t>Les Variables d’environnement</a:t>
+            </a:r>
+            <a:r>
+              <a:rPr lang="fr-FR" baseline="0" dirty="0" smtClean="0"/>
+              <a:t> peuvent évoluer ou être modifiées d’une version à l’autre, bref, c’est ingérable…</a:t>
+            </a:r>
             <a:endParaRPr lang="fr-FR" dirty="0"/>
           </a:p>
         </p:txBody>
@@ -1261,27 +1272,27 @@
             <a:spLocks noGrp="1"/>
           </p:cNvSpPr>
           <p:nvPr>
-            <p:ph type="sldNum" sz="quarter" idx="5"/>
+            <p:ph type="sldNum" sz="quarter" idx="10"/>
           </p:nvPr>
         </p:nvSpPr>
         <p:spPr/>
         <p:txBody>
-          <a:bodyPr rtlCol="0"/>
+          <a:bodyPr/>
           <a:lstStyle/>
           <a:p>
             <a:pPr rtl="0"/>
             <a:fld id="{C6B3AB32-59DF-41F1-9618-EDFBF5049629}" type="slidenum">
-              <a:rPr lang="fr-FR" smtClean="0"/>
+              <a:rPr lang="fr-FR" noProof="0" smtClean="0"/>
               <a:t>30</a:t>
             </a:fld>
-            <a:endParaRPr lang="fr-FR"/>
+            <a:endParaRPr lang="fr-FR" noProof="0" dirty="0"/>
           </a:p>
         </p:txBody>
       </p:sp>
     </p:spTree>
     <p:extLst>
       <p:ext uri="{BB962C8B-B14F-4D97-AF65-F5344CB8AC3E}">
-        <p14:creationId xmlns:p14="http://schemas.microsoft.com/office/powerpoint/2010/main" val="3130159449"/>
+        <p14:creationId xmlns:p14="http://schemas.microsoft.com/office/powerpoint/2010/main" val="1624896832"/>
       </p:ext>
     </p:extLst>
   </p:cSld>
@@ -1372,7 +1383,7 @@
     </p:spTree>
     <p:extLst>
       <p:ext uri="{BB962C8B-B14F-4D97-AF65-F5344CB8AC3E}">
-        <p14:creationId xmlns:p14="http://schemas.microsoft.com/office/powerpoint/2010/main" val="2932722485"/>
+        <p14:creationId xmlns:p14="http://schemas.microsoft.com/office/powerpoint/2010/main" val="822967891"/>
       </p:ext>
     </p:extLst>
   </p:cSld>
@@ -1401,7 +1412,7 @@
       </p:grpSpPr>
       <p:sp>
         <p:nvSpPr>
-          <p:cNvPr id="2" name="Espace réservé de l’image des diapositives 1"/>
+          <p:cNvPr id="2" name="Espace réservé de l'image des diapositives 1"/>
           <p:cNvSpPr>
             <a:spLocks noGrp="1" noRot="1" noChangeAspect="1"/>
           </p:cNvSpPr>
@@ -1409,16 +1420,11 @@
             <p:ph type="sldImg"/>
           </p:nvPr>
         </p:nvSpPr>
-        <p:spPr>
-          <a:xfrm>
-            <a:off x="960438" y="1143000"/>
-            <a:ext cx="4937125" cy="3086100"/>
-          </a:xfrm>
-        </p:spPr>
-      </p:sp>
-      <p:sp>
-        <p:nvSpPr>
-          <p:cNvPr id="3" name="Espace réservé des commentaires 2"/>
+        <p:spPr/>
+      </p:sp>
+      <p:sp>
+        <p:nvSpPr>
+          <p:cNvPr id="3" name="Espace réservé des notes 2"/>
           <p:cNvSpPr>
             <a:spLocks noGrp="1"/>
           </p:cNvSpPr>
@@ -1428,10 +1434,21 @@
         </p:nvSpPr>
         <p:spPr/>
         <p:txBody>
-          <a:bodyPr rtlCol="0"/>
+          <a:bodyPr/>
           <a:lstStyle/>
           <a:p>
-            <a:pPr rtl="0"/>
+            <a:r>
+              <a:rPr lang="fr-FR" dirty="0" err="1" smtClean="0"/>
+              <a:t>Qt</a:t>
+            </a:r>
+            <a:r>
+              <a:rPr lang="fr-FR" baseline="0" dirty="0" smtClean="0"/>
+              <a:t> génère automatiquement un fichier source correspondant </a:t>
+            </a:r>
+            <a:r>
+              <a:rPr lang="fr-FR" baseline="0" smtClean="0"/>
+              <a:t>à l’entête.</a:t>
+            </a:r>
             <a:endParaRPr lang="fr-FR"/>
           </a:p>
         </p:txBody>
@@ -1443,27 +1460,27 @@
             <a:spLocks noGrp="1"/>
           </p:cNvSpPr>
           <p:nvPr>
-            <p:ph type="sldNum" sz="quarter" idx="5"/>
+            <p:ph type="sldNum" sz="quarter" idx="10"/>
           </p:nvPr>
         </p:nvSpPr>
         <p:spPr/>
         <p:txBody>
-          <a:bodyPr rtlCol="0"/>
+          <a:bodyPr/>
           <a:lstStyle/>
           <a:p>
             <a:pPr rtl="0"/>
             <a:fld id="{C6B3AB32-59DF-41F1-9618-EDFBF5049629}" type="slidenum">
-              <a:rPr lang="fr-FR" smtClean="0"/>
-              <a:t>32</a:t>
+              <a:rPr lang="fr-FR" noProof="0" smtClean="0"/>
+              <a:t>35</a:t>
             </a:fld>
-            <a:endParaRPr lang="fr-FR"/>
+            <a:endParaRPr lang="fr-FR" noProof="0" dirty="0"/>
           </a:p>
         </p:txBody>
       </p:sp>
     </p:spTree>
     <p:extLst>
       <p:ext uri="{BB962C8B-B14F-4D97-AF65-F5344CB8AC3E}">
-        <p14:creationId xmlns:p14="http://schemas.microsoft.com/office/powerpoint/2010/main" val="1335678831"/>
+        <p14:creationId xmlns:p14="http://schemas.microsoft.com/office/powerpoint/2010/main" val="3396221493"/>
       </p:ext>
     </p:extLst>
   </p:cSld>
@@ -1517,6 +1534,85 @@
           <a:bodyPr/>
           <a:lstStyle/>
           <a:p>
+            <a:r>
+              <a:rPr lang="nl-NL" sz="936" kern="1200" dirty="0" smtClean="0">
+                <a:solidFill>
+                  <a:schemeClr val="tx1"/>
+                </a:solidFill>
+                <a:latin typeface="+mn-lt"/>
+                <a:ea typeface="+mn-ea"/>
+                <a:cs typeface="+mn-cs"/>
+              </a:rPr>
+              <a:t>1&gt;      146 ms  Link                                       1 appels</a:t>
+            </a:r>
+          </a:p>
+          <a:p>
+            <a:r>
+              <a:rPr lang="fr-FR" sz="936" kern="1200" dirty="0" smtClean="0">
+                <a:solidFill>
+                  <a:schemeClr val="tx1"/>
+                </a:solidFill>
+                <a:latin typeface="+mn-lt"/>
+                <a:ea typeface="+mn-ea"/>
+                <a:cs typeface="+mn-cs"/>
+              </a:rPr>
+              <a:t>1&gt;     1008 ms  CL                                         2 appels</a:t>
+            </a:r>
+          </a:p>
+          <a:p>
+            <a:endParaRPr lang="fr-FR" sz="936" kern="1200" dirty="0" smtClean="0">
+              <a:solidFill>
+                <a:schemeClr val="tx1"/>
+              </a:solidFill>
+              <a:latin typeface="+mn-lt"/>
+              <a:ea typeface="+mn-ea"/>
+              <a:cs typeface="+mn-cs"/>
+            </a:endParaRPr>
+          </a:p>
+          <a:p>
+            <a:r>
+              <a:rPr lang="nl-NL" sz="936" kern="1200" dirty="0" smtClean="0">
+                <a:solidFill>
+                  <a:schemeClr val="tx1"/>
+                </a:solidFill>
+                <a:latin typeface="+mn-lt"/>
+                <a:ea typeface="+mn-ea"/>
+                <a:cs typeface="+mn-cs"/>
+              </a:rPr>
+              <a:t>1&gt;      312 ms  Link                                       1 appels</a:t>
+            </a:r>
+          </a:p>
+          <a:p>
+            <a:pPr marL="0" marR="0" lvl="0" indent="0" algn="l" defTabSz="713232" rtl="0" eaLnBrk="1" fontAlgn="auto" latinLnBrk="0" hangingPunct="1">
+              <a:lnSpc>
+                <a:spcPct val="100000"/>
+              </a:lnSpc>
+              <a:spcBef>
+                <a:spcPts val="0"/>
+              </a:spcBef>
+              <a:spcAft>
+                <a:spcPts val="0"/>
+              </a:spcAft>
+              <a:buClrTx/>
+              <a:buSzTx/>
+              <a:buFontTx/>
+              <a:buNone/>
+              <a:tabLst/>
+              <a:defRPr/>
+            </a:pPr>
+            <a:r>
+              <a:rPr lang="fr-FR" sz="936" kern="1200" dirty="0" smtClean="0">
+                <a:solidFill>
+                  <a:schemeClr val="tx1"/>
+                </a:solidFill>
+                <a:latin typeface="+mn-lt"/>
+                <a:ea typeface="+mn-ea"/>
+                <a:cs typeface="+mn-cs"/>
+              </a:rPr>
+              <a:t>1&gt;      207 ms  CL                                         2 appels</a:t>
+            </a:r>
+          </a:p>
+          <a:p>
             <a:endParaRPr lang="fr-FR" dirty="0"/>
           </a:p>
         </p:txBody>
@@ -1539,7 +1635,7 @@
             <a:pPr rtl="0"/>
             <a:fld id="{C6B3AB32-59DF-41F1-9618-EDFBF5049629}" type="slidenum">
               <a:rPr lang="fr-FR" noProof="0" smtClean="0"/>
-              <a:t>33</a:t>
+              <a:t>36</a:t>
             </a:fld>
             <a:endParaRPr lang="fr-FR" noProof="0" dirty="0"/>
           </a:p>
@@ -1548,7 +1644,7 @@
     </p:spTree>
     <p:extLst>
       <p:ext uri="{BB962C8B-B14F-4D97-AF65-F5344CB8AC3E}">
-        <p14:creationId xmlns:p14="http://schemas.microsoft.com/office/powerpoint/2010/main" val="941446977"/>
+        <p14:creationId xmlns:p14="http://schemas.microsoft.com/office/powerpoint/2010/main" val="1146140608"/>
       </p:ext>
     </p:extLst>
   </p:cSld>
@@ -1630,16 +1726,107 @@
             <a:pPr rtl="0"/>
             <a:fld id="{C6B3AB32-59DF-41F1-9618-EDFBF5049629}" type="slidenum">
               <a:rPr lang="fr-FR" smtClean="0"/>
-              <a:t>34</a:t>
+              <a:t>37</a:t>
             </a:fld>
-            <a:endParaRPr lang="fr-FR" dirty="0"/>
+            <a:endParaRPr lang="fr-FR"/>
           </a:p>
         </p:txBody>
       </p:sp>
     </p:spTree>
     <p:extLst>
       <p:ext uri="{BB962C8B-B14F-4D97-AF65-F5344CB8AC3E}">
-        <p14:creationId xmlns:p14="http://schemas.microsoft.com/office/powerpoint/2010/main" val="2059178600"/>
+        <p14:creationId xmlns:p14="http://schemas.microsoft.com/office/powerpoint/2010/main" val="3130159449"/>
+      </p:ext>
+    </p:extLst>
+  </p:cSld>
+  <p:clrMapOvr>
+    <a:masterClrMapping/>
+  </p:clrMapOvr>
+</p:notes>
+</file>
+
+<file path=ppt/notesSlides/notesSlide19.xml><?xml version="1.0" encoding="utf-8"?>
+<p:notes xmlns:a="http://schemas.openxmlformats.org/drawingml/2006/main" xmlns:r="http://schemas.openxmlformats.org/officeDocument/2006/relationships" xmlns:p="http://schemas.openxmlformats.org/presentationml/2006/main">
+  <p:cSld>
+    <p:spTree>
+      <p:nvGrpSpPr>
+        <p:cNvPr id="1" name=""/>
+        <p:cNvGrpSpPr/>
+        <p:nvPr/>
+      </p:nvGrpSpPr>
+      <p:grpSpPr>
+        <a:xfrm>
+          <a:off x="0" y="0"/>
+          <a:ext cx="0" cy="0"/>
+          <a:chOff x="0" y="0"/>
+          <a:chExt cx="0" cy="0"/>
+        </a:xfrm>
+      </p:grpSpPr>
+      <p:sp>
+        <p:nvSpPr>
+          <p:cNvPr id="2" name="Espace réservé de l’image des diapositives 1"/>
+          <p:cNvSpPr>
+            <a:spLocks noGrp="1" noRot="1" noChangeAspect="1"/>
+          </p:cNvSpPr>
+          <p:nvPr>
+            <p:ph type="sldImg"/>
+          </p:nvPr>
+        </p:nvSpPr>
+        <p:spPr>
+          <a:xfrm>
+            <a:off x="960438" y="1143000"/>
+            <a:ext cx="4937125" cy="3086100"/>
+          </a:xfrm>
+        </p:spPr>
+      </p:sp>
+      <p:sp>
+        <p:nvSpPr>
+          <p:cNvPr id="3" name="Espace réservé des commentaires 2"/>
+          <p:cNvSpPr>
+            <a:spLocks noGrp="1"/>
+          </p:cNvSpPr>
+          <p:nvPr>
+            <p:ph type="body" idx="1"/>
+          </p:nvPr>
+        </p:nvSpPr>
+        <p:spPr/>
+        <p:txBody>
+          <a:bodyPr rtlCol="0"/>
+          <a:lstStyle/>
+          <a:p>
+            <a:pPr rtl="0"/>
+            <a:endParaRPr lang="fr-FR"/>
+          </a:p>
+        </p:txBody>
+      </p:sp>
+      <p:sp>
+        <p:nvSpPr>
+          <p:cNvPr id="4" name="Espace réservé du numéro de diapositive 3"/>
+          <p:cNvSpPr>
+            <a:spLocks noGrp="1"/>
+          </p:cNvSpPr>
+          <p:nvPr>
+            <p:ph type="sldNum" sz="quarter" idx="5"/>
+          </p:nvPr>
+        </p:nvSpPr>
+        <p:spPr/>
+        <p:txBody>
+          <a:bodyPr rtlCol="0"/>
+          <a:lstStyle/>
+          <a:p>
+            <a:pPr rtl="0"/>
+            <a:fld id="{C6B3AB32-59DF-41F1-9618-EDFBF5049629}" type="slidenum">
+              <a:rPr lang="fr-FR" smtClean="0"/>
+              <a:t>38</a:t>
+            </a:fld>
+            <a:endParaRPr lang="fr-FR"/>
+          </a:p>
+        </p:txBody>
+      </p:sp>
+    </p:spTree>
+    <p:extLst>
+      <p:ext uri="{BB962C8B-B14F-4D97-AF65-F5344CB8AC3E}">
+        <p14:creationId xmlns:p14="http://schemas.microsoft.com/office/powerpoint/2010/main" val="2932722485"/>
       </p:ext>
     </p:extLst>
   </p:cSld>
@@ -1731,6 +1918,273 @@
     <p:extLst>
       <p:ext uri="{BB962C8B-B14F-4D97-AF65-F5344CB8AC3E}">
         <p14:creationId xmlns:p14="http://schemas.microsoft.com/office/powerpoint/2010/main" val="2950206473"/>
+      </p:ext>
+    </p:extLst>
+  </p:cSld>
+  <p:clrMapOvr>
+    <a:masterClrMapping/>
+  </p:clrMapOvr>
+</p:notes>
+</file>
+
+<file path=ppt/notesSlides/notesSlide20.xml><?xml version="1.0" encoding="utf-8"?>
+<p:notes xmlns:a="http://schemas.openxmlformats.org/drawingml/2006/main" xmlns:r="http://schemas.openxmlformats.org/officeDocument/2006/relationships" xmlns:p="http://schemas.openxmlformats.org/presentationml/2006/main">
+  <p:cSld>
+    <p:spTree>
+      <p:nvGrpSpPr>
+        <p:cNvPr id="1" name=""/>
+        <p:cNvGrpSpPr/>
+        <p:nvPr/>
+      </p:nvGrpSpPr>
+      <p:grpSpPr>
+        <a:xfrm>
+          <a:off x="0" y="0"/>
+          <a:ext cx="0" cy="0"/>
+          <a:chOff x="0" y="0"/>
+          <a:chExt cx="0" cy="0"/>
+        </a:xfrm>
+      </p:grpSpPr>
+      <p:sp>
+        <p:nvSpPr>
+          <p:cNvPr id="2" name="Espace réservé de l’image des diapositives 1"/>
+          <p:cNvSpPr>
+            <a:spLocks noGrp="1" noRot="1" noChangeAspect="1"/>
+          </p:cNvSpPr>
+          <p:nvPr>
+            <p:ph type="sldImg"/>
+          </p:nvPr>
+        </p:nvSpPr>
+        <p:spPr>
+          <a:xfrm>
+            <a:off x="960438" y="1143000"/>
+            <a:ext cx="4937125" cy="3086100"/>
+          </a:xfrm>
+        </p:spPr>
+      </p:sp>
+      <p:sp>
+        <p:nvSpPr>
+          <p:cNvPr id="3" name="Espace réservé des commentaires 2"/>
+          <p:cNvSpPr>
+            <a:spLocks noGrp="1"/>
+          </p:cNvSpPr>
+          <p:nvPr>
+            <p:ph type="body" idx="1"/>
+          </p:nvPr>
+        </p:nvSpPr>
+        <p:spPr/>
+        <p:txBody>
+          <a:bodyPr rtlCol="0"/>
+          <a:lstStyle/>
+          <a:p>
+            <a:pPr rtl="0"/>
+            <a:endParaRPr lang="fr-FR"/>
+          </a:p>
+        </p:txBody>
+      </p:sp>
+      <p:sp>
+        <p:nvSpPr>
+          <p:cNvPr id="4" name="Espace réservé du numéro de diapositive 3"/>
+          <p:cNvSpPr>
+            <a:spLocks noGrp="1"/>
+          </p:cNvSpPr>
+          <p:nvPr>
+            <p:ph type="sldNum" sz="quarter" idx="5"/>
+          </p:nvPr>
+        </p:nvSpPr>
+        <p:spPr/>
+        <p:txBody>
+          <a:bodyPr rtlCol="0"/>
+          <a:lstStyle/>
+          <a:p>
+            <a:pPr rtl="0"/>
+            <a:fld id="{C6B3AB32-59DF-41F1-9618-EDFBF5049629}" type="slidenum">
+              <a:rPr lang="fr-FR" smtClean="0"/>
+              <a:t>39</a:t>
+            </a:fld>
+            <a:endParaRPr lang="fr-FR"/>
+          </a:p>
+        </p:txBody>
+      </p:sp>
+    </p:spTree>
+    <p:extLst>
+      <p:ext uri="{BB962C8B-B14F-4D97-AF65-F5344CB8AC3E}">
+        <p14:creationId xmlns:p14="http://schemas.microsoft.com/office/powerpoint/2010/main" val="1335678831"/>
+      </p:ext>
+    </p:extLst>
+  </p:cSld>
+  <p:clrMapOvr>
+    <a:masterClrMapping/>
+  </p:clrMapOvr>
+</p:notes>
+</file>
+
+<file path=ppt/notesSlides/notesSlide21.xml><?xml version="1.0" encoding="utf-8"?>
+<p:notes xmlns:a="http://schemas.openxmlformats.org/drawingml/2006/main" xmlns:r="http://schemas.openxmlformats.org/officeDocument/2006/relationships" xmlns:p="http://schemas.openxmlformats.org/presentationml/2006/main">
+  <p:cSld>
+    <p:spTree>
+      <p:nvGrpSpPr>
+        <p:cNvPr id="1" name=""/>
+        <p:cNvGrpSpPr/>
+        <p:nvPr/>
+      </p:nvGrpSpPr>
+      <p:grpSpPr>
+        <a:xfrm>
+          <a:off x="0" y="0"/>
+          <a:ext cx="0" cy="0"/>
+          <a:chOff x="0" y="0"/>
+          <a:chExt cx="0" cy="0"/>
+        </a:xfrm>
+      </p:grpSpPr>
+      <p:sp>
+        <p:nvSpPr>
+          <p:cNvPr id="2" name="Espace réservé de l'image des diapositives 1"/>
+          <p:cNvSpPr>
+            <a:spLocks noGrp="1" noRot="1" noChangeAspect="1"/>
+          </p:cNvSpPr>
+          <p:nvPr>
+            <p:ph type="sldImg"/>
+          </p:nvPr>
+        </p:nvSpPr>
+        <p:spPr/>
+      </p:sp>
+      <p:sp>
+        <p:nvSpPr>
+          <p:cNvPr id="3" name="Espace réservé des notes 2"/>
+          <p:cNvSpPr>
+            <a:spLocks noGrp="1"/>
+          </p:cNvSpPr>
+          <p:nvPr>
+            <p:ph type="body" idx="1"/>
+          </p:nvPr>
+        </p:nvSpPr>
+        <p:spPr/>
+        <p:txBody>
+          <a:bodyPr/>
+          <a:lstStyle/>
+          <a:p>
+            <a:endParaRPr lang="fr-FR" dirty="0"/>
+          </a:p>
+        </p:txBody>
+      </p:sp>
+      <p:sp>
+        <p:nvSpPr>
+          <p:cNvPr id="4" name="Espace réservé du numéro de diapositive 3"/>
+          <p:cNvSpPr>
+            <a:spLocks noGrp="1"/>
+          </p:cNvSpPr>
+          <p:nvPr>
+            <p:ph type="sldNum" sz="quarter" idx="10"/>
+          </p:nvPr>
+        </p:nvSpPr>
+        <p:spPr/>
+        <p:txBody>
+          <a:bodyPr/>
+          <a:lstStyle/>
+          <a:p>
+            <a:pPr rtl="0"/>
+            <a:fld id="{C6B3AB32-59DF-41F1-9618-EDFBF5049629}" type="slidenum">
+              <a:rPr lang="fr-FR" noProof="0" smtClean="0"/>
+              <a:t>40</a:t>
+            </a:fld>
+            <a:endParaRPr lang="fr-FR" noProof="0" dirty="0"/>
+          </a:p>
+        </p:txBody>
+      </p:sp>
+    </p:spTree>
+    <p:extLst>
+      <p:ext uri="{BB962C8B-B14F-4D97-AF65-F5344CB8AC3E}">
+        <p14:creationId xmlns:p14="http://schemas.microsoft.com/office/powerpoint/2010/main" val="941446977"/>
+      </p:ext>
+    </p:extLst>
+  </p:cSld>
+  <p:clrMapOvr>
+    <a:masterClrMapping/>
+  </p:clrMapOvr>
+</p:notes>
+</file>
+
+<file path=ppt/notesSlides/notesSlide22.xml><?xml version="1.0" encoding="utf-8"?>
+<p:notes xmlns:a="http://schemas.openxmlformats.org/drawingml/2006/main" xmlns:r="http://schemas.openxmlformats.org/officeDocument/2006/relationships" xmlns:p="http://schemas.openxmlformats.org/presentationml/2006/main">
+  <p:cSld>
+    <p:spTree>
+      <p:nvGrpSpPr>
+        <p:cNvPr id="1" name=""/>
+        <p:cNvGrpSpPr/>
+        <p:nvPr/>
+      </p:nvGrpSpPr>
+      <p:grpSpPr>
+        <a:xfrm>
+          <a:off x="0" y="0"/>
+          <a:ext cx="0" cy="0"/>
+          <a:chOff x="0" y="0"/>
+          <a:chExt cx="0" cy="0"/>
+        </a:xfrm>
+      </p:grpSpPr>
+      <p:sp>
+        <p:nvSpPr>
+          <p:cNvPr id="2" name="Espace réservé de l’image des diapositives 1"/>
+          <p:cNvSpPr>
+            <a:spLocks noGrp="1" noRot="1" noChangeAspect="1"/>
+          </p:cNvSpPr>
+          <p:nvPr>
+            <p:ph type="sldImg"/>
+          </p:nvPr>
+        </p:nvSpPr>
+        <p:spPr>
+          <a:xfrm>
+            <a:off x="960438" y="1143000"/>
+            <a:ext cx="4937125" cy="3086100"/>
+          </a:xfrm>
+        </p:spPr>
+      </p:sp>
+      <p:sp>
+        <p:nvSpPr>
+          <p:cNvPr id="3" name="Espace réservé des commentaires 2"/>
+          <p:cNvSpPr>
+            <a:spLocks noGrp="1"/>
+          </p:cNvSpPr>
+          <p:nvPr>
+            <p:ph type="body" idx="1"/>
+          </p:nvPr>
+        </p:nvSpPr>
+        <p:spPr/>
+        <p:txBody>
+          <a:bodyPr rtlCol="0"/>
+          <a:lstStyle/>
+          <a:p>
+            <a:pPr rtl="0"/>
+            <a:endParaRPr lang="fr-FR" dirty="0"/>
+          </a:p>
+        </p:txBody>
+      </p:sp>
+      <p:sp>
+        <p:nvSpPr>
+          <p:cNvPr id="4" name="Espace réservé du numéro de diapositive 3"/>
+          <p:cNvSpPr>
+            <a:spLocks noGrp="1"/>
+          </p:cNvSpPr>
+          <p:nvPr>
+            <p:ph type="sldNum" sz="quarter" idx="5"/>
+          </p:nvPr>
+        </p:nvSpPr>
+        <p:spPr/>
+        <p:txBody>
+          <a:bodyPr rtlCol="0"/>
+          <a:lstStyle/>
+          <a:p>
+            <a:pPr rtl="0"/>
+            <a:fld id="{C6B3AB32-59DF-41F1-9618-EDFBF5049629}" type="slidenum">
+              <a:rPr lang="fr-FR" smtClean="0"/>
+              <a:t>41</a:t>
+            </a:fld>
+            <a:endParaRPr lang="fr-FR" dirty="0"/>
+          </a:p>
+        </p:txBody>
+      </p:sp>
+    </p:spTree>
+    <p:extLst>
+      <p:ext uri="{BB962C8B-B14F-4D97-AF65-F5344CB8AC3E}">
+        <p14:creationId xmlns:p14="http://schemas.microsoft.com/office/powerpoint/2010/main" val="2059178600"/>
       </p:ext>
     </p:extLst>
   </p:cSld>
@@ -2591,7 +3045,7 @@
             <a:pPr rtl="0"/>
             <a:fld id="{95F14979-C768-4E40-879A-113D767D7598}" type="datetime1">
               <a:rPr lang="fr-FR" noProof="0" smtClean="0"/>
-              <a:t>09/06/2021</a:t>
+              <a:t>14/06/2021</a:t>
             </a:fld>
             <a:endParaRPr lang="fr-FR" noProof="0" dirty="0"/>
           </a:p>
@@ -2857,7 +3311,7 @@
             <a:pPr rtl="0"/>
             <a:fld id="{46AEB7E8-48A7-4B84-88AE-D5102810498A}" type="datetime1">
               <a:rPr lang="fr-FR" noProof="0" smtClean="0"/>
-              <a:t>09/06/2021</a:t>
+              <a:t>14/06/2021</a:t>
             </a:fld>
             <a:endParaRPr lang="fr-FR" noProof="0" dirty="0"/>
           </a:p>
@@ -3096,7 +3550,7 @@
             <a:pPr rtl="0"/>
             <a:fld id="{2FE4E01A-DB78-4E32-A009-59CFADEF770C}" type="datetime1">
               <a:rPr lang="fr-FR" noProof="0" smtClean="0"/>
-              <a:t>09/06/2021</a:t>
+              <a:t>14/06/2021</a:t>
             </a:fld>
             <a:endParaRPr lang="fr-FR" noProof="0" dirty="0"/>
           </a:p>
@@ -3423,7 +3877,7 @@
             <a:pPr rtl="0"/>
             <a:fld id="{666FD31E-62FB-4209-A7A6-BACD423FD1B9}" type="datetime1">
               <a:rPr lang="fr-FR" noProof="0" smtClean="0"/>
-              <a:t>09/06/2021</a:t>
+              <a:t>14/06/2021</a:t>
             </a:fld>
             <a:endParaRPr lang="fr-FR" noProof="0" dirty="0"/>
           </a:p>
@@ -3673,7 +4127,7 @@
             <a:pPr rtl="0"/>
             <a:fld id="{3921C42B-897E-4F7D-9F30-7A616D683282}" type="datetime1">
               <a:rPr lang="fr-FR" noProof="0" smtClean="0"/>
-              <a:t>09/06/2021</a:t>
+              <a:t>14/06/2021</a:t>
             </a:fld>
             <a:endParaRPr lang="fr-FR" noProof="0" dirty="0"/>
           </a:p>
@@ -3857,7 +4311,7 @@
             <a:pPr rtl="0"/>
             <a:fld id="{3921C42B-897E-4F7D-9F30-7A616D683282}" type="datetime1">
               <a:rPr lang="fr-FR" noProof="0" smtClean="0"/>
-              <a:t>09/06/2021</a:t>
+              <a:t>14/06/2021</a:t>
             </a:fld>
             <a:endParaRPr lang="fr-FR" noProof="0" dirty="0"/>
           </a:p>
@@ -4159,7 +4613,7 @@
             <a:pPr rtl="0"/>
             <a:fld id="{3921C42B-897E-4F7D-9F30-7A616D683282}" type="datetime1">
               <a:rPr lang="fr-FR" noProof="0" smtClean="0"/>
-              <a:t>09/06/2021</a:t>
+              <a:t>14/06/2021</a:t>
             </a:fld>
             <a:endParaRPr lang="fr-FR" noProof="0" dirty="0"/>
           </a:p>
@@ -4603,7 +5057,7 @@
             <a:pPr rtl="0"/>
             <a:fld id="{3921C42B-897E-4F7D-9F30-7A616D683282}" type="datetime1">
               <a:rPr lang="fr-FR" noProof="0" smtClean="0"/>
-              <a:t>09/06/2021</a:t>
+              <a:t>14/06/2021</a:t>
             </a:fld>
             <a:endParaRPr lang="fr-FR" noProof="0" dirty="0"/>
           </a:p>
@@ -5105,7 +5559,7 @@
             <a:pPr rtl="0"/>
             <a:fld id="{9D7570F7-C3C9-44B3-A009-658E4E9B6AED}" type="datetime1">
               <a:rPr lang="fr-FR" noProof="0" smtClean="0"/>
-              <a:t>09/06/2021</a:t>
+              <a:t>14/06/2021</a:t>
             </a:fld>
             <a:endParaRPr lang="fr-FR" noProof="0" dirty="0"/>
           </a:p>
@@ -5487,7 +5941,7 @@
             <a:pPr rtl="0"/>
             <a:fld id="{F981DFD8-7CC7-492D-8F3E-634F16593128}" type="datetime1">
               <a:rPr lang="fr-FR" noProof="0" smtClean="0"/>
-              <a:t>09/06/2021</a:t>
+              <a:t>14/06/2021</a:t>
             </a:fld>
             <a:endParaRPr lang="fr-FR" noProof="0" dirty="0"/>
           </a:p>
@@ -5780,7 +6234,7 @@
             <a:pPr rtl="0"/>
             <a:fld id="{097575A0-E176-45FF-AB41-901BA96C2E0F}" type="datetime1">
               <a:rPr lang="fr-FR" noProof="0" smtClean="0"/>
-              <a:t>09/06/2021</a:t>
+              <a:t>14/06/2021</a:t>
             </a:fld>
             <a:endParaRPr lang="fr-FR" noProof="0" dirty="0"/>
           </a:p>
@@ -5995,7 +6449,7 @@
             <a:pPr rtl="0"/>
             <a:fld id="{10358767-58E0-4259-BE08-C44246876B43}" type="datetime1">
               <a:rPr lang="fr-FR" noProof="0" smtClean="0"/>
-              <a:t>09/06/2021</a:t>
+              <a:t>14/06/2021</a:t>
             </a:fld>
             <a:endParaRPr lang="fr-FR" noProof="0" dirty="0"/>
           </a:p>
@@ -14083,11 +14537,7 @@
           <a:p>
             <a:r>
               <a:rPr lang="fr-FR" dirty="0" smtClean="0"/>
-              <a:t>Sous </a:t>
-            </a:r>
-            <a:r>
-              <a:rPr lang="fr-FR" dirty="0" smtClean="0"/>
-              <a:t>linux (</a:t>
+              <a:t>Sous linux (</a:t>
             </a:r>
             <a:r>
               <a:rPr lang="fr-FR" b="1" dirty="0" smtClean="0"/>
@@ -15850,6 +16300,14 @@
             </a:r>
             <a:r>
               <a:rPr lang="fr-FR" dirty="0" err="1" smtClean="0"/>
+              <a:t>static</a:t>
+            </a:r>
+            <a:r>
+              <a:rPr lang="fr-FR" dirty="0" smtClean="0"/>
+              <a:t> </a:t>
+            </a:r>
+            <a:r>
+              <a:rPr lang="fr-FR" dirty="0" err="1" smtClean="0"/>
               <a:t>msvc</a:t>
             </a:r>
             <a:r>
@@ -16129,7 +16587,7 @@
               <a:rPr lang="fr-FR" dirty="0" err="1" smtClean="0">
                 <a:sym typeface="Wingdings" panose="05000000000000000000" pitchFamily="2" charset="2"/>
               </a:rPr>
-              <a:t>testlink</a:t>
+              <a:t>testlink_static</a:t>
             </a:r>
             <a:r>
               <a:rPr lang="fr-FR" dirty="0" smtClean="0">
@@ -16162,141 +16620,105 @@
                 <a:cs typeface="Cascadia Code" panose="020B0609020000020004" pitchFamily="49" charset="0"/>
                 <a:sym typeface="Wingdings" panose="05000000000000000000" pitchFamily="2" charset="2"/>
               </a:rPr>
-              <a:t> /c /I .</a:t>
-            </a:r>
-            <a:r>
-              <a:rPr lang="fr-FR" dirty="0" smtClean="0">
+              <a:t> /c /I . .\</a:t>
+            </a:r>
+            <a:r>
+              <a:rPr lang="fr-FR" dirty="0">
                 <a:latin typeface="Cascadia Code" panose="020B0609020000020004" pitchFamily="49" charset="0"/>
                 <a:cs typeface="Cascadia Code" panose="020B0609020000020004" pitchFamily="49" charset="0"/>
                 <a:sym typeface="Wingdings" panose="05000000000000000000" pitchFamily="2" charset="2"/>
               </a:rPr>
-              <a:t> .\</a:t>
-            </a:r>
-            <a:r>
-              <a:rPr lang="fr-FR" dirty="0">
+              <a:t>foo.cpp </a:t>
+            </a:r>
+            <a:r>
+              <a:rPr lang="fr-FR" dirty="0" smtClean="0">
                 <a:latin typeface="Cascadia Code" panose="020B0609020000020004" pitchFamily="49" charset="0"/>
                 <a:cs typeface="Cascadia Code" panose="020B0609020000020004" pitchFamily="49" charset="0"/>
                 <a:sym typeface="Wingdings" panose="05000000000000000000" pitchFamily="2" charset="2"/>
               </a:rPr>
-              <a:t>foo.cpp </a:t>
-            </a:r>
+              <a:t>.\bar.cpp </a:t>
+            </a:r>
+            <a:r>
+              <a:rPr lang="fr-FR" dirty="0" smtClean="0">
+                <a:sym typeface="Wingdings" panose="05000000000000000000" pitchFamily="2" charset="2"/>
+              </a:rPr>
+              <a:t> foo.obj et bar.obj</a:t>
+            </a:r>
+          </a:p>
+          <a:p>
+            <a:pPr lvl="1"/>
             <a:r>
               <a:rPr lang="fr-FR" dirty="0" smtClean="0">
                 <a:latin typeface="Cascadia Code" panose="020B0609020000020004" pitchFamily="49" charset="0"/>
                 <a:cs typeface="Cascadia Code" panose="020B0609020000020004" pitchFamily="49" charset="0"/>
                 <a:sym typeface="Wingdings" panose="05000000000000000000" pitchFamily="2" charset="2"/>
               </a:rPr>
-              <a:t>.\bar.cpp </a:t>
+              <a:t>lib /</a:t>
+            </a:r>
+            <a:r>
+              <a:rPr lang="fr-FR" dirty="0" err="1" smtClean="0">
+                <a:latin typeface="Cascadia Code" panose="020B0609020000020004" pitchFamily="49" charset="0"/>
+                <a:cs typeface="Cascadia Code" panose="020B0609020000020004" pitchFamily="49" charset="0"/>
+                <a:sym typeface="Wingdings" panose="05000000000000000000" pitchFamily="2" charset="2"/>
+              </a:rPr>
+              <a:t>OUT:foobar.lib</a:t>
+            </a:r>
+            <a:r>
+              <a:rPr lang="fr-FR" dirty="0" smtClean="0">
+                <a:latin typeface="Cascadia Code" panose="020B0609020000020004" pitchFamily="49" charset="0"/>
+                <a:cs typeface="Cascadia Code" panose="020B0609020000020004" pitchFamily="49" charset="0"/>
+                <a:sym typeface="Wingdings" panose="05000000000000000000" pitchFamily="2" charset="2"/>
+              </a:rPr>
+              <a:t> *.</a:t>
+            </a:r>
+            <a:r>
+              <a:rPr lang="fr-FR" dirty="0" err="1" smtClean="0">
+                <a:latin typeface="Cascadia Code" panose="020B0609020000020004" pitchFamily="49" charset="0"/>
+                <a:cs typeface="Cascadia Code" panose="020B0609020000020004" pitchFamily="49" charset="0"/>
+                <a:sym typeface="Wingdings" panose="05000000000000000000" pitchFamily="2" charset="2"/>
+              </a:rPr>
+              <a:t>obj</a:t>
+            </a:r>
+            <a:r>
+              <a:rPr lang="fr-FR" dirty="0" smtClean="0">
+                <a:latin typeface="Cascadia Code" panose="020B0609020000020004" pitchFamily="49" charset="0"/>
+                <a:cs typeface="Cascadia Code" panose="020B0609020000020004" pitchFamily="49" charset="0"/>
+                <a:sym typeface="Wingdings" panose="05000000000000000000" pitchFamily="2" charset="2"/>
+              </a:rPr>
+              <a:t>  f</a:t>
             </a:r>
             <a:r>
               <a:rPr lang="fr-FR" dirty="0" smtClean="0">
                 <a:sym typeface="Wingdings" panose="05000000000000000000" pitchFamily="2" charset="2"/>
               </a:rPr>
-              <a:t> foo.obj et bar.obj</a:t>
+              <a:t>oobar.lib</a:t>
             </a:r>
           </a:p>
           <a:p>
             <a:pPr lvl="1"/>
             <a:r>
-              <a:rPr lang="fr-FR" dirty="0" err="1" smtClean="0">
+              <a:rPr lang="fr-FR" dirty="0" smtClean="0">
                 <a:latin typeface="Cascadia Code" panose="020B0609020000020004" pitchFamily="49" charset="0"/>
                 <a:cs typeface="Cascadia Code" panose="020B0609020000020004" pitchFamily="49" charset="0"/>
                 <a:sym typeface="Wingdings" panose="05000000000000000000" pitchFamily="2" charset="2"/>
               </a:rPr>
-              <a:t>link</a:t>
-            </a:r>
-            <a:r>
-              <a:rPr lang="fr-FR" dirty="0" smtClean="0">
+              <a:t>cl /</a:t>
+            </a:r>
+            <a:r>
+              <a:rPr lang="fr-FR" dirty="0" err="1" smtClean="0">
                 <a:latin typeface="Cascadia Code" panose="020B0609020000020004" pitchFamily="49" charset="0"/>
                 <a:cs typeface="Cascadia Code" panose="020B0609020000020004" pitchFamily="49" charset="0"/>
                 <a:sym typeface="Wingdings" panose="05000000000000000000" pitchFamily="2" charset="2"/>
               </a:rPr>
-              <a:t> /DLL /</a:t>
-            </a:r>
-            <a:r>
-              <a:rPr lang="fr-FR" dirty="0" err="1" smtClean="0">
+              <a:t>EHsc</a:t>
+            </a:r>
+            <a:r>
+              <a:rPr lang="fr-FR" dirty="0" smtClean="0">
                 <a:latin typeface="Cascadia Code" panose="020B0609020000020004" pitchFamily="49" charset="0"/>
                 <a:cs typeface="Cascadia Code" panose="020B0609020000020004" pitchFamily="49" charset="0"/>
                 <a:sym typeface="Wingdings" panose="05000000000000000000" pitchFamily="2" charset="2"/>
               </a:rPr>
-              <a:t>OUT:foobar.dll</a:t>
-            </a:r>
-            <a:r>
-              <a:rPr lang="fr-FR" dirty="0" smtClean="0">
-                <a:latin typeface="Cascadia Code" panose="020B0609020000020004" pitchFamily="49" charset="0"/>
-                <a:cs typeface="Cascadia Code" panose="020B0609020000020004" pitchFamily="49" charset="0"/>
-                <a:sym typeface="Wingdings" panose="05000000000000000000" pitchFamily="2" charset="2"/>
-              </a:rPr>
-              <a:t> *.</a:t>
-            </a:r>
-            <a:r>
-              <a:rPr lang="fr-FR" dirty="0" err="1" smtClean="0">
-                <a:latin typeface="Cascadia Code" panose="020B0609020000020004" pitchFamily="49" charset="0"/>
-                <a:cs typeface="Cascadia Code" panose="020B0609020000020004" pitchFamily="49" charset="0"/>
-                <a:sym typeface="Wingdings" panose="05000000000000000000" pitchFamily="2" charset="2"/>
-              </a:rPr>
-              <a:t>obj</a:t>
-            </a:r>
-            <a:r>
-              <a:rPr lang="fr-FR" dirty="0" smtClean="0">
-                <a:latin typeface="Cascadia Code" panose="020B0609020000020004" pitchFamily="49" charset="0"/>
-                <a:cs typeface="Cascadia Code" panose="020B0609020000020004" pitchFamily="49" charset="0"/>
-                <a:sym typeface="Wingdings" panose="05000000000000000000" pitchFamily="2" charset="2"/>
-              </a:rPr>
-              <a:t>  f</a:t>
-            </a:r>
-            <a:r>
-              <a:rPr lang="fr-FR" dirty="0" smtClean="0">
-                <a:sym typeface="Wingdings" panose="05000000000000000000" pitchFamily="2" charset="2"/>
-              </a:rPr>
-              <a:t>oobar.dll (+ *.</a:t>
-            </a:r>
-            <a:r>
-              <a:rPr lang="fr-FR" dirty="0" err="1" smtClean="0">
-                <a:sym typeface="Wingdings" panose="05000000000000000000" pitchFamily="2" charset="2"/>
-              </a:rPr>
-              <a:t>exp</a:t>
-            </a:r>
-            <a:r>
-              <a:rPr lang="fr-FR" dirty="0" smtClean="0">
-                <a:sym typeface="Wingdings" panose="05000000000000000000" pitchFamily="2" charset="2"/>
-              </a:rPr>
-              <a:t> + *.lib)</a:t>
-            </a:r>
-          </a:p>
-          <a:p>
-            <a:pPr lvl="1"/>
-            <a:r>
-              <a:rPr lang="fr-FR" dirty="0" smtClean="0">
-                <a:latin typeface="Cascadia Code" panose="020B0609020000020004" pitchFamily="49" charset="0"/>
-                <a:cs typeface="Cascadia Code" panose="020B0609020000020004" pitchFamily="49" charset="0"/>
-                <a:sym typeface="Wingdings" panose="05000000000000000000" pitchFamily="2" charset="2"/>
-              </a:rPr>
-              <a:t>cl /</a:t>
-            </a:r>
-            <a:r>
-              <a:rPr lang="fr-FR" dirty="0" err="1" smtClean="0">
-                <a:latin typeface="Cascadia Code" panose="020B0609020000020004" pitchFamily="49" charset="0"/>
-                <a:cs typeface="Cascadia Code" panose="020B0609020000020004" pitchFamily="49" charset="0"/>
-                <a:sym typeface="Wingdings" panose="05000000000000000000" pitchFamily="2" charset="2"/>
-              </a:rPr>
-              <a:t>EHsc</a:t>
-            </a:r>
-            <a:r>
-              <a:rPr lang="fr-FR" dirty="0" smtClean="0">
-                <a:latin typeface="Cascadia Code" panose="020B0609020000020004" pitchFamily="49" charset="0"/>
-                <a:cs typeface="Cascadia Code" panose="020B0609020000020004" pitchFamily="49" charset="0"/>
-                <a:sym typeface="Wingdings" panose="05000000000000000000" pitchFamily="2" charset="2"/>
-              </a:rPr>
-              <a:t> .\main.cpp /I . .\foo</a:t>
-            </a:r>
-            <a:r>
-              <a:rPr lang="fr-FR" dirty="0" smtClean="0">
-                <a:latin typeface="Cascadia Code" panose="020B0609020000020004" pitchFamily="49" charset="0"/>
-                <a:cs typeface="Cascadia Code" panose="020B0609020000020004" pitchFamily="49" charset="0"/>
-                <a:sym typeface="Wingdings" panose="05000000000000000000" pitchFamily="2" charset="2"/>
-              </a:rPr>
-              <a:t>bar.lib  </a:t>
+              <a:t> .\main.cpp /I . .\foobar.lib  </a:t>
             </a:r>
             <a:r>
               <a:rPr lang="fr-FR" dirty="0" smtClean="0">
@@ -16360,11 +16782,6 @@
               </a:rPr>
               <a:t>Lancer main.exe</a:t>
             </a:r>
-            <a:endParaRPr lang="fr-FR" dirty="0" smtClean="0">
-              <a:latin typeface="Cascadia Code" panose="020B0609020000020004" pitchFamily="49" charset="0"/>
-              <a:cs typeface="Cascadia Code" panose="020B0609020000020004" pitchFamily="49" charset="0"/>
-              <a:sym typeface="Wingdings" panose="05000000000000000000" pitchFamily="2" charset="2"/>
-            </a:endParaRPr>
           </a:p>
           <a:p>
             <a:endParaRPr lang="fr-FR" dirty="0" smtClean="0">
@@ -16445,7 +16862,7 @@
     </p:spTree>
     <p:extLst>
       <p:ext uri="{BB962C8B-B14F-4D97-AF65-F5344CB8AC3E}">
-        <p14:creationId xmlns:p14="http://schemas.microsoft.com/office/powerpoint/2010/main" val="2679510539"/>
+        <p14:creationId xmlns:p14="http://schemas.microsoft.com/office/powerpoint/2010/main" val="772285858"/>
       </p:ext>
     </p:extLst>
   </p:cSld>
@@ -16481,59 +16898,545 @@
       </p:grpSpPr>
       <p:sp>
         <p:nvSpPr>
-          <p:cNvPr id="2" name="Titre 1">
-            <a:extLst>
-              <a:ext uri="{FF2B5EF4-FFF2-40B4-BE49-F238E27FC236}">
-                <a16:creationId xmlns:a16="http://schemas.microsoft.com/office/drawing/2014/main" id="{C02C5318-1A1E-49D0-B2E2-A4B0FA9E8A40}"/>
-              </a:ext>
-            </a:extLst>
-          </p:cNvPr>
+          <p:cNvPr id="5" name="Titre 4"/>
           <p:cNvSpPr>
             <a:spLocks noGrp="1"/>
           </p:cNvSpPr>
           <p:nvPr>
-            <p:ph type="ctrTitle"/>
-          </p:nvPr>
+            <p:ph type="title"/>
+          </p:nvPr>
+        </p:nvSpPr>
+        <p:spPr/>
+        <p:txBody>
+          <a:bodyPr/>
+          <a:lstStyle/>
+          <a:p>
+            <a:r>
+              <a:rPr lang="fr-FR" dirty="0" smtClean="0"/>
+              <a:t>Exercice : </a:t>
+            </a:r>
+            <a:r>
+              <a:rPr lang="fr-FR" dirty="0" err="1" smtClean="0"/>
+              <a:t>link</a:t>
+            </a:r>
+            <a:r>
+              <a:rPr lang="fr-FR" dirty="0" smtClean="0"/>
+              <a:t> </a:t>
+            </a:r>
+            <a:r>
+              <a:rPr lang="fr-FR" dirty="0" err="1" smtClean="0"/>
+              <a:t>msvc</a:t>
+            </a:r>
+            <a:r>
+              <a:rPr lang="fr-FR" dirty="0" smtClean="0"/>
+              <a:t> en ligne de commande</a:t>
+            </a:r>
+            <a:endParaRPr lang="fr-FR" dirty="0"/>
+          </a:p>
+        </p:txBody>
+      </p:sp>
+      <p:sp>
+        <p:nvSpPr>
+          <p:cNvPr id="4" name="Espace réservé du numéro de diapositive 3"/>
+          <p:cNvSpPr>
+            <a:spLocks noGrp="1"/>
+          </p:cNvSpPr>
+          <p:nvPr>
+            <p:ph type="sldNum" sz="quarter" idx="12"/>
+          </p:nvPr>
+        </p:nvSpPr>
+        <p:spPr/>
+        <p:txBody>
+          <a:bodyPr/>
+          <a:lstStyle/>
+          <a:p>
+            <a:pPr rtl="0"/>
+            <a:fld id="{D57F1E4F-1CFF-5643-939E-217C01CDF565}" type="slidenum">
+              <a:rPr lang="fr-FR" noProof="0" smtClean="0"/>
+              <a:pPr rtl="0"/>
+              <a:t>29</a:t>
+            </a:fld>
+            <a:endParaRPr lang="fr-FR" noProof="0" dirty="0"/>
+          </a:p>
+        </p:txBody>
+      </p:sp>
+      <p:sp>
+        <p:nvSpPr>
+          <p:cNvPr id="7" name="Espace réservé du contenu 5"/>
+          <p:cNvSpPr txBox="1">
+            <a:spLocks/>
+          </p:cNvSpPr>
+          <p:nvPr/>
         </p:nvSpPr>
         <p:spPr>
           <a:xfrm>
-            <a:off x="330791" y="4545068"/>
-            <a:ext cx="8245162" cy="671433"/>
+            <a:off x="529898" y="1628324"/>
+            <a:ext cx="8272211" cy="2601844"/>
           </a:xfrm>
+          <a:prstGeom prst="rect">
+            <a:avLst/>
+          </a:prstGeom>
         </p:spPr>
         <p:txBody>
-          <a:bodyPr rtlCol="0">
-            <a:noAutofit/>
+          <a:bodyPr vert="horz" lIns="91440" tIns="45720" rIns="91440" bIns="45720" rtlCol="0" anchor="ctr">
+            <a:normAutofit/>
           </a:bodyPr>
-          <a:lstStyle/>
-          <a:p>
-            <a:pPr algn="r" rtl="0"/>
-            <a:r>
-              <a:rPr lang="fr-FR" sz="3150" dirty="0" smtClean="0">
-                <a:solidFill>
-                  <a:schemeClr val="bg1"/>
-                </a:solidFill>
-              </a:rPr>
-              <a:t>Entêtes précompilées</a:t>
-            </a:r>
-            <a:endParaRPr lang="fr-FR" sz="3150" dirty="0">
-              <a:solidFill>
-                <a:schemeClr val="bg1"/>
-              </a:solidFill>
+          <a:lstStyle>
+            <a:lvl1pPr marL="229500" indent="-229500" algn="l" defTabSz="342900" rtl="0" eaLnBrk="1" latinLnBrk="0" hangingPunct="1">
+              <a:spcBef>
+                <a:spcPct val="20000"/>
+              </a:spcBef>
+              <a:spcAft>
+                <a:spcPts val="450"/>
+              </a:spcAft>
+              <a:buClr>
+                <a:schemeClr val="accent2"/>
+              </a:buClr>
+              <a:buSzPct val="92000"/>
+              <a:buFont typeface="Wingdings 2" panose="05020102010507070707" pitchFamily="18" charset="2"/>
+              <a:buChar char=""/>
+              <a:defRPr sz="1350" kern="1200">
+                <a:solidFill>
+                  <a:schemeClr val="tx2"/>
+                </a:solidFill>
+                <a:latin typeface="+mn-lt"/>
+                <a:ea typeface="+mn-ea"/>
+                <a:cs typeface="+mn-cs"/>
+              </a:defRPr>
+            </a:lvl1pPr>
+            <a:lvl2pPr marL="472500" indent="-229500" algn="l" defTabSz="342900" rtl="0" eaLnBrk="1" latinLnBrk="0" hangingPunct="1">
+              <a:spcBef>
+                <a:spcPct val="20000"/>
+              </a:spcBef>
+              <a:spcAft>
+                <a:spcPts val="450"/>
+              </a:spcAft>
+              <a:buClr>
+                <a:schemeClr val="accent2"/>
+              </a:buClr>
+              <a:buSzPct val="92000"/>
+              <a:buFont typeface="Wingdings 2" panose="05020102010507070707" pitchFamily="18" charset="2"/>
+              <a:buChar char=""/>
+              <a:defRPr sz="1200" kern="1200">
+                <a:solidFill>
+                  <a:schemeClr val="tx2"/>
+                </a:solidFill>
+                <a:latin typeface="+mn-lt"/>
+                <a:ea typeface="+mn-ea"/>
+                <a:cs typeface="+mn-cs"/>
+              </a:defRPr>
+            </a:lvl2pPr>
+            <a:lvl3pPr marL="675000" indent="-202500" algn="l" defTabSz="342900" rtl="0" eaLnBrk="1" latinLnBrk="0" hangingPunct="1">
+              <a:spcBef>
+                <a:spcPct val="20000"/>
+              </a:spcBef>
+              <a:spcAft>
+                <a:spcPts val="450"/>
+              </a:spcAft>
+              <a:buClr>
+                <a:schemeClr val="accent2"/>
+              </a:buClr>
+              <a:buSzPct val="92000"/>
+              <a:buFont typeface="Wingdings 2" panose="05020102010507070707" pitchFamily="18" charset="2"/>
+              <a:buChar char=""/>
+              <a:defRPr sz="1050" kern="1200">
+                <a:solidFill>
+                  <a:schemeClr val="tx2"/>
+                </a:solidFill>
+                <a:latin typeface="+mn-lt"/>
+                <a:ea typeface="+mn-ea"/>
+                <a:cs typeface="+mn-cs"/>
+              </a:defRPr>
+            </a:lvl3pPr>
+            <a:lvl4pPr marL="931500" indent="-175500" algn="l" defTabSz="342900" rtl="0" eaLnBrk="1" latinLnBrk="0" hangingPunct="1">
+              <a:spcBef>
+                <a:spcPct val="20000"/>
+              </a:spcBef>
+              <a:spcAft>
+                <a:spcPts val="450"/>
+              </a:spcAft>
+              <a:buClr>
+                <a:schemeClr val="accent2"/>
+              </a:buClr>
+              <a:buSzPct val="92000"/>
+              <a:buFont typeface="Wingdings 2" panose="05020102010507070707" pitchFamily="18" charset="2"/>
+              <a:buChar char=""/>
+              <a:defRPr sz="900" kern="1200">
+                <a:solidFill>
+                  <a:schemeClr val="tx2"/>
+                </a:solidFill>
+                <a:latin typeface="+mn-lt"/>
+                <a:ea typeface="+mn-ea"/>
+                <a:cs typeface="+mn-cs"/>
+              </a:defRPr>
+            </a:lvl4pPr>
+            <a:lvl5pPr marL="1201500" indent="-175500" algn="l" defTabSz="342900" rtl="0" eaLnBrk="1" latinLnBrk="0" hangingPunct="1">
+              <a:spcBef>
+                <a:spcPct val="20000"/>
+              </a:spcBef>
+              <a:spcAft>
+                <a:spcPts val="450"/>
+              </a:spcAft>
+              <a:buClr>
+                <a:schemeClr val="accent2"/>
+              </a:buClr>
+              <a:buSzPct val="92000"/>
+              <a:buFont typeface="Wingdings 2" panose="05020102010507070707" pitchFamily="18" charset="2"/>
+              <a:buChar char=""/>
+              <a:defRPr sz="900" kern="1200">
+                <a:solidFill>
+                  <a:schemeClr val="tx2"/>
+                </a:solidFill>
+                <a:latin typeface="+mn-lt"/>
+                <a:ea typeface="+mn-ea"/>
+                <a:cs typeface="+mn-cs"/>
+              </a:defRPr>
+            </a:lvl5pPr>
+            <a:lvl6pPr marL="1425000" indent="-171450" algn="l" defTabSz="342900" rtl="0" eaLnBrk="1" latinLnBrk="0" hangingPunct="1">
+              <a:spcBef>
+                <a:spcPct val="20000"/>
+              </a:spcBef>
+              <a:spcAft>
+                <a:spcPts val="450"/>
+              </a:spcAft>
+              <a:buClr>
+                <a:schemeClr val="accent2"/>
+              </a:buClr>
+              <a:buSzPct val="92000"/>
+              <a:buFont typeface="Wingdings 2" panose="05020102010507070707" pitchFamily="18" charset="2"/>
+              <a:buChar char=""/>
+              <a:defRPr sz="900" kern="1200">
+                <a:solidFill>
+                  <a:schemeClr val="tx2"/>
+                </a:solidFill>
+                <a:latin typeface="+mn-lt"/>
+                <a:ea typeface="+mn-ea"/>
+                <a:cs typeface="+mn-cs"/>
+              </a:defRPr>
+            </a:lvl6pPr>
+            <a:lvl7pPr marL="1650000" indent="-171450" algn="l" defTabSz="342900" rtl="0" eaLnBrk="1" latinLnBrk="0" hangingPunct="1">
+              <a:spcBef>
+                <a:spcPct val="20000"/>
+              </a:spcBef>
+              <a:spcAft>
+                <a:spcPts val="450"/>
+              </a:spcAft>
+              <a:buClr>
+                <a:schemeClr val="accent2"/>
+              </a:buClr>
+              <a:buSzPct val="92000"/>
+              <a:buFont typeface="Wingdings 2" panose="05020102010507070707" pitchFamily="18" charset="2"/>
+              <a:buChar char=""/>
+              <a:defRPr sz="900" kern="1200">
+                <a:solidFill>
+                  <a:schemeClr val="tx2"/>
+                </a:solidFill>
+                <a:latin typeface="+mn-lt"/>
+                <a:ea typeface="+mn-ea"/>
+                <a:cs typeface="+mn-cs"/>
+              </a:defRPr>
+            </a:lvl7pPr>
+            <a:lvl8pPr marL="1875000" indent="-171450" algn="l" defTabSz="342900" rtl="0" eaLnBrk="1" latinLnBrk="0" hangingPunct="1">
+              <a:spcBef>
+                <a:spcPct val="20000"/>
+              </a:spcBef>
+              <a:spcAft>
+                <a:spcPts val="450"/>
+              </a:spcAft>
+              <a:buClr>
+                <a:schemeClr val="accent2"/>
+              </a:buClr>
+              <a:buSzPct val="92000"/>
+              <a:buFont typeface="Wingdings 2" panose="05020102010507070707" pitchFamily="18" charset="2"/>
+              <a:buChar char=""/>
+              <a:defRPr sz="900" kern="1200">
+                <a:solidFill>
+                  <a:schemeClr val="tx2"/>
+                </a:solidFill>
+                <a:latin typeface="+mn-lt"/>
+                <a:ea typeface="+mn-ea"/>
+                <a:cs typeface="+mn-cs"/>
+              </a:defRPr>
+            </a:lvl8pPr>
+            <a:lvl9pPr marL="2100000" indent="-171450" algn="l" defTabSz="342900" rtl="0" eaLnBrk="1" latinLnBrk="0" hangingPunct="1">
+              <a:spcBef>
+                <a:spcPct val="20000"/>
+              </a:spcBef>
+              <a:spcAft>
+                <a:spcPts val="450"/>
+              </a:spcAft>
+              <a:buClr>
+                <a:schemeClr val="accent2"/>
+              </a:buClr>
+              <a:buSzPct val="92000"/>
+              <a:buFont typeface="Wingdings 2" panose="05020102010507070707" pitchFamily="18" charset="2"/>
+              <a:buChar char=""/>
+              <a:defRPr sz="900" kern="1200">
+                <a:solidFill>
+                  <a:schemeClr val="tx2"/>
+                </a:solidFill>
+                <a:latin typeface="+mn-lt"/>
+                <a:ea typeface="+mn-ea"/>
+                <a:cs typeface="+mn-cs"/>
+              </a:defRPr>
+            </a:lvl9pPr>
+          </a:lstStyle>
+          <a:p>
+            <a:r>
+              <a:rPr lang="fr-FR" dirty="0" smtClean="0">
+                <a:sym typeface="Wingdings" panose="05000000000000000000" pitchFamily="2" charset="2"/>
+              </a:rPr>
+              <a:t>Dans le dossier « </a:t>
+            </a:r>
+            <a:r>
+              <a:rPr lang="fr-FR" dirty="0" err="1" smtClean="0">
+                <a:sym typeface="Wingdings" panose="05000000000000000000" pitchFamily="2" charset="2"/>
+              </a:rPr>
+              <a:t>src</a:t>
+            </a:r>
+            <a:r>
+              <a:rPr lang="fr-FR" dirty="0" smtClean="0">
+                <a:sym typeface="Wingdings" panose="05000000000000000000" pitchFamily="2" charset="2"/>
+              </a:rPr>
+              <a:t>/</a:t>
+            </a:r>
+            <a:r>
+              <a:rPr lang="fr-FR" dirty="0" err="1" smtClean="0">
+                <a:sym typeface="Wingdings" panose="05000000000000000000" pitchFamily="2" charset="2"/>
+              </a:rPr>
+              <a:t>testlink_dynamic</a:t>
+            </a:r>
+            <a:r>
+              <a:rPr lang="fr-FR" dirty="0" smtClean="0">
+                <a:sym typeface="Wingdings" panose="05000000000000000000" pitchFamily="2" charset="2"/>
+              </a:rPr>
+              <a:t> », lancer les commandes :</a:t>
+            </a:r>
+          </a:p>
+          <a:p>
+            <a:pPr lvl="1"/>
+            <a:r>
+              <a:rPr lang="fr-FR" dirty="0" smtClean="0">
+                <a:latin typeface="Cascadia Code" panose="020B0609020000020004" pitchFamily="49" charset="0"/>
+                <a:cs typeface="Cascadia Code" panose="020B0609020000020004" pitchFamily="49" charset="0"/>
+                <a:sym typeface="Wingdings" panose="05000000000000000000" pitchFamily="2" charset="2"/>
+              </a:rPr>
+              <a:t>cl /</a:t>
+            </a:r>
+            <a:r>
+              <a:rPr lang="fr-FR" dirty="0" err="1" smtClean="0">
+                <a:latin typeface="Cascadia Code" panose="020B0609020000020004" pitchFamily="49" charset="0"/>
+                <a:cs typeface="Cascadia Code" panose="020B0609020000020004" pitchFamily="49" charset="0"/>
+                <a:sym typeface="Wingdings" panose="05000000000000000000" pitchFamily="2" charset="2"/>
+              </a:rPr>
+              <a:t>EHsc</a:t>
+            </a:r>
+            <a:r>
+              <a:rPr lang="fr-FR" dirty="0" smtClean="0">
+                <a:latin typeface="Cascadia Code" panose="020B0609020000020004" pitchFamily="49" charset="0"/>
+                <a:cs typeface="Cascadia Code" panose="020B0609020000020004" pitchFamily="49" charset="0"/>
+                <a:sym typeface="Wingdings" panose="05000000000000000000" pitchFamily="2" charset="2"/>
+              </a:rPr>
+              <a:t> /c /I . .\</a:t>
+            </a:r>
+            <a:r>
+              <a:rPr lang="fr-FR" dirty="0">
+                <a:latin typeface="Cascadia Code" panose="020B0609020000020004" pitchFamily="49" charset="0"/>
+                <a:cs typeface="Cascadia Code" panose="020B0609020000020004" pitchFamily="49" charset="0"/>
+                <a:sym typeface="Wingdings" panose="05000000000000000000" pitchFamily="2" charset="2"/>
+              </a:rPr>
+              <a:t>foo.cpp </a:t>
+            </a:r>
+            <a:r>
+              <a:rPr lang="fr-FR" dirty="0" smtClean="0">
+                <a:latin typeface="Cascadia Code" panose="020B0609020000020004" pitchFamily="49" charset="0"/>
+                <a:cs typeface="Cascadia Code" panose="020B0609020000020004" pitchFamily="49" charset="0"/>
+                <a:sym typeface="Wingdings" panose="05000000000000000000" pitchFamily="2" charset="2"/>
+              </a:rPr>
+              <a:t>.\bar.cpp </a:t>
+            </a:r>
+            <a:r>
+              <a:rPr lang="fr-FR" dirty="0" smtClean="0">
+                <a:sym typeface="Wingdings" panose="05000000000000000000" pitchFamily="2" charset="2"/>
+              </a:rPr>
+              <a:t> foo.obj et bar.obj</a:t>
+            </a:r>
+          </a:p>
+          <a:p>
+            <a:pPr lvl="1"/>
+            <a:r>
+              <a:rPr lang="fr-FR" dirty="0" err="1" smtClean="0">
+                <a:latin typeface="Cascadia Code" panose="020B0609020000020004" pitchFamily="49" charset="0"/>
+                <a:cs typeface="Cascadia Code" panose="020B0609020000020004" pitchFamily="49" charset="0"/>
+                <a:sym typeface="Wingdings" panose="05000000000000000000" pitchFamily="2" charset="2"/>
+              </a:rPr>
+              <a:t>link</a:t>
+            </a:r>
+            <a:r>
+              <a:rPr lang="fr-FR" dirty="0" smtClean="0">
+                <a:latin typeface="Cascadia Code" panose="020B0609020000020004" pitchFamily="49" charset="0"/>
+                <a:cs typeface="Cascadia Code" panose="020B0609020000020004" pitchFamily="49" charset="0"/>
+                <a:sym typeface="Wingdings" panose="05000000000000000000" pitchFamily="2" charset="2"/>
+              </a:rPr>
+              <a:t> /DLL /</a:t>
+            </a:r>
+            <a:r>
+              <a:rPr lang="fr-FR" dirty="0" err="1" smtClean="0">
+                <a:latin typeface="Cascadia Code" panose="020B0609020000020004" pitchFamily="49" charset="0"/>
+                <a:cs typeface="Cascadia Code" panose="020B0609020000020004" pitchFamily="49" charset="0"/>
+                <a:sym typeface="Wingdings" panose="05000000000000000000" pitchFamily="2" charset="2"/>
+              </a:rPr>
+              <a:t>OUT:foobar.dll</a:t>
+            </a:r>
+            <a:r>
+              <a:rPr lang="fr-FR" dirty="0" smtClean="0">
+                <a:latin typeface="Cascadia Code" panose="020B0609020000020004" pitchFamily="49" charset="0"/>
+                <a:cs typeface="Cascadia Code" panose="020B0609020000020004" pitchFamily="49" charset="0"/>
+                <a:sym typeface="Wingdings" panose="05000000000000000000" pitchFamily="2" charset="2"/>
+              </a:rPr>
+              <a:t> *.</a:t>
+            </a:r>
+            <a:r>
+              <a:rPr lang="fr-FR" dirty="0" err="1" smtClean="0">
+                <a:latin typeface="Cascadia Code" panose="020B0609020000020004" pitchFamily="49" charset="0"/>
+                <a:cs typeface="Cascadia Code" panose="020B0609020000020004" pitchFamily="49" charset="0"/>
+                <a:sym typeface="Wingdings" panose="05000000000000000000" pitchFamily="2" charset="2"/>
+              </a:rPr>
+              <a:t>obj</a:t>
+            </a:r>
+            <a:r>
+              <a:rPr lang="fr-FR" dirty="0" smtClean="0">
+                <a:latin typeface="Cascadia Code" panose="020B0609020000020004" pitchFamily="49" charset="0"/>
+                <a:cs typeface="Cascadia Code" panose="020B0609020000020004" pitchFamily="49" charset="0"/>
+                <a:sym typeface="Wingdings" panose="05000000000000000000" pitchFamily="2" charset="2"/>
+              </a:rPr>
+              <a:t>  f</a:t>
+            </a:r>
+            <a:r>
+              <a:rPr lang="fr-FR" dirty="0" smtClean="0">
+                <a:sym typeface="Wingdings" panose="05000000000000000000" pitchFamily="2" charset="2"/>
+              </a:rPr>
+              <a:t>oobar.dll (+ *.</a:t>
+            </a:r>
+            <a:r>
+              <a:rPr lang="fr-FR" dirty="0" err="1" smtClean="0">
+                <a:sym typeface="Wingdings" panose="05000000000000000000" pitchFamily="2" charset="2"/>
+              </a:rPr>
+              <a:t>exp</a:t>
+            </a:r>
+            <a:r>
+              <a:rPr lang="fr-FR" dirty="0" smtClean="0">
+                <a:sym typeface="Wingdings" panose="05000000000000000000" pitchFamily="2" charset="2"/>
+              </a:rPr>
+              <a:t> + *.lib)</a:t>
+            </a:r>
+          </a:p>
+          <a:p>
+            <a:pPr lvl="1"/>
+            <a:r>
+              <a:rPr lang="fr-FR" dirty="0" smtClean="0">
+                <a:latin typeface="Cascadia Code" panose="020B0609020000020004" pitchFamily="49" charset="0"/>
+                <a:cs typeface="Cascadia Code" panose="020B0609020000020004" pitchFamily="49" charset="0"/>
+                <a:sym typeface="Wingdings" panose="05000000000000000000" pitchFamily="2" charset="2"/>
+              </a:rPr>
+              <a:t>cl /</a:t>
+            </a:r>
+            <a:r>
+              <a:rPr lang="fr-FR" dirty="0" err="1" smtClean="0">
+                <a:latin typeface="Cascadia Code" panose="020B0609020000020004" pitchFamily="49" charset="0"/>
+                <a:cs typeface="Cascadia Code" panose="020B0609020000020004" pitchFamily="49" charset="0"/>
+                <a:sym typeface="Wingdings" panose="05000000000000000000" pitchFamily="2" charset="2"/>
+              </a:rPr>
+              <a:t>EHsc</a:t>
+            </a:r>
+            <a:r>
+              <a:rPr lang="fr-FR" dirty="0" smtClean="0">
+                <a:latin typeface="Cascadia Code" panose="020B0609020000020004" pitchFamily="49" charset="0"/>
+                <a:cs typeface="Cascadia Code" panose="020B0609020000020004" pitchFamily="49" charset="0"/>
+                <a:sym typeface="Wingdings" panose="05000000000000000000" pitchFamily="2" charset="2"/>
+              </a:rPr>
+              <a:t> .\main.cpp /I . .\foobar.lib  </a:t>
+            </a:r>
+            <a:r>
+              <a:rPr lang="fr-FR" dirty="0" smtClean="0">
+                <a:latin typeface="+mj-lt"/>
+                <a:cs typeface="Cascadia Code" panose="020B0609020000020004" pitchFamily="49" charset="0"/>
+                <a:sym typeface="Wingdings" panose="05000000000000000000" pitchFamily="2" charset="2"/>
+              </a:rPr>
+              <a:t>main.exe</a:t>
+            </a:r>
+          </a:p>
+          <a:p>
+            <a:pPr lvl="1"/>
+            <a:r>
+              <a:rPr lang="fr-FR" dirty="0" smtClean="0">
+                <a:latin typeface="Cascadia Code" panose="020B0609020000020004" pitchFamily="49" charset="0"/>
+                <a:cs typeface="Cascadia Code" panose="020B0609020000020004" pitchFamily="49" charset="0"/>
+                <a:sym typeface="Wingdings" panose="05000000000000000000" pitchFamily="2" charset="2"/>
+              </a:rPr>
+              <a:t>(vous pouvez supprimer tous les fichiers </a:t>
+            </a:r>
+            <a:r>
+              <a:rPr lang="fr-FR" dirty="0" err="1" smtClean="0">
+                <a:latin typeface="Cascadia Code" panose="020B0609020000020004" pitchFamily="49" charset="0"/>
+                <a:cs typeface="Cascadia Code" panose="020B0609020000020004" pitchFamily="49" charset="0"/>
+                <a:sym typeface="Wingdings" panose="05000000000000000000" pitchFamily="2" charset="2"/>
+              </a:rPr>
+              <a:t>exp</a:t>
+            </a:r>
+            <a:r>
+              <a:rPr lang="fr-FR" dirty="0" smtClean="0">
+                <a:latin typeface="Cascadia Code" panose="020B0609020000020004" pitchFamily="49" charset="0"/>
+                <a:cs typeface="Cascadia Code" panose="020B0609020000020004" pitchFamily="49" charset="0"/>
+                <a:sym typeface="Wingdings" panose="05000000000000000000" pitchFamily="2" charset="2"/>
+              </a:rPr>
+              <a:t>, lib et </a:t>
+            </a:r>
+            <a:r>
+              <a:rPr lang="fr-FR" dirty="0" err="1" smtClean="0">
+                <a:latin typeface="Cascadia Code" panose="020B0609020000020004" pitchFamily="49" charset="0"/>
+                <a:cs typeface="Cascadia Code" panose="020B0609020000020004" pitchFamily="49" charset="0"/>
+                <a:sym typeface="Wingdings" panose="05000000000000000000" pitchFamily="2" charset="2"/>
+              </a:rPr>
+              <a:t>obj</a:t>
+            </a:r>
+            <a:r>
+              <a:rPr lang="fr-FR" dirty="0" smtClean="0">
+                <a:latin typeface="Cascadia Code" panose="020B0609020000020004" pitchFamily="49" charset="0"/>
+                <a:cs typeface="Cascadia Code" panose="020B0609020000020004" pitchFamily="49" charset="0"/>
+                <a:sym typeface="Wingdings" panose="05000000000000000000" pitchFamily="2" charset="2"/>
+              </a:rPr>
+              <a:t>)</a:t>
+            </a:r>
+          </a:p>
+          <a:p>
+            <a:pPr lvl="1"/>
+            <a:r>
+              <a:rPr lang="fr-FR" dirty="0" smtClean="0">
+                <a:latin typeface="Cascadia Code" panose="020B0609020000020004" pitchFamily="49" charset="0"/>
+                <a:cs typeface="Cascadia Code" panose="020B0609020000020004" pitchFamily="49" charset="0"/>
+                <a:sym typeface="Wingdings" panose="05000000000000000000" pitchFamily="2" charset="2"/>
+              </a:rPr>
+              <a:t>Lancer main.exe</a:t>
+            </a:r>
+          </a:p>
+          <a:p>
+            <a:endParaRPr lang="fr-FR" dirty="0" smtClean="0">
+              <a:sym typeface="Wingdings" panose="05000000000000000000" pitchFamily="2" charset="2"/>
             </a:endParaRPr>
           </a:p>
         </p:txBody>
       </p:sp>
       <p:sp>
         <p:nvSpPr>
-          <p:cNvPr id="6" name="ZoneTexte 5"/>
+          <p:cNvPr id="2" name="ZoneTexte 1"/>
           <p:cNvSpPr txBox="1"/>
           <p:nvPr/>
         </p:nvSpPr>
         <p:spPr>
           <a:xfrm>
-            <a:off x="330791" y="588580"/>
-            <a:ext cx="3757733" cy="3631763"/>
+            <a:off x="1116633" y="4711863"/>
+            <a:ext cx="3549370" cy="415498"/>
           </a:xfrm>
           <a:prstGeom prst="rect">
             <a:avLst/>
@@ -16541,81 +17444,92 @@
           <a:noFill/>
         </p:spPr>
         <p:txBody>
-          <a:bodyPr wrap="square" rtlCol="0">
+          <a:bodyPr wrap="none" rtlCol="0">
             <a:spAutoFit/>
           </a:bodyPr>
           <a:lstStyle/>
           <a:p>
             <a:r>
-              <a:rPr lang="fr-FR" sz="11500" b="1" spc="50" dirty="0" smtClean="0">
-                <a:ln w="9525" cmpd="sng">
-                  <a:solidFill>
-                    <a:schemeClr val="accent1"/>
-                  </a:solidFill>
-                  <a:prstDash val="solid"/>
-                </a:ln>
-                <a:solidFill>
-                  <a:srgbClr val="70AD47">
-                    <a:tint val="1000"/>
-                  </a:srgbClr>
-                </a:solidFill>
-                <a:effectLst>
-                  <a:glow rad="38100">
-                    <a:schemeClr val="accent1">
-                      <a:alpha val="40000"/>
-                    </a:schemeClr>
-                  </a:glow>
-                </a:effectLst>
-              </a:rPr>
-              <a:t>03</a:t>
-            </a:r>
-          </a:p>
-          <a:p>
-            <a:endParaRPr lang="fr-FR" sz="11500" dirty="0">
-              <a:ln w="0"/>
-              <a:solidFill>
-                <a:schemeClr val="accent1"/>
-              </a:solidFill>
-              <a:effectLst>
-                <a:outerShdw blurRad="38100" dist="25400" dir="5400000" algn="ctr" rotWithShape="0">
-                  <a:srgbClr val="6E747A">
-                    <a:alpha val="43000"/>
-                  </a:srgbClr>
-                </a:outerShdw>
-              </a:effectLst>
+              <a:rPr lang="fr-FR" sz="1050" dirty="0" smtClean="0"/>
+              <a:t>Les deux premières étapes peuvent se faire via la commande :</a:t>
+            </a:r>
+            <a:r>
+              <a:rPr lang="fr-FR" sz="1050" dirty="0"/>
+              <a:t/>
+            </a:r>
+            <a:br>
+              <a:rPr lang="fr-FR" sz="1050" dirty="0"/>
+            </a:br>
+            <a:r>
+              <a:rPr lang="fr-FR" sz="1050" dirty="0">
+                <a:latin typeface="Cascadia Code" panose="020B0609020000020004" pitchFamily="49" charset="0"/>
+                <a:cs typeface="Cascadia Code" panose="020B0609020000020004" pitchFamily="49" charset="0"/>
+              </a:rPr>
+              <a:t>cl /</a:t>
+            </a:r>
+            <a:r>
+              <a:rPr lang="fr-FR" sz="1050" dirty="0" err="1">
+                <a:latin typeface="Cascadia Code" panose="020B0609020000020004" pitchFamily="49" charset="0"/>
+                <a:cs typeface="Cascadia Code" panose="020B0609020000020004" pitchFamily="49" charset="0"/>
+              </a:rPr>
+              <a:t>EHsc</a:t>
+            </a:r>
+            <a:r>
+              <a:rPr lang="fr-FR" sz="1050" dirty="0">
+                <a:latin typeface="Cascadia Code" panose="020B0609020000020004" pitchFamily="49" charset="0"/>
+                <a:cs typeface="Cascadia Code" panose="020B0609020000020004" pitchFamily="49" charset="0"/>
+              </a:rPr>
+              <a:t> /I . .\foo.cpp </a:t>
+            </a:r>
+            <a:r>
+              <a:rPr lang="fr-FR" sz="1050" dirty="0">
+                <a:latin typeface="Cascadia Code" panose="020B0609020000020004" pitchFamily="49" charset="0"/>
+                <a:cs typeface="Cascadia Code" panose="020B0609020000020004" pitchFamily="49" charset="0"/>
+                <a:sym typeface="Wingdings" panose="05000000000000000000" pitchFamily="2" charset="2"/>
+              </a:rPr>
+              <a:t>/</a:t>
+            </a:r>
+            <a:r>
+              <a:rPr lang="fr-FR" sz="1050" dirty="0" err="1">
+                <a:latin typeface="Cascadia Code" panose="020B0609020000020004" pitchFamily="49" charset="0"/>
+                <a:cs typeface="Cascadia Code" panose="020B0609020000020004" pitchFamily="49" charset="0"/>
+                <a:sym typeface="Wingdings" panose="05000000000000000000" pitchFamily="2" charset="2"/>
+              </a:rPr>
+              <a:t>OUT:foobar.dll</a:t>
+            </a:r>
+            <a:r>
+              <a:rPr lang="fr-FR" sz="1050" dirty="0">
+                <a:latin typeface="Cascadia Code" panose="020B0609020000020004" pitchFamily="49" charset="0"/>
+                <a:cs typeface="Cascadia Code" panose="020B0609020000020004" pitchFamily="49" charset="0"/>
+                <a:sym typeface="Wingdings" panose="05000000000000000000" pitchFamily="2" charset="2"/>
+              </a:rPr>
+              <a:t> </a:t>
+            </a:r>
+            <a:r>
+              <a:rPr lang="fr-FR" sz="1050" dirty="0" smtClean="0">
+                <a:latin typeface="Cascadia Code" panose="020B0609020000020004" pitchFamily="49" charset="0"/>
+                <a:cs typeface="Cascadia Code" panose="020B0609020000020004" pitchFamily="49" charset="0"/>
+              </a:rPr>
+              <a:t>/</a:t>
+            </a:r>
+            <a:r>
+              <a:rPr lang="fr-FR" sz="1050" dirty="0">
+                <a:latin typeface="Cascadia Code" panose="020B0609020000020004" pitchFamily="49" charset="0"/>
+                <a:cs typeface="Cascadia Code" panose="020B0609020000020004" pitchFamily="49" charset="0"/>
+              </a:rPr>
+              <a:t>LD</a:t>
+            </a:r>
+            <a:endParaRPr lang="fr-FR" sz="1050" dirty="0" smtClean="0">
+              <a:latin typeface="Cascadia Code" panose="020B0609020000020004" pitchFamily="49" charset="0"/>
+              <a:cs typeface="Cascadia Code" panose="020B0609020000020004" pitchFamily="49" charset="0"/>
             </a:endParaRPr>
-          </a:p>
-        </p:txBody>
-      </p:sp>
-      <p:sp>
-        <p:nvSpPr>
-          <p:cNvPr id="3" name="Espace réservé du numéro de diapositive 2"/>
-          <p:cNvSpPr>
-            <a:spLocks noGrp="1"/>
-          </p:cNvSpPr>
-          <p:nvPr>
-            <p:ph type="sldNum" sz="quarter" idx="12"/>
-          </p:nvPr>
-        </p:nvSpPr>
-        <p:spPr/>
-        <p:txBody>
-          <a:bodyPr/>
-          <a:lstStyle/>
-          <a:p>
-            <a:pPr rtl="0"/>
-            <a:fld id="{D57F1E4F-1CFF-5643-939E-217C01CDF565}" type="slidenum">
-              <a:rPr lang="fr-FR" noProof="0" smtClean="0"/>
-              <a:pPr rtl="0"/>
-              <a:t>29</a:t>
-            </a:fld>
-            <a:endParaRPr lang="fr-FR" noProof="0"/>
           </a:p>
         </p:txBody>
       </p:sp>
     </p:spTree>
     <p:extLst>
       <p:ext uri="{BB962C8B-B14F-4D97-AF65-F5344CB8AC3E}">
-        <p14:creationId xmlns:p14="http://schemas.microsoft.com/office/powerpoint/2010/main" val="1179338591"/>
+        <p14:creationId xmlns:p14="http://schemas.microsoft.com/office/powerpoint/2010/main" val="2679510539"/>
       </p:ext>
     </p:extLst>
   </p:cSld>
@@ -16845,59 +17759,432 @@
       </p:grpSpPr>
       <p:sp>
         <p:nvSpPr>
-          <p:cNvPr id="2" name="Titre 1">
-            <a:extLst>
-              <a:ext uri="{FF2B5EF4-FFF2-40B4-BE49-F238E27FC236}">
-                <a16:creationId xmlns:a16="http://schemas.microsoft.com/office/drawing/2014/main" id="{C02C5318-1A1E-49D0-B2E2-A4B0FA9E8A40}"/>
-              </a:ext>
-            </a:extLst>
-          </p:cNvPr>
+          <p:cNvPr id="5" name="Titre 4"/>
           <p:cNvSpPr>
             <a:spLocks noGrp="1"/>
           </p:cNvSpPr>
           <p:nvPr>
-            <p:ph type="ctrTitle"/>
-          </p:nvPr>
+            <p:ph type="title"/>
+          </p:nvPr>
+        </p:nvSpPr>
+        <p:spPr/>
+        <p:txBody>
+          <a:bodyPr/>
+          <a:lstStyle/>
+          <a:p>
+            <a:r>
+              <a:rPr lang="fr-FR" dirty="0" smtClean="0"/>
+              <a:t>Exercice : </a:t>
+            </a:r>
+            <a:r>
+              <a:rPr lang="fr-FR" dirty="0" err="1" smtClean="0"/>
+              <a:t>link</a:t>
+            </a:r>
+            <a:r>
+              <a:rPr lang="fr-FR" dirty="0" smtClean="0"/>
+              <a:t> avec </a:t>
+            </a:r>
+            <a:r>
+              <a:rPr lang="fr-FR" dirty="0" err="1" smtClean="0"/>
+              <a:t>visual</a:t>
+            </a:r>
+            <a:r>
+              <a:rPr lang="fr-FR" dirty="0" smtClean="0"/>
+              <a:t> studio</a:t>
+            </a:r>
+            <a:endParaRPr lang="fr-FR" dirty="0"/>
+          </a:p>
+        </p:txBody>
+      </p:sp>
+      <p:sp>
+        <p:nvSpPr>
+          <p:cNvPr id="4" name="Espace réservé du numéro de diapositive 3"/>
+          <p:cNvSpPr>
+            <a:spLocks noGrp="1"/>
+          </p:cNvSpPr>
+          <p:nvPr>
+            <p:ph type="sldNum" sz="quarter" idx="12"/>
+          </p:nvPr>
+        </p:nvSpPr>
+        <p:spPr/>
+        <p:txBody>
+          <a:bodyPr/>
+          <a:lstStyle/>
+          <a:p>
+            <a:pPr rtl="0"/>
+            <a:fld id="{D57F1E4F-1CFF-5643-939E-217C01CDF565}" type="slidenum">
+              <a:rPr lang="fr-FR" noProof="0" smtClean="0"/>
+              <a:pPr rtl="0"/>
+              <a:t>30</a:t>
+            </a:fld>
+            <a:endParaRPr lang="fr-FR" noProof="0" dirty="0"/>
+          </a:p>
+        </p:txBody>
+      </p:sp>
+      <p:sp>
+        <p:nvSpPr>
+          <p:cNvPr id="7" name="Espace réservé du contenu 5"/>
+          <p:cNvSpPr txBox="1">
+            <a:spLocks/>
+          </p:cNvSpPr>
+          <p:nvPr/>
         </p:nvSpPr>
         <p:spPr>
           <a:xfrm>
-            <a:off x="330791" y="4545068"/>
-            <a:ext cx="8245162" cy="671433"/>
+            <a:off x="529898" y="1628324"/>
+            <a:ext cx="8272211" cy="2601844"/>
           </a:xfrm>
+          <a:prstGeom prst="rect">
+            <a:avLst/>
+          </a:prstGeom>
         </p:spPr>
         <p:txBody>
-          <a:bodyPr rtlCol="0">
-            <a:noAutofit/>
+          <a:bodyPr vert="horz" lIns="91440" tIns="45720" rIns="91440" bIns="45720" rtlCol="0" anchor="ctr">
+            <a:normAutofit/>
           </a:bodyPr>
-          <a:lstStyle/>
-          <a:p>
-            <a:pPr algn="r" rtl="0"/>
-            <a:r>
-              <a:rPr lang="fr-FR" sz="3150" dirty="0" smtClean="0">
-                <a:solidFill>
-                  <a:schemeClr val="bg1"/>
-                </a:solidFill>
-              </a:rPr>
-              <a:t>LA STD : Les conteneurs et les algorithmes</a:t>
-            </a:r>
-            <a:endParaRPr lang="fr-FR" sz="3150" dirty="0">
-              <a:solidFill>
-                <a:schemeClr val="bg1"/>
-              </a:solidFill>
+          <a:lstStyle>
+            <a:lvl1pPr marL="229500" indent="-229500" algn="l" defTabSz="342900" rtl="0" eaLnBrk="1" latinLnBrk="0" hangingPunct="1">
+              <a:spcBef>
+                <a:spcPct val="20000"/>
+              </a:spcBef>
+              <a:spcAft>
+                <a:spcPts val="450"/>
+              </a:spcAft>
+              <a:buClr>
+                <a:schemeClr val="accent2"/>
+              </a:buClr>
+              <a:buSzPct val="92000"/>
+              <a:buFont typeface="Wingdings 2" panose="05020102010507070707" pitchFamily="18" charset="2"/>
+              <a:buChar char=""/>
+              <a:defRPr sz="1350" kern="1200">
+                <a:solidFill>
+                  <a:schemeClr val="tx2"/>
+                </a:solidFill>
+                <a:latin typeface="+mn-lt"/>
+                <a:ea typeface="+mn-ea"/>
+                <a:cs typeface="+mn-cs"/>
+              </a:defRPr>
+            </a:lvl1pPr>
+            <a:lvl2pPr marL="472500" indent="-229500" algn="l" defTabSz="342900" rtl="0" eaLnBrk="1" latinLnBrk="0" hangingPunct="1">
+              <a:spcBef>
+                <a:spcPct val="20000"/>
+              </a:spcBef>
+              <a:spcAft>
+                <a:spcPts val="450"/>
+              </a:spcAft>
+              <a:buClr>
+                <a:schemeClr val="accent2"/>
+              </a:buClr>
+              <a:buSzPct val="92000"/>
+              <a:buFont typeface="Wingdings 2" panose="05020102010507070707" pitchFamily="18" charset="2"/>
+              <a:buChar char=""/>
+              <a:defRPr sz="1200" kern="1200">
+                <a:solidFill>
+                  <a:schemeClr val="tx2"/>
+                </a:solidFill>
+                <a:latin typeface="+mn-lt"/>
+                <a:ea typeface="+mn-ea"/>
+                <a:cs typeface="+mn-cs"/>
+              </a:defRPr>
+            </a:lvl2pPr>
+            <a:lvl3pPr marL="675000" indent="-202500" algn="l" defTabSz="342900" rtl="0" eaLnBrk="1" latinLnBrk="0" hangingPunct="1">
+              <a:spcBef>
+                <a:spcPct val="20000"/>
+              </a:spcBef>
+              <a:spcAft>
+                <a:spcPts val="450"/>
+              </a:spcAft>
+              <a:buClr>
+                <a:schemeClr val="accent2"/>
+              </a:buClr>
+              <a:buSzPct val="92000"/>
+              <a:buFont typeface="Wingdings 2" panose="05020102010507070707" pitchFamily="18" charset="2"/>
+              <a:buChar char=""/>
+              <a:defRPr sz="1050" kern="1200">
+                <a:solidFill>
+                  <a:schemeClr val="tx2"/>
+                </a:solidFill>
+                <a:latin typeface="+mn-lt"/>
+                <a:ea typeface="+mn-ea"/>
+                <a:cs typeface="+mn-cs"/>
+              </a:defRPr>
+            </a:lvl3pPr>
+            <a:lvl4pPr marL="931500" indent="-175500" algn="l" defTabSz="342900" rtl="0" eaLnBrk="1" latinLnBrk="0" hangingPunct="1">
+              <a:spcBef>
+                <a:spcPct val="20000"/>
+              </a:spcBef>
+              <a:spcAft>
+                <a:spcPts val="450"/>
+              </a:spcAft>
+              <a:buClr>
+                <a:schemeClr val="accent2"/>
+              </a:buClr>
+              <a:buSzPct val="92000"/>
+              <a:buFont typeface="Wingdings 2" panose="05020102010507070707" pitchFamily="18" charset="2"/>
+              <a:buChar char=""/>
+              <a:defRPr sz="900" kern="1200">
+                <a:solidFill>
+                  <a:schemeClr val="tx2"/>
+                </a:solidFill>
+                <a:latin typeface="+mn-lt"/>
+                <a:ea typeface="+mn-ea"/>
+                <a:cs typeface="+mn-cs"/>
+              </a:defRPr>
+            </a:lvl4pPr>
+            <a:lvl5pPr marL="1201500" indent="-175500" algn="l" defTabSz="342900" rtl="0" eaLnBrk="1" latinLnBrk="0" hangingPunct="1">
+              <a:spcBef>
+                <a:spcPct val="20000"/>
+              </a:spcBef>
+              <a:spcAft>
+                <a:spcPts val="450"/>
+              </a:spcAft>
+              <a:buClr>
+                <a:schemeClr val="accent2"/>
+              </a:buClr>
+              <a:buSzPct val="92000"/>
+              <a:buFont typeface="Wingdings 2" panose="05020102010507070707" pitchFamily="18" charset="2"/>
+              <a:buChar char=""/>
+              <a:defRPr sz="900" kern="1200">
+                <a:solidFill>
+                  <a:schemeClr val="tx2"/>
+                </a:solidFill>
+                <a:latin typeface="+mn-lt"/>
+                <a:ea typeface="+mn-ea"/>
+                <a:cs typeface="+mn-cs"/>
+              </a:defRPr>
+            </a:lvl5pPr>
+            <a:lvl6pPr marL="1425000" indent="-171450" algn="l" defTabSz="342900" rtl="0" eaLnBrk="1" latinLnBrk="0" hangingPunct="1">
+              <a:spcBef>
+                <a:spcPct val="20000"/>
+              </a:spcBef>
+              <a:spcAft>
+                <a:spcPts val="450"/>
+              </a:spcAft>
+              <a:buClr>
+                <a:schemeClr val="accent2"/>
+              </a:buClr>
+              <a:buSzPct val="92000"/>
+              <a:buFont typeface="Wingdings 2" panose="05020102010507070707" pitchFamily="18" charset="2"/>
+              <a:buChar char=""/>
+              <a:defRPr sz="900" kern="1200">
+                <a:solidFill>
+                  <a:schemeClr val="tx2"/>
+                </a:solidFill>
+                <a:latin typeface="+mn-lt"/>
+                <a:ea typeface="+mn-ea"/>
+                <a:cs typeface="+mn-cs"/>
+              </a:defRPr>
+            </a:lvl6pPr>
+            <a:lvl7pPr marL="1650000" indent="-171450" algn="l" defTabSz="342900" rtl="0" eaLnBrk="1" latinLnBrk="0" hangingPunct="1">
+              <a:spcBef>
+                <a:spcPct val="20000"/>
+              </a:spcBef>
+              <a:spcAft>
+                <a:spcPts val="450"/>
+              </a:spcAft>
+              <a:buClr>
+                <a:schemeClr val="accent2"/>
+              </a:buClr>
+              <a:buSzPct val="92000"/>
+              <a:buFont typeface="Wingdings 2" panose="05020102010507070707" pitchFamily="18" charset="2"/>
+              <a:buChar char=""/>
+              <a:defRPr sz="900" kern="1200">
+                <a:solidFill>
+                  <a:schemeClr val="tx2"/>
+                </a:solidFill>
+                <a:latin typeface="+mn-lt"/>
+                <a:ea typeface="+mn-ea"/>
+                <a:cs typeface="+mn-cs"/>
+              </a:defRPr>
+            </a:lvl7pPr>
+            <a:lvl8pPr marL="1875000" indent="-171450" algn="l" defTabSz="342900" rtl="0" eaLnBrk="1" latinLnBrk="0" hangingPunct="1">
+              <a:spcBef>
+                <a:spcPct val="20000"/>
+              </a:spcBef>
+              <a:spcAft>
+                <a:spcPts val="450"/>
+              </a:spcAft>
+              <a:buClr>
+                <a:schemeClr val="accent2"/>
+              </a:buClr>
+              <a:buSzPct val="92000"/>
+              <a:buFont typeface="Wingdings 2" panose="05020102010507070707" pitchFamily="18" charset="2"/>
+              <a:buChar char=""/>
+              <a:defRPr sz="900" kern="1200">
+                <a:solidFill>
+                  <a:schemeClr val="tx2"/>
+                </a:solidFill>
+                <a:latin typeface="+mn-lt"/>
+                <a:ea typeface="+mn-ea"/>
+                <a:cs typeface="+mn-cs"/>
+              </a:defRPr>
+            </a:lvl8pPr>
+            <a:lvl9pPr marL="2100000" indent="-171450" algn="l" defTabSz="342900" rtl="0" eaLnBrk="1" latinLnBrk="0" hangingPunct="1">
+              <a:spcBef>
+                <a:spcPct val="20000"/>
+              </a:spcBef>
+              <a:spcAft>
+                <a:spcPts val="450"/>
+              </a:spcAft>
+              <a:buClr>
+                <a:schemeClr val="accent2"/>
+              </a:buClr>
+              <a:buSzPct val="92000"/>
+              <a:buFont typeface="Wingdings 2" panose="05020102010507070707" pitchFamily="18" charset="2"/>
+              <a:buChar char=""/>
+              <a:defRPr sz="900" kern="1200">
+                <a:solidFill>
+                  <a:schemeClr val="tx2"/>
+                </a:solidFill>
+                <a:latin typeface="+mn-lt"/>
+                <a:ea typeface="+mn-ea"/>
+                <a:cs typeface="+mn-cs"/>
+              </a:defRPr>
+            </a:lvl9pPr>
+          </a:lstStyle>
+          <a:p>
+            <a:r>
+              <a:rPr lang="fr-FR" dirty="0" smtClean="0">
+                <a:sym typeface="Wingdings" panose="05000000000000000000" pitchFamily="2" charset="2"/>
+              </a:rPr>
+              <a:t>Ouvrir Visual</a:t>
+            </a:r>
+            <a:endParaRPr lang="fr-FR" dirty="0">
+              <a:sym typeface="Wingdings" panose="05000000000000000000" pitchFamily="2" charset="2"/>
             </a:endParaRPr>
           </a:p>
-        </p:txBody>
-      </p:sp>
-      <p:sp>
-        <p:nvSpPr>
-          <p:cNvPr id="6" name="ZoneTexte 5"/>
+          <a:p>
+            <a:r>
+              <a:rPr lang="fr-FR" dirty="0" smtClean="0">
+                <a:sym typeface="Wingdings" panose="05000000000000000000" pitchFamily="2" charset="2"/>
+              </a:rPr>
+              <a:t>Importez le dossier « </a:t>
+            </a:r>
+            <a:r>
+              <a:rPr lang="fr-FR" dirty="0" err="1" smtClean="0">
+                <a:sym typeface="Wingdings" panose="05000000000000000000" pitchFamily="2" charset="2"/>
+              </a:rPr>
+              <a:t>testlink_visual</a:t>
+            </a:r>
+            <a:r>
+              <a:rPr lang="fr-FR" dirty="0" smtClean="0">
+                <a:sym typeface="Wingdings" panose="05000000000000000000" pitchFamily="2" charset="2"/>
+              </a:rPr>
+              <a:t> » un projet : Fichier </a:t>
+            </a:r>
+            <a:r>
+              <a:rPr lang="fr-FR" dirty="0" err="1" smtClean="0">
+                <a:sym typeface="Wingdings" panose="05000000000000000000" pitchFamily="2" charset="2"/>
+              </a:rPr>
+              <a:t>NouveauProjet</a:t>
+            </a:r>
+            <a:r>
+              <a:rPr lang="fr-FR" dirty="0" smtClean="0">
+                <a:sym typeface="Wingdings" panose="05000000000000000000" pitchFamily="2" charset="2"/>
+              </a:rPr>
+              <a:t> à partir de code existant…</a:t>
+            </a:r>
+          </a:p>
+          <a:p>
+            <a:r>
+              <a:rPr lang="fr-FR" dirty="0" smtClean="0">
+                <a:sym typeface="Wingdings" panose="05000000000000000000" pitchFamily="2" charset="2"/>
+              </a:rPr>
+              <a:t>Essayer de compiler main.cpp  Erreur ?</a:t>
+            </a:r>
+          </a:p>
+          <a:p>
+            <a:r>
+              <a:rPr lang="fr-FR" dirty="0" smtClean="0">
+                <a:sym typeface="Wingdings" panose="05000000000000000000" pitchFamily="2" charset="2"/>
+              </a:rPr>
+              <a:t>Propriétés C/C++  Général Autres répertoires </a:t>
+            </a:r>
+            <a:r>
+              <a:rPr lang="fr-FR" dirty="0" err="1" smtClean="0">
+                <a:sym typeface="Wingdings" panose="05000000000000000000" pitchFamily="2" charset="2"/>
+              </a:rPr>
+              <a:t>include</a:t>
+            </a:r>
+            <a:endParaRPr lang="fr-FR" dirty="0" smtClean="0">
+              <a:sym typeface="Wingdings" panose="05000000000000000000" pitchFamily="2" charset="2"/>
+            </a:endParaRPr>
+          </a:p>
+          <a:p>
+            <a:r>
+              <a:rPr lang="fr-FR" dirty="0">
+                <a:sym typeface="Wingdings" panose="05000000000000000000" pitchFamily="2" charset="2"/>
+              </a:rPr>
+              <a:t>Essayer de compiler </a:t>
+            </a:r>
+            <a:r>
+              <a:rPr lang="fr-FR" dirty="0" smtClean="0">
+                <a:sym typeface="Wingdings" panose="05000000000000000000" pitchFamily="2" charset="2"/>
+              </a:rPr>
+              <a:t>le projet  </a:t>
+            </a:r>
+            <a:r>
+              <a:rPr lang="fr-FR" dirty="0">
+                <a:sym typeface="Wingdings" panose="05000000000000000000" pitchFamily="2" charset="2"/>
+              </a:rPr>
+              <a:t>Erreur </a:t>
+            </a:r>
+            <a:r>
+              <a:rPr lang="fr-FR" dirty="0" smtClean="0">
+                <a:sym typeface="Wingdings" panose="05000000000000000000" pitchFamily="2" charset="2"/>
+              </a:rPr>
+              <a:t>?</a:t>
+            </a:r>
+          </a:p>
+          <a:p>
+            <a:r>
+              <a:rPr lang="fr-FR" dirty="0">
+                <a:sym typeface="Wingdings" panose="05000000000000000000" pitchFamily="2" charset="2"/>
+              </a:rPr>
+              <a:t>Propriétés </a:t>
+            </a:r>
+            <a:r>
+              <a:rPr lang="fr-FR" dirty="0" smtClean="0">
+                <a:sym typeface="Wingdings" panose="05000000000000000000" pitchFamily="2" charset="2"/>
+              </a:rPr>
+              <a:t>Editeur de liens  entrée  dépendances supplémentaires  +foobar.lib</a:t>
+            </a:r>
+          </a:p>
+          <a:p>
+            <a:r>
+              <a:rPr lang="fr-FR" dirty="0">
+                <a:sym typeface="Wingdings" panose="05000000000000000000" pitchFamily="2" charset="2"/>
+              </a:rPr>
+              <a:t>Compilez et exécutez le projet</a:t>
+            </a:r>
+          </a:p>
+          <a:p>
+            <a:endParaRPr lang="fr-FR" dirty="0">
+              <a:sym typeface="Wingdings" panose="05000000000000000000" pitchFamily="2" charset="2"/>
+            </a:endParaRPr>
+          </a:p>
+          <a:p>
+            <a:endParaRPr lang="fr-FR" dirty="0" smtClean="0">
+              <a:sym typeface="Wingdings" panose="05000000000000000000" pitchFamily="2" charset="2"/>
+            </a:endParaRPr>
+          </a:p>
+          <a:p>
+            <a:endParaRPr lang="fr-FR" dirty="0" smtClean="0">
+              <a:sym typeface="Wingdings" panose="05000000000000000000" pitchFamily="2" charset="2"/>
+            </a:endParaRPr>
+          </a:p>
+        </p:txBody>
+      </p:sp>
+      <p:sp>
+        <p:nvSpPr>
+          <p:cNvPr id="2" name="ZoneTexte 1"/>
           <p:cNvSpPr txBox="1"/>
           <p:nvPr/>
         </p:nvSpPr>
         <p:spPr>
           <a:xfrm>
-            <a:off x="330791" y="588580"/>
-            <a:ext cx="3757733" cy="3631763"/>
+            <a:off x="1185000" y="4022419"/>
+            <a:ext cx="6037230" cy="415498"/>
           </a:xfrm>
           <a:prstGeom prst="rect">
             <a:avLst/>
@@ -16905,81 +18192,86 @@
           <a:noFill/>
         </p:spPr>
         <p:txBody>
-          <a:bodyPr wrap="square" rtlCol="0">
+          <a:bodyPr wrap="none" rtlCol="0">
             <a:spAutoFit/>
           </a:bodyPr>
           <a:lstStyle/>
           <a:p>
             <a:r>
-              <a:rPr lang="fr-FR" sz="11500" b="1" spc="50" dirty="0" smtClean="0">
-                <a:ln w="9525" cmpd="sng">
-                  <a:solidFill>
-                    <a:schemeClr val="accent1"/>
-                  </a:solidFill>
-                  <a:prstDash val="solid"/>
-                </a:ln>
-                <a:solidFill>
-                  <a:srgbClr val="70AD47">
-                    <a:tint val="1000"/>
-                  </a:srgbClr>
-                </a:solidFill>
-                <a:effectLst>
-                  <a:glow rad="38100">
-                    <a:schemeClr val="accent1">
-                      <a:alpha val="40000"/>
-                    </a:schemeClr>
-                  </a:glow>
-                </a:effectLst>
-              </a:rPr>
-              <a:t>04</a:t>
-            </a:r>
-          </a:p>
-          <a:p>
-            <a:endParaRPr lang="fr-FR" sz="11500" dirty="0">
-              <a:ln w="0"/>
-              <a:solidFill>
-                <a:schemeClr val="accent1"/>
-              </a:solidFill>
-              <a:effectLst>
-                <a:outerShdw blurRad="38100" dist="25400" dir="5400000" algn="ctr" rotWithShape="0">
-                  <a:srgbClr val="6E747A">
-                    <a:alpha val="43000"/>
-                  </a:srgbClr>
-                </a:outerShdw>
-              </a:effectLst>
+              <a:rPr lang="fr-FR" sz="1050" dirty="0" smtClean="0"/>
+              <a:t>Pour choisir de compiler un exécutable, une bibliothèque dynamique ou une bibliothèque statique, c’est ici :</a:t>
+            </a:r>
+            <a:br>
+              <a:rPr lang="fr-FR" sz="1050" dirty="0" smtClean="0"/>
+            </a:br>
+            <a:r>
+              <a:rPr lang="fr-FR" sz="1050" dirty="0" smtClean="0">
+                <a:sym typeface="Wingdings" panose="05000000000000000000" pitchFamily="2" charset="2"/>
+              </a:rPr>
+              <a:t>Propriétés  Général Type de configuration</a:t>
+            </a:r>
+            <a:endParaRPr lang="fr-FR" sz="1050" dirty="0" smtClean="0">
+              <a:latin typeface="Cascadia Code" panose="020B0609020000020004" pitchFamily="49" charset="0"/>
+              <a:cs typeface="Cascadia Code" panose="020B0609020000020004" pitchFamily="49" charset="0"/>
             </a:endParaRPr>
           </a:p>
         </p:txBody>
       </p:sp>
       <p:sp>
         <p:nvSpPr>
-          <p:cNvPr id="3" name="Espace réservé du numéro de diapositive 2"/>
-          <p:cNvSpPr>
-            <a:spLocks noGrp="1"/>
-          </p:cNvSpPr>
-          <p:nvPr>
-            <p:ph type="sldNum" sz="quarter" idx="12"/>
-          </p:nvPr>
-        </p:nvSpPr>
-        <p:spPr/>
-        <p:txBody>
-          <a:bodyPr/>
+          <p:cNvPr id="6" name="ZoneTexte 5"/>
+          <p:cNvSpPr txBox="1"/>
+          <p:nvPr/>
+        </p:nvSpPr>
+        <p:spPr>
+          <a:xfrm>
+            <a:off x="1185000" y="4711863"/>
+            <a:ext cx="6545382" cy="577081"/>
+          </a:xfrm>
+          <a:prstGeom prst="rect">
+            <a:avLst/>
+          </a:prstGeom>
+          <a:noFill/>
+        </p:spPr>
+        <p:txBody>
+          <a:bodyPr wrap="none" rtlCol="0">
+            <a:spAutoFit/>
+          </a:bodyPr>
           <a:lstStyle/>
           <a:p>
-            <a:pPr rtl="0"/>
-            <a:fld id="{D57F1E4F-1CFF-5643-939E-217C01CDF565}" type="slidenum">
-              <a:rPr lang="fr-FR" noProof="0" smtClean="0"/>
-              <a:pPr rtl="0"/>
-              <a:t>30</a:t>
-            </a:fld>
-            <a:endParaRPr lang="fr-FR" noProof="0"/>
+            <a:r>
+              <a:rPr lang="fr-FR" sz="1050" dirty="0" smtClean="0"/>
+              <a:t>Si vous n’avez pas le .lib, vous pouvez en générer un à partir d’un .dll</a:t>
+            </a:r>
+            <a:br>
+              <a:rPr lang="fr-FR" sz="1050" dirty="0" smtClean="0"/>
+            </a:br>
+            <a:r>
+              <a:rPr lang="fr-FR" sz="1050" dirty="0" smtClean="0"/>
+              <a:t>voir ici </a:t>
+            </a:r>
+            <a:r>
+              <a:rPr lang="fr-FR" sz="1050" dirty="0"/>
+              <a:t>par exemple :</a:t>
+            </a:r>
+            <a:br>
+              <a:rPr lang="fr-FR" sz="1050" dirty="0"/>
+            </a:br>
+            <a:r>
+              <a:rPr lang="fr-FR" sz="1050" dirty="0"/>
+              <a:t>https://web.archive.org/web/20160228170508/https://adrianhenke.wordpress.com/2008/12/05/create-lib-file-from-dll/</a:t>
+            </a:r>
+            <a:endParaRPr lang="fr-FR" sz="1050" dirty="0" smtClean="0">
+              <a:latin typeface="Cascadia Code" panose="020B0609020000020004" pitchFamily="49" charset="0"/>
+              <a:cs typeface="Cascadia Code" panose="020B0609020000020004" pitchFamily="49" charset="0"/>
+            </a:endParaRPr>
           </a:p>
         </p:txBody>
       </p:sp>
     </p:spTree>
     <p:extLst>
       <p:ext uri="{BB962C8B-B14F-4D97-AF65-F5344CB8AC3E}">
-        <p14:creationId xmlns:p14="http://schemas.microsoft.com/office/powerpoint/2010/main" val="2018679570"/>
+        <p14:creationId xmlns:p14="http://schemas.microsoft.com/office/powerpoint/2010/main" val="2640381197"/>
       </p:ext>
     </p:extLst>
   </p:cSld>
@@ -17048,7 +18340,7 @@
                   <a:schemeClr val="bg1"/>
                 </a:solidFill>
               </a:rPr>
-              <a:t>Options de compilation</a:t>
+              <a:t>Entêtes précompilées</a:t>
             </a:r>
             <a:endParaRPr lang="fr-FR" sz="3150" dirty="0">
               <a:solidFill>
@@ -17101,7 +18393,7 @@
                   </a:glow>
                 </a:effectLst>
               </a:rPr>
-              <a:t>05</a:t>
+              <a:t>03</a:t>
             </a:r>
           </a:p>
           <a:p>
@@ -17149,7 +18441,7 @@
     </p:spTree>
     <p:extLst>
       <p:ext uri="{BB962C8B-B14F-4D97-AF65-F5344CB8AC3E}">
-        <p14:creationId xmlns:p14="http://schemas.microsoft.com/office/powerpoint/2010/main" val="1309852808"/>
+        <p14:creationId xmlns:p14="http://schemas.microsoft.com/office/powerpoint/2010/main" val="1179338591"/>
       </p:ext>
     </p:extLst>
   </p:cSld>
@@ -17185,6 +18477,1377 @@
       </p:grpSpPr>
       <p:sp>
         <p:nvSpPr>
+          <p:cNvPr id="5" name="Titre 4"/>
+          <p:cNvSpPr>
+            <a:spLocks noGrp="1"/>
+          </p:cNvSpPr>
+          <p:nvPr>
+            <p:ph type="title"/>
+          </p:nvPr>
+        </p:nvSpPr>
+        <p:spPr/>
+        <p:txBody>
+          <a:bodyPr/>
+          <a:lstStyle/>
+          <a:p>
+            <a:r>
+              <a:rPr lang="fr-FR" dirty="0"/>
+              <a:t>Entêtes </a:t>
+            </a:r>
+            <a:r>
+              <a:rPr lang="fr-FR" dirty="0" smtClean="0"/>
+              <a:t>précompilées - </a:t>
+            </a:r>
+            <a:r>
+              <a:rPr lang="fr-FR" dirty="0" err="1" smtClean="0"/>
+              <a:t>Precompiled</a:t>
+            </a:r>
+            <a:r>
+              <a:rPr lang="fr-FR" dirty="0" smtClean="0"/>
+              <a:t> </a:t>
+            </a:r>
+            <a:r>
+              <a:rPr lang="fr-FR" dirty="0"/>
+              <a:t>header</a:t>
+            </a:r>
+          </a:p>
+        </p:txBody>
+      </p:sp>
+      <p:sp>
+        <p:nvSpPr>
+          <p:cNvPr id="6" name="Espace réservé du contenu 5"/>
+          <p:cNvSpPr>
+            <a:spLocks noGrp="1"/>
+          </p:cNvSpPr>
+          <p:nvPr>
+            <p:ph idx="1"/>
+          </p:nvPr>
+        </p:nvSpPr>
+        <p:spPr/>
+        <p:txBody>
+          <a:bodyPr/>
+          <a:lstStyle/>
+          <a:p>
+            <a:r>
+              <a:rPr lang="fr-FR" dirty="0" err="1" smtClean="0"/>
+              <a:t>Def</a:t>
+            </a:r>
+            <a:r>
+              <a:rPr lang="fr-FR" dirty="0" smtClean="0"/>
+              <a:t> : C’est un fichier header compilé dans une forme intermédiaire (</a:t>
+            </a:r>
+            <a:r>
+              <a:rPr lang="fr-FR" dirty="0" err="1" smtClean="0"/>
+              <a:t>stdafx.h</a:t>
+            </a:r>
+            <a:r>
+              <a:rPr lang="fr-FR" dirty="0" smtClean="0"/>
+              <a:t> pour </a:t>
+            </a:r>
+            <a:r>
+              <a:rPr lang="fr-FR" dirty="0" err="1" smtClean="0"/>
+              <a:t>visual</a:t>
+            </a:r>
+            <a:r>
+              <a:rPr lang="fr-FR" dirty="0" smtClean="0"/>
+              <a:t> &lt;=2017, </a:t>
+            </a:r>
+            <a:r>
+              <a:rPr lang="fr-FR" dirty="0" err="1" smtClean="0"/>
+              <a:t>pch.h</a:t>
+            </a:r>
+            <a:r>
+              <a:rPr lang="fr-FR" dirty="0" smtClean="0"/>
+              <a:t> pour </a:t>
+            </a:r>
+            <a:r>
+              <a:rPr lang="fr-FR" dirty="0" err="1" smtClean="0"/>
+              <a:t>visual</a:t>
+            </a:r>
+            <a:r>
+              <a:rPr lang="fr-FR" dirty="0" smtClean="0"/>
+              <a:t> 2019, ) -&gt; compilé en *.</a:t>
+            </a:r>
+            <a:r>
+              <a:rPr lang="fr-FR" dirty="0" err="1" smtClean="0"/>
+              <a:t>pch</a:t>
+            </a:r>
+            <a:r>
+              <a:rPr lang="fr-FR" dirty="0" smtClean="0"/>
+              <a:t> (</a:t>
+            </a:r>
+            <a:r>
+              <a:rPr lang="fr-FR" dirty="0" err="1" smtClean="0"/>
+              <a:t>visual</a:t>
+            </a:r>
+            <a:r>
+              <a:rPr lang="fr-FR" dirty="0" smtClean="0"/>
+              <a:t>) ou *.</a:t>
+            </a:r>
+            <a:r>
+              <a:rPr lang="fr-FR" dirty="0" err="1" smtClean="0"/>
+              <a:t>gch</a:t>
+            </a:r>
+            <a:r>
+              <a:rPr lang="fr-FR" dirty="0" smtClean="0"/>
+              <a:t> (GNU)</a:t>
+            </a:r>
+          </a:p>
+          <a:p>
+            <a:r>
+              <a:rPr lang="fr-FR" dirty="0"/>
+              <a:t>Pour qui ? GCC &gt;= 3.4 et VS &gt;= </a:t>
+            </a:r>
+            <a:r>
+              <a:rPr lang="fr-FR" dirty="0" smtClean="0"/>
+              <a:t>2008. Fichiers stables et statiques (lib, </a:t>
+            </a:r>
+            <a:r>
+              <a:rPr lang="fr-FR" dirty="0" err="1" smtClean="0"/>
+              <a:t>stl</a:t>
+            </a:r>
+            <a:r>
+              <a:rPr lang="fr-FR" dirty="0" smtClean="0"/>
+              <a:t>, box…).</a:t>
+            </a:r>
+          </a:p>
+          <a:p>
+            <a:r>
+              <a:rPr lang="fr-FR" dirty="0" smtClean="0"/>
+              <a:t>Pourquoi : pendant le </a:t>
+            </a:r>
+            <a:r>
+              <a:rPr lang="fr-FR" dirty="0" err="1" smtClean="0"/>
+              <a:t>dev</a:t>
+            </a:r>
+            <a:r>
+              <a:rPr lang="fr-FR" dirty="0" smtClean="0"/>
+              <a:t>, pour limiter les temps de compilation qui peuvent être très lourds en C++ (</a:t>
+            </a:r>
+            <a:r>
+              <a:rPr lang="fr-FR" dirty="0" err="1" smtClean="0"/>
+              <a:t>std</a:t>
+            </a:r>
+            <a:r>
+              <a:rPr lang="fr-FR" dirty="0" smtClean="0"/>
+              <a:t>::</a:t>
+            </a:r>
+            <a:r>
+              <a:rPr lang="fr-FR" dirty="0" err="1" smtClean="0"/>
+              <a:t>vector</a:t>
+            </a:r>
+            <a:r>
+              <a:rPr lang="fr-FR" dirty="0"/>
+              <a:t> </a:t>
+            </a:r>
+            <a:r>
+              <a:rPr lang="fr-FR" dirty="0" smtClean="0"/>
+              <a:t>par exemple) (et c’est de pire en pire avec la </a:t>
+            </a:r>
+            <a:r>
+              <a:rPr lang="fr-FR" dirty="0" err="1" smtClean="0"/>
+              <a:t>meta</a:t>
+            </a:r>
+            <a:r>
+              <a:rPr lang="fr-FR" dirty="0" smtClean="0"/>
+              <a:t>-programmation et les grosse bibliothèques (</a:t>
+            </a:r>
+            <a:r>
+              <a:rPr lang="fr-FR" dirty="0" err="1" smtClean="0"/>
+              <a:t>boost</a:t>
+            </a:r>
+            <a:r>
+              <a:rPr lang="fr-FR" dirty="0" smtClean="0"/>
+              <a:t>, </a:t>
+            </a:r>
+            <a:r>
+              <a:rPr lang="fr-FR" dirty="0" err="1" smtClean="0"/>
+              <a:t>eigen</a:t>
+            </a:r>
+            <a:r>
+              <a:rPr lang="fr-FR" dirty="0" smtClean="0"/>
+              <a:t>, etc.))</a:t>
+            </a:r>
+          </a:p>
+          <a:p>
+            <a:endParaRPr lang="fr-FR" dirty="0" smtClean="0"/>
+          </a:p>
+        </p:txBody>
+      </p:sp>
+      <p:sp>
+        <p:nvSpPr>
+          <p:cNvPr id="4" name="Espace réservé du numéro de diapositive 3"/>
+          <p:cNvSpPr>
+            <a:spLocks noGrp="1"/>
+          </p:cNvSpPr>
+          <p:nvPr>
+            <p:ph type="sldNum" sz="quarter" idx="12"/>
+          </p:nvPr>
+        </p:nvSpPr>
+        <p:spPr/>
+        <p:txBody>
+          <a:bodyPr/>
+          <a:lstStyle/>
+          <a:p>
+            <a:pPr rtl="0"/>
+            <a:fld id="{D57F1E4F-1CFF-5643-939E-217C01CDF565}" type="slidenum">
+              <a:rPr lang="fr-FR" noProof="0" smtClean="0"/>
+              <a:pPr rtl="0"/>
+              <a:t>32</a:t>
+            </a:fld>
+            <a:endParaRPr lang="fr-FR" noProof="0" dirty="0"/>
+          </a:p>
+        </p:txBody>
+      </p:sp>
+    </p:spTree>
+    <p:extLst>
+      <p:ext uri="{BB962C8B-B14F-4D97-AF65-F5344CB8AC3E}">
+        <p14:creationId xmlns:p14="http://schemas.microsoft.com/office/powerpoint/2010/main" val="3833744031"/>
+      </p:ext>
+    </p:extLst>
+  </p:cSld>
+  <p:clrMapOvr>
+    <a:masterClrMapping/>
+  </p:clrMapOvr>
+</p:sld>
+</file>
+
+<file path=ppt/slides/slide33.xml><?xml version="1.0" encoding="utf-8"?>
+<p:sld xmlns:a="http://schemas.openxmlformats.org/drawingml/2006/main" xmlns:r="http://schemas.openxmlformats.org/officeDocument/2006/relationships" xmlns:p="http://schemas.openxmlformats.org/presentationml/2006/main">
+  <p:cSld>
+    <p:spTree>
+      <p:nvGrpSpPr>
+        <p:cNvPr id="1" name=""/>
+        <p:cNvGrpSpPr/>
+        <p:nvPr/>
+      </p:nvGrpSpPr>
+      <p:grpSpPr>
+        <a:xfrm>
+          <a:off x="0" y="0"/>
+          <a:ext cx="0" cy="0"/>
+          <a:chOff x="0" y="0"/>
+          <a:chExt cx="0" cy="0"/>
+        </a:xfrm>
+      </p:grpSpPr>
+      <p:sp>
+        <p:nvSpPr>
+          <p:cNvPr id="5" name="Titre 4"/>
+          <p:cNvSpPr>
+            <a:spLocks noGrp="1"/>
+          </p:cNvSpPr>
+          <p:nvPr>
+            <p:ph type="title"/>
+          </p:nvPr>
+        </p:nvSpPr>
+        <p:spPr/>
+        <p:txBody>
+          <a:bodyPr/>
+          <a:lstStyle/>
+          <a:p>
+            <a:r>
+              <a:rPr lang="fr-FR" dirty="0" smtClean="0"/>
+              <a:t>Exemple</a:t>
+            </a:r>
+            <a:endParaRPr lang="fr-FR" dirty="0"/>
+          </a:p>
+        </p:txBody>
+      </p:sp>
+      <p:sp>
+        <p:nvSpPr>
+          <p:cNvPr id="6" name="Espace réservé du contenu 5"/>
+          <p:cNvSpPr>
+            <a:spLocks noGrp="1"/>
+          </p:cNvSpPr>
+          <p:nvPr>
+            <p:ph idx="1"/>
+          </p:nvPr>
+        </p:nvSpPr>
+        <p:spPr/>
+        <p:txBody>
+          <a:bodyPr/>
+          <a:lstStyle/>
+          <a:p>
+            <a:r>
+              <a:rPr lang="fr-FR" dirty="0" smtClean="0"/>
+              <a:t>main.cpp + </a:t>
+            </a:r>
+            <a:r>
+              <a:rPr lang="fr-FR" dirty="0" err="1" smtClean="0"/>
+              <a:t>header.h</a:t>
+            </a:r>
+            <a:r>
+              <a:rPr lang="fr-FR" dirty="0" smtClean="0"/>
+              <a:t> -&gt; première compilation, on compile tout et on génère un header.pch</a:t>
+            </a:r>
+          </a:p>
+          <a:p>
+            <a:r>
+              <a:rPr lang="fr-FR" dirty="0" smtClean="0"/>
+              <a:t>À la prochaine compilation, si l’horodatage de </a:t>
+            </a:r>
+            <a:r>
+              <a:rPr lang="fr-FR" dirty="0" err="1" smtClean="0"/>
+              <a:t>header.h</a:t>
+            </a:r>
+            <a:r>
+              <a:rPr lang="fr-FR" dirty="0" smtClean="0"/>
+              <a:t> n’a pas changé, le compilateur ne recompile pas </a:t>
+            </a:r>
+            <a:r>
+              <a:rPr lang="fr-FR" dirty="0" err="1" smtClean="0"/>
+              <a:t>header.h</a:t>
+            </a:r>
+            <a:r>
+              <a:rPr lang="fr-FR" dirty="0" smtClean="0"/>
+              <a:t>, il utilise directement header.pch</a:t>
+            </a:r>
+          </a:p>
+          <a:p>
+            <a:endParaRPr lang="fr-FR" dirty="0"/>
+          </a:p>
+          <a:p>
+            <a:r>
+              <a:rPr lang="fr-FR" dirty="0" smtClean="0"/>
+              <a:t>Dans VS : option de compilation /Y*. Visual peut précompiler les headers et les </a:t>
+            </a:r>
+            <a:r>
+              <a:rPr lang="fr-FR" dirty="0" err="1" smtClean="0"/>
+              <a:t>cpp</a:t>
+            </a:r>
+            <a:r>
+              <a:rPr lang="fr-FR" dirty="0" smtClean="0"/>
+              <a:t>.</a:t>
+            </a:r>
+          </a:p>
+          <a:p>
+            <a:pPr lvl="1"/>
+            <a:r>
+              <a:rPr lang="fr-FR" dirty="0" smtClean="0"/>
+              <a:t>/</a:t>
+            </a:r>
+            <a:r>
+              <a:rPr lang="fr-FR" dirty="0" err="1" smtClean="0"/>
+              <a:t>Yc</a:t>
+            </a:r>
+            <a:r>
+              <a:rPr lang="fr-FR" dirty="0" smtClean="0"/>
+              <a:t> pour activer les entêtes précompilées</a:t>
+            </a:r>
+          </a:p>
+          <a:p>
+            <a:pPr lvl="1"/>
+            <a:r>
+              <a:rPr lang="fr-FR" dirty="0"/>
+              <a:t>/</a:t>
+            </a:r>
+            <a:r>
+              <a:rPr lang="fr-FR" dirty="0" err="1" smtClean="0"/>
+              <a:t>Yu</a:t>
+            </a:r>
+            <a:r>
+              <a:rPr lang="fr-FR" dirty="0" smtClean="0"/>
+              <a:t> permet de renseigner un fichier </a:t>
+            </a:r>
+            <a:r>
+              <a:rPr lang="fr-FR" dirty="0" err="1" smtClean="0"/>
+              <a:t>déjàj</a:t>
+            </a:r>
+            <a:r>
+              <a:rPr lang="fr-FR" dirty="0" smtClean="0"/>
+              <a:t> généré en particulier</a:t>
+            </a:r>
+          </a:p>
+          <a:p>
+            <a:pPr lvl="1"/>
+            <a:r>
+              <a:rPr lang="fr-FR" dirty="0" smtClean="0"/>
+              <a:t>/FP permet de spécifier le nom de l’entête</a:t>
+            </a:r>
+          </a:p>
+          <a:p>
+            <a:r>
+              <a:rPr lang="fr-FR" dirty="0" smtClean="0"/>
+              <a:t>Règles : </a:t>
+            </a:r>
+          </a:p>
+          <a:p>
+            <a:pPr lvl="1"/>
+            <a:r>
+              <a:rPr lang="fr-FR" dirty="0" smtClean="0"/>
+              <a:t>on ne peut pas partager un *.</a:t>
+            </a:r>
+            <a:r>
+              <a:rPr lang="fr-FR" dirty="0" err="1" smtClean="0"/>
+              <a:t>pch</a:t>
+            </a:r>
+            <a:r>
+              <a:rPr lang="fr-FR" dirty="0" smtClean="0"/>
+              <a:t>. Dépendant de la machine sur laquelle il a été créé.</a:t>
+            </a:r>
+          </a:p>
+          <a:p>
+            <a:pPr lvl="1"/>
+            <a:r>
+              <a:rPr lang="fr-FR" dirty="0" smtClean="0"/>
+              <a:t>Bien que l’utilisation d’un </a:t>
+            </a:r>
+            <a:r>
+              <a:rPr lang="fr-FR" dirty="0" err="1" smtClean="0"/>
+              <a:t>pch</a:t>
+            </a:r>
+            <a:r>
+              <a:rPr lang="fr-FR" dirty="0" smtClean="0"/>
+              <a:t> ayant été créé avec une configuration différentes (options de compilation, </a:t>
+            </a:r>
+            <a:r>
+              <a:rPr lang="fr-FR" dirty="0" err="1" smtClean="0"/>
+              <a:t>debug</a:t>
+            </a:r>
+            <a:r>
+              <a:rPr lang="fr-FR" dirty="0" smtClean="0"/>
+              <a:t>, variables d’environnement etc.) est permise, des incohérences et des warnings peuvent apparaître.</a:t>
+            </a:r>
+          </a:p>
+          <a:p>
+            <a:pPr lvl="1"/>
+            <a:r>
+              <a:rPr lang="fr-FR" dirty="0" smtClean="0"/>
+              <a:t>On ne récupère pas les symboles définis dans un fichier d’entête spécifique </a:t>
+            </a:r>
+          </a:p>
+          <a:p>
+            <a:endParaRPr lang="fr-FR" dirty="0" smtClean="0"/>
+          </a:p>
+        </p:txBody>
+      </p:sp>
+      <p:sp>
+        <p:nvSpPr>
+          <p:cNvPr id="4" name="Espace réservé du numéro de diapositive 3"/>
+          <p:cNvSpPr>
+            <a:spLocks noGrp="1"/>
+          </p:cNvSpPr>
+          <p:nvPr>
+            <p:ph type="sldNum" sz="quarter" idx="12"/>
+          </p:nvPr>
+        </p:nvSpPr>
+        <p:spPr/>
+        <p:txBody>
+          <a:bodyPr/>
+          <a:lstStyle/>
+          <a:p>
+            <a:pPr rtl="0"/>
+            <a:fld id="{D57F1E4F-1CFF-5643-939E-217C01CDF565}" type="slidenum">
+              <a:rPr lang="fr-FR" noProof="0" smtClean="0"/>
+              <a:pPr rtl="0"/>
+              <a:t>33</a:t>
+            </a:fld>
+            <a:endParaRPr lang="fr-FR" noProof="0" dirty="0"/>
+          </a:p>
+        </p:txBody>
+      </p:sp>
+    </p:spTree>
+    <p:extLst>
+      <p:ext uri="{BB962C8B-B14F-4D97-AF65-F5344CB8AC3E}">
+        <p14:creationId xmlns:p14="http://schemas.microsoft.com/office/powerpoint/2010/main" val="2794617608"/>
+      </p:ext>
+    </p:extLst>
+  </p:cSld>
+  <p:clrMapOvr>
+    <a:masterClrMapping/>
+  </p:clrMapOvr>
+</p:sld>
+</file>
+
+<file path=ppt/slides/slide34.xml><?xml version="1.0" encoding="utf-8"?>
+<p:sld xmlns:a="http://schemas.openxmlformats.org/drawingml/2006/main" xmlns:r="http://schemas.openxmlformats.org/officeDocument/2006/relationships" xmlns:p="http://schemas.openxmlformats.org/presentationml/2006/main">
+  <p:cSld>
+    <p:spTree>
+      <p:nvGrpSpPr>
+        <p:cNvPr id="1" name=""/>
+        <p:cNvGrpSpPr/>
+        <p:nvPr/>
+      </p:nvGrpSpPr>
+      <p:grpSpPr>
+        <a:xfrm>
+          <a:off x="0" y="0"/>
+          <a:ext cx="0" cy="0"/>
+          <a:chOff x="0" y="0"/>
+          <a:chExt cx="0" cy="0"/>
+        </a:xfrm>
+      </p:grpSpPr>
+      <p:sp>
+        <p:nvSpPr>
+          <p:cNvPr id="5" name="Titre 4"/>
+          <p:cNvSpPr>
+            <a:spLocks noGrp="1"/>
+          </p:cNvSpPr>
+          <p:nvPr>
+            <p:ph type="title"/>
+          </p:nvPr>
+        </p:nvSpPr>
+        <p:spPr/>
+        <p:txBody>
+          <a:bodyPr/>
+          <a:lstStyle/>
+          <a:p>
+            <a:r>
+              <a:rPr lang="fr-FR" dirty="0" smtClean="0"/>
+              <a:t>Exemple depuis la ligne de commande</a:t>
+            </a:r>
+            <a:endParaRPr lang="fr-FR" dirty="0"/>
+          </a:p>
+        </p:txBody>
+      </p:sp>
+      <p:sp>
+        <p:nvSpPr>
+          <p:cNvPr id="6" name="Espace réservé du contenu 5"/>
+          <p:cNvSpPr>
+            <a:spLocks noGrp="1"/>
+          </p:cNvSpPr>
+          <p:nvPr>
+            <p:ph idx="1"/>
+          </p:nvPr>
+        </p:nvSpPr>
+        <p:spPr>
+          <a:xfrm>
+            <a:off x="435895" y="1364896"/>
+            <a:ext cx="8272211" cy="634820"/>
+          </a:xfrm>
+        </p:spPr>
+        <p:txBody>
+          <a:bodyPr/>
+          <a:lstStyle/>
+          <a:p>
+            <a:r>
+              <a:rPr lang="fr-FR" dirty="0" smtClean="0"/>
+              <a:t>Exemple de </a:t>
+            </a:r>
+            <a:r>
+              <a:rPr lang="fr-FR" dirty="0" err="1" smtClean="0"/>
+              <a:t>makefile</a:t>
+            </a:r>
+            <a:r>
+              <a:rPr lang="fr-FR" dirty="0" smtClean="0"/>
+              <a:t> venu de </a:t>
+            </a:r>
+            <a:r>
+              <a:rPr lang="fr-FR" dirty="0" err="1" smtClean="0"/>
+              <a:t>microsoft</a:t>
+            </a:r>
+            <a:endParaRPr lang="fr-FR" dirty="0" smtClean="0"/>
+          </a:p>
+        </p:txBody>
+      </p:sp>
+      <p:sp>
+        <p:nvSpPr>
+          <p:cNvPr id="4" name="Espace réservé du numéro de diapositive 3"/>
+          <p:cNvSpPr>
+            <a:spLocks noGrp="1"/>
+          </p:cNvSpPr>
+          <p:nvPr>
+            <p:ph type="sldNum" sz="quarter" idx="12"/>
+          </p:nvPr>
+        </p:nvSpPr>
+        <p:spPr/>
+        <p:txBody>
+          <a:bodyPr/>
+          <a:lstStyle/>
+          <a:p>
+            <a:pPr rtl="0"/>
+            <a:fld id="{D57F1E4F-1CFF-5643-939E-217C01CDF565}" type="slidenum">
+              <a:rPr lang="fr-FR" noProof="0" smtClean="0"/>
+              <a:pPr rtl="0"/>
+              <a:t>34</a:t>
+            </a:fld>
+            <a:endParaRPr lang="fr-FR" noProof="0" dirty="0"/>
+          </a:p>
+        </p:txBody>
+      </p:sp>
+      <p:pic>
+        <p:nvPicPr>
+          <p:cNvPr id="2" name="Image 1"/>
+          <p:cNvPicPr>
+            <a:picLocks noChangeAspect="1"/>
+          </p:cNvPicPr>
+          <p:nvPr/>
+        </p:nvPicPr>
+        <p:blipFill>
+          <a:blip r:embed="rId2"/>
+          <a:stretch>
+            <a:fillRect/>
+          </a:stretch>
+        </p:blipFill>
+        <p:spPr>
+          <a:xfrm>
+            <a:off x="727729" y="2042845"/>
+            <a:ext cx="5069627" cy="3364797"/>
+          </a:xfrm>
+          <a:prstGeom prst="rect">
+            <a:avLst/>
+          </a:prstGeom>
+        </p:spPr>
+      </p:pic>
+      <p:sp>
+        <p:nvSpPr>
+          <p:cNvPr id="7" name="Espace réservé du contenu 5"/>
+          <p:cNvSpPr txBox="1">
+            <a:spLocks/>
+          </p:cNvSpPr>
+          <p:nvPr/>
+        </p:nvSpPr>
+        <p:spPr>
+          <a:xfrm>
+            <a:off x="5878143" y="2042844"/>
+            <a:ext cx="3173498" cy="2631705"/>
+          </a:xfrm>
+          <a:prstGeom prst="rect">
+            <a:avLst/>
+          </a:prstGeom>
+        </p:spPr>
+        <p:txBody>
+          <a:bodyPr vert="horz" lIns="91440" tIns="45720" rIns="91440" bIns="45720" rtlCol="0" anchor="ctr">
+            <a:normAutofit/>
+          </a:bodyPr>
+          <a:lstStyle>
+            <a:lvl1pPr marL="229500" indent="-229500" algn="l" defTabSz="342900" rtl="0" eaLnBrk="1" latinLnBrk="0" hangingPunct="1">
+              <a:spcBef>
+                <a:spcPct val="20000"/>
+              </a:spcBef>
+              <a:spcAft>
+                <a:spcPts val="450"/>
+              </a:spcAft>
+              <a:buClr>
+                <a:schemeClr val="accent2"/>
+              </a:buClr>
+              <a:buSzPct val="92000"/>
+              <a:buFont typeface="Wingdings 2" panose="05020102010507070707" pitchFamily="18" charset="2"/>
+              <a:buChar char=""/>
+              <a:defRPr sz="1350" kern="1200">
+                <a:solidFill>
+                  <a:schemeClr val="tx2"/>
+                </a:solidFill>
+                <a:latin typeface="+mn-lt"/>
+                <a:ea typeface="+mn-ea"/>
+                <a:cs typeface="+mn-cs"/>
+              </a:defRPr>
+            </a:lvl1pPr>
+            <a:lvl2pPr marL="472500" indent="-229500" algn="l" defTabSz="342900" rtl="0" eaLnBrk="1" latinLnBrk="0" hangingPunct="1">
+              <a:spcBef>
+                <a:spcPct val="20000"/>
+              </a:spcBef>
+              <a:spcAft>
+                <a:spcPts val="450"/>
+              </a:spcAft>
+              <a:buClr>
+                <a:schemeClr val="accent2"/>
+              </a:buClr>
+              <a:buSzPct val="92000"/>
+              <a:buFont typeface="Wingdings 2" panose="05020102010507070707" pitchFamily="18" charset="2"/>
+              <a:buChar char=""/>
+              <a:defRPr sz="1200" kern="1200">
+                <a:solidFill>
+                  <a:schemeClr val="tx2"/>
+                </a:solidFill>
+                <a:latin typeface="+mn-lt"/>
+                <a:ea typeface="+mn-ea"/>
+                <a:cs typeface="+mn-cs"/>
+              </a:defRPr>
+            </a:lvl2pPr>
+            <a:lvl3pPr marL="675000" indent="-202500" algn="l" defTabSz="342900" rtl="0" eaLnBrk="1" latinLnBrk="0" hangingPunct="1">
+              <a:spcBef>
+                <a:spcPct val="20000"/>
+              </a:spcBef>
+              <a:spcAft>
+                <a:spcPts val="450"/>
+              </a:spcAft>
+              <a:buClr>
+                <a:schemeClr val="accent2"/>
+              </a:buClr>
+              <a:buSzPct val="92000"/>
+              <a:buFont typeface="Wingdings 2" panose="05020102010507070707" pitchFamily="18" charset="2"/>
+              <a:buChar char=""/>
+              <a:defRPr sz="1050" kern="1200">
+                <a:solidFill>
+                  <a:schemeClr val="tx2"/>
+                </a:solidFill>
+                <a:latin typeface="+mn-lt"/>
+                <a:ea typeface="+mn-ea"/>
+                <a:cs typeface="+mn-cs"/>
+              </a:defRPr>
+            </a:lvl3pPr>
+            <a:lvl4pPr marL="931500" indent="-175500" algn="l" defTabSz="342900" rtl="0" eaLnBrk="1" latinLnBrk="0" hangingPunct="1">
+              <a:spcBef>
+                <a:spcPct val="20000"/>
+              </a:spcBef>
+              <a:spcAft>
+                <a:spcPts val="450"/>
+              </a:spcAft>
+              <a:buClr>
+                <a:schemeClr val="accent2"/>
+              </a:buClr>
+              <a:buSzPct val="92000"/>
+              <a:buFont typeface="Wingdings 2" panose="05020102010507070707" pitchFamily="18" charset="2"/>
+              <a:buChar char=""/>
+              <a:defRPr sz="900" kern="1200">
+                <a:solidFill>
+                  <a:schemeClr val="tx2"/>
+                </a:solidFill>
+                <a:latin typeface="+mn-lt"/>
+                <a:ea typeface="+mn-ea"/>
+                <a:cs typeface="+mn-cs"/>
+              </a:defRPr>
+            </a:lvl4pPr>
+            <a:lvl5pPr marL="1201500" indent="-175500" algn="l" defTabSz="342900" rtl="0" eaLnBrk="1" latinLnBrk="0" hangingPunct="1">
+              <a:spcBef>
+                <a:spcPct val="20000"/>
+              </a:spcBef>
+              <a:spcAft>
+                <a:spcPts val="450"/>
+              </a:spcAft>
+              <a:buClr>
+                <a:schemeClr val="accent2"/>
+              </a:buClr>
+              <a:buSzPct val="92000"/>
+              <a:buFont typeface="Wingdings 2" panose="05020102010507070707" pitchFamily="18" charset="2"/>
+              <a:buChar char=""/>
+              <a:defRPr sz="900" kern="1200">
+                <a:solidFill>
+                  <a:schemeClr val="tx2"/>
+                </a:solidFill>
+                <a:latin typeface="+mn-lt"/>
+                <a:ea typeface="+mn-ea"/>
+                <a:cs typeface="+mn-cs"/>
+              </a:defRPr>
+            </a:lvl5pPr>
+            <a:lvl6pPr marL="1425000" indent="-171450" algn="l" defTabSz="342900" rtl="0" eaLnBrk="1" latinLnBrk="0" hangingPunct="1">
+              <a:spcBef>
+                <a:spcPct val="20000"/>
+              </a:spcBef>
+              <a:spcAft>
+                <a:spcPts val="450"/>
+              </a:spcAft>
+              <a:buClr>
+                <a:schemeClr val="accent2"/>
+              </a:buClr>
+              <a:buSzPct val="92000"/>
+              <a:buFont typeface="Wingdings 2" panose="05020102010507070707" pitchFamily="18" charset="2"/>
+              <a:buChar char=""/>
+              <a:defRPr sz="900" kern="1200">
+                <a:solidFill>
+                  <a:schemeClr val="tx2"/>
+                </a:solidFill>
+                <a:latin typeface="+mn-lt"/>
+                <a:ea typeface="+mn-ea"/>
+                <a:cs typeface="+mn-cs"/>
+              </a:defRPr>
+            </a:lvl6pPr>
+            <a:lvl7pPr marL="1650000" indent="-171450" algn="l" defTabSz="342900" rtl="0" eaLnBrk="1" latinLnBrk="0" hangingPunct="1">
+              <a:spcBef>
+                <a:spcPct val="20000"/>
+              </a:spcBef>
+              <a:spcAft>
+                <a:spcPts val="450"/>
+              </a:spcAft>
+              <a:buClr>
+                <a:schemeClr val="accent2"/>
+              </a:buClr>
+              <a:buSzPct val="92000"/>
+              <a:buFont typeface="Wingdings 2" panose="05020102010507070707" pitchFamily="18" charset="2"/>
+              <a:buChar char=""/>
+              <a:defRPr sz="900" kern="1200">
+                <a:solidFill>
+                  <a:schemeClr val="tx2"/>
+                </a:solidFill>
+                <a:latin typeface="+mn-lt"/>
+                <a:ea typeface="+mn-ea"/>
+                <a:cs typeface="+mn-cs"/>
+              </a:defRPr>
+            </a:lvl7pPr>
+            <a:lvl8pPr marL="1875000" indent="-171450" algn="l" defTabSz="342900" rtl="0" eaLnBrk="1" latinLnBrk="0" hangingPunct="1">
+              <a:spcBef>
+                <a:spcPct val="20000"/>
+              </a:spcBef>
+              <a:spcAft>
+                <a:spcPts val="450"/>
+              </a:spcAft>
+              <a:buClr>
+                <a:schemeClr val="accent2"/>
+              </a:buClr>
+              <a:buSzPct val="92000"/>
+              <a:buFont typeface="Wingdings 2" panose="05020102010507070707" pitchFamily="18" charset="2"/>
+              <a:buChar char=""/>
+              <a:defRPr sz="900" kern="1200">
+                <a:solidFill>
+                  <a:schemeClr val="tx2"/>
+                </a:solidFill>
+                <a:latin typeface="+mn-lt"/>
+                <a:ea typeface="+mn-ea"/>
+                <a:cs typeface="+mn-cs"/>
+              </a:defRPr>
+            </a:lvl8pPr>
+            <a:lvl9pPr marL="2100000" indent="-171450" algn="l" defTabSz="342900" rtl="0" eaLnBrk="1" latinLnBrk="0" hangingPunct="1">
+              <a:spcBef>
+                <a:spcPct val="20000"/>
+              </a:spcBef>
+              <a:spcAft>
+                <a:spcPts val="450"/>
+              </a:spcAft>
+              <a:buClr>
+                <a:schemeClr val="accent2"/>
+              </a:buClr>
+              <a:buSzPct val="92000"/>
+              <a:buFont typeface="Wingdings 2" panose="05020102010507070707" pitchFamily="18" charset="2"/>
+              <a:buChar char=""/>
+              <a:defRPr sz="900" kern="1200">
+                <a:solidFill>
+                  <a:schemeClr val="tx2"/>
+                </a:solidFill>
+                <a:latin typeface="+mn-lt"/>
+                <a:ea typeface="+mn-ea"/>
+                <a:cs typeface="+mn-cs"/>
+              </a:defRPr>
+            </a:lvl9pPr>
+          </a:lstStyle>
+          <a:p>
+            <a:r>
+              <a:rPr lang="fr-FR" dirty="0" smtClean="0"/>
+              <a:t>Entête précompilée : stable.pch</a:t>
+            </a:r>
+          </a:p>
+          <a:p>
+            <a:r>
+              <a:rPr lang="fr-FR" dirty="0" smtClean="0"/>
+              <a:t>Compilation avec /</a:t>
+            </a:r>
+            <a:r>
+              <a:rPr lang="fr-FR" dirty="0" err="1" smtClean="0"/>
+              <a:t>Yc</a:t>
+            </a:r>
+            <a:endParaRPr lang="fr-FR" dirty="0" smtClean="0"/>
+          </a:p>
+          <a:p>
+            <a:r>
+              <a:rPr lang="fr-FR" dirty="0" smtClean="0"/>
+              <a:t>Utilisation de l’entête avec /</a:t>
+            </a:r>
+            <a:r>
+              <a:rPr lang="fr-FR" dirty="0" err="1" smtClean="0"/>
+              <a:t>Yu</a:t>
+            </a:r>
+            <a:endParaRPr lang="fr-FR" dirty="0" smtClean="0"/>
+          </a:p>
+        </p:txBody>
+      </p:sp>
+    </p:spTree>
+    <p:extLst>
+      <p:ext uri="{BB962C8B-B14F-4D97-AF65-F5344CB8AC3E}">
+        <p14:creationId xmlns:p14="http://schemas.microsoft.com/office/powerpoint/2010/main" val="1326372928"/>
+      </p:ext>
+    </p:extLst>
+  </p:cSld>
+  <p:clrMapOvr>
+    <a:masterClrMapping/>
+  </p:clrMapOvr>
+</p:sld>
+</file>
+
+<file path=ppt/slides/slide35.xml><?xml version="1.0" encoding="utf-8"?>
+<p:sld xmlns:a="http://schemas.openxmlformats.org/drawingml/2006/main" xmlns:r="http://schemas.openxmlformats.org/officeDocument/2006/relationships" xmlns:p="http://schemas.openxmlformats.org/presentationml/2006/main">
+  <p:cSld>
+    <p:spTree>
+      <p:nvGrpSpPr>
+        <p:cNvPr id="1" name=""/>
+        <p:cNvGrpSpPr/>
+        <p:nvPr/>
+      </p:nvGrpSpPr>
+      <p:grpSpPr>
+        <a:xfrm>
+          <a:off x="0" y="0"/>
+          <a:ext cx="0" cy="0"/>
+          <a:chOff x="0" y="0"/>
+          <a:chExt cx="0" cy="0"/>
+        </a:xfrm>
+      </p:grpSpPr>
+      <p:sp>
+        <p:nvSpPr>
+          <p:cNvPr id="5" name="Titre 4"/>
+          <p:cNvSpPr>
+            <a:spLocks noGrp="1"/>
+          </p:cNvSpPr>
+          <p:nvPr>
+            <p:ph type="title"/>
+          </p:nvPr>
+        </p:nvSpPr>
+        <p:spPr/>
+        <p:txBody>
+          <a:bodyPr/>
+          <a:lstStyle/>
+          <a:p>
+            <a:r>
+              <a:rPr lang="fr-FR" dirty="0" smtClean="0"/>
+              <a:t>Exemple depuis </a:t>
+            </a:r>
+            <a:r>
+              <a:rPr lang="fr-FR" dirty="0" err="1" smtClean="0"/>
+              <a:t>Qmake</a:t>
+            </a:r>
+            <a:endParaRPr lang="fr-FR" dirty="0"/>
+          </a:p>
+        </p:txBody>
+      </p:sp>
+      <p:sp>
+        <p:nvSpPr>
+          <p:cNvPr id="6" name="Espace réservé du contenu 5"/>
+          <p:cNvSpPr>
+            <a:spLocks noGrp="1"/>
+          </p:cNvSpPr>
+          <p:nvPr>
+            <p:ph idx="1"/>
+          </p:nvPr>
+        </p:nvSpPr>
+        <p:spPr>
+          <a:xfrm>
+            <a:off x="435895" y="1364896"/>
+            <a:ext cx="8272211" cy="4018954"/>
+          </a:xfrm>
+        </p:spPr>
+        <p:txBody>
+          <a:bodyPr>
+            <a:normAutofit/>
+          </a:bodyPr>
+          <a:lstStyle/>
+          <a:p>
+            <a:r>
+              <a:rPr lang="fr-FR" dirty="0" smtClean="0"/>
+              <a:t>Dans </a:t>
+            </a:r>
+            <a:r>
+              <a:rPr lang="fr-FR" dirty="0"/>
+              <a:t>le répertoire </a:t>
+            </a:r>
+            <a:r>
+              <a:rPr lang="fr-FR" dirty="0" smtClean="0"/>
+              <a:t>exercices\</a:t>
+            </a:r>
+            <a:r>
+              <a:rPr lang="fr-FR" dirty="0" err="1" smtClean="0"/>
+              <a:t>precompiledHeader</a:t>
+            </a:r>
+            <a:r>
+              <a:rPr lang="fr-FR" dirty="0" smtClean="0"/>
+              <a:t>\</a:t>
+            </a:r>
+            <a:r>
+              <a:rPr lang="fr-FR" dirty="0" err="1" smtClean="0"/>
+              <a:t>qmake</a:t>
+            </a:r>
+            <a:r>
+              <a:rPr lang="fr-FR" dirty="0" smtClean="0"/>
+              <a:t> ouvrez visual.pro</a:t>
+            </a:r>
+          </a:p>
+          <a:p>
+            <a:pPr lvl="1"/>
+            <a:r>
+              <a:rPr lang="fr-FR" dirty="0" smtClean="0"/>
+              <a:t>L’entête précompilée n’est pas ajoutée aux headers !</a:t>
+            </a:r>
+          </a:p>
+          <a:p>
+            <a:r>
+              <a:rPr lang="fr-FR" dirty="0" smtClean="0"/>
+              <a:t>Renseignez le script build_and_run.bat</a:t>
+            </a:r>
+          </a:p>
+          <a:p>
+            <a:r>
+              <a:rPr lang="fr-FR" dirty="0" smtClean="0"/>
+              <a:t>Lancer le script</a:t>
+            </a:r>
+          </a:p>
+          <a:p>
+            <a:r>
+              <a:rPr lang="fr-FR" dirty="0" smtClean="0"/>
+              <a:t>Relever les informations d’activation des entêtes précompilées affectées aux fichiers sources</a:t>
+            </a:r>
+          </a:p>
+          <a:p>
+            <a:r>
+              <a:rPr lang="fr-FR" dirty="0" smtClean="0"/>
+              <a:t>Que remarquez-vous ?</a:t>
+            </a:r>
+            <a:endParaRPr lang="fr-FR" dirty="0"/>
+          </a:p>
+        </p:txBody>
+      </p:sp>
+      <p:sp>
+        <p:nvSpPr>
+          <p:cNvPr id="4" name="Espace réservé du numéro de diapositive 3"/>
+          <p:cNvSpPr>
+            <a:spLocks noGrp="1"/>
+          </p:cNvSpPr>
+          <p:nvPr>
+            <p:ph type="sldNum" sz="quarter" idx="12"/>
+          </p:nvPr>
+        </p:nvSpPr>
+        <p:spPr/>
+        <p:txBody>
+          <a:bodyPr/>
+          <a:lstStyle/>
+          <a:p>
+            <a:pPr rtl="0"/>
+            <a:fld id="{D57F1E4F-1CFF-5643-939E-217C01CDF565}" type="slidenum">
+              <a:rPr lang="fr-FR" noProof="0" smtClean="0"/>
+              <a:pPr rtl="0"/>
+              <a:t>35</a:t>
+            </a:fld>
+            <a:endParaRPr lang="fr-FR" noProof="0" dirty="0"/>
+          </a:p>
+        </p:txBody>
+      </p:sp>
+    </p:spTree>
+    <p:extLst>
+      <p:ext uri="{BB962C8B-B14F-4D97-AF65-F5344CB8AC3E}">
+        <p14:creationId xmlns:p14="http://schemas.microsoft.com/office/powerpoint/2010/main" val="317601822"/>
+      </p:ext>
+    </p:extLst>
+  </p:cSld>
+  <p:clrMapOvr>
+    <a:masterClrMapping/>
+  </p:clrMapOvr>
+</p:sld>
+</file>
+
+<file path=ppt/slides/slide36.xml><?xml version="1.0" encoding="utf-8"?>
+<p:sld xmlns:a="http://schemas.openxmlformats.org/drawingml/2006/main" xmlns:r="http://schemas.openxmlformats.org/officeDocument/2006/relationships" xmlns:p="http://schemas.openxmlformats.org/presentationml/2006/main">
+  <p:cSld>
+    <p:spTree>
+      <p:nvGrpSpPr>
+        <p:cNvPr id="1" name=""/>
+        <p:cNvGrpSpPr/>
+        <p:nvPr/>
+      </p:nvGrpSpPr>
+      <p:grpSpPr>
+        <a:xfrm>
+          <a:off x="0" y="0"/>
+          <a:ext cx="0" cy="0"/>
+          <a:chOff x="0" y="0"/>
+          <a:chExt cx="0" cy="0"/>
+        </a:xfrm>
+      </p:grpSpPr>
+      <p:sp>
+        <p:nvSpPr>
+          <p:cNvPr id="5" name="Titre 4"/>
+          <p:cNvSpPr>
+            <a:spLocks noGrp="1"/>
+          </p:cNvSpPr>
+          <p:nvPr>
+            <p:ph type="title"/>
+          </p:nvPr>
+        </p:nvSpPr>
+        <p:spPr/>
+        <p:txBody>
+          <a:bodyPr/>
+          <a:lstStyle/>
+          <a:p>
+            <a:r>
+              <a:rPr lang="fr-FR" dirty="0" smtClean="0"/>
+              <a:t>Exemple depuis les propriétés </a:t>
+            </a:r>
+            <a:r>
+              <a:rPr lang="fr-FR" dirty="0" err="1" smtClean="0"/>
+              <a:t>visual</a:t>
+            </a:r>
+            <a:endParaRPr lang="fr-FR" dirty="0"/>
+          </a:p>
+        </p:txBody>
+      </p:sp>
+      <p:sp>
+        <p:nvSpPr>
+          <p:cNvPr id="6" name="Espace réservé du contenu 5"/>
+          <p:cNvSpPr>
+            <a:spLocks noGrp="1"/>
+          </p:cNvSpPr>
+          <p:nvPr>
+            <p:ph idx="1"/>
+          </p:nvPr>
+        </p:nvSpPr>
+        <p:spPr>
+          <a:xfrm>
+            <a:off x="435895" y="1364896"/>
+            <a:ext cx="8272211" cy="3796764"/>
+          </a:xfrm>
+        </p:spPr>
+        <p:txBody>
+          <a:bodyPr>
+            <a:normAutofit/>
+          </a:bodyPr>
+          <a:lstStyle/>
+          <a:p>
+            <a:r>
+              <a:rPr lang="fr-FR" dirty="0" smtClean="0"/>
+              <a:t>Créer un nouveau projet </a:t>
+            </a:r>
+            <a:r>
+              <a:rPr lang="fr-FR" dirty="0" err="1" smtClean="0"/>
+              <a:t>visual</a:t>
+            </a:r>
+            <a:r>
+              <a:rPr lang="fr-FR" dirty="0" smtClean="0"/>
+              <a:t> :</a:t>
+            </a:r>
+          </a:p>
+          <a:p>
+            <a:pPr lvl="1"/>
+            <a:r>
+              <a:rPr lang="fr-FR" dirty="0" smtClean="0"/>
+              <a:t>Ouvrir </a:t>
+            </a:r>
+            <a:r>
+              <a:rPr lang="fr-FR" dirty="0" err="1" smtClean="0"/>
+              <a:t>visual</a:t>
+            </a:r>
+            <a:r>
+              <a:rPr lang="fr-FR" dirty="0" smtClean="0"/>
+              <a:t>,</a:t>
+            </a:r>
+          </a:p>
+          <a:p>
+            <a:pPr lvl="1"/>
+            <a:r>
+              <a:rPr lang="fr-FR" dirty="0" smtClean="0"/>
+              <a:t>Créer un projet « console »</a:t>
+            </a:r>
+          </a:p>
+          <a:p>
+            <a:pPr lvl="1"/>
+            <a:r>
+              <a:rPr lang="fr-FR" dirty="0" smtClean="0"/>
+              <a:t>Exécutez pour tester (CRTL-F5)</a:t>
+            </a:r>
+          </a:p>
+          <a:p>
+            <a:pPr lvl="1"/>
+            <a:r>
+              <a:rPr lang="fr-FR" dirty="0" smtClean="0"/>
+              <a:t>Ajoutez les fichiers </a:t>
+            </a:r>
+            <a:r>
+              <a:rPr lang="fr-FR" dirty="0" err="1" smtClean="0"/>
+              <a:t>headers.h</a:t>
+            </a:r>
+            <a:r>
+              <a:rPr lang="fr-FR" dirty="0" smtClean="0"/>
+              <a:t> et headers.cpp au projet</a:t>
+            </a:r>
+          </a:p>
+          <a:p>
+            <a:pPr lvl="1"/>
+            <a:r>
+              <a:rPr lang="fr-FR" dirty="0" smtClean="0"/>
+              <a:t>Activez les infos de temps de compilation : </a:t>
+            </a:r>
+            <a:r>
+              <a:rPr lang="fr-FR" dirty="0" err="1" smtClean="0"/>
+              <a:t>Outils</a:t>
+            </a:r>
+            <a:r>
+              <a:rPr lang="fr-FR" dirty="0" err="1" smtClean="0">
+                <a:sym typeface="Wingdings" panose="05000000000000000000" pitchFamily="2" charset="2"/>
+              </a:rPr>
+              <a:t>Optionsprojet</a:t>
+            </a:r>
+            <a:r>
+              <a:rPr lang="fr-FR" dirty="0" smtClean="0">
+                <a:sym typeface="Wingdings" panose="05000000000000000000" pitchFamily="2" charset="2"/>
+              </a:rPr>
+              <a:t> et solution  VC++ </a:t>
+            </a:r>
+            <a:r>
+              <a:rPr lang="fr-FR" dirty="0">
+                <a:sym typeface="Wingdings" panose="05000000000000000000" pitchFamily="2" charset="2"/>
+              </a:rPr>
+              <a:t> </a:t>
+            </a:r>
+            <a:r>
+              <a:rPr lang="fr-FR" dirty="0" smtClean="0">
+                <a:sym typeface="Wingdings" panose="05000000000000000000" pitchFamily="2" charset="2"/>
+              </a:rPr>
+              <a:t>Minutage de la génération</a:t>
+            </a:r>
+          </a:p>
+          <a:p>
+            <a:pPr lvl="1"/>
+            <a:r>
+              <a:rPr lang="fr-FR" dirty="0" smtClean="0">
+                <a:sym typeface="Wingdings" panose="05000000000000000000" pitchFamily="2" charset="2"/>
+              </a:rPr>
+              <a:t>Lancer un </a:t>
+            </a:r>
+            <a:r>
+              <a:rPr lang="fr-FR" dirty="0" err="1" smtClean="0">
+                <a:sym typeface="Wingdings" panose="05000000000000000000" pitchFamily="2" charset="2"/>
+              </a:rPr>
+              <a:t>rebuil</a:t>
+            </a:r>
+            <a:r>
+              <a:rPr lang="fr-FR" dirty="0" smtClean="0">
+                <a:sym typeface="Wingdings" panose="05000000000000000000" pitchFamily="2" charset="2"/>
+              </a:rPr>
+              <a:t> et noter le temps de compilation</a:t>
+            </a:r>
+            <a:endParaRPr lang="fr-FR" dirty="0" smtClean="0"/>
+          </a:p>
+          <a:p>
+            <a:pPr lvl="1"/>
+            <a:r>
+              <a:rPr lang="fr-FR" dirty="0" smtClean="0"/>
+              <a:t>Dans les propriétés de header.cpp </a:t>
+            </a:r>
+            <a:r>
+              <a:rPr lang="fr-FR" dirty="0" smtClean="0">
+                <a:sym typeface="Wingdings" panose="05000000000000000000" pitchFamily="2" charset="2"/>
+              </a:rPr>
+              <a:t> </a:t>
+            </a:r>
+            <a:r>
+              <a:rPr lang="fr-FR" dirty="0" smtClean="0"/>
+              <a:t>C/C++ </a:t>
+            </a:r>
+            <a:r>
+              <a:rPr lang="fr-FR" dirty="0" smtClean="0">
+                <a:sym typeface="Wingdings" panose="05000000000000000000" pitchFamily="2" charset="2"/>
+              </a:rPr>
+              <a:t> En-têtes précompilées. Mettez : Création et </a:t>
+            </a:r>
+            <a:r>
+              <a:rPr lang="fr-FR" dirty="0" err="1" smtClean="0">
+                <a:sym typeface="Wingdings" panose="05000000000000000000" pitchFamily="2" charset="2"/>
+              </a:rPr>
+              <a:t>header.h</a:t>
+            </a:r>
+            <a:r>
+              <a:rPr lang="fr-FR" dirty="0" smtClean="0">
+                <a:sym typeface="Wingdings" panose="05000000000000000000" pitchFamily="2" charset="2"/>
+              </a:rPr>
+              <a:t>/</a:t>
+            </a:r>
+            <a:r>
+              <a:rPr lang="fr-FR" dirty="0" err="1" smtClean="0">
+                <a:sym typeface="Wingdings" panose="05000000000000000000" pitchFamily="2" charset="2"/>
+              </a:rPr>
+              <a:t>pch</a:t>
+            </a:r>
+            <a:endParaRPr lang="fr-FR" dirty="0" smtClean="0"/>
+          </a:p>
+          <a:p>
+            <a:pPr lvl="1"/>
+            <a:r>
+              <a:rPr lang="fr-FR" dirty="0"/>
+              <a:t>Dans les propriétés de </a:t>
+            </a:r>
+            <a:r>
+              <a:rPr lang="fr-FR" dirty="0" smtClean="0"/>
+              <a:t>visual.cpp </a:t>
+            </a:r>
+            <a:r>
+              <a:rPr lang="fr-FR" dirty="0">
+                <a:sym typeface="Wingdings" panose="05000000000000000000" pitchFamily="2" charset="2"/>
+              </a:rPr>
+              <a:t> </a:t>
+            </a:r>
+            <a:r>
+              <a:rPr lang="fr-FR" dirty="0"/>
+              <a:t>C/C++ </a:t>
+            </a:r>
+            <a:r>
+              <a:rPr lang="fr-FR" dirty="0">
+                <a:sym typeface="Wingdings" panose="05000000000000000000" pitchFamily="2" charset="2"/>
+              </a:rPr>
+              <a:t> En-têtes précompilées. Mettez : </a:t>
+            </a:r>
+            <a:r>
+              <a:rPr lang="fr-FR" dirty="0" smtClean="0">
+                <a:sym typeface="Wingdings" panose="05000000000000000000" pitchFamily="2" charset="2"/>
+              </a:rPr>
+              <a:t>Utilisation</a:t>
+            </a:r>
+          </a:p>
+          <a:p>
+            <a:pPr lvl="1"/>
+            <a:r>
+              <a:rPr lang="fr-FR" dirty="0" smtClean="0">
+                <a:sym typeface="Wingdings" panose="05000000000000000000" pitchFamily="2" charset="2"/>
+              </a:rPr>
+              <a:t>Relevez le temps de nouveau</a:t>
+            </a:r>
+            <a:endParaRPr lang="fr-FR" dirty="0">
+              <a:sym typeface="Wingdings" panose="05000000000000000000" pitchFamily="2" charset="2"/>
+            </a:endParaRPr>
+          </a:p>
+          <a:p>
+            <a:pPr lvl="1"/>
+            <a:endParaRPr lang="fr-FR" dirty="0" smtClean="0"/>
+          </a:p>
+        </p:txBody>
+      </p:sp>
+      <p:sp>
+        <p:nvSpPr>
+          <p:cNvPr id="4" name="Espace réservé du numéro de diapositive 3"/>
+          <p:cNvSpPr>
+            <a:spLocks noGrp="1"/>
+          </p:cNvSpPr>
+          <p:nvPr>
+            <p:ph type="sldNum" sz="quarter" idx="12"/>
+          </p:nvPr>
+        </p:nvSpPr>
+        <p:spPr/>
+        <p:txBody>
+          <a:bodyPr/>
+          <a:lstStyle/>
+          <a:p>
+            <a:pPr rtl="0"/>
+            <a:fld id="{D57F1E4F-1CFF-5643-939E-217C01CDF565}" type="slidenum">
+              <a:rPr lang="fr-FR" noProof="0" smtClean="0"/>
+              <a:pPr rtl="0"/>
+              <a:t>36</a:t>
+            </a:fld>
+            <a:endParaRPr lang="fr-FR" noProof="0" dirty="0"/>
+          </a:p>
+        </p:txBody>
+      </p:sp>
+    </p:spTree>
+    <p:extLst>
+      <p:ext uri="{BB962C8B-B14F-4D97-AF65-F5344CB8AC3E}">
+        <p14:creationId xmlns:p14="http://schemas.microsoft.com/office/powerpoint/2010/main" val="83430618"/>
+      </p:ext>
+    </p:extLst>
+  </p:cSld>
+  <p:clrMapOvr>
+    <a:masterClrMapping/>
+  </p:clrMapOvr>
+</p:sld>
+</file>
+
+<file path=ppt/slides/slide37.xml><?xml version="1.0" encoding="utf-8"?>
+<p:sld xmlns:a="http://schemas.openxmlformats.org/drawingml/2006/main" xmlns:r="http://schemas.openxmlformats.org/officeDocument/2006/relationships" xmlns:p="http://schemas.openxmlformats.org/presentationml/2006/main">
+  <p:cSld>
+    <p:spTree>
+      <p:nvGrpSpPr>
+        <p:cNvPr id="1" name=""/>
+        <p:cNvGrpSpPr/>
+        <p:nvPr/>
+      </p:nvGrpSpPr>
+      <p:grpSpPr>
+        <a:xfrm>
+          <a:off x="0" y="0"/>
+          <a:ext cx="0" cy="0"/>
+          <a:chOff x="0" y="0"/>
+          <a:chExt cx="0" cy="0"/>
+        </a:xfrm>
+      </p:grpSpPr>
+      <p:sp>
+        <p:nvSpPr>
           <p:cNvPr id="2" name="Titre 1">
             <a:extLst>
               <a:ext uri="{FF2B5EF4-FFF2-40B4-BE49-F238E27FC236}">
@@ -17218,7 +19881,7 @@
                   <a:schemeClr val="bg1"/>
                 </a:solidFill>
               </a:rPr>
-              <a:t>Erreurs et exceptions</a:t>
+              <a:t>LA STD : Les conteneurs et les algorithmes</a:t>
             </a:r>
             <a:endParaRPr lang="fr-FR" sz="3150" dirty="0">
               <a:solidFill>
@@ -17271,7 +19934,7 @@
                   </a:glow>
                 </a:effectLst>
               </a:rPr>
-              <a:t>05</a:t>
+              <a:t>04</a:t>
             </a:r>
           </a:p>
           <a:p>
@@ -17310,7 +19973,347 @@
             <a:fld id="{D57F1E4F-1CFF-5643-939E-217C01CDF565}" type="slidenum">
               <a:rPr lang="fr-FR" noProof="0" smtClean="0"/>
               <a:pPr rtl="0"/>
-              <a:t>32</a:t>
+              <a:t>37</a:t>
+            </a:fld>
+            <a:endParaRPr lang="fr-FR" noProof="0"/>
+          </a:p>
+        </p:txBody>
+      </p:sp>
+    </p:spTree>
+    <p:extLst>
+      <p:ext uri="{BB962C8B-B14F-4D97-AF65-F5344CB8AC3E}">
+        <p14:creationId xmlns:p14="http://schemas.microsoft.com/office/powerpoint/2010/main" val="2018679570"/>
+      </p:ext>
+    </p:extLst>
+  </p:cSld>
+  <p:clrMapOvr>
+    <a:masterClrMapping/>
+  </p:clrMapOvr>
+  <p:timing>
+    <p:tnLst>
+      <p:par>
+        <p:cTn id="1" dur="indefinite" restart="never" nodeType="tmRoot"/>
+      </p:par>
+    </p:tnLst>
+  </p:timing>
+</p:sld>
+</file>
+
+<file path=ppt/slides/slide38.xml><?xml version="1.0" encoding="utf-8"?>
+<p:sld xmlns:a="http://schemas.openxmlformats.org/drawingml/2006/main" xmlns:r="http://schemas.openxmlformats.org/officeDocument/2006/relationships" xmlns:p="http://schemas.openxmlformats.org/presentationml/2006/main">
+  <p:cSld>
+    <p:spTree>
+      <p:nvGrpSpPr>
+        <p:cNvPr id="1" name=""/>
+        <p:cNvGrpSpPr/>
+        <p:nvPr/>
+      </p:nvGrpSpPr>
+      <p:grpSpPr>
+        <a:xfrm>
+          <a:off x="0" y="0"/>
+          <a:ext cx="0" cy="0"/>
+          <a:chOff x="0" y="0"/>
+          <a:chExt cx="0" cy="0"/>
+        </a:xfrm>
+      </p:grpSpPr>
+      <p:sp>
+        <p:nvSpPr>
+          <p:cNvPr id="2" name="Titre 1">
+            <a:extLst>
+              <a:ext uri="{FF2B5EF4-FFF2-40B4-BE49-F238E27FC236}">
+                <a16:creationId xmlns:a16="http://schemas.microsoft.com/office/drawing/2014/main" id="{C02C5318-1A1E-49D0-B2E2-A4B0FA9E8A40}"/>
+              </a:ext>
+            </a:extLst>
+          </p:cNvPr>
+          <p:cNvSpPr>
+            <a:spLocks noGrp="1"/>
+          </p:cNvSpPr>
+          <p:nvPr>
+            <p:ph type="ctrTitle"/>
+          </p:nvPr>
+        </p:nvSpPr>
+        <p:spPr>
+          <a:xfrm>
+            <a:off x="330791" y="4545068"/>
+            <a:ext cx="8245162" cy="671433"/>
+          </a:xfrm>
+        </p:spPr>
+        <p:txBody>
+          <a:bodyPr rtlCol="0">
+            <a:noAutofit/>
+          </a:bodyPr>
+          <a:lstStyle/>
+          <a:p>
+            <a:pPr algn="r" rtl="0"/>
+            <a:r>
+              <a:rPr lang="fr-FR" sz="3150" dirty="0" smtClean="0">
+                <a:solidFill>
+                  <a:schemeClr val="bg1"/>
+                </a:solidFill>
+              </a:rPr>
+              <a:t>Options de compilation</a:t>
+            </a:r>
+            <a:endParaRPr lang="fr-FR" sz="3150" dirty="0">
+              <a:solidFill>
+                <a:schemeClr val="bg1"/>
+              </a:solidFill>
+            </a:endParaRPr>
+          </a:p>
+        </p:txBody>
+      </p:sp>
+      <p:sp>
+        <p:nvSpPr>
+          <p:cNvPr id="6" name="ZoneTexte 5"/>
+          <p:cNvSpPr txBox="1"/>
+          <p:nvPr/>
+        </p:nvSpPr>
+        <p:spPr>
+          <a:xfrm>
+            <a:off x="330791" y="588580"/>
+            <a:ext cx="3757733" cy="3631763"/>
+          </a:xfrm>
+          <a:prstGeom prst="rect">
+            <a:avLst/>
+          </a:prstGeom>
+          <a:noFill/>
+        </p:spPr>
+        <p:txBody>
+          <a:bodyPr wrap="square" rtlCol="0">
+            <a:spAutoFit/>
+          </a:bodyPr>
+          <a:lstStyle/>
+          <a:p>
+            <a:r>
+              <a:rPr lang="fr-FR" sz="11500" b="1" spc="50" dirty="0" smtClean="0">
+                <a:ln w="9525" cmpd="sng">
+                  <a:solidFill>
+                    <a:schemeClr val="accent1"/>
+                  </a:solidFill>
+                  <a:prstDash val="solid"/>
+                </a:ln>
+                <a:solidFill>
+                  <a:srgbClr val="70AD47">
+                    <a:tint val="1000"/>
+                  </a:srgbClr>
+                </a:solidFill>
+                <a:effectLst>
+                  <a:glow rad="38100">
+                    <a:schemeClr val="accent1">
+                      <a:alpha val="40000"/>
+                    </a:schemeClr>
+                  </a:glow>
+                </a:effectLst>
+              </a:rPr>
+              <a:t>05</a:t>
+            </a:r>
+          </a:p>
+          <a:p>
+            <a:endParaRPr lang="fr-FR" sz="11500" dirty="0">
+              <a:ln w="0"/>
+              <a:solidFill>
+                <a:schemeClr val="accent1"/>
+              </a:solidFill>
+              <a:effectLst>
+                <a:outerShdw blurRad="38100" dist="25400" dir="5400000" algn="ctr" rotWithShape="0">
+                  <a:srgbClr val="6E747A">
+                    <a:alpha val="43000"/>
+                  </a:srgbClr>
+                </a:outerShdw>
+              </a:effectLst>
+            </a:endParaRPr>
+          </a:p>
+        </p:txBody>
+      </p:sp>
+      <p:sp>
+        <p:nvSpPr>
+          <p:cNvPr id="3" name="Espace réservé du numéro de diapositive 2"/>
+          <p:cNvSpPr>
+            <a:spLocks noGrp="1"/>
+          </p:cNvSpPr>
+          <p:nvPr>
+            <p:ph type="sldNum" sz="quarter" idx="12"/>
+          </p:nvPr>
+        </p:nvSpPr>
+        <p:spPr/>
+        <p:txBody>
+          <a:bodyPr/>
+          <a:lstStyle/>
+          <a:p>
+            <a:pPr rtl="0"/>
+            <a:fld id="{D57F1E4F-1CFF-5643-939E-217C01CDF565}" type="slidenum">
+              <a:rPr lang="fr-FR" noProof="0" smtClean="0"/>
+              <a:pPr rtl="0"/>
+              <a:t>38</a:t>
+            </a:fld>
+            <a:endParaRPr lang="fr-FR" noProof="0"/>
+          </a:p>
+        </p:txBody>
+      </p:sp>
+    </p:spTree>
+    <p:extLst>
+      <p:ext uri="{BB962C8B-B14F-4D97-AF65-F5344CB8AC3E}">
+        <p14:creationId xmlns:p14="http://schemas.microsoft.com/office/powerpoint/2010/main" val="1309852808"/>
+      </p:ext>
+    </p:extLst>
+  </p:cSld>
+  <p:clrMapOvr>
+    <a:masterClrMapping/>
+  </p:clrMapOvr>
+  <p:timing>
+    <p:tnLst>
+      <p:par>
+        <p:cTn id="1" dur="indefinite" restart="never" nodeType="tmRoot"/>
+      </p:par>
+    </p:tnLst>
+  </p:timing>
+</p:sld>
+</file>
+
+<file path=ppt/slides/slide39.xml><?xml version="1.0" encoding="utf-8"?>
+<p:sld xmlns:a="http://schemas.openxmlformats.org/drawingml/2006/main" xmlns:r="http://schemas.openxmlformats.org/officeDocument/2006/relationships" xmlns:p="http://schemas.openxmlformats.org/presentationml/2006/main">
+  <p:cSld>
+    <p:spTree>
+      <p:nvGrpSpPr>
+        <p:cNvPr id="1" name=""/>
+        <p:cNvGrpSpPr/>
+        <p:nvPr/>
+      </p:nvGrpSpPr>
+      <p:grpSpPr>
+        <a:xfrm>
+          <a:off x="0" y="0"/>
+          <a:ext cx="0" cy="0"/>
+          <a:chOff x="0" y="0"/>
+          <a:chExt cx="0" cy="0"/>
+        </a:xfrm>
+      </p:grpSpPr>
+      <p:sp>
+        <p:nvSpPr>
+          <p:cNvPr id="2" name="Titre 1">
+            <a:extLst>
+              <a:ext uri="{FF2B5EF4-FFF2-40B4-BE49-F238E27FC236}">
+                <a16:creationId xmlns:a16="http://schemas.microsoft.com/office/drawing/2014/main" id="{C02C5318-1A1E-49D0-B2E2-A4B0FA9E8A40}"/>
+              </a:ext>
+            </a:extLst>
+          </p:cNvPr>
+          <p:cNvSpPr>
+            <a:spLocks noGrp="1"/>
+          </p:cNvSpPr>
+          <p:nvPr>
+            <p:ph type="ctrTitle"/>
+          </p:nvPr>
+        </p:nvSpPr>
+        <p:spPr>
+          <a:xfrm>
+            <a:off x="330791" y="4545068"/>
+            <a:ext cx="8245162" cy="671433"/>
+          </a:xfrm>
+        </p:spPr>
+        <p:txBody>
+          <a:bodyPr rtlCol="0">
+            <a:noAutofit/>
+          </a:bodyPr>
+          <a:lstStyle/>
+          <a:p>
+            <a:pPr algn="r" rtl="0"/>
+            <a:r>
+              <a:rPr lang="fr-FR" sz="3150" dirty="0" smtClean="0">
+                <a:solidFill>
+                  <a:schemeClr val="bg1"/>
+                </a:solidFill>
+              </a:rPr>
+              <a:t>Erreurs et exceptions</a:t>
+            </a:r>
+            <a:endParaRPr lang="fr-FR" sz="3150" dirty="0">
+              <a:solidFill>
+                <a:schemeClr val="bg1"/>
+              </a:solidFill>
+            </a:endParaRPr>
+          </a:p>
+        </p:txBody>
+      </p:sp>
+      <p:sp>
+        <p:nvSpPr>
+          <p:cNvPr id="6" name="ZoneTexte 5"/>
+          <p:cNvSpPr txBox="1"/>
+          <p:nvPr/>
+        </p:nvSpPr>
+        <p:spPr>
+          <a:xfrm>
+            <a:off x="330791" y="588580"/>
+            <a:ext cx="3757733" cy="3631763"/>
+          </a:xfrm>
+          <a:prstGeom prst="rect">
+            <a:avLst/>
+          </a:prstGeom>
+          <a:noFill/>
+        </p:spPr>
+        <p:txBody>
+          <a:bodyPr wrap="square" rtlCol="0">
+            <a:spAutoFit/>
+          </a:bodyPr>
+          <a:lstStyle/>
+          <a:p>
+            <a:r>
+              <a:rPr lang="fr-FR" sz="11500" b="1" spc="50" dirty="0" smtClean="0">
+                <a:ln w="9525" cmpd="sng">
+                  <a:solidFill>
+                    <a:schemeClr val="accent1"/>
+                  </a:solidFill>
+                  <a:prstDash val="solid"/>
+                </a:ln>
+                <a:solidFill>
+                  <a:srgbClr val="70AD47">
+                    <a:tint val="1000"/>
+                  </a:srgbClr>
+                </a:solidFill>
+                <a:effectLst>
+                  <a:glow rad="38100">
+                    <a:schemeClr val="accent1">
+                      <a:alpha val="40000"/>
+                    </a:schemeClr>
+                  </a:glow>
+                </a:effectLst>
+              </a:rPr>
+              <a:t>05</a:t>
+            </a:r>
+          </a:p>
+          <a:p>
+            <a:endParaRPr lang="fr-FR" sz="11500" dirty="0">
+              <a:ln w="0"/>
+              <a:solidFill>
+                <a:schemeClr val="accent1"/>
+              </a:solidFill>
+              <a:effectLst>
+                <a:outerShdw blurRad="38100" dist="25400" dir="5400000" algn="ctr" rotWithShape="0">
+                  <a:srgbClr val="6E747A">
+                    <a:alpha val="43000"/>
+                  </a:srgbClr>
+                </a:outerShdw>
+              </a:effectLst>
+            </a:endParaRPr>
+          </a:p>
+        </p:txBody>
+      </p:sp>
+      <p:sp>
+        <p:nvSpPr>
+          <p:cNvPr id="3" name="Espace réservé du numéro de diapositive 2"/>
+          <p:cNvSpPr>
+            <a:spLocks noGrp="1"/>
+          </p:cNvSpPr>
+          <p:nvPr>
+            <p:ph type="sldNum" sz="quarter" idx="12"/>
+          </p:nvPr>
+        </p:nvSpPr>
+        <p:spPr/>
+        <p:txBody>
+          <a:bodyPr/>
+          <a:lstStyle/>
+          <a:p>
+            <a:pPr rtl="0"/>
+            <a:fld id="{D57F1E4F-1CFF-5643-939E-217C01CDF565}" type="slidenum">
+              <a:rPr lang="fr-FR" noProof="0" smtClean="0"/>
+              <a:pPr rtl="0"/>
+              <a:t>39</a:t>
             </a:fld>
             <a:endParaRPr lang="fr-FR" noProof="0"/>
           </a:p>
@@ -17336,7 +20339,7 @@
 </p:sld>
 </file>
 
-<file path=ppt/slides/slide33.xml><?xml version="1.0" encoding="utf-8"?>
+<file path=ppt/slides/slide4.xml><?xml version="1.0" encoding="utf-8"?>
 <p:sld xmlns:a="http://schemas.openxmlformats.org/drawingml/2006/main" xmlns:r="http://schemas.openxmlformats.org/officeDocument/2006/relationships" xmlns:p="http://schemas.openxmlformats.org/presentationml/2006/main">
   <p:cSld>
     <p:spTree>
@@ -17370,6 +20373,234 @@
           <a:p>
             <a:r>
               <a:rPr lang="fr-FR" dirty="0" smtClean="0"/>
+              <a:t>Les avantages</a:t>
+            </a:r>
+            <a:endParaRPr lang="fr-FR" dirty="0"/>
+          </a:p>
+        </p:txBody>
+      </p:sp>
+      <p:sp>
+        <p:nvSpPr>
+          <p:cNvPr id="3" name="Espace réservé du contenu 2"/>
+          <p:cNvSpPr>
+            <a:spLocks noGrp="1"/>
+          </p:cNvSpPr>
+          <p:nvPr>
+            <p:ph idx="1"/>
+          </p:nvPr>
+        </p:nvSpPr>
+        <p:spPr>
+          <a:xfrm>
+            <a:off x="836243" y="1673295"/>
+            <a:ext cx="5060355" cy="3257628"/>
+          </a:xfrm>
+        </p:spPr>
+        <p:txBody>
+          <a:bodyPr>
+            <a:normAutofit fontScale="40000" lnSpcReduction="20000"/>
+          </a:bodyPr>
+          <a:lstStyle/>
+          <a:p>
+            <a:r>
+              <a:rPr lang="fr-FR" sz="2400" dirty="0" smtClean="0"/>
+              <a:t>Zéro </a:t>
+            </a:r>
+            <a:r>
+              <a:rPr lang="fr-FR" sz="2400" dirty="0" err="1" smtClean="0"/>
+              <a:t>cost</a:t>
+            </a:r>
+            <a:r>
+              <a:rPr lang="fr-FR" sz="2400" dirty="0" smtClean="0"/>
+              <a:t> abstractions</a:t>
+            </a:r>
+          </a:p>
+          <a:p>
+            <a:pPr lvl="1"/>
+            <a:r>
+              <a:rPr lang="fr-FR" sz="2250" dirty="0" smtClean="0"/>
+              <a:t>Interface, classe, structures de données etc. pour un coût dérisoire</a:t>
+            </a:r>
+          </a:p>
+          <a:p>
+            <a:pPr lvl="1"/>
+            <a:r>
+              <a:rPr lang="fr-FR" sz="2250" dirty="0" smtClean="0"/>
+              <a:t>Template = génération de code</a:t>
+            </a:r>
+          </a:p>
+          <a:p>
+            <a:pPr lvl="1"/>
+            <a:r>
+              <a:rPr lang="fr-FR" sz="2250" dirty="0" smtClean="0"/>
+              <a:t>Lambda = génération de classe</a:t>
+            </a:r>
+          </a:p>
+          <a:p>
+            <a:pPr lvl="1"/>
+            <a:r>
+              <a:rPr lang="fr-FR" sz="2250" dirty="0" smtClean="0"/>
+              <a:t>Polymorphisme = pointeurs de fonction</a:t>
+            </a:r>
+          </a:p>
+          <a:p>
+            <a:pPr lvl="1"/>
+            <a:r>
+              <a:rPr lang="fr-FR" sz="2250" dirty="0" smtClean="0"/>
+              <a:t>String = char*</a:t>
+            </a:r>
+          </a:p>
+          <a:p>
+            <a:pPr lvl="1"/>
+            <a:r>
+              <a:rPr lang="fr-FR" sz="2250" dirty="0" smtClean="0"/>
+              <a:t>…</a:t>
+            </a:r>
+          </a:p>
+          <a:p>
+            <a:r>
+              <a:rPr lang="fr-FR" sz="2400" dirty="0" err="1" smtClean="0"/>
+              <a:t>Portability</a:t>
+            </a:r>
+            <a:endParaRPr lang="fr-FR" sz="2400" dirty="0" smtClean="0"/>
+          </a:p>
+          <a:p>
+            <a:pPr lvl="1"/>
+            <a:r>
+              <a:rPr lang="fr-FR" sz="2250" dirty="0" smtClean="0"/>
+              <a:t>Standardisé</a:t>
+            </a:r>
+          </a:p>
+          <a:p>
+            <a:pPr lvl="1"/>
+            <a:r>
+              <a:rPr lang="fr-FR" sz="2250" dirty="0" smtClean="0"/>
+              <a:t>GCC / MSVC – Linux / Windows </a:t>
+            </a:r>
+          </a:p>
+          <a:p>
+            <a:r>
+              <a:rPr lang="fr-FR" sz="2400" dirty="0" err="1" smtClean="0"/>
+              <a:t>Robustness</a:t>
+            </a:r>
+            <a:endParaRPr lang="fr-FR" sz="2400" dirty="0" smtClean="0"/>
+          </a:p>
+          <a:p>
+            <a:pPr lvl="1"/>
+            <a:r>
+              <a:rPr lang="fr-FR" sz="2250" dirty="0" smtClean="0"/>
+              <a:t>Typage</a:t>
+            </a:r>
+          </a:p>
+          <a:p>
+            <a:pPr lvl="1"/>
+            <a:r>
+              <a:rPr lang="fr-FR" sz="2250" dirty="0" smtClean="0"/>
+              <a:t>Variables et méthodes « </a:t>
+            </a:r>
+            <a:r>
+              <a:rPr lang="fr-FR" sz="2250" dirty="0" err="1" smtClean="0"/>
+              <a:t>const</a:t>
+            </a:r>
+            <a:r>
+              <a:rPr lang="fr-FR" sz="2250" dirty="0" smtClean="0"/>
+              <a:t> »</a:t>
+            </a:r>
+          </a:p>
+          <a:p>
+            <a:pPr lvl="1"/>
+            <a:r>
+              <a:rPr lang="fr-FR" sz="2250" dirty="0" smtClean="0"/>
+              <a:t>Possession des ressources</a:t>
+            </a:r>
+          </a:p>
+          <a:p>
+            <a:pPr lvl="1"/>
+            <a:endParaRPr lang="fr-FR" sz="2250" dirty="0" smtClean="0"/>
+          </a:p>
+          <a:p>
+            <a:endParaRPr lang="fr-FR" sz="2250" dirty="0" smtClean="0"/>
+          </a:p>
+        </p:txBody>
+      </p:sp>
+      <p:sp>
+        <p:nvSpPr>
+          <p:cNvPr id="4" name="Espace réservé du numéro de diapositive 3"/>
+          <p:cNvSpPr>
+            <a:spLocks noGrp="1"/>
+          </p:cNvSpPr>
+          <p:nvPr>
+            <p:ph type="sldNum" sz="quarter" idx="12"/>
+          </p:nvPr>
+        </p:nvSpPr>
+        <p:spPr/>
+        <p:txBody>
+          <a:bodyPr/>
+          <a:lstStyle/>
+          <a:p>
+            <a:pPr rtl="0"/>
+            <a:fld id="{D57F1E4F-1CFF-5643-939E-217C01CDF565}" type="slidenum">
+              <a:rPr lang="fr-FR" noProof="0" smtClean="0"/>
+              <a:pPr rtl="0"/>
+              <a:t>4</a:t>
+            </a:fld>
+            <a:endParaRPr lang="fr-FR" noProof="0" dirty="0"/>
+          </a:p>
+        </p:txBody>
+      </p:sp>
+    </p:spTree>
+    <p:extLst>
+      <p:ext uri="{BB962C8B-B14F-4D97-AF65-F5344CB8AC3E}">
+        <p14:creationId xmlns:p14="http://schemas.microsoft.com/office/powerpoint/2010/main" val="2917121326"/>
+      </p:ext>
+    </p:extLst>
+  </p:cSld>
+  <p:clrMapOvr>
+    <a:masterClrMapping/>
+  </p:clrMapOvr>
+  <p:timing>
+    <p:tnLst>
+      <p:par>
+        <p:cTn id="1" dur="indefinite" restart="never" nodeType="tmRoot"/>
+      </p:par>
+    </p:tnLst>
+  </p:timing>
+</p:sld>
+</file>
+
+<file path=ppt/slides/slide40.xml><?xml version="1.0" encoding="utf-8"?>
+<p:sld xmlns:a="http://schemas.openxmlformats.org/drawingml/2006/main" xmlns:r="http://schemas.openxmlformats.org/officeDocument/2006/relationships" xmlns:p="http://schemas.openxmlformats.org/presentationml/2006/main">
+  <p:cSld>
+    <p:spTree>
+      <p:nvGrpSpPr>
+        <p:cNvPr id="1" name=""/>
+        <p:cNvGrpSpPr/>
+        <p:nvPr/>
+      </p:nvGrpSpPr>
+      <p:grpSpPr>
+        <a:xfrm>
+          <a:off x="0" y="0"/>
+          <a:ext cx="0" cy="0"/>
+          <a:chOff x="0" y="0"/>
+          <a:chExt cx="0" cy="0"/>
+        </a:xfrm>
+      </p:grpSpPr>
+      <p:sp>
+        <p:nvSpPr>
+          <p:cNvPr id="2" name="Titre 1"/>
+          <p:cNvSpPr>
+            <a:spLocks noGrp="1"/>
+          </p:cNvSpPr>
+          <p:nvPr>
+            <p:ph type="title"/>
+          </p:nvPr>
+        </p:nvSpPr>
+        <p:spPr/>
+        <p:txBody>
+          <a:bodyPr/>
+          <a:lstStyle/>
+          <a:p>
+            <a:r>
+              <a:rPr lang="fr-FR" dirty="0" smtClean="0"/>
               <a:t>Sources</a:t>
             </a:r>
             <a:endParaRPr lang="fr-FR" dirty="0"/>
@@ -17519,7 +20750,7 @@
             <a:fld id="{D57F1E4F-1CFF-5643-939E-217C01CDF565}" type="slidenum">
               <a:rPr lang="fr-FR" noProof="0" smtClean="0"/>
               <a:pPr rtl="0"/>
-              <a:t>33</a:t>
+              <a:t>40</a:t>
             </a:fld>
             <a:endParaRPr lang="fr-FR" noProof="0" dirty="0"/>
           </a:p>
@@ -17545,7 +20776,7 @@
 </p:sld>
 </file>
 
-<file path=ppt/slides/slide34.xml><?xml version="1.0" encoding="utf-8"?>
+<file path=ppt/slides/slide41.xml><?xml version="1.0" encoding="utf-8"?>
 <p:sld xmlns:a="http://schemas.openxmlformats.org/drawingml/2006/main" xmlns:r="http://schemas.openxmlformats.org/officeDocument/2006/relationships" xmlns:p="http://schemas.openxmlformats.org/presentationml/2006/main">
   <p:cSld>
     <p:spTree>
@@ -17749,7 +20980,7 @@
             <a:fld id="{D57F1E4F-1CFF-5643-939E-217C01CDF565}" type="slidenum">
               <a:rPr lang="fr-FR" noProof="0" smtClean="0"/>
               <a:pPr rtl="0"/>
-              <a:t>34</a:t>
+              <a:t>41</a:t>
             </a:fld>
             <a:endParaRPr lang="fr-FR" noProof="0" dirty="0"/>
           </a:p>
@@ -17759,234 +20990,6 @@
     <p:extLst>
       <p:ext uri="{BB962C8B-B14F-4D97-AF65-F5344CB8AC3E}">
         <p14:creationId xmlns:p14="http://schemas.microsoft.com/office/powerpoint/2010/main" val="2265540439"/>
-      </p:ext>
-    </p:extLst>
-  </p:cSld>
-  <p:clrMapOvr>
-    <a:masterClrMapping/>
-  </p:clrMapOvr>
-  <p:timing>
-    <p:tnLst>
-      <p:par>
-        <p:cTn id="1" dur="indefinite" restart="never" nodeType="tmRoot"/>
-      </p:par>
-    </p:tnLst>
-  </p:timing>
-</p:sld>
-</file>
-
-<file path=ppt/slides/slide4.xml><?xml version="1.0" encoding="utf-8"?>
-<p:sld xmlns:a="http://schemas.openxmlformats.org/drawingml/2006/main" xmlns:r="http://schemas.openxmlformats.org/officeDocument/2006/relationships" xmlns:p="http://schemas.openxmlformats.org/presentationml/2006/main">
-  <p:cSld>
-    <p:spTree>
-      <p:nvGrpSpPr>
-        <p:cNvPr id="1" name=""/>
-        <p:cNvGrpSpPr/>
-        <p:nvPr/>
-      </p:nvGrpSpPr>
-      <p:grpSpPr>
-        <a:xfrm>
-          <a:off x="0" y="0"/>
-          <a:ext cx="0" cy="0"/>
-          <a:chOff x="0" y="0"/>
-          <a:chExt cx="0" cy="0"/>
-        </a:xfrm>
-      </p:grpSpPr>
-      <p:sp>
-        <p:nvSpPr>
-          <p:cNvPr id="2" name="Titre 1"/>
-          <p:cNvSpPr>
-            <a:spLocks noGrp="1"/>
-          </p:cNvSpPr>
-          <p:nvPr>
-            <p:ph type="title"/>
-          </p:nvPr>
-        </p:nvSpPr>
-        <p:spPr/>
-        <p:txBody>
-          <a:bodyPr/>
-          <a:lstStyle/>
-          <a:p>
-            <a:r>
-              <a:rPr lang="fr-FR" dirty="0" smtClean="0"/>
-              <a:t>Les avantages</a:t>
-            </a:r>
-            <a:endParaRPr lang="fr-FR" dirty="0"/>
-          </a:p>
-        </p:txBody>
-      </p:sp>
-      <p:sp>
-        <p:nvSpPr>
-          <p:cNvPr id="3" name="Espace réservé du contenu 2"/>
-          <p:cNvSpPr>
-            <a:spLocks noGrp="1"/>
-          </p:cNvSpPr>
-          <p:nvPr>
-            <p:ph idx="1"/>
-          </p:nvPr>
-        </p:nvSpPr>
-        <p:spPr>
-          <a:xfrm>
-            <a:off x="836243" y="1673295"/>
-            <a:ext cx="5060355" cy="3257628"/>
-          </a:xfrm>
-        </p:spPr>
-        <p:txBody>
-          <a:bodyPr>
-            <a:normAutofit fontScale="40000" lnSpcReduction="20000"/>
-          </a:bodyPr>
-          <a:lstStyle/>
-          <a:p>
-            <a:r>
-              <a:rPr lang="fr-FR" sz="2400" dirty="0" smtClean="0"/>
-              <a:t>Zéro </a:t>
-            </a:r>
-            <a:r>
-              <a:rPr lang="fr-FR" sz="2400" dirty="0" err="1" smtClean="0"/>
-              <a:t>cost</a:t>
-            </a:r>
-            <a:r>
-              <a:rPr lang="fr-FR" sz="2400" dirty="0" smtClean="0"/>
-              <a:t> abstractions</a:t>
-            </a:r>
-          </a:p>
-          <a:p>
-            <a:pPr lvl="1"/>
-            <a:r>
-              <a:rPr lang="fr-FR" sz="2250" dirty="0" smtClean="0"/>
-              <a:t>Interface, classe, structures de données etc. pour un coût dérisoire</a:t>
-            </a:r>
-          </a:p>
-          <a:p>
-            <a:pPr lvl="1"/>
-            <a:r>
-              <a:rPr lang="fr-FR" sz="2250" dirty="0" smtClean="0"/>
-              <a:t>Template = génération de code</a:t>
-            </a:r>
-          </a:p>
-          <a:p>
-            <a:pPr lvl="1"/>
-            <a:r>
-              <a:rPr lang="fr-FR" sz="2250" dirty="0" smtClean="0"/>
-              <a:t>Lambda = génération de classe</a:t>
-            </a:r>
-          </a:p>
-          <a:p>
-            <a:pPr lvl="1"/>
-            <a:r>
-              <a:rPr lang="fr-FR" sz="2250" dirty="0" smtClean="0"/>
-              <a:t>Polymorphisme = pointeurs de fonction</a:t>
-            </a:r>
-          </a:p>
-          <a:p>
-            <a:pPr lvl="1"/>
-            <a:r>
-              <a:rPr lang="fr-FR" sz="2250" dirty="0" smtClean="0"/>
-              <a:t>String = char*</a:t>
-            </a:r>
-          </a:p>
-          <a:p>
-            <a:pPr lvl="1"/>
-            <a:r>
-              <a:rPr lang="fr-FR" sz="2250" dirty="0" smtClean="0"/>
-              <a:t>…</a:t>
-            </a:r>
-          </a:p>
-          <a:p>
-            <a:r>
-              <a:rPr lang="fr-FR" sz="2400" dirty="0" err="1" smtClean="0"/>
-              <a:t>Portability</a:t>
-            </a:r>
-            <a:endParaRPr lang="fr-FR" sz="2400" dirty="0" smtClean="0"/>
-          </a:p>
-          <a:p>
-            <a:pPr lvl="1"/>
-            <a:r>
-              <a:rPr lang="fr-FR" sz="2250" dirty="0" smtClean="0"/>
-              <a:t>Standardisé</a:t>
-            </a:r>
-          </a:p>
-          <a:p>
-            <a:pPr lvl="1"/>
-            <a:r>
-              <a:rPr lang="fr-FR" sz="2250" dirty="0" smtClean="0"/>
-              <a:t>GCC / MSVC – Linux / Windows </a:t>
-            </a:r>
-          </a:p>
-          <a:p>
-            <a:r>
-              <a:rPr lang="fr-FR" sz="2400" dirty="0" err="1" smtClean="0"/>
-              <a:t>Robustness</a:t>
-            </a:r>
-            <a:endParaRPr lang="fr-FR" sz="2400" dirty="0" smtClean="0"/>
-          </a:p>
-          <a:p>
-            <a:pPr lvl="1"/>
-            <a:r>
-              <a:rPr lang="fr-FR" sz="2250" dirty="0" smtClean="0"/>
-              <a:t>Typage</a:t>
-            </a:r>
-          </a:p>
-          <a:p>
-            <a:pPr lvl="1"/>
-            <a:r>
-              <a:rPr lang="fr-FR" sz="2250" dirty="0" smtClean="0"/>
-              <a:t>Variables et méthodes « </a:t>
-            </a:r>
-            <a:r>
-              <a:rPr lang="fr-FR" sz="2250" dirty="0" err="1" smtClean="0"/>
-              <a:t>const</a:t>
-            </a:r>
-            <a:r>
-              <a:rPr lang="fr-FR" sz="2250" dirty="0" smtClean="0"/>
-              <a:t> »</a:t>
-            </a:r>
-          </a:p>
-          <a:p>
-            <a:pPr lvl="1"/>
-            <a:r>
-              <a:rPr lang="fr-FR" sz="2250" dirty="0" smtClean="0"/>
-              <a:t>Possession des ressources</a:t>
-            </a:r>
-          </a:p>
-          <a:p>
-            <a:pPr lvl="1"/>
-            <a:endParaRPr lang="fr-FR" sz="2250" dirty="0" smtClean="0"/>
-          </a:p>
-          <a:p>
-            <a:endParaRPr lang="fr-FR" sz="2250" dirty="0" smtClean="0"/>
-          </a:p>
-        </p:txBody>
-      </p:sp>
-      <p:sp>
-        <p:nvSpPr>
-          <p:cNvPr id="4" name="Espace réservé du numéro de diapositive 3"/>
-          <p:cNvSpPr>
-            <a:spLocks noGrp="1"/>
-          </p:cNvSpPr>
-          <p:nvPr>
-            <p:ph type="sldNum" sz="quarter" idx="12"/>
-          </p:nvPr>
-        </p:nvSpPr>
-        <p:spPr/>
-        <p:txBody>
-          <a:bodyPr/>
-          <a:lstStyle/>
-          <a:p>
-            <a:pPr rtl="0"/>
-            <a:fld id="{D57F1E4F-1CFF-5643-939E-217C01CDF565}" type="slidenum">
-              <a:rPr lang="fr-FR" noProof="0" smtClean="0"/>
-              <a:pPr rtl="0"/>
-              <a:t>4</a:t>
-            </a:fld>
-            <a:endParaRPr lang="fr-FR" noProof="0" dirty="0"/>
-          </a:p>
-        </p:txBody>
-      </p:sp>
-    </p:spTree>
-    <p:extLst>
-      <p:ext uri="{BB962C8B-B14F-4D97-AF65-F5344CB8AC3E}">
-        <p14:creationId xmlns:p14="http://schemas.microsoft.com/office/powerpoint/2010/main" val="2917121326"/>
       </p:ext>
     </p:extLst>
   </p:cSld>
@@ -22297,20 +25300,20 @@
 </file>
 
 <file path=customXml/item1.xml><?xml version="1.0" encoding="utf-8"?>
+<p:properties xmlns:p="http://schemas.microsoft.com/office/2006/metadata/properties" xmlns:xsi="http://www.w3.org/2001/XMLSchema-instance" xmlns:pc="http://schemas.microsoft.com/office/infopath/2007/PartnerControls">
+  <documentManagement>
+    <MediaServiceKeyPoints xmlns="71af3243-3dd4-4a8d-8c0d-dd76da1f02a5" xsi:nil="true"/>
+  </documentManagement>
+</p:properties>
+</file>
+
+<file path=customXml/item2.xml><?xml version="1.0" encoding="utf-8"?>
 <?mso-contentType ?>
 <FormTemplates xmlns="http://schemas.microsoft.com/sharepoint/v3/contenttype/forms">
   <Display>DocumentLibraryForm</Display>
   <Edit>DocumentLibraryForm</Edit>
   <New>DocumentLibraryForm</New>
 </FormTemplates>
-</file>
-
-<file path=customXml/item2.xml><?xml version="1.0" encoding="utf-8"?>
-<p:properties xmlns:p="http://schemas.microsoft.com/office/2006/metadata/properties" xmlns:xsi="http://www.w3.org/2001/XMLSchema-instance" xmlns:pc="http://schemas.microsoft.com/office/infopath/2007/PartnerControls">
-  <documentManagement>
-    <MediaServiceKeyPoints xmlns="71af3243-3dd4-4a8d-8c0d-dd76da1f02a5" xsi:nil="true"/>
-  </documentManagement>
-</p:properties>
 </file>
 
 <file path=customXml/item3.xml><?xml version="1.0" encoding="utf-8"?>
@@ -22525,14 +25528,6 @@
 </file>
 
 <file path=customXml/itemProps1.xml><?xml version="1.0" encoding="utf-8"?>
-<ds:datastoreItem xmlns:ds="http://schemas.openxmlformats.org/officeDocument/2006/customXml" ds:itemID="{2B21BF1A-59D3-4E19-9B95-2FD4309AC3AF}">
-  <ds:schemaRefs>
-    <ds:schemaRef ds:uri="http://schemas.microsoft.com/sharepoint/v3/contenttype/forms"/>
-  </ds:schemaRefs>
-</ds:datastoreItem>
-</file>
-
-<file path=customXml/itemProps2.xml><?xml version="1.0" encoding="utf-8"?>
 <ds:datastoreItem xmlns:ds="http://schemas.openxmlformats.org/officeDocument/2006/customXml" ds:itemID="{F651EF32-6551-47EB-8BA9-22EF81F3DDAC}">
   <ds:schemaRefs>
     <ds:schemaRef ds:uri="http://purl.org/dc/elements/1.1/"/>
@@ -22545,6 +25540,14 @@
     <ds:schemaRef ds:uri="71af3243-3dd4-4a8d-8c0d-dd76da1f02a5"/>
     <ds:schemaRef ds:uri="http://purl.org/dc/dcmitype/"/>
     <ds:schemaRef ds:uri="http://purl.org/dc/terms/"/>
+  </ds:schemaRefs>
+</ds:datastoreItem>
+</file>
+
+<file path=customXml/itemProps2.xml><?xml version="1.0" encoding="utf-8"?>
+<ds:datastoreItem xmlns:ds="http://schemas.openxmlformats.org/officeDocument/2006/customXml" ds:itemID="{2B21BF1A-59D3-4E19-9B95-2FD4309AC3AF}">
+  <ds:schemaRefs>
+    <ds:schemaRef ds:uri="http://schemas.microsoft.com/sharepoint/v3/contenttype/forms"/>
   </ds:schemaRefs>
 </ds:datastoreItem>
 </file>

--- a/diapos/CPP_matin.pptx
+++ b/diapos/CPP_matin.pptx
@@ -5,10 +5,10 @@
     <p:sldMasterId id="2147483684" r:id="rId4"/>
   </p:sldMasterIdLst>
   <p:notesMasterIdLst>
-    <p:notesMasterId r:id="rId46"/>
+    <p:notesMasterId r:id="rId36"/>
   </p:notesMasterIdLst>
   <p:handoutMasterIdLst>
-    <p:handoutMasterId r:id="rId47"/>
+    <p:handoutMasterId r:id="rId37"/>
   </p:handoutMasterIdLst>
   <p:sldIdLst>
     <p:sldId id="256" r:id="rId5"/>
@@ -41,17 +41,7 @@
     <p:sldId id="306" r:id="rId32"/>
     <p:sldId id="305" r:id="rId33"/>
     <p:sldId id="307" r:id="rId34"/>
-    <p:sldId id="282" r:id="rId35"/>
-    <p:sldId id="308" r:id="rId36"/>
-    <p:sldId id="309" r:id="rId37"/>
-    <p:sldId id="310" r:id="rId38"/>
-    <p:sldId id="311" r:id="rId39"/>
-    <p:sldId id="312" r:id="rId40"/>
-    <p:sldId id="281" r:id="rId41"/>
-    <p:sldId id="283" r:id="rId42"/>
-    <p:sldId id="285" r:id="rId43"/>
-    <p:sldId id="277" r:id="rId44"/>
-    <p:sldId id="270" r:id="rId45"/>
+    <p:sldId id="270" r:id="rId35"/>
   </p:sldIdLst>
   <p:sldSz cx="9144000" cy="5715000" type="screen16x10"/>
   <p:notesSz cx="6858000" cy="9144000"/>
@@ -1352,7 +1342,7 @@
           <a:lstStyle/>
           <a:p>
             <a:pPr rtl="0"/>
-            <a:endParaRPr lang="fr-FR"/>
+            <a:endParaRPr lang="fr-FR" dirty="0"/>
           </a:p>
         </p:txBody>
       </p:sp>
@@ -1376,457 +1366,14 @@
               <a:rPr lang="fr-FR" smtClean="0"/>
               <a:t>31</a:t>
             </a:fld>
-            <a:endParaRPr lang="fr-FR"/>
+            <a:endParaRPr lang="fr-FR" dirty="0"/>
           </a:p>
         </p:txBody>
       </p:sp>
     </p:spTree>
     <p:extLst>
       <p:ext uri="{BB962C8B-B14F-4D97-AF65-F5344CB8AC3E}">
-        <p14:creationId xmlns:p14="http://schemas.microsoft.com/office/powerpoint/2010/main" val="822967891"/>
-      </p:ext>
-    </p:extLst>
-  </p:cSld>
-  <p:clrMapOvr>
-    <a:masterClrMapping/>
-  </p:clrMapOvr>
-</p:notes>
-</file>
-
-<file path=ppt/notesSlides/notesSlide16.xml><?xml version="1.0" encoding="utf-8"?>
-<p:notes xmlns:a="http://schemas.openxmlformats.org/drawingml/2006/main" xmlns:r="http://schemas.openxmlformats.org/officeDocument/2006/relationships" xmlns:p="http://schemas.openxmlformats.org/presentationml/2006/main">
-  <p:cSld>
-    <p:spTree>
-      <p:nvGrpSpPr>
-        <p:cNvPr id="1" name=""/>
-        <p:cNvGrpSpPr/>
-        <p:nvPr/>
-      </p:nvGrpSpPr>
-      <p:grpSpPr>
-        <a:xfrm>
-          <a:off x="0" y="0"/>
-          <a:ext cx="0" cy="0"/>
-          <a:chOff x="0" y="0"/>
-          <a:chExt cx="0" cy="0"/>
-        </a:xfrm>
-      </p:grpSpPr>
-      <p:sp>
-        <p:nvSpPr>
-          <p:cNvPr id="2" name="Espace réservé de l'image des diapositives 1"/>
-          <p:cNvSpPr>
-            <a:spLocks noGrp="1" noRot="1" noChangeAspect="1"/>
-          </p:cNvSpPr>
-          <p:nvPr>
-            <p:ph type="sldImg"/>
-          </p:nvPr>
-        </p:nvSpPr>
-        <p:spPr/>
-      </p:sp>
-      <p:sp>
-        <p:nvSpPr>
-          <p:cNvPr id="3" name="Espace réservé des notes 2"/>
-          <p:cNvSpPr>
-            <a:spLocks noGrp="1"/>
-          </p:cNvSpPr>
-          <p:nvPr>
-            <p:ph type="body" idx="1"/>
-          </p:nvPr>
-        </p:nvSpPr>
-        <p:spPr/>
-        <p:txBody>
-          <a:bodyPr/>
-          <a:lstStyle/>
-          <a:p>
-            <a:r>
-              <a:rPr lang="fr-FR" dirty="0" err="1" smtClean="0"/>
-              <a:t>Qt</a:t>
-            </a:r>
-            <a:r>
-              <a:rPr lang="fr-FR" baseline="0" dirty="0" smtClean="0"/>
-              <a:t> génère automatiquement un fichier source correspondant </a:t>
-            </a:r>
-            <a:r>
-              <a:rPr lang="fr-FR" baseline="0" smtClean="0"/>
-              <a:t>à l’entête.</a:t>
-            </a:r>
-            <a:endParaRPr lang="fr-FR"/>
-          </a:p>
-        </p:txBody>
-      </p:sp>
-      <p:sp>
-        <p:nvSpPr>
-          <p:cNvPr id="4" name="Espace réservé du numéro de diapositive 3"/>
-          <p:cNvSpPr>
-            <a:spLocks noGrp="1"/>
-          </p:cNvSpPr>
-          <p:nvPr>
-            <p:ph type="sldNum" sz="quarter" idx="10"/>
-          </p:nvPr>
-        </p:nvSpPr>
-        <p:spPr/>
-        <p:txBody>
-          <a:bodyPr/>
-          <a:lstStyle/>
-          <a:p>
-            <a:pPr rtl="0"/>
-            <a:fld id="{C6B3AB32-59DF-41F1-9618-EDFBF5049629}" type="slidenum">
-              <a:rPr lang="fr-FR" noProof="0" smtClean="0"/>
-              <a:t>35</a:t>
-            </a:fld>
-            <a:endParaRPr lang="fr-FR" noProof="0" dirty="0"/>
-          </a:p>
-        </p:txBody>
-      </p:sp>
-    </p:spTree>
-    <p:extLst>
-      <p:ext uri="{BB962C8B-B14F-4D97-AF65-F5344CB8AC3E}">
-        <p14:creationId xmlns:p14="http://schemas.microsoft.com/office/powerpoint/2010/main" val="3396221493"/>
-      </p:ext>
-    </p:extLst>
-  </p:cSld>
-  <p:clrMapOvr>
-    <a:masterClrMapping/>
-  </p:clrMapOvr>
-</p:notes>
-</file>
-
-<file path=ppt/notesSlides/notesSlide17.xml><?xml version="1.0" encoding="utf-8"?>
-<p:notes xmlns:a="http://schemas.openxmlformats.org/drawingml/2006/main" xmlns:r="http://schemas.openxmlformats.org/officeDocument/2006/relationships" xmlns:p="http://schemas.openxmlformats.org/presentationml/2006/main">
-  <p:cSld>
-    <p:spTree>
-      <p:nvGrpSpPr>
-        <p:cNvPr id="1" name=""/>
-        <p:cNvGrpSpPr/>
-        <p:nvPr/>
-      </p:nvGrpSpPr>
-      <p:grpSpPr>
-        <a:xfrm>
-          <a:off x="0" y="0"/>
-          <a:ext cx="0" cy="0"/>
-          <a:chOff x="0" y="0"/>
-          <a:chExt cx="0" cy="0"/>
-        </a:xfrm>
-      </p:grpSpPr>
-      <p:sp>
-        <p:nvSpPr>
-          <p:cNvPr id="2" name="Espace réservé de l'image des diapositives 1"/>
-          <p:cNvSpPr>
-            <a:spLocks noGrp="1" noRot="1" noChangeAspect="1"/>
-          </p:cNvSpPr>
-          <p:nvPr>
-            <p:ph type="sldImg"/>
-          </p:nvPr>
-        </p:nvSpPr>
-        <p:spPr/>
-      </p:sp>
-      <p:sp>
-        <p:nvSpPr>
-          <p:cNvPr id="3" name="Espace réservé des notes 2"/>
-          <p:cNvSpPr>
-            <a:spLocks noGrp="1"/>
-          </p:cNvSpPr>
-          <p:nvPr>
-            <p:ph type="body" idx="1"/>
-          </p:nvPr>
-        </p:nvSpPr>
-        <p:spPr/>
-        <p:txBody>
-          <a:bodyPr/>
-          <a:lstStyle/>
-          <a:p>
-            <a:r>
-              <a:rPr lang="nl-NL" sz="936" kern="1200" dirty="0" smtClean="0">
-                <a:solidFill>
-                  <a:schemeClr val="tx1"/>
-                </a:solidFill>
-                <a:latin typeface="+mn-lt"/>
-                <a:ea typeface="+mn-ea"/>
-                <a:cs typeface="+mn-cs"/>
-              </a:rPr>
-              <a:t>1&gt;      146 ms  Link                                       1 appels</a:t>
-            </a:r>
-          </a:p>
-          <a:p>
-            <a:r>
-              <a:rPr lang="fr-FR" sz="936" kern="1200" dirty="0" smtClean="0">
-                <a:solidFill>
-                  <a:schemeClr val="tx1"/>
-                </a:solidFill>
-                <a:latin typeface="+mn-lt"/>
-                <a:ea typeface="+mn-ea"/>
-                <a:cs typeface="+mn-cs"/>
-              </a:rPr>
-              <a:t>1&gt;     1008 ms  CL                                         2 appels</a:t>
-            </a:r>
-          </a:p>
-          <a:p>
-            <a:endParaRPr lang="fr-FR" sz="936" kern="1200" dirty="0" smtClean="0">
-              <a:solidFill>
-                <a:schemeClr val="tx1"/>
-              </a:solidFill>
-              <a:latin typeface="+mn-lt"/>
-              <a:ea typeface="+mn-ea"/>
-              <a:cs typeface="+mn-cs"/>
-            </a:endParaRPr>
-          </a:p>
-          <a:p>
-            <a:r>
-              <a:rPr lang="nl-NL" sz="936" kern="1200" dirty="0" smtClean="0">
-                <a:solidFill>
-                  <a:schemeClr val="tx1"/>
-                </a:solidFill>
-                <a:latin typeface="+mn-lt"/>
-                <a:ea typeface="+mn-ea"/>
-                <a:cs typeface="+mn-cs"/>
-              </a:rPr>
-              <a:t>1&gt;      312 ms  Link                                       1 appels</a:t>
-            </a:r>
-          </a:p>
-          <a:p>
-            <a:pPr marL="0" marR="0" lvl="0" indent="0" algn="l" defTabSz="713232" rtl="0" eaLnBrk="1" fontAlgn="auto" latinLnBrk="0" hangingPunct="1">
-              <a:lnSpc>
-                <a:spcPct val="100000"/>
-              </a:lnSpc>
-              <a:spcBef>
-                <a:spcPts val="0"/>
-              </a:spcBef>
-              <a:spcAft>
-                <a:spcPts val="0"/>
-              </a:spcAft>
-              <a:buClrTx/>
-              <a:buSzTx/>
-              <a:buFontTx/>
-              <a:buNone/>
-              <a:tabLst/>
-              <a:defRPr/>
-            </a:pPr>
-            <a:r>
-              <a:rPr lang="fr-FR" sz="936" kern="1200" dirty="0" smtClean="0">
-                <a:solidFill>
-                  <a:schemeClr val="tx1"/>
-                </a:solidFill>
-                <a:latin typeface="+mn-lt"/>
-                <a:ea typeface="+mn-ea"/>
-                <a:cs typeface="+mn-cs"/>
-              </a:rPr>
-              <a:t>1&gt;      207 ms  CL                                         2 appels</a:t>
-            </a:r>
-          </a:p>
-          <a:p>
-            <a:endParaRPr lang="fr-FR" dirty="0"/>
-          </a:p>
-        </p:txBody>
-      </p:sp>
-      <p:sp>
-        <p:nvSpPr>
-          <p:cNvPr id="4" name="Espace réservé du numéro de diapositive 3"/>
-          <p:cNvSpPr>
-            <a:spLocks noGrp="1"/>
-          </p:cNvSpPr>
-          <p:nvPr>
-            <p:ph type="sldNum" sz="quarter" idx="10"/>
-          </p:nvPr>
-        </p:nvSpPr>
-        <p:spPr/>
-        <p:txBody>
-          <a:bodyPr/>
-          <a:lstStyle/>
-          <a:p>
-            <a:pPr rtl="0"/>
-            <a:fld id="{C6B3AB32-59DF-41F1-9618-EDFBF5049629}" type="slidenum">
-              <a:rPr lang="fr-FR" noProof="0" smtClean="0"/>
-              <a:t>36</a:t>
-            </a:fld>
-            <a:endParaRPr lang="fr-FR" noProof="0" dirty="0"/>
-          </a:p>
-        </p:txBody>
-      </p:sp>
-    </p:spTree>
-    <p:extLst>
-      <p:ext uri="{BB962C8B-B14F-4D97-AF65-F5344CB8AC3E}">
-        <p14:creationId xmlns:p14="http://schemas.microsoft.com/office/powerpoint/2010/main" val="1146140608"/>
-      </p:ext>
-    </p:extLst>
-  </p:cSld>
-  <p:clrMapOvr>
-    <a:masterClrMapping/>
-  </p:clrMapOvr>
-</p:notes>
-</file>
-
-<file path=ppt/notesSlides/notesSlide18.xml><?xml version="1.0" encoding="utf-8"?>
-<p:notes xmlns:a="http://schemas.openxmlformats.org/drawingml/2006/main" xmlns:r="http://schemas.openxmlformats.org/officeDocument/2006/relationships" xmlns:p="http://schemas.openxmlformats.org/presentationml/2006/main">
-  <p:cSld>
-    <p:spTree>
-      <p:nvGrpSpPr>
-        <p:cNvPr id="1" name=""/>
-        <p:cNvGrpSpPr/>
-        <p:nvPr/>
-      </p:nvGrpSpPr>
-      <p:grpSpPr>
-        <a:xfrm>
-          <a:off x="0" y="0"/>
-          <a:ext cx="0" cy="0"/>
-          <a:chOff x="0" y="0"/>
-          <a:chExt cx="0" cy="0"/>
-        </a:xfrm>
-      </p:grpSpPr>
-      <p:sp>
-        <p:nvSpPr>
-          <p:cNvPr id="2" name="Espace réservé de l’image des diapositives 1"/>
-          <p:cNvSpPr>
-            <a:spLocks noGrp="1" noRot="1" noChangeAspect="1"/>
-          </p:cNvSpPr>
-          <p:nvPr>
-            <p:ph type="sldImg"/>
-          </p:nvPr>
-        </p:nvSpPr>
-        <p:spPr>
-          <a:xfrm>
-            <a:off x="960438" y="1143000"/>
-            <a:ext cx="4937125" cy="3086100"/>
-          </a:xfrm>
-        </p:spPr>
-      </p:sp>
-      <p:sp>
-        <p:nvSpPr>
-          <p:cNvPr id="3" name="Espace réservé des commentaires 2"/>
-          <p:cNvSpPr>
-            <a:spLocks noGrp="1"/>
-          </p:cNvSpPr>
-          <p:nvPr>
-            <p:ph type="body" idx="1"/>
-          </p:nvPr>
-        </p:nvSpPr>
-        <p:spPr/>
-        <p:txBody>
-          <a:bodyPr rtlCol="0"/>
-          <a:lstStyle/>
-          <a:p>
-            <a:pPr rtl="0"/>
-            <a:endParaRPr lang="fr-FR" dirty="0"/>
-          </a:p>
-        </p:txBody>
-      </p:sp>
-      <p:sp>
-        <p:nvSpPr>
-          <p:cNvPr id="4" name="Espace réservé du numéro de diapositive 3"/>
-          <p:cNvSpPr>
-            <a:spLocks noGrp="1"/>
-          </p:cNvSpPr>
-          <p:nvPr>
-            <p:ph type="sldNum" sz="quarter" idx="5"/>
-          </p:nvPr>
-        </p:nvSpPr>
-        <p:spPr/>
-        <p:txBody>
-          <a:bodyPr rtlCol="0"/>
-          <a:lstStyle/>
-          <a:p>
-            <a:pPr rtl="0"/>
-            <a:fld id="{C6B3AB32-59DF-41F1-9618-EDFBF5049629}" type="slidenum">
-              <a:rPr lang="fr-FR" smtClean="0"/>
-              <a:t>37</a:t>
-            </a:fld>
-            <a:endParaRPr lang="fr-FR"/>
-          </a:p>
-        </p:txBody>
-      </p:sp>
-    </p:spTree>
-    <p:extLst>
-      <p:ext uri="{BB962C8B-B14F-4D97-AF65-F5344CB8AC3E}">
-        <p14:creationId xmlns:p14="http://schemas.microsoft.com/office/powerpoint/2010/main" val="3130159449"/>
-      </p:ext>
-    </p:extLst>
-  </p:cSld>
-  <p:clrMapOvr>
-    <a:masterClrMapping/>
-  </p:clrMapOvr>
-</p:notes>
-</file>
-
-<file path=ppt/notesSlides/notesSlide19.xml><?xml version="1.0" encoding="utf-8"?>
-<p:notes xmlns:a="http://schemas.openxmlformats.org/drawingml/2006/main" xmlns:r="http://schemas.openxmlformats.org/officeDocument/2006/relationships" xmlns:p="http://schemas.openxmlformats.org/presentationml/2006/main">
-  <p:cSld>
-    <p:spTree>
-      <p:nvGrpSpPr>
-        <p:cNvPr id="1" name=""/>
-        <p:cNvGrpSpPr/>
-        <p:nvPr/>
-      </p:nvGrpSpPr>
-      <p:grpSpPr>
-        <a:xfrm>
-          <a:off x="0" y="0"/>
-          <a:ext cx="0" cy="0"/>
-          <a:chOff x="0" y="0"/>
-          <a:chExt cx="0" cy="0"/>
-        </a:xfrm>
-      </p:grpSpPr>
-      <p:sp>
-        <p:nvSpPr>
-          <p:cNvPr id="2" name="Espace réservé de l’image des diapositives 1"/>
-          <p:cNvSpPr>
-            <a:spLocks noGrp="1" noRot="1" noChangeAspect="1"/>
-          </p:cNvSpPr>
-          <p:nvPr>
-            <p:ph type="sldImg"/>
-          </p:nvPr>
-        </p:nvSpPr>
-        <p:spPr>
-          <a:xfrm>
-            <a:off x="960438" y="1143000"/>
-            <a:ext cx="4937125" cy="3086100"/>
-          </a:xfrm>
-        </p:spPr>
-      </p:sp>
-      <p:sp>
-        <p:nvSpPr>
-          <p:cNvPr id="3" name="Espace réservé des commentaires 2"/>
-          <p:cNvSpPr>
-            <a:spLocks noGrp="1"/>
-          </p:cNvSpPr>
-          <p:nvPr>
-            <p:ph type="body" idx="1"/>
-          </p:nvPr>
-        </p:nvSpPr>
-        <p:spPr/>
-        <p:txBody>
-          <a:bodyPr rtlCol="0"/>
-          <a:lstStyle/>
-          <a:p>
-            <a:pPr rtl="0"/>
-            <a:endParaRPr lang="fr-FR"/>
-          </a:p>
-        </p:txBody>
-      </p:sp>
-      <p:sp>
-        <p:nvSpPr>
-          <p:cNvPr id="4" name="Espace réservé du numéro de diapositive 3"/>
-          <p:cNvSpPr>
-            <a:spLocks noGrp="1"/>
-          </p:cNvSpPr>
-          <p:nvPr>
-            <p:ph type="sldNum" sz="quarter" idx="5"/>
-          </p:nvPr>
-        </p:nvSpPr>
-        <p:spPr/>
-        <p:txBody>
-          <a:bodyPr rtlCol="0"/>
-          <a:lstStyle/>
-          <a:p>
-            <a:pPr rtl="0"/>
-            <a:fld id="{C6B3AB32-59DF-41F1-9618-EDFBF5049629}" type="slidenum">
-              <a:rPr lang="fr-FR" smtClean="0"/>
-              <a:t>38</a:t>
-            </a:fld>
-            <a:endParaRPr lang="fr-FR"/>
-          </a:p>
-        </p:txBody>
-      </p:sp>
-    </p:spTree>
-    <p:extLst>
-      <p:ext uri="{BB962C8B-B14F-4D97-AF65-F5344CB8AC3E}">
-        <p14:creationId xmlns:p14="http://schemas.microsoft.com/office/powerpoint/2010/main" val="2932722485"/>
+        <p14:creationId xmlns:p14="http://schemas.microsoft.com/office/powerpoint/2010/main" val="2059178600"/>
       </p:ext>
     </p:extLst>
   </p:cSld>
@@ -1918,273 +1465,6 @@
     <p:extLst>
       <p:ext uri="{BB962C8B-B14F-4D97-AF65-F5344CB8AC3E}">
         <p14:creationId xmlns:p14="http://schemas.microsoft.com/office/powerpoint/2010/main" val="2950206473"/>
-      </p:ext>
-    </p:extLst>
-  </p:cSld>
-  <p:clrMapOvr>
-    <a:masterClrMapping/>
-  </p:clrMapOvr>
-</p:notes>
-</file>
-
-<file path=ppt/notesSlides/notesSlide20.xml><?xml version="1.0" encoding="utf-8"?>
-<p:notes xmlns:a="http://schemas.openxmlformats.org/drawingml/2006/main" xmlns:r="http://schemas.openxmlformats.org/officeDocument/2006/relationships" xmlns:p="http://schemas.openxmlformats.org/presentationml/2006/main">
-  <p:cSld>
-    <p:spTree>
-      <p:nvGrpSpPr>
-        <p:cNvPr id="1" name=""/>
-        <p:cNvGrpSpPr/>
-        <p:nvPr/>
-      </p:nvGrpSpPr>
-      <p:grpSpPr>
-        <a:xfrm>
-          <a:off x="0" y="0"/>
-          <a:ext cx="0" cy="0"/>
-          <a:chOff x="0" y="0"/>
-          <a:chExt cx="0" cy="0"/>
-        </a:xfrm>
-      </p:grpSpPr>
-      <p:sp>
-        <p:nvSpPr>
-          <p:cNvPr id="2" name="Espace réservé de l’image des diapositives 1"/>
-          <p:cNvSpPr>
-            <a:spLocks noGrp="1" noRot="1" noChangeAspect="1"/>
-          </p:cNvSpPr>
-          <p:nvPr>
-            <p:ph type="sldImg"/>
-          </p:nvPr>
-        </p:nvSpPr>
-        <p:spPr>
-          <a:xfrm>
-            <a:off x="960438" y="1143000"/>
-            <a:ext cx="4937125" cy="3086100"/>
-          </a:xfrm>
-        </p:spPr>
-      </p:sp>
-      <p:sp>
-        <p:nvSpPr>
-          <p:cNvPr id="3" name="Espace réservé des commentaires 2"/>
-          <p:cNvSpPr>
-            <a:spLocks noGrp="1"/>
-          </p:cNvSpPr>
-          <p:nvPr>
-            <p:ph type="body" idx="1"/>
-          </p:nvPr>
-        </p:nvSpPr>
-        <p:spPr/>
-        <p:txBody>
-          <a:bodyPr rtlCol="0"/>
-          <a:lstStyle/>
-          <a:p>
-            <a:pPr rtl="0"/>
-            <a:endParaRPr lang="fr-FR"/>
-          </a:p>
-        </p:txBody>
-      </p:sp>
-      <p:sp>
-        <p:nvSpPr>
-          <p:cNvPr id="4" name="Espace réservé du numéro de diapositive 3"/>
-          <p:cNvSpPr>
-            <a:spLocks noGrp="1"/>
-          </p:cNvSpPr>
-          <p:nvPr>
-            <p:ph type="sldNum" sz="quarter" idx="5"/>
-          </p:nvPr>
-        </p:nvSpPr>
-        <p:spPr/>
-        <p:txBody>
-          <a:bodyPr rtlCol="0"/>
-          <a:lstStyle/>
-          <a:p>
-            <a:pPr rtl="0"/>
-            <a:fld id="{C6B3AB32-59DF-41F1-9618-EDFBF5049629}" type="slidenum">
-              <a:rPr lang="fr-FR" smtClean="0"/>
-              <a:t>39</a:t>
-            </a:fld>
-            <a:endParaRPr lang="fr-FR"/>
-          </a:p>
-        </p:txBody>
-      </p:sp>
-    </p:spTree>
-    <p:extLst>
-      <p:ext uri="{BB962C8B-B14F-4D97-AF65-F5344CB8AC3E}">
-        <p14:creationId xmlns:p14="http://schemas.microsoft.com/office/powerpoint/2010/main" val="1335678831"/>
-      </p:ext>
-    </p:extLst>
-  </p:cSld>
-  <p:clrMapOvr>
-    <a:masterClrMapping/>
-  </p:clrMapOvr>
-</p:notes>
-</file>
-
-<file path=ppt/notesSlides/notesSlide21.xml><?xml version="1.0" encoding="utf-8"?>
-<p:notes xmlns:a="http://schemas.openxmlformats.org/drawingml/2006/main" xmlns:r="http://schemas.openxmlformats.org/officeDocument/2006/relationships" xmlns:p="http://schemas.openxmlformats.org/presentationml/2006/main">
-  <p:cSld>
-    <p:spTree>
-      <p:nvGrpSpPr>
-        <p:cNvPr id="1" name=""/>
-        <p:cNvGrpSpPr/>
-        <p:nvPr/>
-      </p:nvGrpSpPr>
-      <p:grpSpPr>
-        <a:xfrm>
-          <a:off x="0" y="0"/>
-          <a:ext cx="0" cy="0"/>
-          <a:chOff x="0" y="0"/>
-          <a:chExt cx="0" cy="0"/>
-        </a:xfrm>
-      </p:grpSpPr>
-      <p:sp>
-        <p:nvSpPr>
-          <p:cNvPr id="2" name="Espace réservé de l'image des diapositives 1"/>
-          <p:cNvSpPr>
-            <a:spLocks noGrp="1" noRot="1" noChangeAspect="1"/>
-          </p:cNvSpPr>
-          <p:nvPr>
-            <p:ph type="sldImg"/>
-          </p:nvPr>
-        </p:nvSpPr>
-        <p:spPr/>
-      </p:sp>
-      <p:sp>
-        <p:nvSpPr>
-          <p:cNvPr id="3" name="Espace réservé des notes 2"/>
-          <p:cNvSpPr>
-            <a:spLocks noGrp="1"/>
-          </p:cNvSpPr>
-          <p:nvPr>
-            <p:ph type="body" idx="1"/>
-          </p:nvPr>
-        </p:nvSpPr>
-        <p:spPr/>
-        <p:txBody>
-          <a:bodyPr/>
-          <a:lstStyle/>
-          <a:p>
-            <a:endParaRPr lang="fr-FR" dirty="0"/>
-          </a:p>
-        </p:txBody>
-      </p:sp>
-      <p:sp>
-        <p:nvSpPr>
-          <p:cNvPr id="4" name="Espace réservé du numéro de diapositive 3"/>
-          <p:cNvSpPr>
-            <a:spLocks noGrp="1"/>
-          </p:cNvSpPr>
-          <p:nvPr>
-            <p:ph type="sldNum" sz="quarter" idx="10"/>
-          </p:nvPr>
-        </p:nvSpPr>
-        <p:spPr/>
-        <p:txBody>
-          <a:bodyPr/>
-          <a:lstStyle/>
-          <a:p>
-            <a:pPr rtl="0"/>
-            <a:fld id="{C6B3AB32-59DF-41F1-9618-EDFBF5049629}" type="slidenum">
-              <a:rPr lang="fr-FR" noProof="0" smtClean="0"/>
-              <a:t>40</a:t>
-            </a:fld>
-            <a:endParaRPr lang="fr-FR" noProof="0" dirty="0"/>
-          </a:p>
-        </p:txBody>
-      </p:sp>
-    </p:spTree>
-    <p:extLst>
-      <p:ext uri="{BB962C8B-B14F-4D97-AF65-F5344CB8AC3E}">
-        <p14:creationId xmlns:p14="http://schemas.microsoft.com/office/powerpoint/2010/main" val="941446977"/>
-      </p:ext>
-    </p:extLst>
-  </p:cSld>
-  <p:clrMapOvr>
-    <a:masterClrMapping/>
-  </p:clrMapOvr>
-</p:notes>
-</file>
-
-<file path=ppt/notesSlides/notesSlide22.xml><?xml version="1.0" encoding="utf-8"?>
-<p:notes xmlns:a="http://schemas.openxmlformats.org/drawingml/2006/main" xmlns:r="http://schemas.openxmlformats.org/officeDocument/2006/relationships" xmlns:p="http://schemas.openxmlformats.org/presentationml/2006/main">
-  <p:cSld>
-    <p:spTree>
-      <p:nvGrpSpPr>
-        <p:cNvPr id="1" name=""/>
-        <p:cNvGrpSpPr/>
-        <p:nvPr/>
-      </p:nvGrpSpPr>
-      <p:grpSpPr>
-        <a:xfrm>
-          <a:off x="0" y="0"/>
-          <a:ext cx="0" cy="0"/>
-          <a:chOff x="0" y="0"/>
-          <a:chExt cx="0" cy="0"/>
-        </a:xfrm>
-      </p:grpSpPr>
-      <p:sp>
-        <p:nvSpPr>
-          <p:cNvPr id="2" name="Espace réservé de l’image des diapositives 1"/>
-          <p:cNvSpPr>
-            <a:spLocks noGrp="1" noRot="1" noChangeAspect="1"/>
-          </p:cNvSpPr>
-          <p:nvPr>
-            <p:ph type="sldImg"/>
-          </p:nvPr>
-        </p:nvSpPr>
-        <p:spPr>
-          <a:xfrm>
-            <a:off x="960438" y="1143000"/>
-            <a:ext cx="4937125" cy="3086100"/>
-          </a:xfrm>
-        </p:spPr>
-      </p:sp>
-      <p:sp>
-        <p:nvSpPr>
-          <p:cNvPr id="3" name="Espace réservé des commentaires 2"/>
-          <p:cNvSpPr>
-            <a:spLocks noGrp="1"/>
-          </p:cNvSpPr>
-          <p:nvPr>
-            <p:ph type="body" idx="1"/>
-          </p:nvPr>
-        </p:nvSpPr>
-        <p:spPr/>
-        <p:txBody>
-          <a:bodyPr rtlCol="0"/>
-          <a:lstStyle/>
-          <a:p>
-            <a:pPr rtl="0"/>
-            <a:endParaRPr lang="fr-FR" dirty="0"/>
-          </a:p>
-        </p:txBody>
-      </p:sp>
-      <p:sp>
-        <p:nvSpPr>
-          <p:cNvPr id="4" name="Espace réservé du numéro de diapositive 3"/>
-          <p:cNvSpPr>
-            <a:spLocks noGrp="1"/>
-          </p:cNvSpPr>
-          <p:nvPr>
-            <p:ph type="sldNum" sz="quarter" idx="5"/>
-          </p:nvPr>
-        </p:nvSpPr>
-        <p:spPr/>
-        <p:txBody>
-          <a:bodyPr rtlCol="0"/>
-          <a:lstStyle/>
-          <a:p>
-            <a:pPr rtl="0"/>
-            <a:fld id="{C6B3AB32-59DF-41F1-9618-EDFBF5049629}" type="slidenum">
-              <a:rPr lang="fr-FR" smtClean="0"/>
-              <a:t>41</a:t>
-            </a:fld>
-            <a:endParaRPr lang="fr-FR" dirty="0"/>
-          </a:p>
-        </p:txBody>
-      </p:sp>
-    </p:spTree>
-    <p:extLst>
-      <p:ext uri="{BB962C8B-B14F-4D97-AF65-F5344CB8AC3E}">
-        <p14:creationId xmlns:p14="http://schemas.microsoft.com/office/powerpoint/2010/main" val="2059178600"/>
       </p:ext>
     </p:extLst>
   </p:cSld>
@@ -11380,7 +10660,7 @@
           <a:p>
             <a:r>
               <a:rPr lang="fr-FR" dirty="0" smtClean="0"/>
-              <a:t>Mise en pratique</a:t>
+              <a:t>À vous !</a:t>
             </a:r>
             <a:endParaRPr lang="fr-FR" dirty="0"/>
           </a:p>
@@ -18305,6 +17585,76 @@
           <a:chExt cx="0" cy="0"/>
         </a:xfrm>
       </p:grpSpPr>
+      <p:pic>
+        <p:nvPicPr>
+          <p:cNvPr id="6" name="Image 5"/>
+          <p:cNvPicPr>
+            <a:picLocks noChangeAspect="1"/>
+          </p:cNvPicPr>
+          <p:nvPr/>
+        </p:nvPicPr>
+        <p:blipFill>
+          <a:blip r:embed="rId3">
+            <a:extLst>
+              <a:ext uri="{28A0092B-C50C-407E-A947-70E740481C1C}">
+                <a14:useLocalDpi xmlns:a14="http://schemas.microsoft.com/office/drawing/2010/main" val="0"/>
+              </a:ext>
+            </a:extLst>
+          </a:blip>
+          <a:stretch>
+            <a:fillRect/>
+          </a:stretch>
+        </p:blipFill>
+        <p:spPr>
+          <a:xfrm>
+            <a:off x="0" y="0"/>
+            <a:ext cx="9144000" cy="5715000"/>
+          </a:xfrm>
+          <a:prstGeom prst="rect">
+            <a:avLst/>
+          </a:prstGeom>
+        </p:spPr>
+      </p:pic>
+      <p:sp>
+        <p:nvSpPr>
+          <p:cNvPr id="4" name="Rectangle 3"/>
+          <p:cNvSpPr/>
+          <p:nvPr/>
+        </p:nvSpPr>
+        <p:spPr>
+          <a:xfrm>
+            <a:off x="435893" y="3689975"/>
+            <a:ext cx="8392798" cy="1166649"/>
+          </a:xfrm>
+          <a:prstGeom prst="rect">
+            <a:avLst/>
+          </a:prstGeom>
+        </p:spPr>
+        <p:style>
+          <a:lnRef idx="2">
+            <a:schemeClr val="accent1">
+              <a:shade val="50000"/>
+            </a:schemeClr>
+          </a:lnRef>
+          <a:fillRef idx="1">
+            <a:schemeClr val="accent1"/>
+          </a:fillRef>
+          <a:effectRef idx="0">
+            <a:schemeClr val="accent1"/>
+          </a:effectRef>
+          <a:fontRef idx="minor">
+            <a:schemeClr val="lt1"/>
+          </a:fontRef>
+        </p:style>
+        <p:txBody>
+          <a:bodyPr rtlCol="0" anchor="ctr"/>
+          <a:lstStyle/>
+          <a:p>
+            <a:pPr algn="ctr"/>
+            <a:endParaRPr lang="fr-FR" dirty="0"/>
+          </a:p>
+        </p:txBody>
+      </p:sp>
       <p:sp>
         <p:nvSpPr>
           <p:cNvPr id="2" name="Titre 1">
@@ -18323,7 +17673,7 @@
         </p:nvSpPr>
         <p:spPr>
           <a:xfrm>
-            <a:off x="330791" y="4545068"/>
+            <a:off x="435894" y="3714750"/>
             <a:ext cx="8245162" cy="671433"/>
           </a:xfrm>
         </p:spPr>
@@ -18340,7 +17690,7 @@
                   <a:schemeClr val="bg1"/>
                 </a:solidFill>
               </a:rPr>
-              <a:t>Entêtes précompilées</a:t>
+              <a:t>À suivre : </a:t>
             </a:r>
             <a:endParaRPr lang="fr-FR" sz="3150" dirty="0">
               <a:solidFill>
@@ -18352,70 +17702,60 @@
       </p:sp>
       <p:sp>
         <p:nvSpPr>
-          <p:cNvPr id="6" name="ZoneTexte 5"/>
-          <p:cNvSpPr txBox="1"/>
-          <p:nvPr/>
+          <p:cNvPr id="3" name="Sous-titre 2">
+            <a:extLst>
+              <a:ext uri="{FF2B5EF4-FFF2-40B4-BE49-F238E27FC236}">
+                <a16:creationId xmlns:a16="http://schemas.microsoft.com/office/drawing/2014/main" id="{48B6CF59-4E5B-494D-A2F7-97ADD01E6497}"/>
+              </a:ext>
+            </a:extLst>
+          </p:cNvPr>
+          <p:cNvSpPr>
+            <a:spLocks noGrp="1"/>
+          </p:cNvSpPr>
+          <p:nvPr>
+            <p:ph type="subTitle" idx="1"/>
+          </p:nvPr>
         </p:nvSpPr>
         <p:spPr>
           <a:xfrm>
-            <a:off x="330791" y="588580"/>
-            <a:ext cx="3757733" cy="3631763"/>
+            <a:off x="435895" y="4386184"/>
+            <a:ext cx="8245160" cy="363617"/>
           </a:xfrm>
-          <a:prstGeom prst="rect">
-            <a:avLst/>
-          </a:prstGeom>
-          <a:noFill/>
         </p:spPr>
         <p:txBody>
-          <a:bodyPr wrap="square" rtlCol="0">
-            <a:spAutoFit/>
+          <a:bodyPr rtlCol="0">
+            <a:normAutofit/>
           </a:bodyPr>
           <a:lstStyle/>
           <a:p>
-            <a:r>
-              <a:rPr lang="fr-FR" sz="11500" b="1" spc="50" dirty="0" smtClean="0">
-                <a:ln w="9525" cmpd="sng">
-                  <a:solidFill>
-                    <a:schemeClr val="accent1"/>
-                  </a:solidFill>
-                  <a:prstDash val="solid"/>
-                </a:ln>
-                <a:solidFill>
-                  <a:srgbClr val="70AD47">
-                    <a:tint val="1000"/>
-                  </a:srgbClr>
-                </a:solidFill>
-                <a:effectLst>
-                  <a:glow rad="38100">
-                    <a:schemeClr val="accent1">
-                      <a:alpha val="40000"/>
-                    </a:schemeClr>
-                  </a:glow>
-                </a:effectLst>
-              </a:rPr>
-              <a:t>03</a:t>
-            </a:r>
-          </a:p>
-          <a:p>
-            <a:endParaRPr lang="fr-FR" sz="11500" dirty="0">
-              <a:ln w="0"/>
+            <a:pPr algn="r" rtl="0"/>
+            <a:r>
+              <a:rPr lang="fr-FR" dirty="0" smtClean="0">
+                <a:solidFill>
+                  <a:srgbClr val="7CEBFF"/>
+                </a:solidFill>
+              </a:rPr>
+              <a:t>Formation </a:t>
+            </a:r>
+            <a:r>
+              <a:rPr lang="fr-FR" smtClean="0">
+                <a:solidFill>
+                  <a:srgbClr val="7CEBFF"/>
+                </a:solidFill>
+              </a:rPr>
+              <a:t>interne scalian</a:t>
+            </a:r>
+            <a:endParaRPr lang="fr-FR" dirty="0">
               <a:solidFill>
-                <a:schemeClr val="accent1"/>
+                <a:srgbClr val="7CEBFF"/>
               </a:solidFill>
-              <a:effectLst>
-                <a:outerShdw blurRad="38100" dist="25400" dir="5400000" algn="ctr" rotWithShape="0">
-                  <a:srgbClr val="6E747A">
-                    <a:alpha val="43000"/>
-                  </a:srgbClr>
-                </a:outerShdw>
-              </a:effectLst>
             </a:endParaRPr>
           </a:p>
         </p:txBody>
       </p:sp>
       <p:sp>
         <p:nvSpPr>
-          <p:cNvPr id="3" name="Espace réservé du numéro de diapositive 2"/>
+          <p:cNvPr id="5" name="Espace réservé du numéro de diapositive 4"/>
           <p:cNvSpPr>
             <a:spLocks noGrp="1"/>
           </p:cNvSpPr>
@@ -18434,1895 +17774,14 @@
               <a:pPr rtl="0"/>
               <a:t>31</a:t>
             </a:fld>
-            <a:endParaRPr lang="fr-FR" noProof="0"/>
+            <a:endParaRPr lang="fr-FR" noProof="0" dirty="0"/>
           </a:p>
         </p:txBody>
       </p:sp>
     </p:spTree>
     <p:extLst>
       <p:ext uri="{BB962C8B-B14F-4D97-AF65-F5344CB8AC3E}">
-        <p14:creationId xmlns:p14="http://schemas.microsoft.com/office/powerpoint/2010/main" val="1179338591"/>
-      </p:ext>
-    </p:extLst>
-  </p:cSld>
-  <p:clrMapOvr>
-    <a:masterClrMapping/>
-  </p:clrMapOvr>
-  <p:timing>
-    <p:tnLst>
-      <p:par>
-        <p:cTn id="1" dur="indefinite" restart="never" nodeType="tmRoot"/>
-      </p:par>
-    </p:tnLst>
-  </p:timing>
-</p:sld>
-</file>
-
-<file path=ppt/slides/slide32.xml><?xml version="1.0" encoding="utf-8"?>
-<p:sld xmlns:a="http://schemas.openxmlformats.org/drawingml/2006/main" xmlns:r="http://schemas.openxmlformats.org/officeDocument/2006/relationships" xmlns:p="http://schemas.openxmlformats.org/presentationml/2006/main">
-  <p:cSld>
-    <p:spTree>
-      <p:nvGrpSpPr>
-        <p:cNvPr id="1" name=""/>
-        <p:cNvGrpSpPr/>
-        <p:nvPr/>
-      </p:nvGrpSpPr>
-      <p:grpSpPr>
-        <a:xfrm>
-          <a:off x="0" y="0"/>
-          <a:ext cx="0" cy="0"/>
-          <a:chOff x="0" y="0"/>
-          <a:chExt cx="0" cy="0"/>
-        </a:xfrm>
-      </p:grpSpPr>
-      <p:sp>
-        <p:nvSpPr>
-          <p:cNvPr id="5" name="Titre 4"/>
-          <p:cNvSpPr>
-            <a:spLocks noGrp="1"/>
-          </p:cNvSpPr>
-          <p:nvPr>
-            <p:ph type="title"/>
-          </p:nvPr>
-        </p:nvSpPr>
-        <p:spPr/>
-        <p:txBody>
-          <a:bodyPr/>
-          <a:lstStyle/>
-          <a:p>
-            <a:r>
-              <a:rPr lang="fr-FR" dirty="0"/>
-              <a:t>Entêtes </a:t>
-            </a:r>
-            <a:r>
-              <a:rPr lang="fr-FR" dirty="0" smtClean="0"/>
-              <a:t>précompilées - </a:t>
-            </a:r>
-            <a:r>
-              <a:rPr lang="fr-FR" dirty="0" err="1" smtClean="0"/>
-              <a:t>Precompiled</a:t>
-            </a:r>
-            <a:r>
-              <a:rPr lang="fr-FR" dirty="0" smtClean="0"/>
-              <a:t> </a:t>
-            </a:r>
-            <a:r>
-              <a:rPr lang="fr-FR" dirty="0"/>
-              <a:t>header</a:t>
-            </a:r>
-          </a:p>
-        </p:txBody>
-      </p:sp>
-      <p:sp>
-        <p:nvSpPr>
-          <p:cNvPr id="6" name="Espace réservé du contenu 5"/>
-          <p:cNvSpPr>
-            <a:spLocks noGrp="1"/>
-          </p:cNvSpPr>
-          <p:nvPr>
-            <p:ph idx="1"/>
-          </p:nvPr>
-        </p:nvSpPr>
-        <p:spPr/>
-        <p:txBody>
-          <a:bodyPr/>
-          <a:lstStyle/>
-          <a:p>
-            <a:r>
-              <a:rPr lang="fr-FR" dirty="0" err="1" smtClean="0"/>
-              <a:t>Def</a:t>
-            </a:r>
-            <a:r>
-              <a:rPr lang="fr-FR" dirty="0" smtClean="0"/>
-              <a:t> : C’est un fichier header compilé dans une forme intermédiaire (</a:t>
-            </a:r>
-            <a:r>
-              <a:rPr lang="fr-FR" dirty="0" err="1" smtClean="0"/>
-              <a:t>stdafx.h</a:t>
-            </a:r>
-            <a:r>
-              <a:rPr lang="fr-FR" dirty="0" smtClean="0"/>
-              <a:t> pour </a:t>
-            </a:r>
-            <a:r>
-              <a:rPr lang="fr-FR" dirty="0" err="1" smtClean="0"/>
-              <a:t>visual</a:t>
-            </a:r>
-            <a:r>
-              <a:rPr lang="fr-FR" dirty="0" smtClean="0"/>
-              <a:t> &lt;=2017, </a:t>
-            </a:r>
-            <a:r>
-              <a:rPr lang="fr-FR" dirty="0" err="1" smtClean="0"/>
-              <a:t>pch.h</a:t>
-            </a:r>
-            <a:r>
-              <a:rPr lang="fr-FR" dirty="0" smtClean="0"/>
-              <a:t> pour </a:t>
-            </a:r>
-            <a:r>
-              <a:rPr lang="fr-FR" dirty="0" err="1" smtClean="0"/>
-              <a:t>visual</a:t>
-            </a:r>
-            <a:r>
-              <a:rPr lang="fr-FR" dirty="0" smtClean="0"/>
-              <a:t> 2019, ) -&gt; compilé en *.</a:t>
-            </a:r>
-            <a:r>
-              <a:rPr lang="fr-FR" dirty="0" err="1" smtClean="0"/>
-              <a:t>pch</a:t>
-            </a:r>
-            <a:r>
-              <a:rPr lang="fr-FR" dirty="0" smtClean="0"/>
-              <a:t> (</a:t>
-            </a:r>
-            <a:r>
-              <a:rPr lang="fr-FR" dirty="0" err="1" smtClean="0"/>
-              <a:t>visual</a:t>
-            </a:r>
-            <a:r>
-              <a:rPr lang="fr-FR" dirty="0" smtClean="0"/>
-              <a:t>) ou *.</a:t>
-            </a:r>
-            <a:r>
-              <a:rPr lang="fr-FR" dirty="0" err="1" smtClean="0"/>
-              <a:t>gch</a:t>
-            </a:r>
-            <a:r>
-              <a:rPr lang="fr-FR" dirty="0" smtClean="0"/>
-              <a:t> (GNU)</a:t>
-            </a:r>
-          </a:p>
-          <a:p>
-            <a:r>
-              <a:rPr lang="fr-FR" dirty="0"/>
-              <a:t>Pour qui ? GCC &gt;= 3.4 et VS &gt;= </a:t>
-            </a:r>
-            <a:r>
-              <a:rPr lang="fr-FR" dirty="0" smtClean="0"/>
-              <a:t>2008. Fichiers stables et statiques (lib, </a:t>
-            </a:r>
-            <a:r>
-              <a:rPr lang="fr-FR" dirty="0" err="1" smtClean="0"/>
-              <a:t>stl</a:t>
-            </a:r>
-            <a:r>
-              <a:rPr lang="fr-FR" dirty="0" smtClean="0"/>
-              <a:t>, box…).</a:t>
-            </a:r>
-          </a:p>
-          <a:p>
-            <a:r>
-              <a:rPr lang="fr-FR" dirty="0" smtClean="0"/>
-              <a:t>Pourquoi : pendant le </a:t>
-            </a:r>
-            <a:r>
-              <a:rPr lang="fr-FR" dirty="0" err="1" smtClean="0"/>
-              <a:t>dev</a:t>
-            </a:r>
-            <a:r>
-              <a:rPr lang="fr-FR" dirty="0" smtClean="0"/>
-              <a:t>, pour limiter les temps de compilation qui peuvent être très lourds en C++ (</a:t>
-            </a:r>
-            <a:r>
-              <a:rPr lang="fr-FR" dirty="0" err="1" smtClean="0"/>
-              <a:t>std</a:t>
-            </a:r>
-            <a:r>
-              <a:rPr lang="fr-FR" dirty="0" smtClean="0"/>
-              <a:t>::</a:t>
-            </a:r>
-            <a:r>
-              <a:rPr lang="fr-FR" dirty="0" err="1" smtClean="0"/>
-              <a:t>vector</a:t>
-            </a:r>
-            <a:r>
-              <a:rPr lang="fr-FR" dirty="0"/>
-              <a:t> </a:t>
-            </a:r>
-            <a:r>
-              <a:rPr lang="fr-FR" dirty="0" smtClean="0"/>
-              <a:t>par exemple) (et c’est de pire en pire avec la </a:t>
-            </a:r>
-            <a:r>
-              <a:rPr lang="fr-FR" dirty="0" err="1" smtClean="0"/>
-              <a:t>meta</a:t>
-            </a:r>
-            <a:r>
-              <a:rPr lang="fr-FR" dirty="0" smtClean="0"/>
-              <a:t>-programmation et les grosse bibliothèques (</a:t>
-            </a:r>
-            <a:r>
-              <a:rPr lang="fr-FR" dirty="0" err="1" smtClean="0"/>
-              <a:t>boost</a:t>
-            </a:r>
-            <a:r>
-              <a:rPr lang="fr-FR" dirty="0" smtClean="0"/>
-              <a:t>, </a:t>
-            </a:r>
-            <a:r>
-              <a:rPr lang="fr-FR" dirty="0" err="1" smtClean="0"/>
-              <a:t>eigen</a:t>
-            </a:r>
-            <a:r>
-              <a:rPr lang="fr-FR" dirty="0" smtClean="0"/>
-              <a:t>, etc.))</a:t>
-            </a:r>
-          </a:p>
-          <a:p>
-            <a:endParaRPr lang="fr-FR" dirty="0" smtClean="0"/>
-          </a:p>
-        </p:txBody>
-      </p:sp>
-      <p:sp>
-        <p:nvSpPr>
-          <p:cNvPr id="4" name="Espace réservé du numéro de diapositive 3"/>
-          <p:cNvSpPr>
-            <a:spLocks noGrp="1"/>
-          </p:cNvSpPr>
-          <p:nvPr>
-            <p:ph type="sldNum" sz="quarter" idx="12"/>
-          </p:nvPr>
-        </p:nvSpPr>
-        <p:spPr/>
-        <p:txBody>
-          <a:bodyPr/>
-          <a:lstStyle/>
-          <a:p>
-            <a:pPr rtl="0"/>
-            <a:fld id="{D57F1E4F-1CFF-5643-939E-217C01CDF565}" type="slidenum">
-              <a:rPr lang="fr-FR" noProof="0" smtClean="0"/>
-              <a:pPr rtl="0"/>
-              <a:t>32</a:t>
-            </a:fld>
-            <a:endParaRPr lang="fr-FR" noProof="0" dirty="0"/>
-          </a:p>
-        </p:txBody>
-      </p:sp>
-    </p:spTree>
-    <p:extLst>
-      <p:ext uri="{BB962C8B-B14F-4D97-AF65-F5344CB8AC3E}">
-        <p14:creationId xmlns:p14="http://schemas.microsoft.com/office/powerpoint/2010/main" val="3833744031"/>
-      </p:ext>
-    </p:extLst>
-  </p:cSld>
-  <p:clrMapOvr>
-    <a:masterClrMapping/>
-  </p:clrMapOvr>
-</p:sld>
-</file>
-
-<file path=ppt/slides/slide33.xml><?xml version="1.0" encoding="utf-8"?>
-<p:sld xmlns:a="http://schemas.openxmlformats.org/drawingml/2006/main" xmlns:r="http://schemas.openxmlformats.org/officeDocument/2006/relationships" xmlns:p="http://schemas.openxmlformats.org/presentationml/2006/main">
-  <p:cSld>
-    <p:spTree>
-      <p:nvGrpSpPr>
-        <p:cNvPr id="1" name=""/>
-        <p:cNvGrpSpPr/>
-        <p:nvPr/>
-      </p:nvGrpSpPr>
-      <p:grpSpPr>
-        <a:xfrm>
-          <a:off x="0" y="0"/>
-          <a:ext cx="0" cy="0"/>
-          <a:chOff x="0" y="0"/>
-          <a:chExt cx="0" cy="0"/>
-        </a:xfrm>
-      </p:grpSpPr>
-      <p:sp>
-        <p:nvSpPr>
-          <p:cNvPr id="5" name="Titre 4"/>
-          <p:cNvSpPr>
-            <a:spLocks noGrp="1"/>
-          </p:cNvSpPr>
-          <p:nvPr>
-            <p:ph type="title"/>
-          </p:nvPr>
-        </p:nvSpPr>
-        <p:spPr/>
-        <p:txBody>
-          <a:bodyPr/>
-          <a:lstStyle/>
-          <a:p>
-            <a:r>
-              <a:rPr lang="fr-FR" dirty="0" smtClean="0"/>
-              <a:t>Exemple</a:t>
-            </a:r>
-            <a:endParaRPr lang="fr-FR" dirty="0"/>
-          </a:p>
-        </p:txBody>
-      </p:sp>
-      <p:sp>
-        <p:nvSpPr>
-          <p:cNvPr id="6" name="Espace réservé du contenu 5"/>
-          <p:cNvSpPr>
-            <a:spLocks noGrp="1"/>
-          </p:cNvSpPr>
-          <p:nvPr>
-            <p:ph idx="1"/>
-          </p:nvPr>
-        </p:nvSpPr>
-        <p:spPr/>
-        <p:txBody>
-          <a:bodyPr/>
-          <a:lstStyle/>
-          <a:p>
-            <a:r>
-              <a:rPr lang="fr-FR" dirty="0" smtClean="0"/>
-              <a:t>main.cpp + </a:t>
-            </a:r>
-            <a:r>
-              <a:rPr lang="fr-FR" dirty="0" err="1" smtClean="0"/>
-              <a:t>header.h</a:t>
-            </a:r>
-            <a:r>
-              <a:rPr lang="fr-FR" dirty="0" smtClean="0"/>
-              <a:t> -&gt; première compilation, on compile tout et on génère un header.pch</a:t>
-            </a:r>
-          </a:p>
-          <a:p>
-            <a:r>
-              <a:rPr lang="fr-FR" dirty="0" smtClean="0"/>
-              <a:t>À la prochaine compilation, si l’horodatage de </a:t>
-            </a:r>
-            <a:r>
-              <a:rPr lang="fr-FR" dirty="0" err="1" smtClean="0"/>
-              <a:t>header.h</a:t>
-            </a:r>
-            <a:r>
-              <a:rPr lang="fr-FR" dirty="0" smtClean="0"/>
-              <a:t> n’a pas changé, le compilateur ne recompile pas </a:t>
-            </a:r>
-            <a:r>
-              <a:rPr lang="fr-FR" dirty="0" err="1" smtClean="0"/>
-              <a:t>header.h</a:t>
-            </a:r>
-            <a:r>
-              <a:rPr lang="fr-FR" dirty="0" smtClean="0"/>
-              <a:t>, il utilise directement header.pch</a:t>
-            </a:r>
-          </a:p>
-          <a:p>
-            <a:endParaRPr lang="fr-FR" dirty="0"/>
-          </a:p>
-          <a:p>
-            <a:r>
-              <a:rPr lang="fr-FR" dirty="0" smtClean="0"/>
-              <a:t>Dans VS : option de compilation /Y*. Visual peut précompiler les headers et les </a:t>
-            </a:r>
-            <a:r>
-              <a:rPr lang="fr-FR" dirty="0" err="1" smtClean="0"/>
-              <a:t>cpp</a:t>
-            </a:r>
-            <a:r>
-              <a:rPr lang="fr-FR" dirty="0" smtClean="0"/>
-              <a:t>.</a:t>
-            </a:r>
-          </a:p>
-          <a:p>
-            <a:pPr lvl="1"/>
-            <a:r>
-              <a:rPr lang="fr-FR" dirty="0" smtClean="0"/>
-              <a:t>/</a:t>
-            </a:r>
-            <a:r>
-              <a:rPr lang="fr-FR" dirty="0" err="1" smtClean="0"/>
-              <a:t>Yc</a:t>
-            </a:r>
-            <a:r>
-              <a:rPr lang="fr-FR" dirty="0" smtClean="0"/>
-              <a:t> pour activer les entêtes précompilées</a:t>
-            </a:r>
-          </a:p>
-          <a:p>
-            <a:pPr lvl="1"/>
-            <a:r>
-              <a:rPr lang="fr-FR" dirty="0"/>
-              <a:t>/</a:t>
-            </a:r>
-            <a:r>
-              <a:rPr lang="fr-FR" dirty="0" err="1" smtClean="0"/>
-              <a:t>Yu</a:t>
-            </a:r>
-            <a:r>
-              <a:rPr lang="fr-FR" dirty="0" smtClean="0"/>
-              <a:t> permet de renseigner un fichier </a:t>
-            </a:r>
-            <a:r>
-              <a:rPr lang="fr-FR" dirty="0" err="1" smtClean="0"/>
-              <a:t>déjàj</a:t>
-            </a:r>
-            <a:r>
-              <a:rPr lang="fr-FR" dirty="0" smtClean="0"/>
-              <a:t> généré en particulier</a:t>
-            </a:r>
-          </a:p>
-          <a:p>
-            <a:pPr lvl="1"/>
-            <a:r>
-              <a:rPr lang="fr-FR" dirty="0" smtClean="0"/>
-              <a:t>/FP permet de spécifier le nom de l’entête</a:t>
-            </a:r>
-          </a:p>
-          <a:p>
-            <a:r>
-              <a:rPr lang="fr-FR" dirty="0" smtClean="0"/>
-              <a:t>Règles : </a:t>
-            </a:r>
-          </a:p>
-          <a:p>
-            <a:pPr lvl="1"/>
-            <a:r>
-              <a:rPr lang="fr-FR" dirty="0" smtClean="0"/>
-              <a:t>on ne peut pas partager un *.</a:t>
-            </a:r>
-            <a:r>
-              <a:rPr lang="fr-FR" dirty="0" err="1" smtClean="0"/>
-              <a:t>pch</a:t>
-            </a:r>
-            <a:r>
-              <a:rPr lang="fr-FR" dirty="0" smtClean="0"/>
-              <a:t>. Dépendant de la machine sur laquelle il a été créé.</a:t>
-            </a:r>
-          </a:p>
-          <a:p>
-            <a:pPr lvl="1"/>
-            <a:r>
-              <a:rPr lang="fr-FR" dirty="0" smtClean="0"/>
-              <a:t>Bien que l’utilisation d’un </a:t>
-            </a:r>
-            <a:r>
-              <a:rPr lang="fr-FR" dirty="0" err="1" smtClean="0"/>
-              <a:t>pch</a:t>
-            </a:r>
-            <a:r>
-              <a:rPr lang="fr-FR" dirty="0" smtClean="0"/>
-              <a:t> ayant été créé avec une configuration différentes (options de compilation, </a:t>
-            </a:r>
-            <a:r>
-              <a:rPr lang="fr-FR" dirty="0" err="1" smtClean="0"/>
-              <a:t>debug</a:t>
-            </a:r>
-            <a:r>
-              <a:rPr lang="fr-FR" dirty="0" smtClean="0"/>
-              <a:t>, variables d’environnement etc.) est permise, des incohérences et des warnings peuvent apparaître.</a:t>
-            </a:r>
-          </a:p>
-          <a:p>
-            <a:pPr lvl="1"/>
-            <a:r>
-              <a:rPr lang="fr-FR" dirty="0" smtClean="0"/>
-              <a:t>On ne récupère pas les symboles définis dans un fichier d’entête spécifique </a:t>
-            </a:r>
-          </a:p>
-          <a:p>
-            <a:endParaRPr lang="fr-FR" dirty="0" smtClean="0"/>
-          </a:p>
-        </p:txBody>
-      </p:sp>
-      <p:sp>
-        <p:nvSpPr>
-          <p:cNvPr id="4" name="Espace réservé du numéro de diapositive 3"/>
-          <p:cNvSpPr>
-            <a:spLocks noGrp="1"/>
-          </p:cNvSpPr>
-          <p:nvPr>
-            <p:ph type="sldNum" sz="quarter" idx="12"/>
-          </p:nvPr>
-        </p:nvSpPr>
-        <p:spPr/>
-        <p:txBody>
-          <a:bodyPr/>
-          <a:lstStyle/>
-          <a:p>
-            <a:pPr rtl="0"/>
-            <a:fld id="{D57F1E4F-1CFF-5643-939E-217C01CDF565}" type="slidenum">
-              <a:rPr lang="fr-FR" noProof="0" smtClean="0"/>
-              <a:pPr rtl="0"/>
-              <a:t>33</a:t>
-            </a:fld>
-            <a:endParaRPr lang="fr-FR" noProof="0" dirty="0"/>
-          </a:p>
-        </p:txBody>
-      </p:sp>
-    </p:spTree>
-    <p:extLst>
-      <p:ext uri="{BB962C8B-B14F-4D97-AF65-F5344CB8AC3E}">
-        <p14:creationId xmlns:p14="http://schemas.microsoft.com/office/powerpoint/2010/main" val="2794617608"/>
-      </p:ext>
-    </p:extLst>
-  </p:cSld>
-  <p:clrMapOvr>
-    <a:masterClrMapping/>
-  </p:clrMapOvr>
-</p:sld>
-</file>
-
-<file path=ppt/slides/slide34.xml><?xml version="1.0" encoding="utf-8"?>
-<p:sld xmlns:a="http://schemas.openxmlformats.org/drawingml/2006/main" xmlns:r="http://schemas.openxmlformats.org/officeDocument/2006/relationships" xmlns:p="http://schemas.openxmlformats.org/presentationml/2006/main">
-  <p:cSld>
-    <p:spTree>
-      <p:nvGrpSpPr>
-        <p:cNvPr id="1" name=""/>
-        <p:cNvGrpSpPr/>
-        <p:nvPr/>
-      </p:nvGrpSpPr>
-      <p:grpSpPr>
-        <a:xfrm>
-          <a:off x="0" y="0"/>
-          <a:ext cx="0" cy="0"/>
-          <a:chOff x="0" y="0"/>
-          <a:chExt cx="0" cy="0"/>
-        </a:xfrm>
-      </p:grpSpPr>
-      <p:sp>
-        <p:nvSpPr>
-          <p:cNvPr id="5" name="Titre 4"/>
-          <p:cNvSpPr>
-            <a:spLocks noGrp="1"/>
-          </p:cNvSpPr>
-          <p:nvPr>
-            <p:ph type="title"/>
-          </p:nvPr>
-        </p:nvSpPr>
-        <p:spPr/>
-        <p:txBody>
-          <a:bodyPr/>
-          <a:lstStyle/>
-          <a:p>
-            <a:r>
-              <a:rPr lang="fr-FR" dirty="0" smtClean="0"/>
-              <a:t>Exemple depuis la ligne de commande</a:t>
-            </a:r>
-            <a:endParaRPr lang="fr-FR" dirty="0"/>
-          </a:p>
-        </p:txBody>
-      </p:sp>
-      <p:sp>
-        <p:nvSpPr>
-          <p:cNvPr id="6" name="Espace réservé du contenu 5"/>
-          <p:cNvSpPr>
-            <a:spLocks noGrp="1"/>
-          </p:cNvSpPr>
-          <p:nvPr>
-            <p:ph idx="1"/>
-          </p:nvPr>
-        </p:nvSpPr>
-        <p:spPr>
-          <a:xfrm>
-            <a:off x="435895" y="1364896"/>
-            <a:ext cx="8272211" cy="634820"/>
-          </a:xfrm>
-        </p:spPr>
-        <p:txBody>
-          <a:bodyPr/>
-          <a:lstStyle/>
-          <a:p>
-            <a:r>
-              <a:rPr lang="fr-FR" dirty="0" smtClean="0"/>
-              <a:t>Exemple de </a:t>
-            </a:r>
-            <a:r>
-              <a:rPr lang="fr-FR" dirty="0" err="1" smtClean="0"/>
-              <a:t>makefile</a:t>
-            </a:r>
-            <a:r>
-              <a:rPr lang="fr-FR" dirty="0" smtClean="0"/>
-              <a:t> venu de </a:t>
-            </a:r>
-            <a:r>
-              <a:rPr lang="fr-FR" dirty="0" err="1" smtClean="0"/>
-              <a:t>microsoft</a:t>
-            </a:r>
-            <a:endParaRPr lang="fr-FR" dirty="0" smtClean="0"/>
-          </a:p>
-        </p:txBody>
-      </p:sp>
-      <p:sp>
-        <p:nvSpPr>
-          <p:cNvPr id="4" name="Espace réservé du numéro de diapositive 3"/>
-          <p:cNvSpPr>
-            <a:spLocks noGrp="1"/>
-          </p:cNvSpPr>
-          <p:nvPr>
-            <p:ph type="sldNum" sz="quarter" idx="12"/>
-          </p:nvPr>
-        </p:nvSpPr>
-        <p:spPr/>
-        <p:txBody>
-          <a:bodyPr/>
-          <a:lstStyle/>
-          <a:p>
-            <a:pPr rtl="0"/>
-            <a:fld id="{D57F1E4F-1CFF-5643-939E-217C01CDF565}" type="slidenum">
-              <a:rPr lang="fr-FR" noProof="0" smtClean="0"/>
-              <a:pPr rtl="0"/>
-              <a:t>34</a:t>
-            </a:fld>
-            <a:endParaRPr lang="fr-FR" noProof="0" dirty="0"/>
-          </a:p>
-        </p:txBody>
-      </p:sp>
-      <p:pic>
-        <p:nvPicPr>
-          <p:cNvPr id="2" name="Image 1"/>
-          <p:cNvPicPr>
-            <a:picLocks noChangeAspect="1"/>
-          </p:cNvPicPr>
-          <p:nvPr/>
-        </p:nvPicPr>
-        <p:blipFill>
-          <a:blip r:embed="rId2"/>
-          <a:stretch>
-            <a:fillRect/>
-          </a:stretch>
-        </p:blipFill>
-        <p:spPr>
-          <a:xfrm>
-            <a:off x="727729" y="2042845"/>
-            <a:ext cx="5069627" cy="3364797"/>
-          </a:xfrm>
-          <a:prstGeom prst="rect">
-            <a:avLst/>
-          </a:prstGeom>
-        </p:spPr>
-      </p:pic>
-      <p:sp>
-        <p:nvSpPr>
-          <p:cNvPr id="7" name="Espace réservé du contenu 5"/>
-          <p:cNvSpPr txBox="1">
-            <a:spLocks/>
-          </p:cNvSpPr>
-          <p:nvPr/>
-        </p:nvSpPr>
-        <p:spPr>
-          <a:xfrm>
-            <a:off x="5878143" y="2042844"/>
-            <a:ext cx="3173498" cy="2631705"/>
-          </a:xfrm>
-          <a:prstGeom prst="rect">
-            <a:avLst/>
-          </a:prstGeom>
-        </p:spPr>
-        <p:txBody>
-          <a:bodyPr vert="horz" lIns="91440" tIns="45720" rIns="91440" bIns="45720" rtlCol="0" anchor="ctr">
-            <a:normAutofit/>
-          </a:bodyPr>
-          <a:lstStyle>
-            <a:lvl1pPr marL="229500" indent="-229500" algn="l" defTabSz="342900" rtl="0" eaLnBrk="1" latinLnBrk="0" hangingPunct="1">
-              <a:spcBef>
-                <a:spcPct val="20000"/>
-              </a:spcBef>
-              <a:spcAft>
-                <a:spcPts val="450"/>
-              </a:spcAft>
-              <a:buClr>
-                <a:schemeClr val="accent2"/>
-              </a:buClr>
-              <a:buSzPct val="92000"/>
-              <a:buFont typeface="Wingdings 2" panose="05020102010507070707" pitchFamily="18" charset="2"/>
-              <a:buChar char=""/>
-              <a:defRPr sz="1350" kern="1200">
-                <a:solidFill>
-                  <a:schemeClr val="tx2"/>
-                </a:solidFill>
-                <a:latin typeface="+mn-lt"/>
-                <a:ea typeface="+mn-ea"/>
-                <a:cs typeface="+mn-cs"/>
-              </a:defRPr>
-            </a:lvl1pPr>
-            <a:lvl2pPr marL="472500" indent="-229500" algn="l" defTabSz="342900" rtl="0" eaLnBrk="1" latinLnBrk="0" hangingPunct="1">
-              <a:spcBef>
-                <a:spcPct val="20000"/>
-              </a:spcBef>
-              <a:spcAft>
-                <a:spcPts val="450"/>
-              </a:spcAft>
-              <a:buClr>
-                <a:schemeClr val="accent2"/>
-              </a:buClr>
-              <a:buSzPct val="92000"/>
-              <a:buFont typeface="Wingdings 2" panose="05020102010507070707" pitchFamily="18" charset="2"/>
-              <a:buChar char=""/>
-              <a:defRPr sz="1200" kern="1200">
-                <a:solidFill>
-                  <a:schemeClr val="tx2"/>
-                </a:solidFill>
-                <a:latin typeface="+mn-lt"/>
-                <a:ea typeface="+mn-ea"/>
-                <a:cs typeface="+mn-cs"/>
-              </a:defRPr>
-            </a:lvl2pPr>
-            <a:lvl3pPr marL="675000" indent="-202500" algn="l" defTabSz="342900" rtl="0" eaLnBrk="1" latinLnBrk="0" hangingPunct="1">
-              <a:spcBef>
-                <a:spcPct val="20000"/>
-              </a:spcBef>
-              <a:spcAft>
-                <a:spcPts val="450"/>
-              </a:spcAft>
-              <a:buClr>
-                <a:schemeClr val="accent2"/>
-              </a:buClr>
-              <a:buSzPct val="92000"/>
-              <a:buFont typeface="Wingdings 2" panose="05020102010507070707" pitchFamily="18" charset="2"/>
-              <a:buChar char=""/>
-              <a:defRPr sz="1050" kern="1200">
-                <a:solidFill>
-                  <a:schemeClr val="tx2"/>
-                </a:solidFill>
-                <a:latin typeface="+mn-lt"/>
-                <a:ea typeface="+mn-ea"/>
-                <a:cs typeface="+mn-cs"/>
-              </a:defRPr>
-            </a:lvl3pPr>
-            <a:lvl4pPr marL="931500" indent="-175500" algn="l" defTabSz="342900" rtl="0" eaLnBrk="1" latinLnBrk="0" hangingPunct="1">
-              <a:spcBef>
-                <a:spcPct val="20000"/>
-              </a:spcBef>
-              <a:spcAft>
-                <a:spcPts val="450"/>
-              </a:spcAft>
-              <a:buClr>
-                <a:schemeClr val="accent2"/>
-              </a:buClr>
-              <a:buSzPct val="92000"/>
-              <a:buFont typeface="Wingdings 2" panose="05020102010507070707" pitchFamily="18" charset="2"/>
-              <a:buChar char=""/>
-              <a:defRPr sz="900" kern="1200">
-                <a:solidFill>
-                  <a:schemeClr val="tx2"/>
-                </a:solidFill>
-                <a:latin typeface="+mn-lt"/>
-                <a:ea typeface="+mn-ea"/>
-                <a:cs typeface="+mn-cs"/>
-              </a:defRPr>
-            </a:lvl4pPr>
-            <a:lvl5pPr marL="1201500" indent="-175500" algn="l" defTabSz="342900" rtl="0" eaLnBrk="1" latinLnBrk="0" hangingPunct="1">
-              <a:spcBef>
-                <a:spcPct val="20000"/>
-              </a:spcBef>
-              <a:spcAft>
-                <a:spcPts val="450"/>
-              </a:spcAft>
-              <a:buClr>
-                <a:schemeClr val="accent2"/>
-              </a:buClr>
-              <a:buSzPct val="92000"/>
-              <a:buFont typeface="Wingdings 2" panose="05020102010507070707" pitchFamily="18" charset="2"/>
-              <a:buChar char=""/>
-              <a:defRPr sz="900" kern="1200">
-                <a:solidFill>
-                  <a:schemeClr val="tx2"/>
-                </a:solidFill>
-                <a:latin typeface="+mn-lt"/>
-                <a:ea typeface="+mn-ea"/>
-                <a:cs typeface="+mn-cs"/>
-              </a:defRPr>
-            </a:lvl5pPr>
-            <a:lvl6pPr marL="1425000" indent="-171450" algn="l" defTabSz="342900" rtl="0" eaLnBrk="1" latinLnBrk="0" hangingPunct="1">
-              <a:spcBef>
-                <a:spcPct val="20000"/>
-              </a:spcBef>
-              <a:spcAft>
-                <a:spcPts val="450"/>
-              </a:spcAft>
-              <a:buClr>
-                <a:schemeClr val="accent2"/>
-              </a:buClr>
-              <a:buSzPct val="92000"/>
-              <a:buFont typeface="Wingdings 2" panose="05020102010507070707" pitchFamily="18" charset="2"/>
-              <a:buChar char=""/>
-              <a:defRPr sz="900" kern="1200">
-                <a:solidFill>
-                  <a:schemeClr val="tx2"/>
-                </a:solidFill>
-                <a:latin typeface="+mn-lt"/>
-                <a:ea typeface="+mn-ea"/>
-                <a:cs typeface="+mn-cs"/>
-              </a:defRPr>
-            </a:lvl6pPr>
-            <a:lvl7pPr marL="1650000" indent="-171450" algn="l" defTabSz="342900" rtl="0" eaLnBrk="1" latinLnBrk="0" hangingPunct="1">
-              <a:spcBef>
-                <a:spcPct val="20000"/>
-              </a:spcBef>
-              <a:spcAft>
-                <a:spcPts val="450"/>
-              </a:spcAft>
-              <a:buClr>
-                <a:schemeClr val="accent2"/>
-              </a:buClr>
-              <a:buSzPct val="92000"/>
-              <a:buFont typeface="Wingdings 2" panose="05020102010507070707" pitchFamily="18" charset="2"/>
-              <a:buChar char=""/>
-              <a:defRPr sz="900" kern="1200">
-                <a:solidFill>
-                  <a:schemeClr val="tx2"/>
-                </a:solidFill>
-                <a:latin typeface="+mn-lt"/>
-                <a:ea typeface="+mn-ea"/>
-                <a:cs typeface="+mn-cs"/>
-              </a:defRPr>
-            </a:lvl7pPr>
-            <a:lvl8pPr marL="1875000" indent="-171450" algn="l" defTabSz="342900" rtl="0" eaLnBrk="1" latinLnBrk="0" hangingPunct="1">
-              <a:spcBef>
-                <a:spcPct val="20000"/>
-              </a:spcBef>
-              <a:spcAft>
-                <a:spcPts val="450"/>
-              </a:spcAft>
-              <a:buClr>
-                <a:schemeClr val="accent2"/>
-              </a:buClr>
-              <a:buSzPct val="92000"/>
-              <a:buFont typeface="Wingdings 2" panose="05020102010507070707" pitchFamily="18" charset="2"/>
-              <a:buChar char=""/>
-              <a:defRPr sz="900" kern="1200">
-                <a:solidFill>
-                  <a:schemeClr val="tx2"/>
-                </a:solidFill>
-                <a:latin typeface="+mn-lt"/>
-                <a:ea typeface="+mn-ea"/>
-                <a:cs typeface="+mn-cs"/>
-              </a:defRPr>
-            </a:lvl8pPr>
-            <a:lvl9pPr marL="2100000" indent="-171450" algn="l" defTabSz="342900" rtl="0" eaLnBrk="1" latinLnBrk="0" hangingPunct="1">
-              <a:spcBef>
-                <a:spcPct val="20000"/>
-              </a:spcBef>
-              <a:spcAft>
-                <a:spcPts val="450"/>
-              </a:spcAft>
-              <a:buClr>
-                <a:schemeClr val="accent2"/>
-              </a:buClr>
-              <a:buSzPct val="92000"/>
-              <a:buFont typeface="Wingdings 2" panose="05020102010507070707" pitchFamily="18" charset="2"/>
-              <a:buChar char=""/>
-              <a:defRPr sz="900" kern="1200">
-                <a:solidFill>
-                  <a:schemeClr val="tx2"/>
-                </a:solidFill>
-                <a:latin typeface="+mn-lt"/>
-                <a:ea typeface="+mn-ea"/>
-                <a:cs typeface="+mn-cs"/>
-              </a:defRPr>
-            </a:lvl9pPr>
-          </a:lstStyle>
-          <a:p>
-            <a:r>
-              <a:rPr lang="fr-FR" dirty="0" smtClean="0"/>
-              <a:t>Entête précompilée : stable.pch</a:t>
-            </a:r>
-          </a:p>
-          <a:p>
-            <a:r>
-              <a:rPr lang="fr-FR" dirty="0" smtClean="0"/>
-              <a:t>Compilation avec /</a:t>
-            </a:r>
-            <a:r>
-              <a:rPr lang="fr-FR" dirty="0" err="1" smtClean="0"/>
-              <a:t>Yc</a:t>
-            </a:r>
-            <a:endParaRPr lang="fr-FR" dirty="0" smtClean="0"/>
-          </a:p>
-          <a:p>
-            <a:r>
-              <a:rPr lang="fr-FR" dirty="0" smtClean="0"/>
-              <a:t>Utilisation de l’entête avec /</a:t>
-            </a:r>
-            <a:r>
-              <a:rPr lang="fr-FR" dirty="0" err="1" smtClean="0"/>
-              <a:t>Yu</a:t>
-            </a:r>
-            <a:endParaRPr lang="fr-FR" dirty="0" smtClean="0"/>
-          </a:p>
-        </p:txBody>
-      </p:sp>
-    </p:spTree>
-    <p:extLst>
-      <p:ext uri="{BB962C8B-B14F-4D97-AF65-F5344CB8AC3E}">
-        <p14:creationId xmlns:p14="http://schemas.microsoft.com/office/powerpoint/2010/main" val="1326372928"/>
-      </p:ext>
-    </p:extLst>
-  </p:cSld>
-  <p:clrMapOvr>
-    <a:masterClrMapping/>
-  </p:clrMapOvr>
-</p:sld>
-</file>
-
-<file path=ppt/slides/slide35.xml><?xml version="1.0" encoding="utf-8"?>
-<p:sld xmlns:a="http://schemas.openxmlformats.org/drawingml/2006/main" xmlns:r="http://schemas.openxmlformats.org/officeDocument/2006/relationships" xmlns:p="http://schemas.openxmlformats.org/presentationml/2006/main">
-  <p:cSld>
-    <p:spTree>
-      <p:nvGrpSpPr>
-        <p:cNvPr id="1" name=""/>
-        <p:cNvGrpSpPr/>
-        <p:nvPr/>
-      </p:nvGrpSpPr>
-      <p:grpSpPr>
-        <a:xfrm>
-          <a:off x="0" y="0"/>
-          <a:ext cx="0" cy="0"/>
-          <a:chOff x="0" y="0"/>
-          <a:chExt cx="0" cy="0"/>
-        </a:xfrm>
-      </p:grpSpPr>
-      <p:sp>
-        <p:nvSpPr>
-          <p:cNvPr id="5" name="Titre 4"/>
-          <p:cNvSpPr>
-            <a:spLocks noGrp="1"/>
-          </p:cNvSpPr>
-          <p:nvPr>
-            <p:ph type="title"/>
-          </p:nvPr>
-        </p:nvSpPr>
-        <p:spPr/>
-        <p:txBody>
-          <a:bodyPr/>
-          <a:lstStyle/>
-          <a:p>
-            <a:r>
-              <a:rPr lang="fr-FR" dirty="0" smtClean="0"/>
-              <a:t>Exemple depuis </a:t>
-            </a:r>
-            <a:r>
-              <a:rPr lang="fr-FR" dirty="0" err="1" smtClean="0"/>
-              <a:t>Qmake</a:t>
-            </a:r>
-            <a:endParaRPr lang="fr-FR" dirty="0"/>
-          </a:p>
-        </p:txBody>
-      </p:sp>
-      <p:sp>
-        <p:nvSpPr>
-          <p:cNvPr id="6" name="Espace réservé du contenu 5"/>
-          <p:cNvSpPr>
-            <a:spLocks noGrp="1"/>
-          </p:cNvSpPr>
-          <p:nvPr>
-            <p:ph idx="1"/>
-          </p:nvPr>
-        </p:nvSpPr>
-        <p:spPr>
-          <a:xfrm>
-            <a:off x="435895" y="1364896"/>
-            <a:ext cx="8272211" cy="4018954"/>
-          </a:xfrm>
-        </p:spPr>
-        <p:txBody>
-          <a:bodyPr>
-            <a:normAutofit/>
-          </a:bodyPr>
-          <a:lstStyle/>
-          <a:p>
-            <a:r>
-              <a:rPr lang="fr-FR" dirty="0" smtClean="0"/>
-              <a:t>Dans </a:t>
-            </a:r>
-            <a:r>
-              <a:rPr lang="fr-FR" dirty="0"/>
-              <a:t>le répertoire </a:t>
-            </a:r>
-            <a:r>
-              <a:rPr lang="fr-FR" dirty="0" smtClean="0"/>
-              <a:t>exercices\</a:t>
-            </a:r>
-            <a:r>
-              <a:rPr lang="fr-FR" dirty="0" err="1" smtClean="0"/>
-              <a:t>precompiledHeader</a:t>
-            </a:r>
-            <a:r>
-              <a:rPr lang="fr-FR" dirty="0" smtClean="0"/>
-              <a:t>\</a:t>
-            </a:r>
-            <a:r>
-              <a:rPr lang="fr-FR" dirty="0" err="1" smtClean="0"/>
-              <a:t>qmake</a:t>
-            </a:r>
-            <a:r>
-              <a:rPr lang="fr-FR" dirty="0" smtClean="0"/>
-              <a:t> ouvrez visual.pro</a:t>
-            </a:r>
-          </a:p>
-          <a:p>
-            <a:pPr lvl="1"/>
-            <a:r>
-              <a:rPr lang="fr-FR" dirty="0" smtClean="0"/>
-              <a:t>L’entête précompilée n’est pas ajoutée aux headers !</a:t>
-            </a:r>
-          </a:p>
-          <a:p>
-            <a:r>
-              <a:rPr lang="fr-FR" dirty="0" smtClean="0"/>
-              <a:t>Renseignez le script build_and_run.bat</a:t>
-            </a:r>
-          </a:p>
-          <a:p>
-            <a:r>
-              <a:rPr lang="fr-FR" dirty="0" smtClean="0"/>
-              <a:t>Lancer le script</a:t>
-            </a:r>
-          </a:p>
-          <a:p>
-            <a:r>
-              <a:rPr lang="fr-FR" dirty="0" smtClean="0"/>
-              <a:t>Relever les informations d’activation des entêtes précompilées affectées aux fichiers sources</a:t>
-            </a:r>
-          </a:p>
-          <a:p>
-            <a:r>
-              <a:rPr lang="fr-FR" dirty="0" smtClean="0"/>
-              <a:t>Que remarquez-vous ?</a:t>
-            </a:r>
-            <a:endParaRPr lang="fr-FR" dirty="0"/>
-          </a:p>
-        </p:txBody>
-      </p:sp>
-      <p:sp>
-        <p:nvSpPr>
-          <p:cNvPr id="4" name="Espace réservé du numéro de diapositive 3"/>
-          <p:cNvSpPr>
-            <a:spLocks noGrp="1"/>
-          </p:cNvSpPr>
-          <p:nvPr>
-            <p:ph type="sldNum" sz="quarter" idx="12"/>
-          </p:nvPr>
-        </p:nvSpPr>
-        <p:spPr/>
-        <p:txBody>
-          <a:bodyPr/>
-          <a:lstStyle/>
-          <a:p>
-            <a:pPr rtl="0"/>
-            <a:fld id="{D57F1E4F-1CFF-5643-939E-217C01CDF565}" type="slidenum">
-              <a:rPr lang="fr-FR" noProof="0" smtClean="0"/>
-              <a:pPr rtl="0"/>
-              <a:t>35</a:t>
-            </a:fld>
-            <a:endParaRPr lang="fr-FR" noProof="0" dirty="0"/>
-          </a:p>
-        </p:txBody>
-      </p:sp>
-    </p:spTree>
-    <p:extLst>
-      <p:ext uri="{BB962C8B-B14F-4D97-AF65-F5344CB8AC3E}">
-        <p14:creationId xmlns:p14="http://schemas.microsoft.com/office/powerpoint/2010/main" val="317601822"/>
-      </p:ext>
-    </p:extLst>
-  </p:cSld>
-  <p:clrMapOvr>
-    <a:masterClrMapping/>
-  </p:clrMapOvr>
-</p:sld>
-</file>
-
-<file path=ppt/slides/slide36.xml><?xml version="1.0" encoding="utf-8"?>
-<p:sld xmlns:a="http://schemas.openxmlformats.org/drawingml/2006/main" xmlns:r="http://schemas.openxmlformats.org/officeDocument/2006/relationships" xmlns:p="http://schemas.openxmlformats.org/presentationml/2006/main">
-  <p:cSld>
-    <p:spTree>
-      <p:nvGrpSpPr>
-        <p:cNvPr id="1" name=""/>
-        <p:cNvGrpSpPr/>
-        <p:nvPr/>
-      </p:nvGrpSpPr>
-      <p:grpSpPr>
-        <a:xfrm>
-          <a:off x="0" y="0"/>
-          <a:ext cx="0" cy="0"/>
-          <a:chOff x="0" y="0"/>
-          <a:chExt cx="0" cy="0"/>
-        </a:xfrm>
-      </p:grpSpPr>
-      <p:sp>
-        <p:nvSpPr>
-          <p:cNvPr id="5" name="Titre 4"/>
-          <p:cNvSpPr>
-            <a:spLocks noGrp="1"/>
-          </p:cNvSpPr>
-          <p:nvPr>
-            <p:ph type="title"/>
-          </p:nvPr>
-        </p:nvSpPr>
-        <p:spPr/>
-        <p:txBody>
-          <a:bodyPr/>
-          <a:lstStyle/>
-          <a:p>
-            <a:r>
-              <a:rPr lang="fr-FR" dirty="0" smtClean="0"/>
-              <a:t>Exemple depuis les propriétés </a:t>
-            </a:r>
-            <a:r>
-              <a:rPr lang="fr-FR" dirty="0" err="1" smtClean="0"/>
-              <a:t>visual</a:t>
-            </a:r>
-            <a:endParaRPr lang="fr-FR" dirty="0"/>
-          </a:p>
-        </p:txBody>
-      </p:sp>
-      <p:sp>
-        <p:nvSpPr>
-          <p:cNvPr id="6" name="Espace réservé du contenu 5"/>
-          <p:cNvSpPr>
-            <a:spLocks noGrp="1"/>
-          </p:cNvSpPr>
-          <p:nvPr>
-            <p:ph idx="1"/>
-          </p:nvPr>
-        </p:nvSpPr>
-        <p:spPr>
-          <a:xfrm>
-            <a:off x="435895" y="1364896"/>
-            <a:ext cx="8272211" cy="3796764"/>
-          </a:xfrm>
-        </p:spPr>
-        <p:txBody>
-          <a:bodyPr>
-            <a:normAutofit/>
-          </a:bodyPr>
-          <a:lstStyle/>
-          <a:p>
-            <a:r>
-              <a:rPr lang="fr-FR" dirty="0" smtClean="0"/>
-              <a:t>Créer un nouveau projet </a:t>
-            </a:r>
-            <a:r>
-              <a:rPr lang="fr-FR" dirty="0" err="1" smtClean="0"/>
-              <a:t>visual</a:t>
-            </a:r>
-            <a:r>
-              <a:rPr lang="fr-FR" dirty="0" smtClean="0"/>
-              <a:t> :</a:t>
-            </a:r>
-          </a:p>
-          <a:p>
-            <a:pPr lvl="1"/>
-            <a:r>
-              <a:rPr lang="fr-FR" dirty="0" smtClean="0"/>
-              <a:t>Ouvrir </a:t>
-            </a:r>
-            <a:r>
-              <a:rPr lang="fr-FR" dirty="0" err="1" smtClean="0"/>
-              <a:t>visual</a:t>
-            </a:r>
-            <a:r>
-              <a:rPr lang="fr-FR" dirty="0" smtClean="0"/>
-              <a:t>,</a:t>
-            </a:r>
-          </a:p>
-          <a:p>
-            <a:pPr lvl="1"/>
-            <a:r>
-              <a:rPr lang="fr-FR" dirty="0" smtClean="0"/>
-              <a:t>Créer un projet « console »</a:t>
-            </a:r>
-          </a:p>
-          <a:p>
-            <a:pPr lvl="1"/>
-            <a:r>
-              <a:rPr lang="fr-FR" dirty="0" smtClean="0"/>
-              <a:t>Exécutez pour tester (CRTL-F5)</a:t>
-            </a:r>
-          </a:p>
-          <a:p>
-            <a:pPr lvl="1"/>
-            <a:r>
-              <a:rPr lang="fr-FR" dirty="0" smtClean="0"/>
-              <a:t>Ajoutez les fichiers </a:t>
-            </a:r>
-            <a:r>
-              <a:rPr lang="fr-FR" dirty="0" err="1" smtClean="0"/>
-              <a:t>headers.h</a:t>
-            </a:r>
-            <a:r>
-              <a:rPr lang="fr-FR" dirty="0" smtClean="0"/>
-              <a:t> et headers.cpp au projet</a:t>
-            </a:r>
-          </a:p>
-          <a:p>
-            <a:pPr lvl="1"/>
-            <a:r>
-              <a:rPr lang="fr-FR" dirty="0" smtClean="0"/>
-              <a:t>Activez les infos de temps de compilation : </a:t>
-            </a:r>
-            <a:r>
-              <a:rPr lang="fr-FR" dirty="0" err="1" smtClean="0"/>
-              <a:t>Outils</a:t>
-            </a:r>
-            <a:r>
-              <a:rPr lang="fr-FR" dirty="0" err="1" smtClean="0">
-                <a:sym typeface="Wingdings" panose="05000000000000000000" pitchFamily="2" charset="2"/>
-              </a:rPr>
-              <a:t>Optionsprojet</a:t>
-            </a:r>
-            <a:r>
-              <a:rPr lang="fr-FR" dirty="0" smtClean="0">
-                <a:sym typeface="Wingdings" panose="05000000000000000000" pitchFamily="2" charset="2"/>
-              </a:rPr>
-              <a:t> et solution  VC++ </a:t>
-            </a:r>
-            <a:r>
-              <a:rPr lang="fr-FR" dirty="0">
-                <a:sym typeface="Wingdings" panose="05000000000000000000" pitchFamily="2" charset="2"/>
-              </a:rPr>
-              <a:t> </a:t>
-            </a:r>
-            <a:r>
-              <a:rPr lang="fr-FR" dirty="0" smtClean="0">
-                <a:sym typeface="Wingdings" panose="05000000000000000000" pitchFamily="2" charset="2"/>
-              </a:rPr>
-              <a:t>Minutage de la génération</a:t>
-            </a:r>
-          </a:p>
-          <a:p>
-            <a:pPr lvl="1"/>
-            <a:r>
-              <a:rPr lang="fr-FR" dirty="0" smtClean="0">
-                <a:sym typeface="Wingdings" panose="05000000000000000000" pitchFamily="2" charset="2"/>
-              </a:rPr>
-              <a:t>Lancer un </a:t>
-            </a:r>
-            <a:r>
-              <a:rPr lang="fr-FR" dirty="0" err="1" smtClean="0">
-                <a:sym typeface="Wingdings" panose="05000000000000000000" pitchFamily="2" charset="2"/>
-              </a:rPr>
-              <a:t>rebuil</a:t>
-            </a:r>
-            <a:r>
-              <a:rPr lang="fr-FR" dirty="0" smtClean="0">
-                <a:sym typeface="Wingdings" panose="05000000000000000000" pitchFamily="2" charset="2"/>
-              </a:rPr>
-              <a:t> et noter le temps de compilation</a:t>
-            </a:r>
-            <a:endParaRPr lang="fr-FR" dirty="0" smtClean="0"/>
-          </a:p>
-          <a:p>
-            <a:pPr lvl="1"/>
-            <a:r>
-              <a:rPr lang="fr-FR" dirty="0" smtClean="0"/>
-              <a:t>Dans les propriétés de header.cpp </a:t>
-            </a:r>
-            <a:r>
-              <a:rPr lang="fr-FR" dirty="0" smtClean="0">
-                <a:sym typeface="Wingdings" panose="05000000000000000000" pitchFamily="2" charset="2"/>
-              </a:rPr>
-              <a:t> </a:t>
-            </a:r>
-            <a:r>
-              <a:rPr lang="fr-FR" dirty="0" smtClean="0"/>
-              <a:t>C/C++ </a:t>
-            </a:r>
-            <a:r>
-              <a:rPr lang="fr-FR" dirty="0" smtClean="0">
-                <a:sym typeface="Wingdings" panose="05000000000000000000" pitchFamily="2" charset="2"/>
-              </a:rPr>
-              <a:t> En-têtes précompilées. Mettez : Création et </a:t>
-            </a:r>
-            <a:r>
-              <a:rPr lang="fr-FR" dirty="0" err="1" smtClean="0">
-                <a:sym typeface="Wingdings" panose="05000000000000000000" pitchFamily="2" charset="2"/>
-              </a:rPr>
-              <a:t>header.h</a:t>
-            </a:r>
-            <a:r>
-              <a:rPr lang="fr-FR" dirty="0" smtClean="0">
-                <a:sym typeface="Wingdings" panose="05000000000000000000" pitchFamily="2" charset="2"/>
-              </a:rPr>
-              <a:t>/</a:t>
-            </a:r>
-            <a:r>
-              <a:rPr lang="fr-FR" dirty="0" err="1" smtClean="0">
-                <a:sym typeface="Wingdings" panose="05000000000000000000" pitchFamily="2" charset="2"/>
-              </a:rPr>
-              <a:t>pch</a:t>
-            </a:r>
-            <a:endParaRPr lang="fr-FR" dirty="0" smtClean="0"/>
-          </a:p>
-          <a:p>
-            <a:pPr lvl="1"/>
-            <a:r>
-              <a:rPr lang="fr-FR" dirty="0"/>
-              <a:t>Dans les propriétés de </a:t>
-            </a:r>
-            <a:r>
-              <a:rPr lang="fr-FR" dirty="0" smtClean="0"/>
-              <a:t>visual.cpp </a:t>
-            </a:r>
-            <a:r>
-              <a:rPr lang="fr-FR" dirty="0">
-                <a:sym typeface="Wingdings" panose="05000000000000000000" pitchFamily="2" charset="2"/>
-              </a:rPr>
-              <a:t> </a:t>
-            </a:r>
-            <a:r>
-              <a:rPr lang="fr-FR" dirty="0"/>
-              <a:t>C/C++ </a:t>
-            </a:r>
-            <a:r>
-              <a:rPr lang="fr-FR" dirty="0">
-                <a:sym typeface="Wingdings" panose="05000000000000000000" pitchFamily="2" charset="2"/>
-              </a:rPr>
-              <a:t> En-têtes précompilées. Mettez : </a:t>
-            </a:r>
-            <a:r>
-              <a:rPr lang="fr-FR" dirty="0" smtClean="0">
-                <a:sym typeface="Wingdings" panose="05000000000000000000" pitchFamily="2" charset="2"/>
-              </a:rPr>
-              <a:t>Utilisation</a:t>
-            </a:r>
-          </a:p>
-          <a:p>
-            <a:pPr lvl="1"/>
-            <a:r>
-              <a:rPr lang="fr-FR" dirty="0" smtClean="0">
-                <a:sym typeface="Wingdings" panose="05000000000000000000" pitchFamily="2" charset="2"/>
-              </a:rPr>
-              <a:t>Relevez le temps de nouveau</a:t>
-            </a:r>
-            <a:endParaRPr lang="fr-FR" dirty="0">
-              <a:sym typeface="Wingdings" panose="05000000000000000000" pitchFamily="2" charset="2"/>
-            </a:endParaRPr>
-          </a:p>
-          <a:p>
-            <a:pPr lvl="1"/>
-            <a:endParaRPr lang="fr-FR" dirty="0" smtClean="0"/>
-          </a:p>
-        </p:txBody>
-      </p:sp>
-      <p:sp>
-        <p:nvSpPr>
-          <p:cNvPr id="4" name="Espace réservé du numéro de diapositive 3"/>
-          <p:cNvSpPr>
-            <a:spLocks noGrp="1"/>
-          </p:cNvSpPr>
-          <p:nvPr>
-            <p:ph type="sldNum" sz="quarter" idx="12"/>
-          </p:nvPr>
-        </p:nvSpPr>
-        <p:spPr/>
-        <p:txBody>
-          <a:bodyPr/>
-          <a:lstStyle/>
-          <a:p>
-            <a:pPr rtl="0"/>
-            <a:fld id="{D57F1E4F-1CFF-5643-939E-217C01CDF565}" type="slidenum">
-              <a:rPr lang="fr-FR" noProof="0" smtClean="0"/>
-              <a:pPr rtl="0"/>
-              <a:t>36</a:t>
-            </a:fld>
-            <a:endParaRPr lang="fr-FR" noProof="0" dirty="0"/>
-          </a:p>
-        </p:txBody>
-      </p:sp>
-    </p:spTree>
-    <p:extLst>
-      <p:ext uri="{BB962C8B-B14F-4D97-AF65-F5344CB8AC3E}">
-        <p14:creationId xmlns:p14="http://schemas.microsoft.com/office/powerpoint/2010/main" val="83430618"/>
-      </p:ext>
-    </p:extLst>
-  </p:cSld>
-  <p:clrMapOvr>
-    <a:masterClrMapping/>
-  </p:clrMapOvr>
-</p:sld>
-</file>
-
-<file path=ppt/slides/slide37.xml><?xml version="1.0" encoding="utf-8"?>
-<p:sld xmlns:a="http://schemas.openxmlformats.org/drawingml/2006/main" xmlns:r="http://schemas.openxmlformats.org/officeDocument/2006/relationships" xmlns:p="http://schemas.openxmlformats.org/presentationml/2006/main">
-  <p:cSld>
-    <p:spTree>
-      <p:nvGrpSpPr>
-        <p:cNvPr id="1" name=""/>
-        <p:cNvGrpSpPr/>
-        <p:nvPr/>
-      </p:nvGrpSpPr>
-      <p:grpSpPr>
-        <a:xfrm>
-          <a:off x="0" y="0"/>
-          <a:ext cx="0" cy="0"/>
-          <a:chOff x="0" y="0"/>
-          <a:chExt cx="0" cy="0"/>
-        </a:xfrm>
-      </p:grpSpPr>
-      <p:sp>
-        <p:nvSpPr>
-          <p:cNvPr id="2" name="Titre 1">
-            <a:extLst>
-              <a:ext uri="{FF2B5EF4-FFF2-40B4-BE49-F238E27FC236}">
-                <a16:creationId xmlns:a16="http://schemas.microsoft.com/office/drawing/2014/main" id="{C02C5318-1A1E-49D0-B2E2-A4B0FA9E8A40}"/>
-              </a:ext>
-            </a:extLst>
-          </p:cNvPr>
-          <p:cNvSpPr>
-            <a:spLocks noGrp="1"/>
-          </p:cNvSpPr>
-          <p:nvPr>
-            <p:ph type="ctrTitle"/>
-          </p:nvPr>
-        </p:nvSpPr>
-        <p:spPr>
-          <a:xfrm>
-            <a:off x="330791" y="4545068"/>
-            <a:ext cx="8245162" cy="671433"/>
-          </a:xfrm>
-        </p:spPr>
-        <p:txBody>
-          <a:bodyPr rtlCol="0">
-            <a:noAutofit/>
-          </a:bodyPr>
-          <a:lstStyle/>
-          <a:p>
-            <a:pPr algn="r" rtl="0"/>
-            <a:r>
-              <a:rPr lang="fr-FR" sz="3150" dirty="0" smtClean="0">
-                <a:solidFill>
-                  <a:schemeClr val="bg1"/>
-                </a:solidFill>
-              </a:rPr>
-              <a:t>LA STD : Les conteneurs et les algorithmes</a:t>
-            </a:r>
-            <a:endParaRPr lang="fr-FR" sz="3150" dirty="0">
-              <a:solidFill>
-                <a:schemeClr val="bg1"/>
-              </a:solidFill>
-            </a:endParaRPr>
-          </a:p>
-        </p:txBody>
-      </p:sp>
-      <p:sp>
-        <p:nvSpPr>
-          <p:cNvPr id="6" name="ZoneTexte 5"/>
-          <p:cNvSpPr txBox="1"/>
-          <p:nvPr/>
-        </p:nvSpPr>
-        <p:spPr>
-          <a:xfrm>
-            <a:off x="330791" y="588580"/>
-            <a:ext cx="3757733" cy="3631763"/>
-          </a:xfrm>
-          <a:prstGeom prst="rect">
-            <a:avLst/>
-          </a:prstGeom>
-          <a:noFill/>
-        </p:spPr>
-        <p:txBody>
-          <a:bodyPr wrap="square" rtlCol="0">
-            <a:spAutoFit/>
-          </a:bodyPr>
-          <a:lstStyle/>
-          <a:p>
-            <a:r>
-              <a:rPr lang="fr-FR" sz="11500" b="1" spc="50" dirty="0" smtClean="0">
-                <a:ln w="9525" cmpd="sng">
-                  <a:solidFill>
-                    <a:schemeClr val="accent1"/>
-                  </a:solidFill>
-                  <a:prstDash val="solid"/>
-                </a:ln>
-                <a:solidFill>
-                  <a:srgbClr val="70AD47">
-                    <a:tint val="1000"/>
-                  </a:srgbClr>
-                </a:solidFill>
-                <a:effectLst>
-                  <a:glow rad="38100">
-                    <a:schemeClr val="accent1">
-                      <a:alpha val="40000"/>
-                    </a:schemeClr>
-                  </a:glow>
-                </a:effectLst>
-              </a:rPr>
-              <a:t>04</a:t>
-            </a:r>
-          </a:p>
-          <a:p>
-            <a:endParaRPr lang="fr-FR" sz="11500" dirty="0">
-              <a:ln w="0"/>
-              <a:solidFill>
-                <a:schemeClr val="accent1"/>
-              </a:solidFill>
-              <a:effectLst>
-                <a:outerShdw blurRad="38100" dist="25400" dir="5400000" algn="ctr" rotWithShape="0">
-                  <a:srgbClr val="6E747A">
-                    <a:alpha val="43000"/>
-                  </a:srgbClr>
-                </a:outerShdw>
-              </a:effectLst>
-            </a:endParaRPr>
-          </a:p>
-        </p:txBody>
-      </p:sp>
-      <p:sp>
-        <p:nvSpPr>
-          <p:cNvPr id="3" name="Espace réservé du numéro de diapositive 2"/>
-          <p:cNvSpPr>
-            <a:spLocks noGrp="1"/>
-          </p:cNvSpPr>
-          <p:nvPr>
-            <p:ph type="sldNum" sz="quarter" idx="12"/>
-          </p:nvPr>
-        </p:nvSpPr>
-        <p:spPr/>
-        <p:txBody>
-          <a:bodyPr/>
-          <a:lstStyle/>
-          <a:p>
-            <a:pPr rtl="0"/>
-            <a:fld id="{D57F1E4F-1CFF-5643-939E-217C01CDF565}" type="slidenum">
-              <a:rPr lang="fr-FR" noProof="0" smtClean="0"/>
-              <a:pPr rtl="0"/>
-              <a:t>37</a:t>
-            </a:fld>
-            <a:endParaRPr lang="fr-FR" noProof="0"/>
-          </a:p>
-        </p:txBody>
-      </p:sp>
-    </p:spTree>
-    <p:extLst>
-      <p:ext uri="{BB962C8B-B14F-4D97-AF65-F5344CB8AC3E}">
-        <p14:creationId xmlns:p14="http://schemas.microsoft.com/office/powerpoint/2010/main" val="2018679570"/>
-      </p:ext>
-    </p:extLst>
-  </p:cSld>
-  <p:clrMapOvr>
-    <a:masterClrMapping/>
-  </p:clrMapOvr>
-  <p:timing>
-    <p:tnLst>
-      <p:par>
-        <p:cTn id="1" dur="indefinite" restart="never" nodeType="tmRoot"/>
-      </p:par>
-    </p:tnLst>
-  </p:timing>
-</p:sld>
-</file>
-
-<file path=ppt/slides/slide38.xml><?xml version="1.0" encoding="utf-8"?>
-<p:sld xmlns:a="http://schemas.openxmlformats.org/drawingml/2006/main" xmlns:r="http://schemas.openxmlformats.org/officeDocument/2006/relationships" xmlns:p="http://schemas.openxmlformats.org/presentationml/2006/main">
-  <p:cSld>
-    <p:spTree>
-      <p:nvGrpSpPr>
-        <p:cNvPr id="1" name=""/>
-        <p:cNvGrpSpPr/>
-        <p:nvPr/>
-      </p:nvGrpSpPr>
-      <p:grpSpPr>
-        <a:xfrm>
-          <a:off x="0" y="0"/>
-          <a:ext cx="0" cy="0"/>
-          <a:chOff x="0" y="0"/>
-          <a:chExt cx="0" cy="0"/>
-        </a:xfrm>
-      </p:grpSpPr>
-      <p:sp>
-        <p:nvSpPr>
-          <p:cNvPr id="2" name="Titre 1">
-            <a:extLst>
-              <a:ext uri="{FF2B5EF4-FFF2-40B4-BE49-F238E27FC236}">
-                <a16:creationId xmlns:a16="http://schemas.microsoft.com/office/drawing/2014/main" id="{C02C5318-1A1E-49D0-B2E2-A4B0FA9E8A40}"/>
-              </a:ext>
-            </a:extLst>
-          </p:cNvPr>
-          <p:cNvSpPr>
-            <a:spLocks noGrp="1"/>
-          </p:cNvSpPr>
-          <p:nvPr>
-            <p:ph type="ctrTitle"/>
-          </p:nvPr>
-        </p:nvSpPr>
-        <p:spPr>
-          <a:xfrm>
-            <a:off x="330791" y="4545068"/>
-            <a:ext cx="8245162" cy="671433"/>
-          </a:xfrm>
-        </p:spPr>
-        <p:txBody>
-          <a:bodyPr rtlCol="0">
-            <a:noAutofit/>
-          </a:bodyPr>
-          <a:lstStyle/>
-          <a:p>
-            <a:pPr algn="r" rtl="0"/>
-            <a:r>
-              <a:rPr lang="fr-FR" sz="3150" dirty="0" smtClean="0">
-                <a:solidFill>
-                  <a:schemeClr val="bg1"/>
-                </a:solidFill>
-              </a:rPr>
-              <a:t>Options de compilation</a:t>
-            </a:r>
-            <a:endParaRPr lang="fr-FR" sz="3150" dirty="0">
-              <a:solidFill>
-                <a:schemeClr val="bg1"/>
-              </a:solidFill>
-            </a:endParaRPr>
-          </a:p>
-        </p:txBody>
-      </p:sp>
-      <p:sp>
-        <p:nvSpPr>
-          <p:cNvPr id="6" name="ZoneTexte 5"/>
-          <p:cNvSpPr txBox="1"/>
-          <p:nvPr/>
-        </p:nvSpPr>
-        <p:spPr>
-          <a:xfrm>
-            <a:off x="330791" y="588580"/>
-            <a:ext cx="3757733" cy="3631763"/>
-          </a:xfrm>
-          <a:prstGeom prst="rect">
-            <a:avLst/>
-          </a:prstGeom>
-          <a:noFill/>
-        </p:spPr>
-        <p:txBody>
-          <a:bodyPr wrap="square" rtlCol="0">
-            <a:spAutoFit/>
-          </a:bodyPr>
-          <a:lstStyle/>
-          <a:p>
-            <a:r>
-              <a:rPr lang="fr-FR" sz="11500" b="1" spc="50" dirty="0" smtClean="0">
-                <a:ln w="9525" cmpd="sng">
-                  <a:solidFill>
-                    <a:schemeClr val="accent1"/>
-                  </a:solidFill>
-                  <a:prstDash val="solid"/>
-                </a:ln>
-                <a:solidFill>
-                  <a:srgbClr val="70AD47">
-                    <a:tint val="1000"/>
-                  </a:srgbClr>
-                </a:solidFill>
-                <a:effectLst>
-                  <a:glow rad="38100">
-                    <a:schemeClr val="accent1">
-                      <a:alpha val="40000"/>
-                    </a:schemeClr>
-                  </a:glow>
-                </a:effectLst>
-              </a:rPr>
-              <a:t>05</a:t>
-            </a:r>
-          </a:p>
-          <a:p>
-            <a:endParaRPr lang="fr-FR" sz="11500" dirty="0">
-              <a:ln w="0"/>
-              <a:solidFill>
-                <a:schemeClr val="accent1"/>
-              </a:solidFill>
-              <a:effectLst>
-                <a:outerShdw blurRad="38100" dist="25400" dir="5400000" algn="ctr" rotWithShape="0">
-                  <a:srgbClr val="6E747A">
-                    <a:alpha val="43000"/>
-                  </a:srgbClr>
-                </a:outerShdw>
-              </a:effectLst>
-            </a:endParaRPr>
-          </a:p>
-        </p:txBody>
-      </p:sp>
-      <p:sp>
-        <p:nvSpPr>
-          <p:cNvPr id="3" name="Espace réservé du numéro de diapositive 2"/>
-          <p:cNvSpPr>
-            <a:spLocks noGrp="1"/>
-          </p:cNvSpPr>
-          <p:nvPr>
-            <p:ph type="sldNum" sz="quarter" idx="12"/>
-          </p:nvPr>
-        </p:nvSpPr>
-        <p:spPr/>
-        <p:txBody>
-          <a:bodyPr/>
-          <a:lstStyle/>
-          <a:p>
-            <a:pPr rtl="0"/>
-            <a:fld id="{D57F1E4F-1CFF-5643-939E-217C01CDF565}" type="slidenum">
-              <a:rPr lang="fr-FR" noProof="0" smtClean="0"/>
-              <a:pPr rtl="0"/>
-              <a:t>38</a:t>
-            </a:fld>
-            <a:endParaRPr lang="fr-FR" noProof="0"/>
-          </a:p>
-        </p:txBody>
-      </p:sp>
-    </p:spTree>
-    <p:extLst>
-      <p:ext uri="{BB962C8B-B14F-4D97-AF65-F5344CB8AC3E}">
-        <p14:creationId xmlns:p14="http://schemas.microsoft.com/office/powerpoint/2010/main" val="1309852808"/>
-      </p:ext>
-    </p:extLst>
-  </p:cSld>
-  <p:clrMapOvr>
-    <a:masterClrMapping/>
-  </p:clrMapOvr>
-  <p:timing>
-    <p:tnLst>
-      <p:par>
-        <p:cTn id="1" dur="indefinite" restart="never" nodeType="tmRoot"/>
-      </p:par>
-    </p:tnLst>
-  </p:timing>
-</p:sld>
-</file>
-
-<file path=ppt/slides/slide39.xml><?xml version="1.0" encoding="utf-8"?>
-<p:sld xmlns:a="http://schemas.openxmlformats.org/drawingml/2006/main" xmlns:r="http://schemas.openxmlformats.org/officeDocument/2006/relationships" xmlns:p="http://schemas.openxmlformats.org/presentationml/2006/main">
-  <p:cSld>
-    <p:spTree>
-      <p:nvGrpSpPr>
-        <p:cNvPr id="1" name=""/>
-        <p:cNvGrpSpPr/>
-        <p:nvPr/>
-      </p:nvGrpSpPr>
-      <p:grpSpPr>
-        <a:xfrm>
-          <a:off x="0" y="0"/>
-          <a:ext cx="0" cy="0"/>
-          <a:chOff x="0" y="0"/>
-          <a:chExt cx="0" cy="0"/>
-        </a:xfrm>
-      </p:grpSpPr>
-      <p:sp>
-        <p:nvSpPr>
-          <p:cNvPr id="2" name="Titre 1">
-            <a:extLst>
-              <a:ext uri="{FF2B5EF4-FFF2-40B4-BE49-F238E27FC236}">
-                <a16:creationId xmlns:a16="http://schemas.microsoft.com/office/drawing/2014/main" id="{C02C5318-1A1E-49D0-B2E2-A4B0FA9E8A40}"/>
-              </a:ext>
-            </a:extLst>
-          </p:cNvPr>
-          <p:cNvSpPr>
-            <a:spLocks noGrp="1"/>
-          </p:cNvSpPr>
-          <p:nvPr>
-            <p:ph type="ctrTitle"/>
-          </p:nvPr>
-        </p:nvSpPr>
-        <p:spPr>
-          <a:xfrm>
-            <a:off x="330791" y="4545068"/>
-            <a:ext cx="8245162" cy="671433"/>
-          </a:xfrm>
-        </p:spPr>
-        <p:txBody>
-          <a:bodyPr rtlCol="0">
-            <a:noAutofit/>
-          </a:bodyPr>
-          <a:lstStyle/>
-          <a:p>
-            <a:pPr algn="r" rtl="0"/>
-            <a:r>
-              <a:rPr lang="fr-FR" sz="3150" dirty="0" smtClean="0">
-                <a:solidFill>
-                  <a:schemeClr val="bg1"/>
-                </a:solidFill>
-              </a:rPr>
-              <a:t>Erreurs et exceptions</a:t>
-            </a:r>
-            <a:endParaRPr lang="fr-FR" sz="3150" dirty="0">
-              <a:solidFill>
-                <a:schemeClr val="bg1"/>
-              </a:solidFill>
-            </a:endParaRPr>
-          </a:p>
-        </p:txBody>
-      </p:sp>
-      <p:sp>
-        <p:nvSpPr>
-          <p:cNvPr id="6" name="ZoneTexte 5"/>
-          <p:cNvSpPr txBox="1"/>
-          <p:nvPr/>
-        </p:nvSpPr>
-        <p:spPr>
-          <a:xfrm>
-            <a:off x="330791" y="588580"/>
-            <a:ext cx="3757733" cy="3631763"/>
-          </a:xfrm>
-          <a:prstGeom prst="rect">
-            <a:avLst/>
-          </a:prstGeom>
-          <a:noFill/>
-        </p:spPr>
-        <p:txBody>
-          <a:bodyPr wrap="square" rtlCol="0">
-            <a:spAutoFit/>
-          </a:bodyPr>
-          <a:lstStyle/>
-          <a:p>
-            <a:r>
-              <a:rPr lang="fr-FR" sz="11500" b="1" spc="50" dirty="0" smtClean="0">
-                <a:ln w="9525" cmpd="sng">
-                  <a:solidFill>
-                    <a:schemeClr val="accent1"/>
-                  </a:solidFill>
-                  <a:prstDash val="solid"/>
-                </a:ln>
-                <a:solidFill>
-                  <a:srgbClr val="70AD47">
-                    <a:tint val="1000"/>
-                  </a:srgbClr>
-                </a:solidFill>
-                <a:effectLst>
-                  <a:glow rad="38100">
-                    <a:schemeClr val="accent1">
-                      <a:alpha val="40000"/>
-                    </a:schemeClr>
-                  </a:glow>
-                </a:effectLst>
-              </a:rPr>
-              <a:t>05</a:t>
-            </a:r>
-          </a:p>
-          <a:p>
-            <a:endParaRPr lang="fr-FR" sz="11500" dirty="0">
-              <a:ln w="0"/>
-              <a:solidFill>
-                <a:schemeClr val="accent1"/>
-              </a:solidFill>
-              <a:effectLst>
-                <a:outerShdw blurRad="38100" dist="25400" dir="5400000" algn="ctr" rotWithShape="0">
-                  <a:srgbClr val="6E747A">
-                    <a:alpha val="43000"/>
-                  </a:srgbClr>
-                </a:outerShdw>
-              </a:effectLst>
-            </a:endParaRPr>
-          </a:p>
-        </p:txBody>
-      </p:sp>
-      <p:sp>
-        <p:nvSpPr>
-          <p:cNvPr id="3" name="Espace réservé du numéro de diapositive 2"/>
-          <p:cNvSpPr>
-            <a:spLocks noGrp="1"/>
-          </p:cNvSpPr>
-          <p:nvPr>
-            <p:ph type="sldNum" sz="quarter" idx="12"/>
-          </p:nvPr>
-        </p:nvSpPr>
-        <p:spPr/>
-        <p:txBody>
-          <a:bodyPr/>
-          <a:lstStyle/>
-          <a:p>
-            <a:pPr rtl="0"/>
-            <a:fld id="{D57F1E4F-1CFF-5643-939E-217C01CDF565}" type="slidenum">
-              <a:rPr lang="fr-FR" noProof="0" smtClean="0"/>
-              <a:pPr rtl="0"/>
-              <a:t>39</a:t>
-            </a:fld>
-            <a:endParaRPr lang="fr-FR" noProof="0"/>
-          </a:p>
-        </p:txBody>
-      </p:sp>
-    </p:spTree>
-    <p:extLst>
-      <p:ext uri="{BB962C8B-B14F-4D97-AF65-F5344CB8AC3E}">
-        <p14:creationId xmlns:p14="http://schemas.microsoft.com/office/powerpoint/2010/main" val="321896547"/>
+        <p14:creationId xmlns:p14="http://schemas.microsoft.com/office/powerpoint/2010/main" val="2265540439"/>
       </p:ext>
     </p:extLst>
   </p:cSld>
@@ -20551,445 +18010,6 @@
     <p:extLst>
       <p:ext uri="{BB962C8B-B14F-4D97-AF65-F5344CB8AC3E}">
         <p14:creationId xmlns:p14="http://schemas.microsoft.com/office/powerpoint/2010/main" val="2917121326"/>
-      </p:ext>
-    </p:extLst>
-  </p:cSld>
-  <p:clrMapOvr>
-    <a:masterClrMapping/>
-  </p:clrMapOvr>
-  <p:timing>
-    <p:tnLst>
-      <p:par>
-        <p:cTn id="1" dur="indefinite" restart="never" nodeType="tmRoot"/>
-      </p:par>
-    </p:tnLst>
-  </p:timing>
-</p:sld>
-</file>
-
-<file path=ppt/slides/slide40.xml><?xml version="1.0" encoding="utf-8"?>
-<p:sld xmlns:a="http://schemas.openxmlformats.org/drawingml/2006/main" xmlns:r="http://schemas.openxmlformats.org/officeDocument/2006/relationships" xmlns:p="http://schemas.openxmlformats.org/presentationml/2006/main">
-  <p:cSld>
-    <p:spTree>
-      <p:nvGrpSpPr>
-        <p:cNvPr id="1" name=""/>
-        <p:cNvGrpSpPr/>
-        <p:nvPr/>
-      </p:nvGrpSpPr>
-      <p:grpSpPr>
-        <a:xfrm>
-          <a:off x="0" y="0"/>
-          <a:ext cx="0" cy="0"/>
-          <a:chOff x="0" y="0"/>
-          <a:chExt cx="0" cy="0"/>
-        </a:xfrm>
-      </p:grpSpPr>
-      <p:sp>
-        <p:nvSpPr>
-          <p:cNvPr id="2" name="Titre 1"/>
-          <p:cNvSpPr>
-            <a:spLocks noGrp="1"/>
-          </p:cNvSpPr>
-          <p:nvPr>
-            <p:ph type="title"/>
-          </p:nvPr>
-        </p:nvSpPr>
-        <p:spPr/>
-        <p:txBody>
-          <a:bodyPr/>
-          <a:lstStyle/>
-          <a:p>
-            <a:r>
-              <a:rPr lang="fr-FR" dirty="0" smtClean="0"/>
-              <a:t>Sources</a:t>
-            </a:r>
-            <a:endParaRPr lang="fr-FR" dirty="0"/>
-          </a:p>
-        </p:txBody>
-      </p:sp>
-      <p:sp>
-        <p:nvSpPr>
-          <p:cNvPr id="3" name="Espace réservé du contenu 2"/>
-          <p:cNvSpPr>
-            <a:spLocks noGrp="1"/>
-          </p:cNvSpPr>
-          <p:nvPr>
-            <p:ph idx="1"/>
-          </p:nvPr>
-        </p:nvSpPr>
-        <p:spPr>
-          <a:xfrm>
-            <a:off x="819151" y="1921123"/>
-            <a:ext cx="7888955" cy="2758727"/>
-          </a:xfrm>
-        </p:spPr>
-        <p:txBody>
-          <a:bodyPr>
-            <a:normAutofit fontScale="77500" lnSpcReduction="20000"/>
-          </a:bodyPr>
-          <a:lstStyle/>
-          <a:p>
-            <a:r>
-              <a:rPr lang="fr-FR" sz="2400" dirty="0"/>
-              <a:t>Wikipédia </a:t>
-            </a:r>
-            <a:r>
-              <a:rPr lang="fr-FR" sz="2400" dirty="0" smtClean="0"/>
-              <a:t/>
-            </a:r>
-            <a:br>
-              <a:rPr lang="fr-FR" sz="2400" dirty="0" smtClean="0"/>
-            </a:br>
-            <a:r>
-              <a:rPr lang="fr-FR" sz="2400" dirty="0" smtClean="0">
-                <a:hlinkClick r:id="rId3"/>
-              </a:rPr>
-              <a:t>https</a:t>
-            </a:r>
-            <a:r>
-              <a:rPr lang="fr-FR" sz="2400" dirty="0">
-                <a:hlinkClick r:id="rId3"/>
-              </a:rPr>
-              <a:t>://</a:t>
-            </a:r>
-            <a:r>
-              <a:rPr lang="fr-FR" sz="2400" dirty="0" smtClean="0">
-                <a:hlinkClick r:id="rId3"/>
-              </a:rPr>
-              <a:t>fr.wikipedia.org/wiki/C%2B%2B</a:t>
-            </a:r>
-            <a:r>
-              <a:rPr lang="fr-FR" sz="2400" dirty="0"/>
-              <a:t/>
-            </a:r>
-            <a:br>
-              <a:rPr lang="fr-FR" sz="2400" dirty="0"/>
-            </a:br>
-            <a:endParaRPr lang="fr-FR" sz="2400" dirty="0" smtClean="0"/>
-          </a:p>
-          <a:p>
-            <a:r>
-              <a:rPr lang="fr-FR" sz="2400" dirty="0" err="1" smtClean="0">
-                <a:hlinkClick r:id="rId4"/>
-              </a:rPr>
-              <a:t>Toolchain</a:t>
-            </a:r>
-            <a:r>
-              <a:rPr lang="fr-FR" sz="2400" dirty="0" smtClean="0">
-                <a:hlinkClick r:id="rId4"/>
-              </a:rPr>
-              <a:t> : https</a:t>
-            </a:r>
-            <a:r>
-              <a:rPr lang="fr-FR" sz="2400" dirty="0">
-                <a:hlinkClick r:id="rId4"/>
-              </a:rPr>
-              <a:t>://</a:t>
-            </a:r>
-            <a:r>
-              <a:rPr lang="fr-FR" sz="2400" dirty="0" smtClean="0">
-                <a:hlinkClick r:id="rId4"/>
-              </a:rPr>
-              <a:t>www.cprogramming.com/tutorial/shared-libraries-linux-gcc.html</a:t>
-            </a:r>
-            <a:r>
-              <a:rPr lang="fr-FR" sz="2400" dirty="0"/>
-              <a:t/>
-            </a:r>
-            <a:br>
-              <a:rPr lang="fr-FR" sz="2400" dirty="0"/>
-            </a:br>
-            <a:r>
-              <a:rPr lang="fr-FR" sz="2400" dirty="0">
-                <a:hlinkClick r:id="rId5"/>
-              </a:rPr>
-              <a:t>https://</a:t>
-            </a:r>
-            <a:r>
-              <a:rPr lang="fr-FR" sz="2400" dirty="0" smtClean="0">
-                <a:hlinkClick r:id="rId5"/>
-              </a:rPr>
-              <a:t>imagecomputing.net/damien.rohmer/data/previous_website/documents/teaching/14_0fall_cpe/3eti_software_development_c/cours/cours4.pdf</a:t>
-            </a:r>
-            <a:r>
-              <a:rPr lang="fr-FR" sz="2400" dirty="0" smtClean="0"/>
-              <a:t/>
-            </a:r>
-            <a:br>
-              <a:rPr lang="fr-FR" sz="2400" dirty="0" smtClean="0"/>
-            </a:br>
-            <a:endParaRPr lang="fr-FR" sz="2400" dirty="0" smtClean="0"/>
-          </a:p>
-          <a:p>
-            <a:r>
-              <a:rPr lang="fr-FR" sz="2400" dirty="0"/>
-              <a:t>https://docs.microsoft.com/fr-fr/cpp/build/walkthrough-compiling-a-native-cpp-program-on-the-command-line?view=msvc-160</a:t>
-            </a:r>
-          </a:p>
-          <a:p>
-            <a:endParaRPr lang="fr-FR" sz="2400" dirty="0"/>
-          </a:p>
-        </p:txBody>
-      </p:sp>
-      <p:sp>
-        <p:nvSpPr>
-          <p:cNvPr id="4" name="Espace réservé du numéro de diapositive 3"/>
-          <p:cNvSpPr>
-            <a:spLocks noGrp="1"/>
-          </p:cNvSpPr>
-          <p:nvPr>
-            <p:ph type="sldNum" sz="quarter" idx="12"/>
-          </p:nvPr>
-        </p:nvSpPr>
-        <p:spPr/>
-        <p:txBody>
-          <a:bodyPr/>
-          <a:lstStyle/>
-          <a:p>
-            <a:pPr rtl="0"/>
-            <a:fld id="{D57F1E4F-1CFF-5643-939E-217C01CDF565}" type="slidenum">
-              <a:rPr lang="fr-FR" noProof="0" smtClean="0"/>
-              <a:pPr rtl="0"/>
-              <a:t>40</a:t>
-            </a:fld>
-            <a:endParaRPr lang="fr-FR" noProof="0" dirty="0"/>
-          </a:p>
-        </p:txBody>
-      </p:sp>
-    </p:spTree>
-    <p:extLst>
-      <p:ext uri="{BB962C8B-B14F-4D97-AF65-F5344CB8AC3E}">
-        <p14:creationId xmlns:p14="http://schemas.microsoft.com/office/powerpoint/2010/main" val="115280481"/>
-      </p:ext>
-    </p:extLst>
-  </p:cSld>
-  <p:clrMapOvr>
-    <a:masterClrMapping/>
-  </p:clrMapOvr>
-  <p:timing>
-    <p:tnLst>
-      <p:par>
-        <p:cTn id="1" dur="indefinite" restart="never" nodeType="tmRoot"/>
-      </p:par>
-    </p:tnLst>
-  </p:timing>
-</p:sld>
-</file>
-
-<file path=ppt/slides/slide41.xml><?xml version="1.0" encoding="utf-8"?>
-<p:sld xmlns:a="http://schemas.openxmlformats.org/drawingml/2006/main" xmlns:r="http://schemas.openxmlformats.org/officeDocument/2006/relationships" xmlns:p="http://schemas.openxmlformats.org/presentationml/2006/main">
-  <p:cSld>
-    <p:spTree>
-      <p:nvGrpSpPr>
-        <p:cNvPr id="1" name=""/>
-        <p:cNvGrpSpPr/>
-        <p:nvPr/>
-      </p:nvGrpSpPr>
-      <p:grpSpPr>
-        <a:xfrm>
-          <a:off x="0" y="0"/>
-          <a:ext cx="0" cy="0"/>
-          <a:chOff x="0" y="0"/>
-          <a:chExt cx="0" cy="0"/>
-        </a:xfrm>
-      </p:grpSpPr>
-      <p:pic>
-        <p:nvPicPr>
-          <p:cNvPr id="6" name="Image 5"/>
-          <p:cNvPicPr>
-            <a:picLocks noChangeAspect="1"/>
-          </p:cNvPicPr>
-          <p:nvPr/>
-        </p:nvPicPr>
-        <p:blipFill>
-          <a:blip r:embed="rId3">
-            <a:extLst>
-              <a:ext uri="{28A0092B-C50C-407E-A947-70E740481C1C}">
-                <a14:useLocalDpi xmlns:a14="http://schemas.microsoft.com/office/drawing/2010/main" val="0"/>
-              </a:ext>
-            </a:extLst>
-          </a:blip>
-          <a:stretch>
-            <a:fillRect/>
-          </a:stretch>
-        </p:blipFill>
-        <p:spPr>
-          <a:xfrm>
-            <a:off x="0" y="0"/>
-            <a:ext cx="9144000" cy="5715000"/>
-          </a:xfrm>
-          <a:prstGeom prst="rect">
-            <a:avLst/>
-          </a:prstGeom>
-        </p:spPr>
-      </p:pic>
-      <p:sp>
-        <p:nvSpPr>
-          <p:cNvPr id="4" name="Rectangle 3"/>
-          <p:cNvSpPr/>
-          <p:nvPr/>
-        </p:nvSpPr>
-        <p:spPr>
-          <a:xfrm>
-            <a:off x="435893" y="3689975"/>
-            <a:ext cx="8392798" cy="1166649"/>
-          </a:xfrm>
-          <a:prstGeom prst="rect">
-            <a:avLst/>
-          </a:prstGeom>
-        </p:spPr>
-        <p:style>
-          <a:lnRef idx="2">
-            <a:schemeClr val="accent1">
-              <a:shade val="50000"/>
-            </a:schemeClr>
-          </a:lnRef>
-          <a:fillRef idx="1">
-            <a:schemeClr val="accent1"/>
-          </a:fillRef>
-          <a:effectRef idx="0">
-            <a:schemeClr val="accent1"/>
-          </a:effectRef>
-          <a:fontRef idx="minor">
-            <a:schemeClr val="lt1"/>
-          </a:fontRef>
-        </p:style>
-        <p:txBody>
-          <a:bodyPr rtlCol="0" anchor="ctr"/>
-          <a:lstStyle/>
-          <a:p>
-            <a:pPr algn="ctr"/>
-            <a:endParaRPr lang="fr-FR" dirty="0"/>
-          </a:p>
-        </p:txBody>
-      </p:sp>
-      <p:sp>
-        <p:nvSpPr>
-          <p:cNvPr id="2" name="Titre 1">
-            <a:extLst>
-              <a:ext uri="{FF2B5EF4-FFF2-40B4-BE49-F238E27FC236}">
-                <a16:creationId xmlns:a16="http://schemas.microsoft.com/office/drawing/2014/main" id="{C02C5318-1A1E-49D0-B2E2-A4B0FA9E8A40}"/>
-              </a:ext>
-            </a:extLst>
-          </p:cNvPr>
-          <p:cNvSpPr>
-            <a:spLocks noGrp="1"/>
-          </p:cNvSpPr>
-          <p:nvPr>
-            <p:ph type="ctrTitle"/>
-          </p:nvPr>
-        </p:nvSpPr>
-        <p:spPr>
-          <a:xfrm>
-            <a:off x="435894" y="3714750"/>
-            <a:ext cx="8245162" cy="671433"/>
-          </a:xfrm>
-        </p:spPr>
-        <p:txBody>
-          <a:bodyPr rtlCol="0">
-            <a:noAutofit/>
-          </a:bodyPr>
-          <a:lstStyle/>
-          <a:p>
-            <a:pPr algn="r" rtl="0"/>
-            <a:r>
-              <a:rPr lang="fr-FR" sz="3150" dirty="0" smtClean="0">
-                <a:solidFill>
-                  <a:schemeClr val="bg1"/>
-                </a:solidFill>
-              </a:rPr>
-              <a:t>À suivre : </a:t>
-            </a:r>
-            <a:endParaRPr lang="fr-FR" sz="3150" dirty="0">
-              <a:solidFill>
-                <a:schemeClr val="bg1"/>
-              </a:solidFill>
-            </a:endParaRPr>
-          </a:p>
-        </p:txBody>
-      </p:sp>
-      <p:sp>
-        <p:nvSpPr>
-          <p:cNvPr id="3" name="Sous-titre 2">
-            <a:extLst>
-              <a:ext uri="{FF2B5EF4-FFF2-40B4-BE49-F238E27FC236}">
-                <a16:creationId xmlns:a16="http://schemas.microsoft.com/office/drawing/2014/main" id="{48B6CF59-4E5B-494D-A2F7-97ADD01E6497}"/>
-              </a:ext>
-            </a:extLst>
-          </p:cNvPr>
-          <p:cNvSpPr>
-            <a:spLocks noGrp="1"/>
-          </p:cNvSpPr>
-          <p:nvPr>
-            <p:ph type="subTitle" idx="1"/>
-          </p:nvPr>
-        </p:nvSpPr>
-        <p:spPr>
-          <a:xfrm>
-            <a:off x="435895" y="4386184"/>
-            <a:ext cx="8245160" cy="363617"/>
-          </a:xfrm>
-        </p:spPr>
-        <p:txBody>
-          <a:bodyPr rtlCol="0">
-            <a:normAutofit/>
-          </a:bodyPr>
-          <a:lstStyle/>
-          <a:p>
-            <a:pPr algn="r" rtl="0"/>
-            <a:r>
-              <a:rPr lang="fr-FR" dirty="0" smtClean="0">
-                <a:solidFill>
-                  <a:srgbClr val="7CEBFF"/>
-                </a:solidFill>
-              </a:rPr>
-              <a:t>Formation </a:t>
-            </a:r>
-            <a:r>
-              <a:rPr lang="fr-FR" smtClean="0">
-                <a:solidFill>
-                  <a:srgbClr val="7CEBFF"/>
-                </a:solidFill>
-              </a:rPr>
-              <a:t>interne scalian</a:t>
-            </a:r>
-            <a:endParaRPr lang="fr-FR" dirty="0">
-              <a:solidFill>
-                <a:srgbClr val="7CEBFF"/>
-              </a:solidFill>
-            </a:endParaRPr>
-          </a:p>
-        </p:txBody>
-      </p:sp>
-      <p:sp>
-        <p:nvSpPr>
-          <p:cNvPr id="5" name="Espace réservé du numéro de diapositive 4"/>
-          <p:cNvSpPr>
-            <a:spLocks noGrp="1"/>
-          </p:cNvSpPr>
-          <p:nvPr>
-            <p:ph type="sldNum" sz="quarter" idx="12"/>
-          </p:nvPr>
-        </p:nvSpPr>
-        <p:spPr/>
-        <p:txBody>
-          <a:bodyPr/>
-          <a:lstStyle/>
-          <a:p>
-            <a:pPr rtl="0"/>
-            <a:fld id="{D57F1E4F-1CFF-5643-939E-217C01CDF565}" type="slidenum">
-              <a:rPr lang="fr-FR" noProof="0" smtClean="0"/>
-              <a:pPr rtl="0"/>
-              <a:t>41</a:t>
-            </a:fld>
-            <a:endParaRPr lang="fr-FR" noProof="0" dirty="0"/>
-          </a:p>
-        </p:txBody>
-      </p:sp>
-    </p:spTree>
-    <p:extLst>
-      <p:ext uri="{BB962C8B-B14F-4D97-AF65-F5344CB8AC3E}">
-        <p14:creationId xmlns:p14="http://schemas.microsoft.com/office/powerpoint/2010/main" val="2265540439"/>
       </p:ext>
     </p:extLst>
   </p:cSld>
@@ -25300,14 +22320,6 @@
 </file>
 
 <file path=customXml/item1.xml><?xml version="1.0" encoding="utf-8"?>
-<p:properties xmlns:p="http://schemas.microsoft.com/office/2006/metadata/properties" xmlns:xsi="http://www.w3.org/2001/XMLSchema-instance" xmlns:pc="http://schemas.microsoft.com/office/infopath/2007/PartnerControls">
-  <documentManagement>
-    <MediaServiceKeyPoints xmlns="71af3243-3dd4-4a8d-8c0d-dd76da1f02a5" xsi:nil="true"/>
-  </documentManagement>
-</p:properties>
-</file>
-
-<file path=customXml/item2.xml><?xml version="1.0" encoding="utf-8"?>
 <?mso-contentType ?>
 <FormTemplates xmlns="http://schemas.microsoft.com/sharepoint/v3/contenttype/forms">
   <Display>DocumentLibraryForm</Display>
@@ -25316,7 +22328,7 @@
 </FormTemplates>
 </file>
 
-<file path=customXml/item3.xml><?xml version="1.0" encoding="utf-8"?>
+<file path=customXml/item2.xml><?xml version="1.0" encoding="utf-8"?>
 <ct:contentTypeSchema xmlns:ct="http://schemas.microsoft.com/office/2006/metadata/contentType" xmlns:ma="http://schemas.microsoft.com/office/2006/metadata/properties/metaAttributes" ct:_="" ma:_="" ma:contentTypeName="Document" ma:contentTypeID="0x01010079F111ED35F8CC479449609E8A0923A6" ma:contentTypeVersion="11" ma:contentTypeDescription="Create a new document." ma:contentTypeScope="" ma:versionID="9677210f24a1be23c92c90fd886aa0aa">
   <xsd:schema xmlns:xsd="http://www.w3.org/2001/XMLSchema" xmlns:xs="http://www.w3.org/2001/XMLSchema" xmlns:p="http://schemas.microsoft.com/office/2006/metadata/properties" xmlns:ns2="71af3243-3dd4-4a8d-8c0d-dd76da1f02a5" xmlns:ns3="16c05727-aa75-4e4a-9b5f-8a80a1165891" targetNamespace="http://schemas.microsoft.com/office/2006/metadata/properties" ma:root="true" ma:fieldsID="60e05723c5c1908df1a1a4ebf11d344e" ns2:_="" ns3:_="">
     <xsd:import namespace="71af3243-3dd4-4a8d-8c0d-dd76da1f02a5"/>
@@ -25527,24 +22539,15 @@
 </ct:contentTypeSchema>
 </file>
 
-<file path=customXml/itemProps1.xml><?xml version="1.0" encoding="utf-8"?>
-<ds:datastoreItem xmlns:ds="http://schemas.openxmlformats.org/officeDocument/2006/customXml" ds:itemID="{F651EF32-6551-47EB-8BA9-22EF81F3DDAC}">
-  <ds:schemaRefs>
-    <ds:schemaRef ds:uri="http://purl.org/dc/elements/1.1/"/>
-    <ds:schemaRef ds:uri="http://schemas.microsoft.com/office/2006/documentManagement/types"/>
-    <ds:schemaRef ds:uri="http://schemas.microsoft.com/office/2006/metadata/properties"/>
-    <ds:schemaRef ds:uri="http://schemas.microsoft.com/office/infopath/2007/PartnerControls"/>
-    <ds:schemaRef ds:uri="http://www.w3.org/XML/1998/namespace"/>
-    <ds:schemaRef ds:uri="16c05727-aa75-4e4a-9b5f-8a80a1165891"/>
-    <ds:schemaRef ds:uri="http://schemas.openxmlformats.org/package/2006/metadata/core-properties"/>
-    <ds:schemaRef ds:uri="71af3243-3dd4-4a8d-8c0d-dd76da1f02a5"/>
-    <ds:schemaRef ds:uri="http://purl.org/dc/dcmitype/"/>
-    <ds:schemaRef ds:uri="http://purl.org/dc/terms/"/>
-  </ds:schemaRefs>
-</ds:datastoreItem>
+<file path=customXml/item3.xml><?xml version="1.0" encoding="utf-8"?>
+<p:properties xmlns:p="http://schemas.microsoft.com/office/2006/metadata/properties" xmlns:xsi="http://www.w3.org/2001/XMLSchema-instance" xmlns:pc="http://schemas.microsoft.com/office/infopath/2007/PartnerControls">
+  <documentManagement>
+    <MediaServiceKeyPoints xmlns="71af3243-3dd4-4a8d-8c0d-dd76da1f02a5" xsi:nil="true"/>
+  </documentManagement>
+</p:properties>
 </file>
 
-<file path=customXml/itemProps2.xml><?xml version="1.0" encoding="utf-8"?>
+<file path=customXml/itemProps1.xml><?xml version="1.0" encoding="utf-8"?>
 <ds:datastoreItem xmlns:ds="http://schemas.openxmlformats.org/officeDocument/2006/customXml" ds:itemID="{2B21BF1A-59D3-4E19-9B95-2FD4309AC3AF}">
   <ds:schemaRefs>
     <ds:schemaRef ds:uri="http://schemas.microsoft.com/sharepoint/v3/contenttype/forms"/>
@@ -25552,7 +22555,7 @@
 </ds:datastoreItem>
 </file>
 
-<file path=customXml/itemProps3.xml><?xml version="1.0" encoding="utf-8"?>
+<file path=customXml/itemProps2.xml><?xml version="1.0" encoding="utf-8"?>
 <ds:datastoreItem xmlns:ds="http://schemas.openxmlformats.org/officeDocument/2006/customXml" ds:itemID="{1EED214C-B51A-4B75-8B08-0E0DBD2305BE}">
   <ds:schemaRefs>
     <ds:schemaRef ds:uri="http://schemas.microsoft.com/office/2006/metadata/contentType"/>
@@ -25569,4 +22572,21 @@
     <ds:schemaRef ds:uri="http://schemas.microsoft.com/internal/obd"/>
   </ds:schemaRefs>
 </ds:datastoreItem>
+</file>
+
+<file path=customXml/itemProps3.xml><?xml version="1.0" encoding="utf-8"?>
+<ds:datastoreItem xmlns:ds="http://schemas.openxmlformats.org/officeDocument/2006/customXml" ds:itemID="{F651EF32-6551-47EB-8BA9-22EF81F3DDAC}">
+  <ds:schemaRefs>
+    <ds:schemaRef ds:uri="http://purl.org/dc/dcmitype/"/>
+    <ds:schemaRef ds:uri="http://schemas.openxmlformats.org/package/2006/metadata/core-properties"/>
+    <ds:schemaRef ds:uri="http://schemas.microsoft.com/office/2006/metadata/properties"/>
+    <ds:schemaRef ds:uri="http://schemas.microsoft.com/office/2006/documentManagement/types"/>
+    <ds:schemaRef ds:uri="http://www.w3.org/XML/1998/namespace"/>
+    <ds:schemaRef ds:uri="http://schemas.microsoft.com/office/infopath/2007/PartnerControls"/>
+    <ds:schemaRef ds:uri="http://purl.org/dc/elements/1.1/"/>
+    <ds:schemaRef ds:uri="http://purl.org/dc/terms/"/>
+    <ds:schemaRef ds:uri="16c05727-aa75-4e4a-9b5f-8a80a1165891"/>
+    <ds:schemaRef ds:uri="71af3243-3dd4-4a8d-8c0d-dd76da1f02a5"/>
+  </ds:schemaRefs>
+</ds:datastoreItem>
 </file>
--- a/diapos/CPP_matin.pptx
+++ b/diapos/CPP_matin.pptx
@@ -260,7 +260,7 @@
             <a:pPr rtl="0"/>
             <a:fld id="{44067F72-4B43-4EB2-81AF-1356A084F97D}" type="datetime1">
               <a:rPr lang="fr-FR" smtClean="0"/>
-              <a:t>15/06/2021</a:t>
+              <a:t>21/06/2021</a:t>
             </a:fld>
             <a:endParaRPr lang="fr-FR" dirty="0"/>
           </a:p>
@@ -442,7 +442,7 @@
             <a:pPr rtl="0"/>
             <a:fld id="{18E2C9A5-1936-47C6-ADD2-56E91A3B7AD6}" type="datetime1">
               <a:rPr lang="fr-FR" noProof="0" smtClean="0"/>
-              <a:t>15/06/2021</a:t>
+              <a:t>21/06/2021</a:t>
             </a:fld>
             <a:endParaRPr lang="fr-FR" noProof="0" dirty="0"/>
           </a:p>
@@ -3223,7 +3223,7 @@
             <a:pPr rtl="0"/>
             <a:fld id="{95F14979-C768-4E40-879A-113D767D7598}" type="datetime1">
               <a:rPr lang="fr-FR" noProof="0" smtClean="0"/>
-              <a:t>15/06/2021</a:t>
+              <a:t>21/06/2021</a:t>
             </a:fld>
             <a:endParaRPr lang="fr-FR" noProof="0" dirty="0"/>
           </a:p>
@@ -3489,7 +3489,7 @@
             <a:pPr rtl="0"/>
             <a:fld id="{46AEB7E8-48A7-4B84-88AE-D5102810498A}" type="datetime1">
               <a:rPr lang="fr-FR" noProof="0" smtClean="0"/>
-              <a:t>15/06/2021</a:t>
+              <a:t>21/06/2021</a:t>
             </a:fld>
             <a:endParaRPr lang="fr-FR" noProof="0" dirty="0"/>
           </a:p>
@@ -3728,7 +3728,7 @@
             <a:pPr rtl="0"/>
             <a:fld id="{2FE4E01A-DB78-4E32-A009-59CFADEF770C}" type="datetime1">
               <a:rPr lang="fr-FR" noProof="0" smtClean="0"/>
-              <a:t>15/06/2021</a:t>
+              <a:t>21/06/2021</a:t>
             </a:fld>
             <a:endParaRPr lang="fr-FR" noProof="0" dirty="0"/>
           </a:p>
@@ -4180,7 +4180,7 @@
             <a:pPr rtl="0"/>
             <a:fld id="{A3DF8B3A-A2CC-4133-9F37-93D6DD187088}" type="datetime1">
               <a:rPr lang="fr-FR" noProof="0" smtClean="0"/>
-              <a:t>15/06/2021</a:t>
+              <a:t>21/06/2021</a:t>
             </a:fld>
             <a:endParaRPr lang="fr-FR" noProof="0"/>
           </a:p>
@@ -4499,7 +4499,7 @@
             <a:pPr rtl="0"/>
             <a:fld id="{666FD31E-62FB-4209-A7A6-BACD423FD1B9}" type="datetime1">
               <a:rPr lang="fr-FR" noProof="0" smtClean="0"/>
-              <a:t>15/06/2021</a:t>
+              <a:t>21/06/2021</a:t>
             </a:fld>
             <a:endParaRPr lang="fr-FR" noProof="0" dirty="0"/>
           </a:p>
@@ -4749,7 +4749,7 @@
             <a:pPr rtl="0"/>
             <a:fld id="{3921C42B-897E-4F7D-9F30-7A616D683282}" type="datetime1">
               <a:rPr lang="fr-FR" noProof="0" smtClean="0"/>
-              <a:t>15/06/2021</a:t>
+              <a:t>21/06/2021</a:t>
             </a:fld>
             <a:endParaRPr lang="fr-FR" noProof="0" dirty="0"/>
           </a:p>
@@ -4933,7 +4933,7 @@
             <a:pPr rtl="0"/>
             <a:fld id="{3921C42B-897E-4F7D-9F30-7A616D683282}" type="datetime1">
               <a:rPr lang="fr-FR" noProof="0" smtClean="0"/>
-              <a:t>15/06/2021</a:t>
+              <a:t>21/06/2021</a:t>
             </a:fld>
             <a:endParaRPr lang="fr-FR" noProof="0" dirty="0"/>
           </a:p>
@@ -5235,7 +5235,7 @@
             <a:pPr rtl="0"/>
             <a:fld id="{3921C42B-897E-4F7D-9F30-7A616D683282}" type="datetime1">
               <a:rPr lang="fr-FR" noProof="0" smtClean="0"/>
-              <a:t>15/06/2021</a:t>
+              <a:t>21/06/2021</a:t>
             </a:fld>
             <a:endParaRPr lang="fr-FR" noProof="0" dirty="0"/>
           </a:p>
@@ -5679,7 +5679,7 @@
             <a:pPr rtl="0"/>
             <a:fld id="{3921C42B-897E-4F7D-9F30-7A616D683282}" type="datetime1">
               <a:rPr lang="fr-FR" noProof="0" smtClean="0"/>
-              <a:t>15/06/2021</a:t>
+              <a:t>21/06/2021</a:t>
             </a:fld>
             <a:endParaRPr lang="fr-FR" noProof="0" dirty="0"/>
           </a:p>
@@ -6181,7 +6181,7 @@
             <a:pPr rtl="0"/>
             <a:fld id="{9D7570F7-C3C9-44B3-A009-658E4E9B6AED}" type="datetime1">
               <a:rPr lang="fr-FR" noProof="0" smtClean="0"/>
-              <a:t>15/06/2021</a:t>
+              <a:t>21/06/2021</a:t>
             </a:fld>
             <a:endParaRPr lang="fr-FR" noProof="0" dirty="0"/>
           </a:p>
@@ -6563,7 +6563,7 @@
             <a:pPr rtl="0"/>
             <a:fld id="{F981DFD8-7CC7-492D-8F3E-634F16593128}" type="datetime1">
               <a:rPr lang="fr-FR" noProof="0" smtClean="0"/>
-              <a:t>15/06/2021</a:t>
+              <a:t>21/06/2021</a:t>
             </a:fld>
             <a:endParaRPr lang="fr-FR" noProof="0" dirty="0"/>
           </a:p>
@@ -6856,7 +6856,7 @@
             <a:pPr rtl="0"/>
             <a:fld id="{097575A0-E176-45FF-AB41-901BA96C2E0F}" type="datetime1">
               <a:rPr lang="fr-FR" noProof="0" smtClean="0"/>
-              <a:t>15/06/2021</a:t>
+              <a:t>21/06/2021</a:t>
             </a:fld>
             <a:endParaRPr lang="fr-FR" noProof="0" dirty="0"/>
           </a:p>
@@ -7071,7 +7071,7 @@
             <a:pPr rtl="0"/>
             <a:fld id="{10358767-58E0-4259-BE08-C44246876B43}" type="datetime1">
               <a:rPr lang="fr-FR" noProof="0" smtClean="0"/>
-              <a:t>15/06/2021</a:t>
+              <a:t>21/06/2021</a:t>
             </a:fld>
             <a:endParaRPr lang="fr-FR" noProof="0" dirty="0"/>
           </a:p>
@@ -7827,15 +7827,7 @@
                   <a:srgbClr val="7CEBFF"/>
                 </a:solidFill>
               </a:rPr>
-              <a:t>Lambda / </a:t>
-            </a:r>
-            <a:r>
-              <a:rPr lang="fr-FR" dirty="0" smtClean="0">
-                <a:solidFill>
-                  <a:srgbClr val="7CEBFF"/>
-                </a:solidFill>
-              </a:rPr>
-              <a:t>chaine de compilation</a:t>
+              <a:t>Lambda / chaine de compilation</a:t>
             </a:r>
             <a:endParaRPr lang="fr-FR" dirty="0">
               <a:solidFill>
@@ -13326,14 +13318,12 @@
               <a:rPr lang="fr-FR" sz="2000" dirty="0" smtClean="0"/>
               <a:t>Avec la même solution</a:t>
             </a:r>
-            <a:endParaRPr lang="fr-FR" sz="2000" dirty="0" smtClean="0"/>
           </a:p>
           <a:p>
             <a:r>
               <a:rPr lang="fr-FR" sz="2000" dirty="0" smtClean="0"/>
               <a:t>Faire les exercices 3 et 4</a:t>
             </a:r>
-            <a:endParaRPr lang="fr-FR" sz="2000" dirty="0" smtClean="0"/>
           </a:p>
           <a:p>
             <a:pPr lvl="1"/>
@@ -13694,15 +13684,7 @@
           <a:p>
             <a:r>
               <a:rPr lang="fr-FR" sz="1800" dirty="0" smtClean="0"/>
-              <a:t>Équivalent </a:t>
-            </a:r>
-            <a:r>
-              <a:rPr lang="fr-FR" sz="1800" dirty="0" smtClean="0"/>
-              <a:t>à (et interprétée comme) </a:t>
-            </a:r>
-            <a:r>
-              <a:rPr lang="fr-FR" sz="1800" dirty="0" smtClean="0"/>
-              <a:t>une classe </a:t>
+              <a:t>Équivalent à (et interprétée comme) une classe </a:t>
             </a:r>
             <a:r>
               <a:rPr lang="fr-FR" sz="1800" dirty="0" err="1" smtClean="0"/>
@@ -14160,7 +14142,6 @@
               <a:rPr lang="fr-FR" sz="2000" dirty="0" smtClean="0"/>
               <a:t> polymorphique</a:t>
             </a:r>
-            <a:endParaRPr lang="fr-FR" sz="2000" dirty="0" smtClean="0"/>
           </a:p>
           <a:p>
             <a:endParaRPr lang="fr-FR" sz="2000" dirty="0" smtClean="0"/>
@@ -14219,7 +14200,6 @@
               <a:rPr lang="fr-FR" sz="2000" dirty="0" smtClean="0"/>
               <a:t>Avec la même solution</a:t>
             </a:r>
-            <a:endParaRPr lang="fr-FR" sz="2000" dirty="0" smtClean="0"/>
           </a:p>
           <a:p>
             <a:r>
@@ -15697,13 +15677,8 @@
           <a:p>
             <a:r>
               <a:rPr lang="fr-FR" dirty="0" smtClean="0"/>
-              <a:t>Facilité </a:t>
-            </a:r>
-            <a:r>
-              <a:rPr lang="fr-FR" dirty="0" smtClean="0"/>
-              <a:t>d’écriture</a:t>
-            </a:r>
-            <a:endParaRPr lang="fr-FR" dirty="0" smtClean="0"/>
+              <a:t>Facilité d’écriture</a:t>
+            </a:r>
           </a:p>
           <a:p>
             <a:r>
@@ -15841,11 +15816,7 @@
           <a:p>
             <a:r>
               <a:rPr lang="fr-FR" dirty="0" smtClean="0"/>
-              <a:t>Attention </a:t>
-            </a:r>
-            <a:r>
-              <a:rPr lang="fr-FR" dirty="0" smtClean="0"/>
-              <a:t>à la complexité de vos fonctions</a:t>
+              <a:t>Attention à la complexité de vos fonctions</a:t>
             </a:r>
             <a:endParaRPr lang="fr-FR" dirty="0"/>
           </a:p>
@@ -16944,17 +16915,22 @@
           <a:p>
             <a:r>
               <a:rPr lang="fr-FR" dirty="0" smtClean="0"/>
-              <a:t>											</a:t>
-            </a:r>
-            <a:r>
-              <a:rPr lang="fr-FR" dirty="0" smtClean="0"/>
-              <a:t> 	</a:t>
+              <a:t>											 	</a:t>
             </a:r>
             <a:r>
               <a:rPr lang="fr-FR" dirty="0" smtClean="0">
-                <a:sym typeface="Wingdings" panose="05000000000000000000" pitchFamily="2" charset="2"/>
-              </a:rPr>
-              <a:t>  </a:t>
+                <a:solidFill>
+                  <a:srgbClr val="7030A0"/>
+                </a:solidFill>
+                <a:sym typeface="Wingdings" panose="05000000000000000000" pitchFamily="2" charset="2"/>
+              </a:rPr>
+              <a:t></a:t>
+            </a:r>
+            <a:r>
+              <a:rPr lang="fr-FR" dirty="0" smtClean="0">
+                <a:sym typeface="Wingdings" panose="05000000000000000000" pitchFamily="2" charset="2"/>
+              </a:rPr>
+              <a:t>  </a:t>
             </a:r>
             <a:r>
               <a:rPr lang="fr-FR" dirty="0" err="1" smtClean="0">
@@ -16979,9 +16955,18 @@
             </a:r>
             <a:r>
               <a:rPr lang="fr-FR" dirty="0" smtClean="0">
-                <a:sym typeface="Wingdings" panose="05000000000000000000" pitchFamily="2" charset="2"/>
-              </a:rPr>
-              <a:t>  </a:t>
+                <a:solidFill>
+                  <a:srgbClr val="4590B8"/>
+                </a:solidFill>
+                <a:sym typeface="Wingdings" panose="05000000000000000000" pitchFamily="2" charset="2"/>
+              </a:rPr>
+              <a:t></a:t>
+            </a:r>
+            <a:r>
+              <a:rPr lang="fr-FR" dirty="0" smtClean="0">
+                <a:sym typeface="Wingdings" panose="05000000000000000000" pitchFamily="2" charset="2"/>
+              </a:rPr>
+              <a:t>  </a:t>
             </a:r>
             <a:r>
               <a:rPr lang="fr-FR" dirty="0" err="1" smtClean="0">
@@ -16993,7 +16978,22 @@
               <a:rPr lang="fr-FR" dirty="0" smtClean="0">
                 <a:sym typeface="Wingdings" panose="05000000000000000000" pitchFamily="2" charset="2"/>
               </a:rPr>
-              <a:t>    </a:t>
+              <a:t>  </a:t>
+            </a:r>
+            <a:r>
+              <a:rPr lang="fr-FR" dirty="0" smtClean="0">
+                <a:solidFill>
+                  <a:srgbClr val="42955F"/>
+                </a:solidFill>
+                <a:sym typeface="Wingdings" panose="05000000000000000000" pitchFamily="2" charset="2"/>
+              </a:rPr>
+              <a:t></a:t>
+            </a:r>
+            <a:r>
+              <a:rPr lang="fr-FR" dirty="0" smtClean="0">
+                <a:sym typeface="Wingdings" panose="05000000000000000000" pitchFamily="2" charset="2"/>
+              </a:rPr>
+              <a:t>  </a:t>
             </a:r>
             <a:r>
               <a:rPr lang="fr-FR" dirty="0" err="1" smtClean="0">
@@ -17005,13 +17005,22 @@
               <a:rPr lang="fr-FR" dirty="0" smtClean="0">
                 <a:sym typeface="Wingdings" panose="05000000000000000000" pitchFamily="2" charset="2"/>
               </a:rPr>
-              <a:t> </a:t>
+              <a:t>  </a:t>
             </a:r>
             <a:r>
               <a:rPr lang="fr-FR" dirty="0" smtClean="0">
-                <a:sym typeface="Wingdings" panose="05000000000000000000" pitchFamily="2" charset="2"/>
-              </a:rPr>
-              <a:t>   </a:t>
+                <a:solidFill>
+                  <a:srgbClr val="FF0000"/>
+                </a:solidFill>
+                <a:sym typeface="Wingdings" panose="05000000000000000000" pitchFamily="2" charset="2"/>
+              </a:rPr>
+              <a:t></a:t>
+            </a:r>
+            <a:r>
+              <a:rPr lang="fr-FR" dirty="0" smtClean="0">
+                <a:sym typeface="Wingdings" panose="05000000000000000000" pitchFamily="2" charset="2"/>
+              </a:rPr>
+              <a:t>  </a:t>
             </a:r>
             <a:r>
               <a:rPr lang="fr-FR" dirty="0" err="1" smtClean="0">
@@ -17023,19 +17032,22 @@
               <a:rPr lang="fr-FR" dirty="0" smtClean="0">
                 <a:sym typeface="Wingdings" panose="05000000000000000000" pitchFamily="2" charset="2"/>
               </a:rPr>
-              <a:t> 	 </a:t>
+              <a:t> 	</a:t>
             </a:r>
             <a:r>
               <a:rPr lang="fr-FR" dirty="0" smtClean="0">
-                <a:sym typeface="Wingdings" panose="05000000000000000000" pitchFamily="2" charset="2"/>
-              </a:rPr>
-              <a:t> program</a:t>
+                <a:solidFill>
+                  <a:srgbClr val="7030A0"/>
+                </a:solidFill>
+                <a:sym typeface="Wingdings" panose="05000000000000000000" pitchFamily="2" charset="2"/>
+              </a:rPr>
+              <a:t></a:t>
             </a:r>
             <a:r>
               <a:rPr lang="fr-FR" dirty="0" smtClean="0">
                 <a:sym typeface="Wingdings" panose="05000000000000000000" pitchFamily="2" charset="2"/>
               </a:rPr>
-              <a:t>*</a:t>
+              <a:t>  program*</a:t>
             </a:r>
           </a:p>
           <a:p>
@@ -17049,13 +17061,22 @@
               <a:rPr lang="fr-FR" dirty="0" smtClean="0">
                 <a:sym typeface="Wingdings" panose="05000000000000000000" pitchFamily="2" charset="2"/>
               </a:rPr>
-              <a:t>										</a:t>
+              <a:t>											</a:t>
             </a:r>
             <a:r>
               <a:rPr lang="fr-FR" dirty="0" smtClean="0">
-                <a:sym typeface="Wingdings" panose="05000000000000000000" pitchFamily="2" charset="2"/>
-              </a:rPr>
-              <a:t>	  program.so</a:t>
+                <a:solidFill>
+                  <a:srgbClr val="7030A0"/>
+                </a:solidFill>
+                <a:sym typeface="Wingdings" panose="05000000000000000000" pitchFamily="2" charset="2"/>
+              </a:rPr>
+              <a:t></a:t>
+            </a:r>
+            <a:r>
+              <a:rPr lang="fr-FR" dirty="0" smtClean="0">
+                <a:sym typeface="Wingdings" panose="05000000000000000000" pitchFamily="2" charset="2"/>
+              </a:rPr>
+              <a:t>  program.so</a:t>
             </a:r>
             <a:endParaRPr lang="fr-FR" dirty="0"/>
           </a:p>
@@ -17093,7 +17114,22 @@
               <a:rPr lang="fr-FR" dirty="0" smtClean="0">
                 <a:sym typeface="Wingdings" panose="05000000000000000000" pitchFamily="2" charset="2"/>
               </a:rPr>
-              <a:t>	  program.lib</a:t>
+              <a:t>	</a:t>
+            </a:r>
+            <a:r>
+              <a:rPr lang="fr-FR" dirty="0" smtClean="0">
+                <a:solidFill>
+                  <a:srgbClr val="7030A0"/>
+                </a:solidFill>
+                <a:sym typeface="Wingdings" panose="05000000000000000000" pitchFamily="2" charset="2"/>
+              </a:rPr>
+              <a:t></a:t>
+            </a:r>
+            <a:r>
+              <a:rPr lang="fr-FR" dirty="0" smtClean="0">
+                <a:sym typeface="Wingdings" panose="05000000000000000000" pitchFamily="2" charset="2"/>
+              </a:rPr>
+              <a:t>  program.lib</a:t>
             </a:r>
             <a:endParaRPr lang="fr-FR" dirty="0" smtClean="0"/>
           </a:p>
@@ -17104,17 +17140,22 @@
             </a:r>
             <a:r>
               <a:rPr lang="fr-FR" dirty="0" smtClean="0"/>
-              <a:t> </a:t>
-            </a:r>
-            <a:r>
-              <a:rPr lang="fr-FR" dirty="0" smtClean="0"/>
-              <a:t> </a:t>
+              <a:t>  </a:t>
             </a:r>
             <a:r>
               <a:rPr lang="fr-FR" dirty="0" smtClean="0">
-                <a:sym typeface="Wingdings" panose="05000000000000000000" pitchFamily="2" charset="2"/>
-              </a:rPr>
-              <a:t>  </a:t>
+                <a:solidFill>
+                  <a:srgbClr val="4590B8"/>
+                </a:solidFill>
+                <a:sym typeface="Wingdings" panose="05000000000000000000" pitchFamily="2" charset="2"/>
+              </a:rPr>
+              <a:t></a:t>
+            </a:r>
+            <a:r>
+              <a:rPr lang="fr-FR" dirty="0" smtClean="0">
+                <a:sym typeface="Wingdings" panose="05000000000000000000" pitchFamily="2" charset="2"/>
+              </a:rPr>
+              <a:t>  </a:t>
             </a:r>
             <a:r>
               <a:rPr lang="fr-FR" dirty="0" err="1" smtClean="0">
@@ -17126,29 +17167,53 @@
               <a:rPr lang="fr-FR" dirty="0" smtClean="0">
                 <a:sym typeface="Wingdings" panose="05000000000000000000" pitchFamily="2" charset="2"/>
               </a:rPr>
-              <a:t> </a:t>
+              <a:t>  </a:t>
             </a:r>
             <a:r>
               <a:rPr lang="fr-FR" dirty="0" smtClean="0">
-                <a:sym typeface="Wingdings" panose="05000000000000000000" pitchFamily="2" charset="2"/>
-              </a:rPr>
-              <a:t> program.asm   </a:t>
+                <a:solidFill>
+                  <a:srgbClr val="42955F"/>
+                </a:solidFill>
+                <a:sym typeface="Wingdings" panose="05000000000000000000" pitchFamily="2" charset="2"/>
+              </a:rPr>
+              <a:t></a:t>
             </a:r>
             <a:r>
               <a:rPr lang="fr-FR" dirty="0" smtClean="0">
                 <a:sym typeface="Wingdings" panose="05000000000000000000" pitchFamily="2" charset="2"/>
               </a:rPr>
-              <a:t>program.obj 	 </a:t>
+              <a:t>program.asm </a:t>
             </a:r>
             <a:r>
               <a:rPr lang="fr-FR" dirty="0" smtClean="0">
-                <a:sym typeface="Wingdings" panose="05000000000000000000" pitchFamily="2" charset="2"/>
-              </a:rPr>
-              <a:t> program.exe</a:t>
-            </a:r>
-            <a:endParaRPr lang="fr-FR" dirty="0" smtClean="0">
-              <a:sym typeface="Wingdings" panose="05000000000000000000" pitchFamily="2" charset="2"/>
-            </a:endParaRPr>
+                <a:solidFill>
+                  <a:srgbClr val="FF0000"/>
+                </a:solidFill>
+                <a:sym typeface="Wingdings" panose="05000000000000000000" pitchFamily="2" charset="2"/>
+              </a:rPr>
+              <a:t></a:t>
+            </a:r>
+            <a:r>
+              <a:rPr lang="fr-FR" dirty="0" smtClean="0">
+                <a:sym typeface="Wingdings" panose="05000000000000000000" pitchFamily="2" charset="2"/>
+              </a:rPr>
+              <a:t>  program.obj 	</a:t>
+            </a:r>
+            <a:r>
+              <a:rPr lang="fr-FR" dirty="0" smtClean="0">
+                <a:solidFill>
+                  <a:srgbClr val="7030A0"/>
+                </a:solidFill>
+                <a:sym typeface="Wingdings" panose="05000000000000000000" pitchFamily="2" charset="2"/>
+              </a:rPr>
+              <a:t></a:t>
+            </a:r>
+            <a:r>
+              <a:rPr lang="fr-FR" dirty="0" smtClean="0">
+                <a:sym typeface="Wingdings" panose="05000000000000000000" pitchFamily="2" charset="2"/>
+              </a:rPr>
+              <a:t>  program.exe</a:t>
+            </a:r>
           </a:p>
           <a:p>
             <a:r>
@@ -17161,13 +17226,22 @@
               <a:rPr lang="fr-FR" dirty="0" smtClean="0">
                 <a:sym typeface="Wingdings" panose="05000000000000000000" pitchFamily="2" charset="2"/>
               </a:rPr>
-              <a:t>										</a:t>
+              <a:t>											</a:t>
             </a:r>
             <a:r>
               <a:rPr lang="fr-FR" dirty="0" smtClean="0">
-                <a:sym typeface="Wingdings" panose="05000000000000000000" pitchFamily="2" charset="2"/>
-              </a:rPr>
-              <a:t>	  program.dll</a:t>
+                <a:solidFill>
+                  <a:srgbClr val="7030A0"/>
+                </a:solidFill>
+                <a:sym typeface="Wingdings" panose="05000000000000000000" pitchFamily="2" charset="2"/>
+              </a:rPr>
+              <a:t></a:t>
+            </a:r>
+            <a:r>
+              <a:rPr lang="fr-FR" dirty="0" smtClean="0">
+                <a:sym typeface="Wingdings" panose="05000000000000000000" pitchFamily="2" charset="2"/>
+              </a:rPr>
+              <a:t>  program.dll</a:t>
             </a:r>
             <a:endParaRPr lang="fr-FR" dirty="0"/>
           </a:p>
@@ -17233,13 +17307,13 @@
         </p:spPr>
         <p:style>
           <a:lnRef idx="2">
-            <a:schemeClr val="accent2"/>
+            <a:schemeClr val="accent6"/>
           </a:lnRef>
           <a:fillRef idx="1">
             <a:schemeClr val="lt1"/>
           </a:fillRef>
           <a:effectRef idx="0">
-            <a:schemeClr val="accent2"/>
+            <a:schemeClr val="accent6"/>
           </a:effectRef>
           <a:fontRef idx="minor">
             <a:schemeClr val="dk1"/>
@@ -17273,6 +17347,11 @@
           <a:prstGeom prst="rect">
             <a:avLst/>
           </a:prstGeom>
+          <a:ln>
+            <a:solidFill>
+              <a:srgbClr val="FF0000"/>
+            </a:solidFill>
+          </a:ln>
         </p:spPr>
         <p:style>
           <a:lnRef idx="2">
@@ -17316,6 +17395,11 @@
           <a:prstGeom prst="rect">
             <a:avLst/>
           </a:prstGeom>
+          <a:ln>
+            <a:solidFill>
+              <a:srgbClr val="7030A0"/>
+            </a:solidFill>
+          </a:ln>
         </p:spPr>
         <p:style>
           <a:lnRef idx="2">
@@ -17480,11 +17564,7 @@
             </a:pPr>
             <a:r>
               <a:rPr lang="fr-FR" sz="1400" dirty="0" smtClean="0"/>
-              <a:t>Ex </a:t>
-            </a:r>
-            <a:r>
-              <a:rPr lang="fr-FR" sz="1400" dirty="0" smtClean="0"/>
-              <a:t>: #</a:t>
+              <a:t>Ex : #</a:t>
             </a:r>
             <a:r>
               <a:rPr lang="fr-FR" sz="1400" dirty="0" err="1" smtClean="0"/>
@@ -17500,13 +17580,8 @@
             </a:r>
             <a:r>
               <a:rPr lang="fr-FR" sz="1400" dirty="0" smtClean="0"/>
-              <a:t> </a:t>
-            </a:r>
-            <a:r>
-              <a:rPr lang="fr-FR" sz="1400" dirty="0" smtClean="0"/>
-              <a:t>2</a:t>
-            </a:r>
-            <a:endParaRPr lang="fr-FR" sz="1400" dirty="0" smtClean="0"/>
+              <a:t> 2</a:t>
+            </a:r>
           </a:p>
           <a:p>
             <a:pPr marL="0" indent="0">
@@ -17783,7 +17858,6 @@
               <a:rPr lang="fr-FR" dirty="0"/>
               <a:t>commentaires</a:t>
             </a:r>
-            <a:endParaRPr lang="fr-FR" dirty="0"/>
           </a:p>
         </p:txBody>
       </p:sp>
@@ -17877,10 +17951,6 @@
               </a:rPr>
               <a:t> -I&lt;CHEMIN&gt;</a:t>
             </a:r>
-            <a:endParaRPr lang="fr-FR" sz="1600" dirty="0">
-              <a:latin typeface="Cascadia Code" panose="020B0609020000020004" pitchFamily="49" charset="0"/>
-              <a:cs typeface="Cascadia Code" panose="020B0609020000020004" pitchFamily="49" charset="0"/>
-            </a:endParaRPr>
           </a:p>
         </p:txBody>
       </p:sp>
@@ -17933,10 +18003,6 @@
               </a:rPr>
               <a:t>&gt;</a:t>
             </a:r>
-            <a:endParaRPr lang="fr-FR" sz="1600" dirty="0">
-              <a:latin typeface="Cascadia Code" panose="020B0609020000020004" pitchFamily="49" charset="0"/>
-              <a:cs typeface="Cascadia Code" panose="020B0609020000020004" pitchFamily="49" charset="0"/>
-            </a:endParaRPr>
           </a:p>
         </p:txBody>
       </p:sp>
@@ -18387,13 +18453,7 @@
               <a:rPr lang="fr-FR" sz="1600" dirty="0" smtClean="0">
                 <a:sym typeface="Wingdings" panose="05000000000000000000" pitchFamily="2" charset="2"/>
               </a:rPr>
-              <a:t>Ne requiert que la connaissance </a:t>
-            </a:r>
-            <a:r>
-              <a:rPr lang="fr-FR" sz="1600" dirty="0" smtClean="0">
-                <a:sym typeface="Wingdings" panose="05000000000000000000" pitchFamily="2" charset="2"/>
-              </a:rPr>
-              <a:t>des prototypes des fonctions utilisées</a:t>
+              <a:t>Ne requiert que la connaissance des prototypes des fonctions utilisées</a:t>
             </a:r>
             <a:endParaRPr lang="fr-FR" sz="1600" dirty="0" smtClean="0"/>
           </a:p>
@@ -19272,125 +19332,86 @@
               <a:rPr lang="fr-FR" sz="1600" dirty="0" smtClean="0">
                 <a:sym typeface="Wingdings" panose="05000000000000000000" pitchFamily="2" charset="2"/>
               </a:rPr>
-              <a:t>Même </a:t>
+              <a:t>Même si un seul fichier, on </a:t>
+            </a:r>
+            <a:r>
+              <a:rPr lang="fr-FR" sz="1600" dirty="0" err="1" smtClean="0">
+                <a:sym typeface="Wingdings" panose="05000000000000000000" pitchFamily="2" charset="2"/>
+              </a:rPr>
+              <a:t>link</a:t>
             </a:r>
             <a:r>
               <a:rPr lang="fr-FR" sz="1600" dirty="0" smtClean="0">
                 <a:sym typeface="Wingdings" panose="05000000000000000000" pitchFamily="2" charset="2"/>
               </a:rPr>
-              <a:t>si un seul fichier, on </a:t>
+              <a:t> toujours avec au minimum la </a:t>
             </a:r>
             <a:r>
               <a:rPr lang="fr-FR" sz="1600" dirty="0" err="1" smtClean="0">
                 <a:sym typeface="Wingdings" panose="05000000000000000000" pitchFamily="2" charset="2"/>
               </a:rPr>
-              <a:t>link</a:t>
+              <a:t>libc</a:t>
             </a:r>
             <a:r>
               <a:rPr lang="fr-FR" sz="1600" dirty="0" smtClean="0">
                 <a:sym typeface="Wingdings" panose="05000000000000000000" pitchFamily="2" charset="2"/>
               </a:rPr>
-              <a:t> toujours avec au minimum la </a:t>
+              <a:t>. </a:t>
+            </a:r>
+            <a:r>
+              <a:rPr lang="fr-FR" sz="1600" dirty="0" err="1">
+                <a:sym typeface="Wingdings" panose="05000000000000000000" pitchFamily="2" charset="2"/>
+              </a:rPr>
+              <a:t>l</a:t>
             </a:r>
             <a:r>
               <a:rPr lang="fr-FR" sz="1600" dirty="0" err="1" smtClean="0">
                 <a:sym typeface="Wingdings" panose="05000000000000000000" pitchFamily="2" charset="2"/>
               </a:rPr>
-              <a:t>libc</a:t>
+              <a:t>ibc.a</a:t>
             </a:r>
             <a:r>
               <a:rPr lang="fr-FR" sz="1600" dirty="0" smtClean="0">
                 <a:sym typeface="Wingdings" panose="05000000000000000000" pitchFamily="2" charset="2"/>
               </a:rPr>
-              <a:t>. </a:t>
-            </a:r>
-            <a:r>
-              <a:rPr lang="fr-FR" sz="1600" dirty="0" err="1">
-                <a:sym typeface="Wingdings" panose="05000000000000000000" pitchFamily="2" charset="2"/>
-              </a:rPr>
-              <a:t>l</a:t>
+              <a:t> sous linux.</a:t>
+            </a:r>
+          </a:p>
+          <a:p>
+            <a:r>
+              <a:rPr lang="fr-FR" sz="1600" dirty="0" smtClean="0">
+                <a:sym typeface="Wingdings" panose="05000000000000000000" pitchFamily="2" charset="2"/>
+              </a:rPr>
+              <a:t>Un fichier .a est une archive de fichiers .o</a:t>
+            </a:r>
+          </a:p>
+          <a:p>
+            <a:r>
+              <a:rPr lang="fr-FR" sz="1600" dirty="0" smtClean="0">
+                <a:sym typeface="Wingdings" panose="05000000000000000000" pitchFamily="2" charset="2"/>
+              </a:rPr>
+              <a:t>L’éditeur de lien remplace les bouchons d’adresse de fonction par les vraies adresses des fonctions. Et c’est souvent là qu’arrivent les vrais problèmes…</a:t>
+            </a:r>
+          </a:p>
+          <a:p>
+            <a:r>
+              <a:rPr lang="fr-FR" sz="1600" dirty="0" smtClean="0">
+                <a:sym typeface="Wingdings" panose="05000000000000000000" pitchFamily="2" charset="2"/>
+              </a:rPr>
+              <a:t>Cas particulier : la </a:t>
             </a:r>
             <a:r>
               <a:rPr lang="fr-FR" sz="1600" dirty="0" err="1" smtClean="0">
                 <a:sym typeface="Wingdings" panose="05000000000000000000" pitchFamily="2" charset="2"/>
               </a:rPr>
-              <a:t>ibc.a</a:t>
+              <a:t>libc.a</a:t>
             </a:r>
             <a:r>
               <a:rPr lang="fr-FR" sz="1600" dirty="0" smtClean="0">
                 <a:sym typeface="Wingdings" panose="05000000000000000000" pitchFamily="2" charset="2"/>
               </a:rPr>
-              <a:t> sous linux.</a:t>
-            </a:r>
-          </a:p>
-          <a:p>
-            <a:r>
-              <a:rPr lang="fr-FR" sz="1600" dirty="0" smtClean="0">
-                <a:sym typeface="Wingdings" panose="05000000000000000000" pitchFamily="2" charset="2"/>
-              </a:rPr>
-              <a:t>Un fichier .a est une archive de fichiers .o</a:t>
-            </a:r>
-          </a:p>
-          <a:p>
-            <a:r>
-              <a:rPr lang="fr-FR" sz="1600" dirty="0" smtClean="0">
-                <a:sym typeface="Wingdings" panose="05000000000000000000" pitchFamily="2" charset="2"/>
-              </a:rPr>
-              <a:t>L’éditeur de lien remplace les bouchons d’adresse de fonction par les vraies adresses des fonctions. Et c’est </a:t>
-            </a:r>
-            <a:r>
-              <a:rPr lang="fr-FR" sz="1600" dirty="0" smtClean="0">
-                <a:sym typeface="Wingdings" panose="05000000000000000000" pitchFamily="2" charset="2"/>
-              </a:rPr>
-              <a:t>souvent là qu’arrivent </a:t>
-            </a:r>
-            <a:r>
-              <a:rPr lang="fr-FR" sz="1600" dirty="0" smtClean="0">
-                <a:sym typeface="Wingdings" panose="05000000000000000000" pitchFamily="2" charset="2"/>
-              </a:rPr>
-              <a:t>les </a:t>
-            </a:r>
-            <a:r>
-              <a:rPr lang="fr-FR" sz="1600" dirty="0" smtClean="0">
-                <a:sym typeface="Wingdings" panose="05000000000000000000" pitchFamily="2" charset="2"/>
-              </a:rPr>
-              <a:t>vrais problèmes</a:t>
-            </a:r>
-            <a:r>
-              <a:rPr lang="fr-FR" sz="1600" dirty="0" smtClean="0">
-                <a:sym typeface="Wingdings" panose="05000000000000000000" pitchFamily="2" charset="2"/>
-              </a:rPr>
-              <a:t>…</a:t>
-            </a:r>
-          </a:p>
-          <a:p>
-            <a:r>
-              <a:rPr lang="fr-FR" sz="1600" dirty="0" smtClean="0">
-                <a:sym typeface="Wingdings" panose="05000000000000000000" pitchFamily="2" charset="2"/>
-              </a:rPr>
-              <a:t>Cas particulier : la </a:t>
-            </a:r>
-            <a:r>
-              <a:rPr lang="fr-FR" sz="1600" dirty="0" err="1" smtClean="0">
-                <a:sym typeface="Wingdings" panose="05000000000000000000" pitchFamily="2" charset="2"/>
-              </a:rPr>
-              <a:t>libc.a</a:t>
-            </a:r>
-            <a:r>
-              <a:rPr lang="fr-FR" sz="1600" dirty="0" smtClean="0">
-                <a:sym typeface="Wingdings" panose="05000000000000000000" pitchFamily="2" charset="2"/>
-              </a:rPr>
-              <a:t> a un bouchon pour la fonction main(). Si elle n’existe pas, l’éditeur de lien renvoie une </a:t>
-            </a:r>
-            <a:r>
-              <a:rPr lang="fr-FR" sz="1600" dirty="0" smtClean="0">
-                <a:sym typeface="Wingdings" panose="05000000000000000000" pitchFamily="2" charset="2"/>
-              </a:rPr>
-              <a:t>erreur</a:t>
-            </a:r>
-            <a:endParaRPr lang="fr-FR" sz="1600" dirty="0" smtClean="0">
-              <a:sym typeface="Wingdings" panose="05000000000000000000" pitchFamily="2" charset="2"/>
-            </a:endParaRPr>
+              <a:t> a un bouchon pour la fonction main(). Si elle n’existe pas, l’éditeur de lien renvoie une erreur</a:t>
+            </a:r>
           </a:p>
         </p:txBody>
       </p:sp>
@@ -19876,32 +19897,14 @@
               </a:rPr>
               <a:t>inaccessible</a:t>
             </a:r>
-            <a:endParaRPr lang="fr-FR" sz="1600" dirty="0" smtClean="0">
-              <a:sym typeface="Wingdings" panose="05000000000000000000" pitchFamily="2" charset="2"/>
-            </a:endParaRPr>
           </a:p>
           <a:p>
             <a:r>
               <a:rPr lang="fr-FR" sz="1600" dirty="0" smtClean="0">
                 <a:sym typeface="Wingdings" panose="05000000000000000000" pitchFamily="2" charset="2"/>
               </a:rPr>
-              <a:t>Une </a:t>
-            </a:r>
-            <a:r>
-              <a:rPr lang="fr-FR" sz="1600" dirty="0" smtClean="0">
-                <a:sym typeface="Wingdings" panose="05000000000000000000" pitchFamily="2" charset="2"/>
-              </a:rPr>
-              <a:t>bibliothèque dynamique peut évoluer indépendamment de l’exécutable (pourvu qu’elle expose toujours la même API</a:t>
-            </a:r>
-            <a:r>
-              <a:rPr lang="fr-FR" sz="1600" dirty="0" smtClean="0">
-                <a:sym typeface="Wingdings" panose="05000000000000000000" pitchFamily="2" charset="2"/>
-              </a:rPr>
-              <a:t>) = architecture plus souple.</a:t>
-            </a:r>
-            <a:endParaRPr lang="fr-FR" sz="1600" dirty="0" smtClean="0">
-              <a:sym typeface="Wingdings" panose="05000000000000000000" pitchFamily="2" charset="2"/>
-            </a:endParaRPr>
+              <a:t>Une bibliothèque dynamique peut évoluer indépendamment de l’exécutable (pourvu qu’elle expose toujours la même API) = architecture plus souple.</a:t>
+            </a:r>
           </a:p>
           <a:p>
             <a:pPr marL="0" indent="0">
@@ -19981,13 +19984,7 @@
               <a:rPr lang="fr-FR" dirty="0" smtClean="0">
                 <a:sym typeface="Wingdings" panose="05000000000000000000" pitchFamily="2" charset="2"/>
               </a:rPr>
-              <a:t>ano</a:t>
-            </a:r>
-            <a:r>
-              <a:rPr lang="fr-FR" dirty="0" smtClean="0">
-                <a:sym typeface="Wingdings" panose="05000000000000000000" pitchFamily="2" charset="2"/>
-              </a:rPr>
-              <a:t>ther.so</a:t>
+              <a:t>another.so</a:t>
             </a:r>
             <a:endParaRPr lang="fr-FR" dirty="0"/>
           </a:p>
@@ -20018,47 +20015,35 @@
               <a:rPr lang="fr-FR" dirty="0" smtClean="0">
                 <a:sym typeface="Wingdings" panose="05000000000000000000" pitchFamily="2" charset="2"/>
               </a:rPr>
-              <a:t>      other</a:t>
-            </a:r>
+              <a:t>      other.lib</a:t>
+            </a:r>
+          </a:p>
+          <a:p>
             <a:r>
               <a:rPr lang="fr-FR" dirty="0" smtClean="0">
                 <a:sym typeface="Wingdings" panose="05000000000000000000" pitchFamily="2" charset="2"/>
               </a:rPr>
-              <a:t>.lib</a:t>
-            </a:r>
-          </a:p>
-          <a:p>
+              <a:t>program.obj </a:t>
+            </a:r>
+            <a:r>
+              <a:rPr lang="fr-FR" dirty="0">
+                <a:sym typeface="Wingdings" panose="05000000000000000000" pitchFamily="2" charset="2"/>
+              </a:rPr>
+              <a:t> </a:t>
+            </a:r>
             <a:r>
               <a:rPr lang="fr-FR" dirty="0" smtClean="0">
                 <a:sym typeface="Wingdings" panose="05000000000000000000" pitchFamily="2" charset="2"/>
               </a:rPr>
-              <a:t>program.obj </a:t>
-            </a:r>
-            <a:r>
-              <a:rPr lang="fr-FR" dirty="0">
-                <a:sym typeface="Wingdings" panose="05000000000000000000" pitchFamily="2" charset="2"/>
-              </a:rPr>
-              <a:t> </a:t>
-            </a:r>
+              <a:t>program.exe</a:t>
+            </a:r>
+          </a:p>
+          <a:p>
             <a:r>
               <a:rPr lang="fr-FR" dirty="0" smtClean="0">
                 <a:sym typeface="Wingdings" panose="05000000000000000000" pitchFamily="2" charset="2"/>
               </a:rPr>
-              <a:t>program.exe</a:t>
-            </a:r>
-          </a:p>
-          <a:p>
-            <a:r>
-              <a:rPr lang="fr-FR" dirty="0" smtClean="0">
-                <a:sym typeface="Wingdings" panose="05000000000000000000" pitchFamily="2" charset="2"/>
-              </a:rPr>
-              <a:t>  another.dll</a:t>
-            </a:r>
-            <a:r>
-              <a:rPr lang="fr-FR" dirty="0" smtClean="0">
-                <a:sym typeface="Wingdings" panose="05000000000000000000" pitchFamily="2" charset="2"/>
-              </a:rPr>
-              <a:t> </a:t>
+              <a:t>  another.dll </a:t>
             </a:r>
             <a:endParaRPr lang="fr-FR" dirty="0"/>
           </a:p>
@@ -20772,10 +20757,6 @@
               </a:rPr>
               <a:t> -lv3 -L.</a:t>
             </a:r>
-            <a:endParaRPr lang="fr-FR" sz="1400" dirty="0">
-              <a:latin typeface="Cascadia Code" panose="020B0609020000020004" pitchFamily="49" charset="0"/>
-              <a:cs typeface="Cascadia Code" panose="020B0609020000020004" pitchFamily="49" charset="0"/>
-            </a:endParaRPr>
           </a:p>
         </p:txBody>
       </p:sp>
@@ -20825,9 +20806,6 @@
               </a:rPr>
               <a:t>)</a:t>
             </a:r>
-            <a:endParaRPr lang="pt-BR" sz="1400" dirty="0">
-              <a:sym typeface="Wingdings" panose="05000000000000000000" pitchFamily="2" charset="2"/>
-            </a:endParaRPr>
           </a:p>
         </p:txBody>
       </p:sp>
@@ -20938,11 +20916,7 @@
             <a:pPr algn="ctr"/>
             <a:r>
               <a:rPr lang="fr-FR" sz="2000" dirty="0" smtClean="0"/>
-              <a:t>Linux </a:t>
-            </a:r>
-            <a:r>
-              <a:rPr lang="fr-FR" sz="2000" dirty="0" smtClean="0"/>
-              <a:t>(</a:t>
+              <a:t>Linux (</a:t>
             </a:r>
             <a:r>
               <a:rPr lang="fr-FR" sz="2000" b="1" dirty="0" smtClean="0"/>
@@ -21197,29 +21171,8 @@
                   <a:schemeClr val="accent2"/>
                 </a:solidFill>
               </a:rPr>
-              <a:t>(</a:t>
-            </a:r>
-            <a:r>
-              <a:rPr lang="fr-FR" sz="2000" dirty="0">
-                <a:solidFill>
-                  <a:schemeClr val="accent2"/>
-                </a:solidFill>
-              </a:rPr>
-              <a:t>MSVC</a:t>
-            </a:r>
-            <a:r>
-              <a:rPr lang="fr-FR" sz="2000" dirty="0">
-                <a:solidFill>
-                  <a:schemeClr val="accent2"/>
-                </a:solidFill>
-              </a:rPr>
-              <a:t>)</a:t>
-            </a:r>
-            <a:endParaRPr lang="fr-FR" sz="2000" dirty="0">
-              <a:solidFill>
-                <a:schemeClr val="accent2"/>
-              </a:solidFill>
-            </a:endParaRPr>
+              <a:t>(MSVC)</a:t>
+            </a:r>
           </a:p>
         </p:txBody>
       </p:sp>
@@ -21249,15 +21202,7 @@
             </a:r>
             <a:r>
               <a:rPr lang="fr-FR" sz="1600" dirty="0" smtClean="0"/>
-              <a:t>/P </a:t>
-            </a:r>
-            <a:r>
-              <a:rPr lang="fr-FR" sz="1600" dirty="0" smtClean="0"/>
-              <a:t>main</a:t>
-            </a:r>
-            <a:r>
-              <a:rPr lang="fr-FR" sz="1600" dirty="0" smtClean="0"/>
-              <a:t>.cpp </a:t>
+              <a:t>/P main.cpp </a:t>
             </a:r>
             <a:r>
               <a:rPr lang="fr-FR" sz="1600" dirty="0" smtClean="0">
@@ -21283,11 +21228,7 @@
           <a:p>
             <a:r>
               <a:rPr lang="fr-FR" sz="1600" dirty="0" smtClean="0"/>
-              <a:t>cl </a:t>
-            </a:r>
-            <a:r>
-              <a:rPr lang="fr-FR" sz="1600" dirty="0" smtClean="0"/>
-              <a:t>/Fa </a:t>
+              <a:t>cl /Fa </a:t>
             </a:r>
             <a:r>
               <a:rPr lang="fr-FR" sz="1600" dirty="0"/>
@@ -21317,11 +21258,7 @@
           <a:p>
             <a:r>
               <a:rPr lang="fr-FR" sz="1600" dirty="0" smtClean="0"/>
-              <a:t>cl </a:t>
-            </a:r>
-            <a:r>
-              <a:rPr lang="fr-FR" sz="1600" dirty="0" smtClean="0"/>
-              <a:t>/c </a:t>
+              <a:t>cl /c </a:t>
             </a:r>
             <a:r>
               <a:rPr lang="fr-FR" sz="1600" dirty="0"/>
@@ -22516,151 +22453,123 @@
               <a:rPr lang="fr-FR" sz="1800" dirty="0" smtClean="0">
                 <a:sym typeface="Wingdings" panose="05000000000000000000" pitchFamily="2" charset="2"/>
               </a:rPr>
-              <a:t> », lancer les commandes </a:t>
-            </a:r>
+              <a:t> », lancer les commandes suivantes :</a:t>
+            </a:r>
+          </a:p>
+          <a:p>
+            <a:pPr lvl="1"/>
+            <a:r>
+              <a:rPr lang="fr-FR" sz="1800" dirty="0">
+                <a:sym typeface="Wingdings" panose="05000000000000000000" pitchFamily="2" charset="2"/>
+              </a:rPr>
+              <a:t>// TODO générez les .</a:t>
+            </a:r>
+            <a:r>
+              <a:rPr lang="fr-FR" sz="1800" dirty="0" err="1">
+                <a:sym typeface="Wingdings" panose="05000000000000000000" pitchFamily="2" charset="2"/>
+              </a:rPr>
+              <a:t>obj</a:t>
+            </a:r>
+            <a:r>
+              <a:rPr lang="fr-FR" sz="1800" dirty="0">
+                <a:sym typeface="Wingdings" panose="05000000000000000000" pitchFamily="2" charset="2"/>
+              </a:rPr>
+              <a:t> de </a:t>
+            </a:r>
+            <a:r>
+              <a:rPr lang="fr-FR" sz="1800" dirty="0" err="1">
+                <a:sym typeface="Wingdings" panose="05000000000000000000" pitchFamily="2" charset="2"/>
+              </a:rPr>
+              <a:t>foo</a:t>
+            </a:r>
+            <a:r>
+              <a:rPr lang="fr-FR" sz="1800" dirty="0">
+                <a:sym typeface="Wingdings" panose="05000000000000000000" pitchFamily="2" charset="2"/>
+              </a:rPr>
+              <a:t> et bar</a:t>
+            </a:r>
+          </a:p>
+          <a:p>
+            <a:pPr lvl="1"/>
             <a:r>
               <a:rPr lang="fr-FR" sz="1800" dirty="0" smtClean="0">
-                <a:sym typeface="Wingdings" panose="05000000000000000000" pitchFamily="2" charset="2"/>
-              </a:rPr>
-              <a:t>suivantes :</a:t>
-            </a:r>
-            <a:endParaRPr lang="fr-FR" sz="1800" dirty="0" smtClean="0">
-              <a:sym typeface="Wingdings" panose="05000000000000000000" pitchFamily="2" charset="2"/>
-            </a:endParaRPr>
+                <a:latin typeface="Cascadia Code" panose="020B0609020000020004" pitchFamily="49" charset="0"/>
+                <a:cs typeface="Cascadia Code" panose="020B0609020000020004" pitchFamily="49" charset="0"/>
+                <a:sym typeface="Wingdings" panose="05000000000000000000" pitchFamily="2" charset="2"/>
+              </a:rPr>
+              <a:t>lib /</a:t>
+            </a:r>
+            <a:r>
+              <a:rPr lang="fr-FR" sz="1800" dirty="0" err="1" smtClean="0">
+                <a:latin typeface="Cascadia Code" panose="020B0609020000020004" pitchFamily="49" charset="0"/>
+                <a:cs typeface="Cascadia Code" panose="020B0609020000020004" pitchFamily="49" charset="0"/>
+                <a:sym typeface="Wingdings" panose="05000000000000000000" pitchFamily="2" charset="2"/>
+              </a:rPr>
+              <a:t>OUT:foobar.lib</a:t>
+            </a:r>
+            <a:r>
+              <a:rPr lang="fr-FR" sz="1800" dirty="0" smtClean="0">
+                <a:latin typeface="Cascadia Code" panose="020B0609020000020004" pitchFamily="49" charset="0"/>
+                <a:cs typeface="Cascadia Code" panose="020B0609020000020004" pitchFamily="49" charset="0"/>
+                <a:sym typeface="Wingdings" panose="05000000000000000000" pitchFamily="2" charset="2"/>
+              </a:rPr>
+              <a:t> *.</a:t>
+            </a:r>
+            <a:r>
+              <a:rPr lang="fr-FR" sz="1800" dirty="0" err="1" smtClean="0">
+                <a:latin typeface="Cascadia Code" panose="020B0609020000020004" pitchFamily="49" charset="0"/>
+                <a:cs typeface="Cascadia Code" panose="020B0609020000020004" pitchFamily="49" charset="0"/>
+                <a:sym typeface="Wingdings" panose="05000000000000000000" pitchFamily="2" charset="2"/>
+              </a:rPr>
+              <a:t>obj</a:t>
+            </a:r>
+            <a:r>
+              <a:rPr lang="fr-FR" sz="1800" dirty="0" smtClean="0">
+                <a:latin typeface="Cascadia Code" panose="020B0609020000020004" pitchFamily="49" charset="0"/>
+                <a:cs typeface="Cascadia Code" panose="020B0609020000020004" pitchFamily="49" charset="0"/>
+                <a:sym typeface="Wingdings" panose="05000000000000000000" pitchFamily="2" charset="2"/>
+              </a:rPr>
+              <a:t>  f</a:t>
+            </a:r>
+            <a:r>
+              <a:rPr lang="fr-FR" sz="1800" dirty="0" smtClean="0">
+                <a:sym typeface="Wingdings" panose="05000000000000000000" pitchFamily="2" charset="2"/>
+              </a:rPr>
+              <a:t>oobar.lib</a:t>
+            </a:r>
           </a:p>
           <a:p>
             <a:pPr lvl="1"/>
             <a:r>
-              <a:rPr lang="fr-FR" sz="1800" dirty="0">
-                <a:sym typeface="Wingdings" panose="05000000000000000000" pitchFamily="2" charset="2"/>
-              </a:rPr>
-              <a:t>// TODO générez les .</a:t>
-            </a:r>
-            <a:r>
-              <a:rPr lang="fr-FR" sz="1800" dirty="0" err="1">
-                <a:sym typeface="Wingdings" panose="05000000000000000000" pitchFamily="2" charset="2"/>
-              </a:rPr>
-              <a:t>obj</a:t>
-            </a:r>
-            <a:r>
-              <a:rPr lang="fr-FR" sz="1800" dirty="0">
-                <a:sym typeface="Wingdings" panose="05000000000000000000" pitchFamily="2" charset="2"/>
-              </a:rPr>
-              <a:t> de </a:t>
-            </a:r>
-            <a:r>
-              <a:rPr lang="fr-FR" sz="1800" dirty="0" err="1">
-                <a:sym typeface="Wingdings" panose="05000000000000000000" pitchFamily="2" charset="2"/>
-              </a:rPr>
-              <a:t>foo</a:t>
-            </a:r>
-            <a:r>
-              <a:rPr lang="fr-FR" sz="1800" dirty="0">
-                <a:sym typeface="Wingdings" panose="05000000000000000000" pitchFamily="2" charset="2"/>
-              </a:rPr>
-              <a:t> et bar</a:t>
-            </a:r>
-          </a:p>
-          <a:p>
-            <a:pPr lvl="1"/>
-            <a:r>
               <a:rPr lang="fr-FR" sz="1800" dirty="0" smtClean="0">
-                <a:latin typeface="Cascadia Code" panose="020B0609020000020004" pitchFamily="49" charset="0"/>
-                <a:cs typeface="Cascadia Code" panose="020B0609020000020004" pitchFamily="49" charset="0"/>
-                <a:sym typeface="Wingdings" panose="05000000000000000000" pitchFamily="2" charset="2"/>
-              </a:rPr>
-              <a:t>lib </a:t>
+                <a:sym typeface="Wingdings" panose="05000000000000000000" pitchFamily="2" charset="2"/>
+              </a:rPr>
+              <a:t>// TODO générez le .</a:t>
+            </a:r>
+            <a:r>
+              <a:rPr lang="fr-FR" sz="1800" dirty="0" err="1" smtClean="0">
+                <a:sym typeface="Wingdings" panose="05000000000000000000" pitchFamily="2" charset="2"/>
+              </a:rPr>
+              <a:t>exe</a:t>
             </a:r>
             <a:r>
               <a:rPr lang="fr-FR" sz="1800" dirty="0" smtClean="0">
-                <a:latin typeface="Cascadia Code" panose="020B0609020000020004" pitchFamily="49" charset="0"/>
-                <a:cs typeface="Cascadia Code" panose="020B0609020000020004" pitchFamily="49" charset="0"/>
-                <a:sym typeface="Wingdings" panose="05000000000000000000" pitchFamily="2" charset="2"/>
-              </a:rPr>
-              <a:t>/</a:t>
+                <a:sym typeface="Wingdings" panose="05000000000000000000" pitchFamily="2" charset="2"/>
+              </a:rPr>
+              <a:t> en </a:t>
             </a:r>
             <a:r>
               <a:rPr lang="fr-FR" sz="1800" dirty="0" err="1" smtClean="0">
-                <a:latin typeface="Cascadia Code" panose="020B0609020000020004" pitchFamily="49" charset="0"/>
-                <a:cs typeface="Cascadia Code" panose="020B0609020000020004" pitchFamily="49" charset="0"/>
-                <a:sym typeface="Wingdings" panose="05000000000000000000" pitchFamily="2" charset="2"/>
-              </a:rPr>
-              <a:t>OUT:foobar.lib</a:t>
+                <a:sym typeface="Wingdings" panose="05000000000000000000" pitchFamily="2" charset="2"/>
+              </a:rPr>
+              <a:t>likant</a:t>
             </a:r>
             <a:r>
               <a:rPr lang="fr-FR" sz="1800" dirty="0" smtClean="0">
-                <a:latin typeface="Cascadia Code" panose="020B0609020000020004" pitchFamily="49" charset="0"/>
-                <a:cs typeface="Cascadia Code" panose="020B0609020000020004" pitchFamily="49" charset="0"/>
-                <a:sym typeface="Wingdings" panose="05000000000000000000" pitchFamily="2" charset="2"/>
-              </a:rPr>
-              <a:t> *.</a:t>
-            </a:r>
-            <a:r>
-              <a:rPr lang="fr-FR" sz="1800" dirty="0" err="1" smtClean="0">
-                <a:latin typeface="Cascadia Code" panose="020B0609020000020004" pitchFamily="49" charset="0"/>
-                <a:cs typeface="Cascadia Code" panose="020B0609020000020004" pitchFamily="49" charset="0"/>
-                <a:sym typeface="Wingdings" panose="05000000000000000000" pitchFamily="2" charset="2"/>
-              </a:rPr>
-              <a:t>obj</a:t>
-            </a:r>
-            <a:r>
-              <a:rPr lang="fr-FR" sz="1800" dirty="0" smtClean="0">
-                <a:latin typeface="Cascadia Code" panose="020B0609020000020004" pitchFamily="49" charset="0"/>
-                <a:cs typeface="Cascadia Code" panose="020B0609020000020004" pitchFamily="49" charset="0"/>
-                <a:sym typeface="Wingdings" panose="05000000000000000000" pitchFamily="2" charset="2"/>
-              </a:rPr>
-              <a:t>  </a:t>
-            </a:r>
-            <a:r>
-              <a:rPr lang="fr-FR" sz="1800" dirty="0" smtClean="0">
-                <a:latin typeface="Cascadia Code" panose="020B0609020000020004" pitchFamily="49" charset="0"/>
-                <a:cs typeface="Cascadia Code" panose="020B0609020000020004" pitchFamily="49" charset="0"/>
-                <a:sym typeface="Wingdings" panose="05000000000000000000" pitchFamily="2" charset="2"/>
-              </a:rPr>
-              <a:t>f</a:t>
-            </a:r>
-            <a:r>
-              <a:rPr lang="fr-FR" sz="1800" dirty="0" smtClean="0">
-                <a:sym typeface="Wingdings" panose="05000000000000000000" pitchFamily="2" charset="2"/>
-              </a:rPr>
-              <a:t>oobar.lib</a:t>
-            </a:r>
-          </a:p>
-          <a:p>
-            <a:pPr lvl="1"/>
-            <a:r>
-              <a:rPr lang="fr-FR" sz="1800" dirty="0" smtClean="0">
-                <a:sym typeface="Wingdings" panose="05000000000000000000" pitchFamily="2" charset="2"/>
-              </a:rPr>
-              <a:t>// TODO générez le .</a:t>
-            </a:r>
-            <a:r>
-              <a:rPr lang="fr-FR" sz="1800" dirty="0" err="1" smtClean="0">
-                <a:sym typeface="Wingdings" panose="05000000000000000000" pitchFamily="2" charset="2"/>
-              </a:rPr>
-              <a:t>exe</a:t>
-            </a:r>
-            <a:r>
-              <a:rPr lang="fr-FR" sz="1800" dirty="0" smtClean="0">
-                <a:sym typeface="Wingdings" panose="05000000000000000000" pitchFamily="2" charset="2"/>
-              </a:rPr>
-              <a:t> en </a:t>
-            </a:r>
-            <a:r>
-              <a:rPr lang="fr-FR" sz="1800" dirty="0" err="1" smtClean="0">
-                <a:sym typeface="Wingdings" panose="05000000000000000000" pitchFamily="2" charset="2"/>
-              </a:rPr>
-              <a:t>likant</a:t>
-            </a:r>
-            <a:r>
-              <a:rPr lang="fr-FR" sz="1800" dirty="0" smtClean="0">
                 <a:sym typeface="Wingdings" panose="05000000000000000000" pitchFamily="2" charset="2"/>
               </a:rPr>
               <a:t> avec foobar.lib</a:t>
             </a:r>
-            <a:endParaRPr lang="fr-FR" sz="1800" dirty="0" smtClean="0">
-              <a:sym typeface="Wingdings" panose="05000000000000000000" pitchFamily="2" charset="2"/>
-            </a:endParaRPr>
           </a:p>
           <a:p>
             <a:pPr lvl="1"/>
@@ -23346,15 +23255,7 @@
             </a:br>
             <a:r>
               <a:rPr lang="fr-FR" sz="1600" dirty="0" smtClean="0"/>
-              <a:t>l</a:t>
-            </a:r>
-            <a:r>
-              <a:rPr lang="fr-FR" sz="1600" dirty="0" smtClean="0"/>
-              <a:t>es </a:t>
-            </a:r>
-            <a:r>
-              <a:rPr lang="fr-FR" sz="1600" dirty="0" smtClean="0"/>
-              <a:t>deux premières étapes peuvent se faire via la commande :</a:t>
+              <a:t>les deux premières étapes peuvent se faire via la commande :</a:t>
             </a:r>
             <a:r>
               <a:rPr lang="fr-FR" sz="1600" dirty="0"/>
@@ -23779,19 +23680,7 @@
               <a:rPr lang="fr-FR" dirty="0" smtClean="0">
                 <a:sym typeface="Wingdings" panose="05000000000000000000" pitchFamily="2" charset="2"/>
               </a:rPr>
-              <a:t> » </a:t>
-            </a:r>
-            <a:r>
-              <a:rPr lang="fr-FR" dirty="0" smtClean="0">
-                <a:sym typeface="Wingdings" panose="05000000000000000000" pitchFamily="2" charset="2"/>
-              </a:rPr>
-              <a:t>dans un </a:t>
-            </a:r>
-            <a:r>
-              <a:rPr lang="fr-FR" dirty="0" smtClean="0">
-                <a:sym typeface="Wingdings" panose="05000000000000000000" pitchFamily="2" charset="2"/>
-              </a:rPr>
-              <a:t>projet : Fichier </a:t>
+              <a:t> » dans un projet : Fichier </a:t>
             </a:r>
             <a:r>
               <a:rPr lang="fr-FR" dirty="0" err="1" smtClean="0">
@@ -23940,9 +23829,6 @@
               </a:rPr>
               <a:t> console</a:t>
             </a:r>
-            <a:endParaRPr lang="fr-FR" dirty="0" smtClean="0">
-              <a:sym typeface="Wingdings" panose="05000000000000000000" pitchFamily="2" charset="2"/>
-            </a:endParaRPr>
           </a:p>
           <a:p>
             <a:endParaRPr lang="fr-FR" dirty="0" smtClean="0">
@@ -24285,25 +24171,7 @@
               <a:rPr lang="fr-FR" sz="1600" dirty="0">
                 <a:sym typeface="Wingdings" panose="05000000000000000000" pitchFamily="2" charset="2"/>
               </a:rPr>
-              <a:t>) est nécessaire devant les données mais pas nécessairement devant les fonctions ou les </a:t>
-            </a:r>
-            <a:r>
-              <a:rPr lang="fr-FR" sz="1600" dirty="0">
-                <a:sym typeface="Wingdings" panose="05000000000000000000" pitchFamily="2" charset="2"/>
-              </a:rPr>
-              <a:t>classes. </a:t>
-            </a:r>
-            <a:r>
-              <a:rPr lang="fr-FR" sz="1600" dirty="0">
-                <a:sym typeface="Wingdings" panose="05000000000000000000" pitchFamily="2" charset="2"/>
-              </a:rPr>
-              <a:t>En </a:t>
-            </a:r>
-            <a:r>
-              <a:rPr lang="fr-FR" sz="1600" dirty="0">
-                <a:sym typeface="Wingdings" panose="05000000000000000000" pitchFamily="2" charset="2"/>
-              </a:rPr>
-              <a:t>revanche, ça permet au linker d’optimiser certaines choses (que vous ne voulez pas connaitre) pour économiser le temps de linkage</a:t>
+              <a:t>) est nécessaire devant les données mais pas nécessairement devant les fonctions ou les classes. En revanche, ça permet au linker d’optimiser certaines choses (que vous ne voulez pas connaitre) pour économiser le temps de linkage</a:t>
             </a:r>
             <a:r>
               <a:rPr lang="fr-FR" sz="1600" dirty="0" smtClean="0">
@@ -24885,11 +24753,7 @@
             </a:r>
             <a:r>
               <a:rPr lang="fr-FR" sz="1600" dirty="0"/>
-              <a:t> "</a:t>
-            </a:r>
-            <a:r>
-              <a:rPr lang="fr-FR" sz="1600" dirty="0"/>
-              <a:t>C" dans </a:t>
+              <a:t> "C" dans </a:t>
             </a:r>
             <a:r>
               <a:rPr lang="fr-FR" sz="1600" dirty="0" smtClean="0"/>
@@ -24899,7 +24763,6 @@
               <a:rPr lang="fr-FR" sz="1600" dirty="0"/>
               <a:t>client C</a:t>
             </a:r>
-            <a:endParaRPr lang="fr-FR" sz="1600" dirty="0"/>
           </a:p>
         </p:txBody>
       </p:sp>
@@ -24990,7 +24853,6 @@
               <a:rPr lang="fr-FR" dirty="0"/>
               <a:t> !</a:t>
             </a:r>
-            <a:endParaRPr lang="fr-FR" dirty="0"/>
           </a:p>
         </p:txBody>
       </p:sp>
@@ -25136,15 +24998,7 @@
                   <a:schemeClr val="bg1"/>
                 </a:solidFill>
               </a:rPr>
-              <a:t>À </a:t>
-            </a:r>
-            <a:r>
-              <a:rPr lang="fr-FR" sz="3150" smtClean="0">
-                <a:solidFill>
-                  <a:schemeClr val="bg1"/>
-                </a:solidFill>
-              </a:rPr>
-              <a:t>suivre</a:t>
+              <a:t>À suivre</a:t>
             </a:r>
             <a:endParaRPr lang="fr-FR" sz="3150" dirty="0">
               <a:solidFill>
@@ -25372,7 +25226,6 @@
               <a:rPr lang="fr-FR" sz="1600" dirty="0" smtClean="0"/>
               <a:t>…</a:t>
             </a:r>
-            <a:endParaRPr lang="fr-FR" sz="1600" dirty="0" smtClean="0"/>
           </a:p>
           <a:p>
             <a:endParaRPr lang="fr-FR" sz="1600" dirty="0" smtClean="0"/>
@@ -26742,14 +26595,7 @@
                 <a:latin typeface="Cascadia Code" panose="020B0609020000020004" pitchFamily="49" charset="0"/>
                 <a:cs typeface="Cascadia Code" panose="020B0609020000020004" pitchFamily="49" charset="0"/>
               </a:rPr>
-              <a:t>c</a:t>
-            </a:r>
-            <a:r>
-              <a:rPr lang="fr-FR" dirty="0" err="1" smtClean="0">
-                <a:latin typeface="Cascadia Code" panose="020B0609020000020004" pitchFamily="49" charset="0"/>
-                <a:cs typeface="Cascadia Code" panose="020B0609020000020004" pitchFamily="49" charset="0"/>
-              </a:rPr>
-              <a:t>make</a:t>
+              <a:t>cmake</a:t>
             </a:r>
             <a:r>
               <a:rPr lang="fr-FR" dirty="0" smtClean="0">
@@ -26778,7 +26624,6 @@
               <a:rPr lang="fr-FR" dirty="0" smtClean="0"/>
               <a:t>Faire les exercices 1 et 2</a:t>
             </a:r>
-            <a:endParaRPr lang="fr-FR" dirty="0" smtClean="0"/>
           </a:p>
           <a:p>
             <a:pPr lvl="1"/>
@@ -27921,23 +27766,6 @@
 </file>
 
 <file path=customXml/item1.xml><?xml version="1.0" encoding="utf-8"?>
-<?mso-contentType ?>
-<FormTemplates xmlns="http://schemas.microsoft.com/sharepoint/v3/contenttype/forms">
-  <Display>DocumentLibraryForm</Display>
-  <Edit>DocumentLibraryForm</Edit>
-  <New>DocumentLibraryForm</New>
-</FormTemplates>
-</file>
-
-<file path=customXml/item2.xml><?xml version="1.0" encoding="utf-8"?>
-<p:properties xmlns:p="http://schemas.microsoft.com/office/2006/metadata/properties" xmlns:xsi="http://www.w3.org/2001/XMLSchema-instance" xmlns:pc="http://schemas.microsoft.com/office/infopath/2007/PartnerControls">
-  <documentManagement>
-    <MediaServiceKeyPoints xmlns="71af3243-3dd4-4a8d-8c0d-dd76da1f02a5" xsi:nil="true"/>
-  </documentManagement>
-</p:properties>
-</file>
-
-<file path=customXml/item3.xml><?xml version="1.0" encoding="utf-8"?>
 <ct:contentTypeSchema xmlns:ct="http://schemas.microsoft.com/office/2006/metadata/contentType" xmlns:ma="http://schemas.microsoft.com/office/2006/metadata/properties/metaAttributes" ct:_="" ma:_="" ma:contentTypeName="Document" ma:contentTypeID="0x01010079F111ED35F8CC479449609E8A0923A6" ma:contentTypeVersion="11" ma:contentTypeDescription="Create a new document." ma:contentTypeScope="" ma:versionID="9677210f24a1be23c92c90fd886aa0aa">
   <xsd:schema xmlns:xsd="http://www.w3.org/2001/XMLSchema" xmlns:xs="http://www.w3.org/2001/XMLSchema" xmlns:p="http://schemas.microsoft.com/office/2006/metadata/properties" xmlns:ns2="71af3243-3dd4-4a8d-8c0d-dd76da1f02a5" xmlns:ns3="16c05727-aa75-4e4a-9b5f-8a80a1165891" targetNamespace="http://schemas.microsoft.com/office/2006/metadata/properties" ma:root="true" ma:fieldsID="60e05723c5c1908df1a1a4ebf11d344e" ns2:_="" ns3:_="">
     <xsd:import namespace="71af3243-3dd4-4a8d-8c0d-dd76da1f02a5"/>
@@ -28148,10 +27976,38 @@
 </ct:contentTypeSchema>
 </file>
 
+<file path=customXml/item2.xml><?xml version="1.0" encoding="utf-8"?>
+<p:properties xmlns:p="http://schemas.microsoft.com/office/2006/metadata/properties" xmlns:xsi="http://www.w3.org/2001/XMLSchema-instance" xmlns:pc="http://schemas.microsoft.com/office/infopath/2007/PartnerControls">
+  <documentManagement>
+    <MediaServiceKeyPoints xmlns="71af3243-3dd4-4a8d-8c0d-dd76da1f02a5" xsi:nil="true"/>
+  </documentManagement>
+</p:properties>
+</file>
+
+<file path=customXml/item3.xml><?xml version="1.0" encoding="utf-8"?>
+<?mso-contentType ?>
+<FormTemplates xmlns="http://schemas.microsoft.com/sharepoint/v3/contenttype/forms">
+  <Display>DocumentLibraryForm</Display>
+  <Edit>DocumentLibraryForm</Edit>
+  <New>DocumentLibraryForm</New>
+</FormTemplates>
+</file>
+
 <file path=customXml/itemProps1.xml><?xml version="1.0" encoding="utf-8"?>
-<ds:datastoreItem xmlns:ds="http://schemas.openxmlformats.org/officeDocument/2006/customXml" ds:itemID="{2B21BF1A-59D3-4E19-9B95-2FD4309AC3AF}">
+<ds:datastoreItem xmlns:ds="http://schemas.openxmlformats.org/officeDocument/2006/customXml" ds:itemID="{1EED214C-B51A-4B75-8B08-0E0DBD2305BE}">
   <ds:schemaRefs>
-    <ds:schemaRef ds:uri="http://schemas.microsoft.com/sharepoint/v3/contenttype/forms"/>
+    <ds:schemaRef ds:uri="http://schemas.microsoft.com/office/2006/metadata/contentType"/>
+    <ds:schemaRef ds:uri="http://schemas.microsoft.com/office/2006/metadata/properties/metaAttributes"/>
+    <ds:schemaRef ds:uri="http://www.w3.org/2001/XMLSchema"/>
+    <ds:schemaRef ds:uri="http://schemas.microsoft.com/office/2006/metadata/properties"/>
+    <ds:schemaRef ds:uri="71af3243-3dd4-4a8d-8c0d-dd76da1f02a5"/>
+    <ds:schemaRef ds:uri="16c05727-aa75-4e4a-9b5f-8a80a1165891"/>
+    <ds:schemaRef ds:uri="http://schemas.microsoft.com/office/2006/documentManagement/types"/>
+    <ds:schemaRef ds:uri="http://schemas.microsoft.com/office/infopath/2007/PartnerControls"/>
+    <ds:schemaRef ds:uri="http://schemas.openxmlformats.org/package/2006/metadata/core-properties"/>
+    <ds:schemaRef ds:uri="http://purl.org/dc/elements/1.1/"/>
+    <ds:schemaRef ds:uri="http://purl.org/dc/terms/"/>
+    <ds:schemaRef ds:uri="http://schemas.microsoft.com/internal/obd"/>
   </ds:schemaRefs>
 </ds:datastoreItem>
 </file>
@@ -28174,20 +28030,9 @@
 </file>
 
 <file path=customXml/itemProps3.xml><?xml version="1.0" encoding="utf-8"?>
-<ds:datastoreItem xmlns:ds="http://schemas.openxmlformats.org/officeDocument/2006/customXml" ds:itemID="{1EED214C-B51A-4B75-8B08-0E0DBD2305BE}">
+<ds:datastoreItem xmlns:ds="http://schemas.openxmlformats.org/officeDocument/2006/customXml" ds:itemID="{2B21BF1A-59D3-4E19-9B95-2FD4309AC3AF}">
   <ds:schemaRefs>
-    <ds:schemaRef ds:uri="http://schemas.microsoft.com/office/2006/metadata/contentType"/>
-    <ds:schemaRef ds:uri="http://schemas.microsoft.com/office/2006/metadata/properties/metaAttributes"/>
-    <ds:schemaRef ds:uri="http://www.w3.org/2001/XMLSchema"/>
-    <ds:schemaRef ds:uri="http://schemas.microsoft.com/office/2006/metadata/properties"/>
-    <ds:schemaRef ds:uri="71af3243-3dd4-4a8d-8c0d-dd76da1f02a5"/>
-    <ds:schemaRef ds:uri="16c05727-aa75-4e4a-9b5f-8a80a1165891"/>
-    <ds:schemaRef ds:uri="http://schemas.microsoft.com/office/2006/documentManagement/types"/>
-    <ds:schemaRef ds:uri="http://schemas.microsoft.com/office/infopath/2007/PartnerControls"/>
-    <ds:schemaRef ds:uri="http://schemas.openxmlformats.org/package/2006/metadata/core-properties"/>
-    <ds:schemaRef ds:uri="http://purl.org/dc/elements/1.1/"/>
-    <ds:schemaRef ds:uri="http://purl.org/dc/terms/"/>
-    <ds:schemaRef ds:uri="http://schemas.microsoft.com/internal/obd"/>
+    <ds:schemaRef ds:uri="http://schemas.microsoft.com/sharepoint/v3/contenttype/forms"/>
   </ds:schemaRefs>
 </ds:datastoreItem>
 </file>